--- a/210215_React_2.pptx
+++ b/210215_React_2.pptx
@@ -5,10 +5,10 @@
     <p:sldMasterId id="2147483648" r:id="rId1"/>
   </p:sldMasterIdLst>
   <p:notesMasterIdLst>
-    <p:notesMasterId r:id="rId12"/>
+    <p:notesMasterId r:id="rId16"/>
   </p:notesMasterIdLst>
   <p:handoutMasterIdLst>
-    <p:handoutMasterId r:id="rId13"/>
+    <p:handoutMasterId r:id="rId17"/>
   </p:handoutMasterIdLst>
   <p:sldIdLst>
     <p:sldId id="256" r:id="rId2"/>
@@ -19,19 +19,16 @@
     <p:sldId id="400" r:id="rId7"/>
     <p:sldId id="401" r:id="rId8"/>
     <p:sldId id="403" r:id="rId9"/>
-    <p:sldId id="404" r:id="rId10"/>
-    <p:sldId id="262" r:id="rId11"/>
+    <p:sldId id="405" r:id="rId10"/>
+    <p:sldId id="406" r:id="rId11"/>
+    <p:sldId id="407" r:id="rId12"/>
+    <p:sldId id="408" r:id="rId13"/>
+    <p:sldId id="404" r:id="rId14"/>
+    <p:sldId id="262" r:id="rId15"/>
   </p:sldIdLst>
   <p:sldSz cx="12192000" cy="6858000"/>
   <p:notesSz cx="6858000" cy="9144000"/>
   <p:embeddedFontLst>
-    <p:embeddedFont>
-      <p:font typeface="Consolas" panose="020B0609020204030204" pitchFamily="49" charset="0"/>
-      <p:regular r:id="rId14"/>
-      <p:bold r:id="rId15"/>
-      <p:italic r:id="rId16"/>
-      <p:boldItalic r:id="rId17"/>
-    </p:embeddedFont>
     <p:embeddedFont>
       <p:font typeface="배달의민족 주아" panose="02020603020101020101" pitchFamily="18" charset="-127"/>
       <p:regular r:id="rId18"/>
@@ -245,7 +242,7 @@
                 <a:latin typeface="빙그레 메로나체" panose="020B0503000000000000" pitchFamily="50" charset="-127"/>
                 <a:ea typeface="빙그레 메로나체" panose="020B0503000000000000" pitchFamily="50" charset="-127"/>
               </a:rPr>
-              <a:t>21-02-14(Sun)</a:t>
+              <a:t>21-02-15(Mon)</a:t>
             </a:fld>
             <a:endParaRPr lang="ko-KR" altLang="en-US">
               <a:latin typeface="빙그레 메로나체" panose="020B0503000000000000" pitchFamily="50" charset="-127"/>
@@ -442,7 +439,7 @@
             <a:fld id="{4603488D-D3EA-41C9-A985-B1D359B38FE8}" type="datetimeFigureOut">
               <a:rPr lang="ko-KR" altLang="en-US" smtClean="0"/>
               <a:pPr/>
-              <a:t>21-02-14(Sun)</a:t>
+              <a:t>21-02-15(Mon)</a:t>
             </a:fld>
             <a:endParaRPr lang="ko-KR" altLang="en-US"/>
           </a:p>
@@ -742,6 +739,926 @@
           <a:bodyPr/>
           <a:lstStyle/>
           <a:p>
+            <a:pPr marL="0" algn="l" defTabSz="914400" rtl="0" eaLnBrk="1" latinLnBrk="1" hangingPunct="1"/>
+            <a:r>
+              <a:rPr lang="en-US" altLang="ko-KR" sz="1800" kern="1200">
+                <a:ln>
+                  <a:solidFill>
+                    <a:schemeClr val="tx1">
+                      <a:alpha val="30000"/>
+                    </a:schemeClr>
+                  </a:solidFill>
+                </a:ln>
+                <a:solidFill>
+                  <a:schemeClr val="tx1"/>
+                </a:solidFill>
+                <a:latin typeface="빙그레 메로나체" panose="020B0503000000000000" pitchFamily="50" charset="-127"/>
+                <a:ea typeface="빙그레 메로나체" panose="020B0503000000000000" pitchFamily="50" charset="-127"/>
+                <a:cs typeface="+mn-cs"/>
+              </a:rPr>
+              <a:t>Component</a:t>
+            </a:r>
+            <a:r>
+              <a:rPr lang="ko-KR" altLang="en-US" sz="1800" kern="1200">
+                <a:ln>
+                  <a:solidFill>
+                    <a:schemeClr val="tx1">
+                      <a:alpha val="30000"/>
+                    </a:schemeClr>
+                  </a:solidFill>
+                </a:ln>
+                <a:solidFill>
+                  <a:schemeClr val="tx1"/>
+                </a:solidFill>
+                <a:latin typeface="빙그레 메로나체" panose="020B0503000000000000" pitchFamily="50" charset="-127"/>
+                <a:ea typeface="빙그레 메로나체" panose="020B0503000000000000" pitchFamily="50" charset="-127"/>
+                <a:cs typeface="+mn-cs"/>
+              </a:rPr>
+              <a:t>가 </a:t>
+            </a:r>
+            <a:r>
+              <a:rPr lang="en-US" altLang="ko-KR" sz="1800" kern="1200">
+                <a:ln>
+                  <a:solidFill>
+                    <a:schemeClr val="tx1">
+                      <a:alpha val="30000"/>
+                    </a:schemeClr>
+                  </a:solidFill>
+                </a:ln>
+                <a:solidFill>
+                  <a:schemeClr val="tx1"/>
+                </a:solidFill>
+                <a:latin typeface="빙그레 메로나체" panose="020B0503000000000000" pitchFamily="50" charset="-127"/>
+                <a:ea typeface="빙그레 메로나체" panose="020B0503000000000000" pitchFamily="50" charset="-127"/>
+                <a:cs typeface="+mn-cs"/>
+              </a:rPr>
+              <a:t>mount </a:t>
+            </a:r>
+            <a:r>
+              <a:rPr lang="ko-KR" altLang="en-US" sz="1800" kern="1200">
+                <a:ln>
+                  <a:solidFill>
+                    <a:schemeClr val="tx1">
+                      <a:alpha val="30000"/>
+                    </a:schemeClr>
+                  </a:solidFill>
+                </a:ln>
+                <a:solidFill>
+                  <a:schemeClr val="tx1"/>
+                </a:solidFill>
+                <a:latin typeface="빙그레 메로나체" panose="020B0503000000000000" pitchFamily="50" charset="-127"/>
+                <a:ea typeface="빙그레 메로나체" panose="020B0503000000000000" pitchFamily="50" charset="-127"/>
+                <a:cs typeface="+mn-cs"/>
+              </a:rPr>
+              <a:t>됐을 때 </a:t>
+            </a:r>
+            <a:r>
+              <a:rPr lang="en-US" altLang="ko-KR" sz="1800" kern="1200">
+                <a:ln>
+                  <a:solidFill>
+                    <a:schemeClr val="tx1">
+                      <a:alpha val="30000"/>
+                    </a:schemeClr>
+                  </a:solidFill>
+                </a:ln>
+                <a:solidFill>
+                  <a:schemeClr val="tx1"/>
+                </a:solidFill>
+                <a:latin typeface="빙그레 메로나체" panose="020B0503000000000000" pitchFamily="50" charset="-127"/>
+                <a:ea typeface="빙그레 메로나체" panose="020B0503000000000000" pitchFamily="50" charset="-127"/>
+                <a:cs typeface="+mn-cs"/>
+              </a:rPr>
+              <a:t>(</a:t>
+            </a:r>
+            <a:r>
+              <a:rPr lang="ko-KR" altLang="en-US" sz="1800" kern="1200">
+                <a:ln>
+                  <a:solidFill>
+                    <a:schemeClr val="tx1">
+                      <a:alpha val="30000"/>
+                    </a:schemeClr>
+                  </a:solidFill>
+                </a:ln>
+                <a:solidFill>
+                  <a:schemeClr val="tx1"/>
+                </a:solidFill>
+                <a:latin typeface="빙그레 메로나체" panose="020B0503000000000000" pitchFamily="50" charset="-127"/>
+                <a:ea typeface="빙그레 메로나체" panose="020B0503000000000000" pitchFamily="50" charset="-127"/>
+                <a:cs typeface="+mn-cs"/>
+              </a:rPr>
+              <a:t>처음 나타났을 때</a:t>
+            </a:r>
+            <a:r>
+              <a:rPr lang="en-US" altLang="ko-KR" sz="1800" kern="1200">
+                <a:ln>
+                  <a:solidFill>
+                    <a:schemeClr val="tx1">
+                      <a:alpha val="30000"/>
+                    </a:schemeClr>
+                  </a:solidFill>
+                </a:ln>
+                <a:solidFill>
+                  <a:schemeClr val="tx1"/>
+                </a:solidFill>
+                <a:latin typeface="빙그레 메로나체" panose="020B0503000000000000" pitchFamily="50" charset="-127"/>
+                <a:ea typeface="빙그레 메로나체" panose="020B0503000000000000" pitchFamily="50" charset="-127"/>
+                <a:cs typeface="+mn-cs"/>
+              </a:rPr>
+              <a:t>)</a:t>
+            </a:r>
+          </a:p>
+          <a:p>
+            <a:pPr marL="0" algn="l" defTabSz="914400" rtl="0" eaLnBrk="1" latinLnBrk="1" hangingPunct="1"/>
+            <a:endParaRPr lang="en-US" altLang="ko-KR" sz="1800" kern="1200">
+              <a:ln>
+                <a:solidFill>
+                  <a:schemeClr val="tx1">
+                    <a:alpha val="30000"/>
+                  </a:schemeClr>
+                </a:solidFill>
+              </a:ln>
+              <a:solidFill>
+                <a:schemeClr val="tx1"/>
+              </a:solidFill>
+              <a:latin typeface="빙그레 메로나체" panose="020B0503000000000000" pitchFamily="50" charset="-127"/>
+              <a:ea typeface="빙그레 메로나체" panose="020B0503000000000000" pitchFamily="50" charset="-127"/>
+              <a:cs typeface="+mn-cs"/>
+            </a:endParaRPr>
+          </a:p>
+          <a:p>
+            <a:pPr marL="0" algn="l" defTabSz="914400" rtl="0" eaLnBrk="1" latinLnBrk="1" hangingPunct="1"/>
+            <a:r>
+              <a:rPr lang="ko-KR" altLang="en-US" sz="1800" kern="1200">
+                <a:ln>
+                  <a:solidFill>
+                    <a:schemeClr val="tx1">
+                      <a:alpha val="30000"/>
+                    </a:schemeClr>
+                  </a:solidFill>
+                </a:ln>
+                <a:solidFill>
+                  <a:schemeClr val="tx1"/>
+                </a:solidFill>
+                <a:latin typeface="빙그레 메로나체" panose="020B0503000000000000" pitchFamily="50" charset="-127"/>
+                <a:ea typeface="빙그레 메로나체" panose="020B0503000000000000" pitchFamily="50" charset="-127"/>
+                <a:cs typeface="+mn-cs"/>
+              </a:rPr>
+              <a:t>컴포넌트가 화면에 가장 처음 렌더링 될 때 한 번만 실행하고 싶을 때는 </a:t>
+            </a:r>
+            <a:r>
+              <a:rPr lang="en-US" altLang="ko-KR" sz="1800" kern="1200">
+                <a:ln>
+                  <a:solidFill>
+                    <a:schemeClr val="tx1">
+                      <a:alpha val="30000"/>
+                    </a:schemeClr>
+                  </a:solidFill>
+                </a:ln>
+                <a:solidFill>
+                  <a:schemeClr val="tx1"/>
+                </a:solidFill>
+                <a:latin typeface="빙그레 메로나체" panose="020B0503000000000000" pitchFamily="50" charset="-127"/>
+                <a:ea typeface="빙그레 메로나체" panose="020B0503000000000000" pitchFamily="50" charset="-127"/>
+                <a:cs typeface="+mn-cs"/>
+              </a:rPr>
+              <a:t>deps </a:t>
+            </a:r>
+            <a:r>
+              <a:rPr lang="ko-KR" altLang="en-US" sz="1800" kern="1200">
+                <a:ln>
+                  <a:solidFill>
+                    <a:schemeClr val="tx1">
+                      <a:alpha val="30000"/>
+                    </a:schemeClr>
+                  </a:solidFill>
+                </a:ln>
+                <a:solidFill>
+                  <a:schemeClr val="tx1"/>
+                </a:solidFill>
+                <a:latin typeface="빙그레 메로나체" panose="020B0503000000000000" pitchFamily="50" charset="-127"/>
+                <a:ea typeface="빙그레 메로나체" panose="020B0503000000000000" pitchFamily="50" charset="-127"/>
+                <a:cs typeface="+mn-cs"/>
+              </a:rPr>
+              <a:t>위치에 빈 배열을 넣는다</a:t>
+            </a:r>
+            <a:r>
+              <a:rPr lang="en-US" altLang="ko-KR" sz="1800" kern="1200">
+                <a:ln>
+                  <a:solidFill>
+                    <a:schemeClr val="tx1">
+                      <a:alpha val="30000"/>
+                    </a:schemeClr>
+                  </a:solidFill>
+                </a:ln>
+                <a:solidFill>
+                  <a:schemeClr val="tx1"/>
+                </a:solidFill>
+                <a:latin typeface="빙그레 메로나체" panose="020B0503000000000000" pitchFamily="50" charset="-127"/>
+                <a:ea typeface="빙그레 메로나체" panose="020B0503000000000000" pitchFamily="50" charset="-127"/>
+                <a:cs typeface="+mn-cs"/>
+              </a:rPr>
+              <a:t>.</a:t>
+            </a:r>
+          </a:p>
+        </p:txBody>
+      </p:sp>
+    </p:spTree>
+    <p:extLst>
+      <p:ext uri="{BB962C8B-B14F-4D97-AF65-F5344CB8AC3E}">
+        <p14:creationId xmlns:p14="http://schemas.microsoft.com/office/powerpoint/2010/main" val="1763443668"/>
+      </p:ext>
+    </p:extLst>
+  </p:cSld>
+  <p:clrMapOvr>
+    <a:masterClrMapping/>
+  </p:clrMapOvr>
+</p:notes>
+</file>
+
+<file path=ppt/notesSlides/notesSlide11.xml><?xml version="1.0" encoding="utf-8"?>
+<p:notes xmlns:a="http://schemas.openxmlformats.org/drawingml/2006/main" xmlns:r="http://schemas.openxmlformats.org/officeDocument/2006/relationships" xmlns:p="http://schemas.openxmlformats.org/presentationml/2006/main">
+  <p:cSld>
+    <p:spTree>
+      <p:nvGrpSpPr>
+        <p:cNvPr id="1" name=""/>
+        <p:cNvGrpSpPr/>
+        <p:nvPr/>
+      </p:nvGrpSpPr>
+      <p:grpSpPr>
+        <a:xfrm>
+          <a:off x="0" y="0"/>
+          <a:ext cx="0" cy="0"/>
+          <a:chOff x="0" y="0"/>
+          <a:chExt cx="0" cy="0"/>
+        </a:xfrm>
+      </p:grpSpPr>
+      <p:sp>
+        <p:nvSpPr>
+          <p:cNvPr id="2" name="슬라이드 이미지 개체 틀 1"/>
+          <p:cNvSpPr>
+            <a:spLocks noGrp="1" noRot="1" noChangeAspect="1"/>
+          </p:cNvSpPr>
+          <p:nvPr>
+            <p:ph type="sldImg"/>
+          </p:nvPr>
+        </p:nvSpPr>
+        <p:spPr/>
+      </p:sp>
+      <p:sp>
+        <p:nvSpPr>
+          <p:cNvPr id="3" name="슬라이드 노트 개체 틀 2"/>
+          <p:cNvSpPr>
+            <a:spLocks noGrp="1"/>
+          </p:cNvSpPr>
+          <p:nvPr>
+            <p:ph type="body" idx="1"/>
+          </p:nvPr>
+        </p:nvSpPr>
+        <p:spPr/>
+        <p:txBody>
+          <a:bodyPr/>
+          <a:lstStyle/>
+          <a:p>
+            <a:pPr marL="0" algn="l" defTabSz="914400" rtl="0" eaLnBrk="1" latinLnBrk="1" hangingPunct="1"/>
+            <a:r>
+              <a:rPr lang="ko-KR" altLang="en-US" sz="1800" kern="1200">
+                <a:ln>
+                  <a:solidFill>
+                    <a:schemeClr val="tx1">
+                      <a:alpha val="30000"/>
+                    </a:schemeClr>
+                  </a:solidFill>
+                </a:ln>
+                <a:solidFill>
+                  <a:schemeClr val="tx1"/>
+                </a:solidFill>
+                <a:latin typeface="빙그레 메로나체" panose="020B0503000000000000" pitchFamily="50" charset="-127"/>
+                <a:ea typeface="빙그레 메로나체" panose="020B0503000000000000" pitchFamily="50" charset="-127"/>
+                <a:cs typeface="+mn-cs"/>
+              </a:rPr>
+              <a:t>컴포넌트가 업데이트 될때 실행</a:t>
+            </a:r>
+            <a:endParaRPr lang="en-US" altLang="ko-KR" sz="1800" kern="1200">
+              <a:ln>
+                <a:solidFill>
+                  <a:schemeClr val="tx1">
+                    <a:alpha val="30000"/>
+                  </a:schemeClr>
+                </a:solidFill>
+              </a:ln>
+              <a:solidFill>
+                <a:schemeClr val="tx1"/>
+              </a:solidFill>
+              <a:latin typeface="빙그레 메로나체" panose="020B0503000000000000" pitchFamily="50" charset="-127"/>
+              <a:ea typeface="빙그레 메로나체" panose="020B0503000000000000" pitchFamily="50" charset="-127"/>
+              <a:cs typeface="+mn-cs"/>
+            </a:endParaRPr>
+          </a:p>
+          <a:p>
+            <a:pPr marL="0" algn="l" defTabSz="914400" rtl="0" eaLnBrk="1" latinLnBrk="1" hangingPunct="1"/>
+            <a:endParaRPr lang="en-US" altLang="ko-KR" sz="1800" kern="1200">
+              <a:ln>
+                <a:solidFill>
+                  <a:schemeClr val="tx1">
+                    <a:alpha val="30000"/>
+                  </a:schemeClr>
+                </a:solidFill>
+              </a:ln>
+              <a:solidFill>
+                <a:schemeClr val="tx1"/>
+              </a:solidFill>
+              <a:latin typeface="빙그레 메로나체" panose="020B0503000000000000" pitchFamily="50" charset="-127"/>
+              <a:ea typeface="빙그레 메로나체" panose="020B0503000000000000" pitchFamily="50" charset="-127"/>
+              <a:cs typeface="+mn-cs"/>
+            </a:endParaRPr>
+          </a:p>
+          <a:p>
+            <a:pPr marL="0" algn="l" defTabSz="914400" rtl="0" eaLnBrk="1" latinLnBrk="1" hangingPunct="1"/>
+            <a:r>
+              <a:rPr lang="ko-KR" altLang="en-US" sz="1800" kern="1200">
+                <a:ln>
+                  <a:solidFill>
+                    <a:schemeClr val="tx1">
+                      <a:alpha val="30000"/>
+                    </a:schemeClr>
+                  </a:solidFill>
+                </a:ln>
+                <a:solidFill>
+                  <a:schemeClr val="tx1"/>
+                </a:solidFill>
+                <a:latin typeface="빙그레 메로나체" panose="020B0503000000000000" pitchFamily="50" charset="-127"/>
+                <a:ea typeface="빙그레 메로나체" panose="020B0503000000000000" pitchFamily="50" charset="-127"/>
+                <a:cs typeface="+mn-cs"/>
+              </a:rPr>
+              <a:t>업데이트가 될 때마다 실행</a:t>
+            </a:r>
+            <a:r>
+              <a:rPr lang="en-US" altLang="ko-KR" sz="1800" kern="1200">
+                <a:ln>
+                  <a:solidFill>
+                    <a:schemeClr val="tx1">
+                      <a:alpha val="30000"/>
+                    </a:schemeClr>
+                  </a:solidFill>
+                </a:ln>
+                <a:solidFill>
+                  <a:schemeClr val="tx1"/>
+                </a:solidFill>
+                <a:latin typeface="빙그레 메로나체" panose="020B0503000000000000" pitchFamily="50" charset="-127"/>
+                <a:ea typeface="빙그레 메로나체" panose="020B0503000000000000" pitchFamily="50" charset="-127"/>
+                <a:cs typeface="+mn-cs"/>
+              </a:rPr>
+              <a:t>.</a:t>
+            </a:r>
+          </a:p>
+          <a:p>
+            <a:pPr marL="0" algn="l" defTabSz="914400" rtl="0" eaLnBrk="1" latinLnBrk="1" hangingPunct="1"/>
+            <a:r>
+              <a:rPr lang="ko-KR" altLang="en-US" sz="1800" kern="1200">
+                <a:ln>
+                  <a:solidFill>
+                    <a:schemeClr val="tx1">
+                      <a:alpha val="30000"/>
+                    </a:schemeClr>
+                  </a:solidFill>
+                </a:ln>
+                <a:solidFill>
+                  <a:schemeClr val="tx1"/>
+                </a:solidFill>
+                <a:latin typeface="빙그레 메로나체" panose="020B0503000000000000" pitchFamily="50" charset="-127"/>
+                <a:ea typeface="빙그레 메로나체" panose="020B0503000000000000" pitchFamily="50" charset="-127"/>
+                <a:cs typeface="+mn-cs"/>
+              </a:rPr>
+              <a:t>특정값이 업데이트 될 때마다 실행</a:t>
+            </a:r>
+            <a:r>
+              <a:rPr lang="en-US" altLang="ko-KR" sz="1800" kern="1200">
+                <a:ln>
+                  <a:solidFill>
+                    <a:schemeClr val="tx1">
+                      <a:alpha val="30000"/>
+                    </a:schemeClr>
+                  </a:solidFill>
+                </a:ln>
+                <a:solidFill>
+                  <a:schemeClr val="tx1"/>
+                </a:solidFill>
+                <a:latin typeface="빙그레 메로나체" panose="020B0503000000000000" pitchFamily="50" charset="-127"/>
+                <a:ea typeface="빙그레 메로나체" panose="020B0503000000000000" pitchFamily="50" charset="-127"/>
+                <a:cs typeface="+mn-cs"/>
+              </a:rPr>
+              <a:t>.</a:t>
+            </a:r>
+          </a:p>
+        </p:txBody>
+      </p:sp>
+    </p:spTree>
+    <p:extLst>
+      <p:ext uri="{BB962C8B-B14F-4D97-AF65-F5344CB8AC3E}">
+        <p14:creationId xmlns:p14="http://schemas.microsoft.com/office/powerpoint/2010/main" val="3692130566"/>
+      </p:ext>
+    </p:extLst>
+  </p:cSld>
+  <p:clrMapOvr>
+    <a:masterClrMapping/>
+  </p:clrMapOvr>
+</p:notes>
+</file>
+
+<file path=ppt/notesSlides/notesSlide12.xml><?xml version="1.0" encoding="utf-8"?>
+<p:notes xmlns:a="http://schemas.openxmlformats.org/drawingml/2006/main" xmlns:r="http://schemas.openxmlformats.org/officeDocument/2006/relationships" xmlns:p="http://schemas.openxmlformats.org/presentationml/2006/main">
+  <p:cSld>
+    <p:spTree>
+      <p:nvGrpSpPr>
+        <p:cNvPr id="1" name=""/>
+        <p:cNvGrpSpPr/>
+        <p:nvPr/>
+      </p:nvGrpSpPr>
+      <p:grpSpPr>
+        <a:xfrm>
+          <a:off x="0" y="0"/>
+          <a:ext cx="0" cy="0"/>
+          <a:chOff x="0" y="0"/>
+          <a:chExt cx="0" cy="0"/>
+        </a:xfrm>
+      </p:grpSpPr>
+      <p:sp>
+        <p:nvSpPr>
+          <p:cNvPr id="2" name="슬라이드 이미지 개체 틀 1"/>
+          <p:cNvSpPr>
+            <a:spLocks noGrp="1" noRot="1" noChangeAspect="1"/>
+          </p:cNvSpPr>
+          <p:nvPr>
+            <p:ph type="sldImg"/>
+          </p:nvPr>
+        </p:nvSpPr>
+        <p:spPr/>
+      </p:sp>
+      <p:sp>
+        <p:nvSpPr>
+          <p:cNvPr id="3" name="슬라이드 노트 개체 틀 2"/>
+          <p:cNvSpPr>
+            <a:spLocks noGrp="1"/>
+          </p:cNvSpPr>
+          <p:nvPr>
+            <p:ph type="body" idx="1"/>
+          </p:nvPr>
+        </p:nvSpPr>
+        <p:spPr/>
+        <p:txBody>
+          <a:bodyPr/>
+          <a:lstStyle/>
+          <a:p>
+            <a:pPr marL="0" algn="l" defTabSz="914400" rtl="0" eaLnBrk="1" latinLnBrk="1" hangingPunct="1"/>
+            <a:r>
+              <a:rPr lang="en-US" altLang="ko-KR" sz="1800" kern="1200">
+                <a:ln>
+                  <a:solidFill>
+                    <a:schemeClr val="tx1">
+                      <a:alpha val="30000"/>
+                    </a:schemeClr>
+                  </a:solidFill>
+                </a:ln>
+                <a:solidFill>
+                  <a:schemeClr val="tx1"/>
+                </a:solidFill>
+                <a:latin typeface="빙그레 메로나체" panose="020B0503000000000000" pitchFamily="50" charset="-127"/>
+                <a:ea typeface="빙그레 메로나체" panose="020B0503000000000000" pitchFamily="50" charset="-127"/>
+                <a:cs typeface="+mn-cs"/>
+              </a:rPr>
+              <a:t>Component</a:t>
+            </a:r>
+            <a:r>
+              <a:rPr lang="ko-KR" altLang="en-US" sz="1800" kern="1200">
+                <a:ln>
+                  <a:solidFill>
+                    <a:schemeClr val="tx1">
+                      <a:alpha val="30000"/>
+                    </a:schemeClr>
+                  </a:solidFill>
+                </a:ln>
+                <a:solidFill>
+                  <a:schemeClr val="tx1"/>
+                </a:solidFill>
+                <a:latin typeface="빙그레 메로나체" panose="020B0503000000000000" pitchFamily="50" charset="-127"/>
+                <a:ea typeface="빙그레 메로나체" panose="020B0503000000000000" pitchFamily="50" charset="-127"/>
+                <a:cs typeface="+mn-cs"/>
+              </a:rPr>
+              <a:t>가 </a:t>
+            </a:r>
+            <a:r>
+              <a:rPr lang="en-US" altLang="ko-KR" sz="1800" kern="1200">
+                <a:ln>
+                  <a:solidFill>
+                    <a:schemeClr val="tx1">
+                      <a:alpha val="30000"/>
+                    </a:schemeClr>
+                  </a:solidFill>
+                </a:ln>
+                <a:solidFill>
+                  <a:schemeClr val="tx1"/>
+                </a:solidFill>
+                <a:latin typeface="빙그레 메로나체" panose="020B0503000000000000" pitchFamily="50" charset="-127"/>
+                <a:ea typeface="빙그레 메로나체" panose="020B0503000000000000" pitchFamily="50" charset="-127"/>
+                <a:cs typeface="+mn-cs"/>
+              </a:rPr>
+              <a:t>unmount </a:t>
+            </a:r>
+            <a:r>
+              <a:rPr lang="ko-KR" altLang="en-US" sz="1800" kern="1200">
+                <a:ln>
+                  <a:solidFill>
+                    <a:schemeClr val="tx1">
+                      <a:alpha val="30000"/>
+                    </a:schemeClr>
+                  </a:solidFill>
+                </a:ln>
+                <a:solidFill>
+                  <a:schemeClr val="tx1"/>
+                </a:solidFill>
+                <a:latin typeface="빙그레 메로나체" panose="020B0503000000000000" pitchFamily="50" charset="-127"/>
+                <a:ea typeface="빙그레 메로나체" panose="020B0503000000000000" pitchFamily="50" charset="-127"/>
+                <a:cs typeface="+mn-cs"/>
+              </a:rPr>
+              <a:t>됐을 때 </a:t>
+            </a:r>
+            <a:r>
+              <a:rPr lang="en-US" altLang="ko-KR" sz="1800" kern="1200">
+                <a:ln>
+                  <a:solidFill>
+                    <a:schemeClr val="tx1">
+                      <a:alpha val="30000"/>
+                    </a:schemeClr>
+                  </a:solidFill>
+                </a:ln>
+                <a:solidFill>
+                  <a:schemeClr val="tx1"/>
+                </a:solidFill>
+                <a:latin typeface="빙그레 메로나체" panose="020B0503000000000000" pitchFamily="50" charset="-127"/>
+                <a:ea typeface="빙그레 메로나체" panose="020B0503000000000000" pitchFamily="50" charset="-127"/>
+                <a:cs typeface="+mn-cs"/>
+              </a:rPr>
+              <a:t>(</a:t>
+            </a:r>
+            <a:r>
+              <a:rPr lang="ko-KR" altLang="en-US" sz="1800" kern="1200">
+                <a:ln>
+                  <a:solidFill>
+                    <a:schemeClr val="tx1">
+                      <a:alpha val="30000"/>
+                    </a:schemeClr>
+                  </a:solidFill>
+                </a:ln>
+                <a:solidFill>
+                  <a:schemeClr val="tx1"/>
+                </a:solidFill>
+                <a:latin typeface="빙그레 메로나체" panose="020B0503000000000000" pitchFamily="50" charset="-127"/>
+                <a:ea typeface="빙그레 메로나체" panose="020B0503000000000000" pitchFamily="50" charset="-127"/>
+                <a:cs typeface="+mn-cs"/>
+              </a:rPr>
+              <a:t>컴포넌트가 종료될때</a:t>
+            </a:r>
+            <a:r>
+              <a:rPr lang="en-US" altLang="ko-KR" sz="1800" kern="1200">
+                <a:ln>
+                  <a:solidFill>
+                    <a:schemeClr val="tx1">
+                      <a:alpha val="30000"/>
+                    </a:schemeClr>
+                  </a:solidFill>
+                </a:ln>
+                <a:solidFill>
+                  <a:schemeClr val="tx1"/>
+                </a:solidFill>
+                <a:latin typeface="빙그레 메로나체" panose="020B0503000000000000" pitchFamily="50" charset="-127"/>
+                <a:ea typeface="빙그레 메로나체" panose="020B0503000000000000" pitchFamily="50" charset="-127"/>
+                <a:cs typeface="+mn-cs"/>
+              </a:rPr>
+              <a:t>)</a:t>
+            </a:r>
+          </a:p>
+          <a:p>
+            <a:pPr marL="0" algn="l" defTabSz="914400" rtl="0" eaLnBrk="1" latinLnBrk="1" hangingPunct="1"/>
+            <a:endParaRPr lang="en-US" altLang="ko-KR" sz="1800" kern="1200">
+              <a:ln>
+                <a:solidFill>
+                  <a:schemeClr val="tx1">
+                    <a:alpha val="30000"/>
+                  </a:schemeClr>
+                </a:solidFill>
+              </a:ln>
+              <a:solidFill>
+                <a:schemeClr val="tx1"/>
+              </a:solidFill>
+              <a:latin typeface="빙그레 메로나체" panose="020B0503000000000000" pitchFamily="50" charset="-127"/>
+              <a:ea typeface="빙그레 메로나체" panose="020B0503000000000000" pitchFamily="50" charset="-127"/>
+              <a:cs typeface="+mn-cs"/>
+            </a:endParaRPr>
+          </a:p>
+          <a:p>
+            <a:pPr marL="0" algn="l" defTabSz="914400" rtl="0" eaLnBrk="1" latinLnBrk="1" hangingPunct="1"/>
+            <a:r>
+              <a:rPr lang="en-US" altLang="ko-KR" sz="1800" kern="1200">
+                <a:ln>
+                  <a:solidFill>
+                    <a:schemeClr val="tx1">
+                      <a:alpha val="30000"/>
+                    </a:schemeClr>
+                  </a:solidFill>
+                </a:ln>
+                <a:solidFill>
+                  <a:schemeClr val="tx1"/>
+                </a:solidFill>
+                <a:latin typeface="빙그레 메로나체" panose="020B0503000000000000" pitchFamily="50" charset="-127"/>
+                <a:ea typeface="빙그레 메로나체" panose="020B0503000000000000" pitchFamily="50" charset="-127"/>
+                <a:cs typeface="+mn-cs"/>
+              </a:rPr>
+              <a:t>unmount</a:t>
+            </a:r>
+            <a:r>
+              <a:rPr lang="ko-KR" altLang="en-US" sz="1800" kern="1200">
+                <a:ln>
+                  <a:solidFill>
+                    <a:schemeClr val="tx1">
+                      <a:alpha val="30000"/>
+                    </a:schemeClr>
+                  </a:solidFill>
+                </a:ln>
+                <a:solidFill>
+                  <a:schemeClr val="tx1"/>
+                </a:solidFill>
+                <a:latin typeface="빙그레 메로나체" panose="020B0503000000000000" pitchFamily="50" charset="-127"/>
+                <a:ea typeface="빙그레 메로나체" panose="020B0503000000000000" pitchFamily="50" charset="-127"/>
+                <a:cs typeface="+mn-cs"/>
+              </a:rPr>
+              <a:t>가 될 때 </a:t>
+            </a:r>
+            <a:r>
+              <a:rPr lang="en-US" altLang="ko-KR" sz="1800" kern="1200">
+                <a:ln>
+                  <a:solidFill>
+                    <a:schemeClr val="tx1">
+                      <a:alpha val="30000"/>
+                    </a:schemeClr>
+                  </a:solidFill>
+                </a:ln>
+                <a:solidFill>
+                  <a:schemeClr val="tx1"/>
+                </a:solidFill>
+                <a:latin typeface="빙그레 메로나체" panose="020B0503000000000000" pitchFamily="50" charset="-127"/>
+                <a:ea typeface="빙그레 메로나체" panose="020B0503000000000000" pitchFamily="50" charset="-127"/>
+                <a:cs typeface="+mn-cs"/>
+              </a:rPr>
+              <a:t>return</a:t>
+            </a:r>
+            <a:r>
+              <a:rPr lang="ko-KR" altLang="en-US" sz="1800" kern="1200">
+                <a:ln>
+                  <a:solidFill>
+                    <a:schemeClr val="tx1">
+                      <a:alpha val="30000"/>
+                    </a:schemeClr>
+                  </a:solidFill>
+                </a:ln>
+                <a:solidFill>
+                  <a:schemeClr val="tx1"/>
+                </a:solidFill>
+                <a:latin typeface="빙그레 메로나체" panose="020B0503000000000000" pitchFamily="50" charset="-127"/>
+                <a:ea typeface="빙그레 메로나체" panose="020B0503000000000000" pitchFamily="50" charset="-127"/>
+                <a:cs typeface="+mn-cs"/>
+              </a:rPr>
+              <a:t>안에 있는 코드가 실행됩니다</a:t>
+            </a:r>
+            <a:r>
+              <a:rPr lang="en-US" altLang="ko-KR" sz="1800" kern="1200">
+                <a:ln>
+                  <a:solidFill>
+                    <a:schemeClr val="tx1">
+                      <a:alpha val="30000"/>
+                    </a:schemeClr>
+                  </a:solidFill>
+                </a:ln>
+                <a:solidFill>
+                  <a:schemeClr val="tx1"/>
+                </a:solidFill>
+                <a:latin typeface="빙그레 메로나체" panose="020B0503000000000000" pitchFamily="50" charset="-127"/>
+                <a:ea typeface="빙그레 메로나체" panose="020B0503000000000000" pitchFamily="50" charset="-127"/>
+                <a:cs typeface="+mn-cs"/>
+              </a:rPr>
+              <a:t>.</a:t>
+            </a:r>
+          </a:p>
+        </p:txBody>
+      </p:sp>
+    </p:spTree>
+    <p:extLst>
+      <p:ext uri="{BB962C8B-B14F-4D97-AF65-F5344CB8AC3E}">
+        <p14:creationId xmlns:p14="http://schemas.microsoft.com/office/powerpoint/2010/main" val="271748684"/>
+      </p:ext>
+    </p:extLst>
+  </p:cSld>
+  <p:clrMapOvr>
+    <a:masterClrMapping/>
+  </p:clrMapOvr>
+</p:notes>
+</file>
+
+<file path=ppt/notesSlides/notesSlide13.xml><?xml version="1.0" encoding="utf-8"?>
+<p:notes xmlns:a="http://schemas.openxmlformats.org/drawingml/2006/main" xmlns:r="http://schemas.openxmlformats.org/officeDocument/2006/relationships" xmlns:p="http://schemas.openxmlformats.org/presentationml/2006/main">
+  <p:cSld>
+    <p:spTree>
+      <p:nvGrpSpPr>
+        <p:cNvPr id="1" name=""/>
+        <p:cNvGrpSpPr/>
+        <p:nvPr/>
+      </p:nvGrpSpPr>
+      <p:grpSpPr>
+        <a:xfrm>
+          <a:off x="0" y="0"/>
+          <a:ext cx="0" cy="0"/>
+          <a:chOff x="0" y="0"/>
+          <a:chExt cx="0" cy="0"/>
+        </a:xfrm>
+      </p:grpSpPr>
+      <p:sp>
+        <p:nvSpPr>
+          <p:cNvPr id="2" name="슬라이드 이미지 개체 틀 1"/>
+          <p:cNvSpPr>
+            <a:spLocks noGrp="1" noRot="1" noChangeAspect="1"/>
+          </p:cNvSpPr>
+          <p:nvPr>
+            <p:ph type="sldImg"/>
+          </p:nvPr>
+        </p:nvSpPr>
+        <p:spPr/>
+      </p:sp>
+      <p:sp>
+        <p:nvSpPr>
+          <p:cNvPr id="3" name="슬라이드 노트 개체 틀 2"/>
+          <p:cNvSpPr>
+            <a:spLocks noGrp="1"/>
+          </p:cNvSpPr>
+          <p:nvPr>
+            <p:ph type="body" idx="1"/>
+          </p:nvPr>
+        </p:nvSpPr>
+        <p:spPr/>
+        <p:txBody>
+          <a:bodyPr/>
+          <a:lstStyle/>
+          <a:p>
+            <a:pPr algn="l"/>
+            <a:r>
+              <a:rPr lang="ko-KR" altLang="en-US" sz="1200" kern="1200">
+                <a:solidFill>
+                  <a:schemeClr val="tx1"/>
+                </a:solidFill>
+                <a:latin typeface="빙그레 메로나체" panose="020B0503000000000000" pitchFamily="50" charset="-127"/>
+                <a:ea typeface="빙그레 메로나체" panose="020B0503000000000000" pitchFamily="50" charset="-127"/>
+                <a:cs typeface="+mn-cs"/>
+              </a:rPr>
+              <a:t>특정 </a:t>
+            </a:r>
+            <a:r>
+              <a:rPr lang="en-US" altLang="ko-KR" sz="1200" kern="1200">
+                <a:solidFill>
+                  <a:schemeClr val="tx1"/>
+                </a:solidFill>
+                <a:latin typeface="빙그레 메로나체" panose="020B0503000000000000" pitchFamily="50" charset="-127"/>
+                <a:ea typeface="빙그레 메로나체" panose="020B0503000000000000" pitchFamily="50" charset="-127"/>
+                <a:cs typeface="+mn-cs"/>
+              </a:rPr>
+              <a:t>DOM</a:t>
+            </a:r>
+            <a:r>
+              <a:rPr lang="ko-KR" altLang="en-US" sz="1200" kern="1200">
+                <a:solidFill>
+                  <a:schemeClr val="tx1"/>
+                </a:solidFill>
+                <a:latin typeface="빙그레 메로나체" panose="020B0503000000000000" pitchFamily="50" charset="-127"/>
+                <a:ea typeface="빙그레 메로나체" panose="020B0503000000000000" pitchFamily="50" charset="-127"/>
+                <a:cs typeface="+mn-cs"/>
+              </a:rPr>
+              <a:t>을 가리킬 때 사용하는 </a:t>
+            </a:r>
+            <a:r>
+              <a:rPr lang="en-US" altLang="ko-KR" sz="1200" kern="1200">
+                <a:solidFill>
+                  <a:schemeClr val="tx1"/>
+                </a:solidFill>
+                <a:latin typeface="빙그레 메로나체" panose="020B0503000000000000" pitchFamily="50" charset="-127"/>
+                <a:ea typeface="빙그레 메로나체" panose="020B0503000000000000" pitchFamily="50" charset="-127"/>
+                <a:cs typeface="+mn-cs"/>
+              </a:rPr>
+              <a:t>Hook </a:t>
+            </a:r>
+            <a:r>
+              <a:rPr lang="ko-KR" altLang="en-US" sz="1200" kern="1200">
+                <a:solidFill>
+                  <a:schemeClr val="tx1"/>
+                </a:solidFill>
+                <a:latin typeface="빙그레 메로나체" panose="020B0503000000000000" pitchFamily="50" charset="-127"/>
+                <a:ea typeface="빙그레 메로나체" panose="020B0503000000000000" pitchFamily="50" charset="-127"/>
+                <a:cs typeface="+mn-cs"/>
+              </a:rPr>
+              <a:t>함수</a:t>
+            </a:r>
+            <a:r>
+              <a:rPr lang="en-US" altLang="ko-KR" sz="1200" kern="1200">
+                <a:solidFill>
+                  <a:schemeClr val="tx1"/>
+                </a:solidFill>
+                <a:latin typeface="빙그레 메로나체" panose="020B0503000000000000" pitchFamily="50" charset="-127"/>
+                <a:ea typeface="빙그레 메로나체" panose="020B0503000000000000" pitchFamily="50" charset="-127"/>
+                <a:cs typeface="+mn-cs"/>
+              </a:rPr>
+              <a:t>.</a:t>
+            </a:r>
+          </a:p>
+          <a:p>
+            <a:pPr algn="l"/>
+            <a:endParaRPr lang="en-US" altLang="ko-KR" sz="1200" kern="1200">
+              <a:solidFill>
+                <a:schemeClr val="tx1"/>
+              </a:solidFill>
+              <a:latin typeface="빙그레 메로나체" panose="020B0503000000000000" pitchFamily="50" charset="-127"/>
+              <a:ea typeface="빙그레 메로나체" panose="020B0503000000000000" pitchFamily="50" charset="-127"/>
+              <a:cs typeface="+mn-cs"/>
+            </a:endParaRPr>
+          </a:p>
+          <a:p>
+            <a:pPr algn="l"/>
+            <a:r>
+              <a:rPr lang="en-US" altLang="ko-KR" sz="1200" kern="1200">
+                <a:solidFill>
+                  <a:schemeClr val="tx1"/>
+                </a:solidFill>
+                <a:latin typeface="빙그레 메로나체" panose="020B0503000000000000" pitchFamily="50" charset="-127"/>
+                <a:ea typeface="빙그레 메로나체" panose="020B0503000000000000" pitchFamily="50" charset="-127"/>
+                <a:cs typeface="+mn-cs"/>
+              </a:rPr>
+              <a:t>getElementById, querySelector</a:t>
+            </a:r>
+          </a:p>
+        </p:txBody>
+      </p:sp>
+    </p:spTree>
+    <p:extLst>
+      <p:ext uri="{BB962C8B-B14F-4D97-AF65-F5344CB8AC3E}">
+        <p14:creationId xmlns:p14="http://schemas.microsoft.com/office/powerpoint/2010/main" val="1430876415"/>
+      </p:ext>
+    </p:extLst>
+  </p:cSld>
+  <p:clrMapOvr>
+    <a:masterClrMapping/>
+  </p:clrMapOvr>
+</p:notes>
+</file>
+
+<file path=ppt/notesSlides/notesSlide14.xml><?xml version="1.0" encoding="utf-8"?>
+<p:notes xmlns:a="http://schemas.openxmlformats.org/drawingml/2006/main" xmlns:r="http://schemas.openxmlformats.org/officeDocument/2006/relationships" xmlns:p="http://schemas.openxmlformats.org/presentationml/2006/main">
+  <p:cSld>
+    <p:spTree>
+      <p:nvGrpSpPr>
+        <p:cNvPr id="1" name=""/>
+        <p:cNvGrpSpPr/>
+        <p:nvPr/>
+      </p:nvGrpSpPr>
+      <p:grpSpPr>
+        <a:xfrm>
+          <a:off x="0" y="0"/>
+          <a:ext cx="0" cy="0"/>
+          <a:chOff x="0" y="0"/>
+          <a:chExt cx="0" cy="0"/>
+        </a:xfrm>
+      </p:grpSpPr>
+      <p:sp>
+        <p:nvSpPr>
+          <p:cNvPr id="2" name="슬라이드 이미지 개체 틀 1"/>
+          <p:cNvSpPr>
+            <a:spLocks noGrp="1" noRot="1" noChangeAspect="1"/>
+          </p:cNvSpPr>
+          <p:nvPr>
+            <p:ph type="sldImg"/>
+          </p:nvPr>
+        </p:nvSpPr>
+        <p:spPr/>
+      </p:sp>
+      <p:sp>
+        <p:nvSpPr>
+          <p:cNvPr id="3" name="슬라이드 노트 개체 틀 2"/>
+          <p:cNvSpPr>
+            <a:spLocks noGrp="1"/>
+          </p:cNvSpPr>
+          <p:nvPr>
+            <p:ph type="body" idx="1"/>
+          </p:nvPr>
+        </p:nvSpPr>
+        <p:spPr/>
+        <p:txBody>
+          <a:bodyPr/>
+          <a:lstStyle/>
+          <a:p>
             <a:endParaRPr lang="ko-KR" altLang="en-US" sz="1200" kern="1200">
               <a:solidFill>
                 <a:schemeClr val="tx1"/>
@@ -1980,9 +2897,16 @@
           <a:bodyPr/>
           <a:lstStyle/>
           <a:p>
-            <a:pPr algn="l"/>
-            <a:r>
-              <a:rPr lang="ko-KR" altLang="en-US" sz="1200" kern="1200">
+            <a:pPr marL="0" algn="l" defTabSz="914400" rtl="0" eaLnBrk="1" latinLnBrk="1" hangingPunct="1"/>
+            <a:r>
+              <a:rPr lang="ko-KR" altLang="en-US" sz="1800" kern="1200">
+                <a:ln>
+                  <a:solidFill>
+                    <a:schemeClr val="tx1">
+                      <a:alpha val="30000"/>
+                    </a:schemeClr>
+                  </a:solidFill>
+                </a:ln>
                 <a:solidFill>
                   <a:schemeClr val="tx1"/>
                 </a:solidFill>
@@ -1993,7 +2917,14 @@
               <a:t>함수 컴포넌트에 </a:t>
             </a:r>
             <a:r>
-              <a:rPr lang="en-US" altLang="ko-KR" sz="1200" kern="1200">
+              <a:rPr lang="en-US" altLang="ko-KR" sz="1800" kern="1200">
+                <a:ln>
+                  <a:solidFill>
+                    <a:schemeClr val="tx1">
+                      <a:alpha val="30000"/>
+                    </a:schemeClr>
+                  </a:solidFill>
+                </a:ln>
                 <a:solidFill>
                   <a:schemeClr val="tx1"/>
                 </a:solidFill>
@@ -2004,7 +2935,14 @@
               <a:t>state </a:t>
             </a:r>
             <a:r>
-              <a:rPr lang="ko-KR" altLang="en-US" sz="1200" kern="1200">
+              <a:rPr lang="ko-KR" altLang="en-US" sz="1800" kern="1200">
+                <a:ln>
+                  <a:solidFill>
+                    <a:schemeClr val="tx1">
+                      <a:alpha val="30000"/>
+                    </a:schemeClr>
+                  </a:solidFill>
+                </a:ln>
                 <a:solidFill>
                   <a:schemeClr val="tx1"/>
                 </a:solidFill>
@@ -2014,7 +2952,14 @@
               </a:rPr>
               <a:t>변수를 선언할 수 있는 함수</a:t>
             </a:r>
-            <a:endParaRPr lang="en-US" altLang="ko-KR" sz="1200" kern="1200">
+            <a:endParaRPr lang="en-US" altLang="ko-KR" sz="1800" kern="1200">
+              <a:ln>
+                <a:solidFill>
+                  <a:schemeClr val="tx1">
+                    <a:alpha val="30000"/>
+                  </a:schemeClr>
+                </a:solidFill>
+              </a:ln>
               <a:solidFill>
                 <a:schemeClr val="tx1"/>
               </a:solidFill>
@@ -2024,8 +2969,15 @@
             </a:endParaRPr>
           </a:p>
           <a:p>
-            <a:pPr algn="l"/>
-            <a:endParaRPr lang="en-US" altLang="ko-KR" sz="1200" kern="1200">
+            <a:pPr marL="0" algn="l" defTabSz="914400" rtl="0" eaLnBrk="1" latinLnBrk="1" hangingPunct="1"/>
+            <a:endParaRPr lang="en-US" altLang="ko-KR" sz="1800" kern="1200">
+              <a:ln>
+                <a:solidFill>
+                  <a:schemeClr val="tx1">
+                    <a:alpha val="30000"/>
+                  </a:schemeClr>
+                </a:solidFill>
+              </a:ln>
               <a:solidFill>
                 <a:schemeClr val="tx1"/>
               </a:solidFill>
@@ -2053,7 +3005,14 @@
               <a:defRPr/>
             </a:pPr>
             <a:r>
-              <a:rPr lang="en-US" altLang="ko-KR" sz="1200" kern="1200">
+              <a:rPr lang="en-US" altLang="ko-KR" sz="1800" kern="1200">
+                <a:ln>
+                  <a:solidFill>
+                    <a:schemeClr val="tx1">
+                      <a:alpha val="30000"/>
+                    </a:schemeClr>
+                  </a:solidFill>
+                </a:ln>
                 <a:solidFill>
                   <a:schemeClr val="tx1"/>
                 </a:solidFill>
@@ -2064,7 +3023,14 @@
               <a:t>useState</a:t>
             </a:r>
             <a:r>
-              <a:rPr lang="ko-KR" altLang="en-US" sz="1200" kern="1200">
+              <a:rPr lang="ko-KR" altLang="en-US" sz="1800" kern="1200">
+                <a:ln>
+                  <a:solidFill>
+                    <a:schemeClr val="tx1">
+                      <a:alpha val="30000"/>
+                    </a:schemeClr>
+                  </a:solidFill>
+                </a:ln>
                 <a:solidFill>
                   <a:schemeClr val="tx1"/>
                 </a:solidFill>
@@ -2075,7 +3041,14 @@
               <a:t>는 </a:t>
             </a:r>
             <a:r>
-              <a:rPr lang="en-US" altLang="ko-KR" sz="1200" kern="1200">
+              <a:rPr lang="en-US" altLang="ko-KR" sz="1800" kern="1200">
+                <a:ln>
+                  <a:solidFill>
+                    <a:schemeClr val="tx1">
+                      <a:alpha val="30000"/>
+                    </a:schemeClr>
+                  </a:solidFill>
+                </a:ln>
                 <a:solidFill>
                   <a:schemeClr val="tx1"/>
                 </a:solidFill>
@@ -2086,7 +3059,14 @@
               <a:t>state </a:t>
             </a:r>
             <a:r>
-              <a:rPr lang="ko-KR" altLang="en-US" sz="1200" kern="1200">
+              <a:rPr lang="ko-KR" altLang="en-US" sz="1800" kern="1200">
+                <a:ln>
+                  <a:solidFill>
+                    <a:schemeClr val="tx1">
+                      <a:alpha val="30000"/>
+                    </a:schemeClr>
+                  </a:solidFill>
+                </a:ln>
                 <a:solidFill>
                   <a:schemeClr val="tx1"/>
                 </a:solidFill>
@@ -2097,7 +3077,14 @@
               <a:t>변수와 </a:t>
             </a:r>
             <a:r>
-              <a:rPr lang="en-US" altLang="ko-KR" sz="1200" kern="1200">
+              <a:rPr lang="en-US" altLang="ko-KR" sz="1800" kern="1200">
+                <a:ln>
+                  <a:solidFill>
+                    <a:schemeClr val="tx1">
+                      <a:alpha val="30000"/>
+                    </a:schemeClr>
+                  </a:solidFill>
+                </a:ln>
                 <a:solidFill>
                   <a:schemeClr val="tx1"/>
                 </a:solidFill>
@@ -2108,7 +3095,14 @@
               <a:t>state</a:t>
             </a:r>
             <a:r>
-              <a:rPr lang="ko-KR" altLang="en-US" sz="1200" kern="1200">
+              <a:rPr lang="ko-KR" altLang="en-US" sz="1800" kern="1200">
+                <a:ln>
+                  <a:solidFill>
+                    <a:schemeClr val="tx1">
+                      <a:alpha val="30000"/>
+                    </a:schemeClr>
+                  </a:solidFill>
+                </a:ln>
                 <a:solidFill>
                   <a:schemeClr val="tx1"/>
                 </a:solidFill>
@@ -2119,7 +3113,14 @@
               <a:t>를 업데이트 하는 함수</a:t>
             </a:r>
             <a:r>
-              <a:rPr lang="en-US" altLang="ko-KR" sz="1200" kern="1200">
+              <a:rPr lang="en-US" altLang="ko-KR" sz="1800" kern="1200">
+                <a:ln>
+                  <a:solidFill>
+                    <a:schemeClr val="tx1">
+                      <a:alpha val="30000"/>
+                    </a:schemeClr>
+                  </a:solidFill>
+                </a:ln>
                 <a:solidFill>
                   <a:schemeClr val="tx1"/>
                 </a:solidFill>
@@ -2130,7 +3131,14 @@
               <a:t>, </a:t>
             </a:r>
             <a:r>
-              <a:rPr lang="ko-KR" altLang="en-US" sz="1200" kern="1200">
+              <a:rPr lang="ko-KR" altLang="en-US" sz="1800" kern="1200">
+                <a:ln>
+                  <a:solidFill>
+                    <a:schemeClr val="tx1">
+                      <a:alpha val="30000"/>
+                    </a:schemeClr>
+                  </a:solidFill>
+                </a:ln>
                 <a:solidFill>
                   <a:schemeClr val="tx1"/>
                 </a:solidFill>
@@ -2141,7 +3149,14 @@
               <a:t>두 가지 쌍을 반환 </a:t>
             </a:r>
             <a:r>
-              <a:rPr lang="en-US" altLang="ko-KR" sz="1200" kern="1200">
+              <a:rPr lang="en-US" altLang="ko-KR" sz="1800" kern="1200">
+                <a:ln>
+                  <a:solidFill>
+                    <a:schemeClr val="tx1">
+                      <a:alpha val="30000"/>
+                    </a:schemeClr>
+                  </a:solidFill>
+                </a:ln>
                 <a:solidFill>
                   <a:schemeClr val="tx1"/>
                 </a:solidFill>
@@ -2152,7 +3167,14 @@
               <a:t>(</a:t>
             </a:r>
             <a:r>
-              <a:rPr lang="ko-KR" altLang="en-US" sz="1200" kern="1200">
+              <a:rPr lang="ko-KR" altLang="en-US" sz="1800" kern="1200">
+                <a:ln>
+                  <a:solidFill>
+                    <a:schemeClr val="tx1">
+                      <a:alpha val="30000"/>
+                    </a:schemeClr>
+                  </a:solidFill>
+                </a:ln>
                 <a:solidFill>
                   <a:schemeClr val="tx1"/>
                 </a:solidFill>
@@ -2163,7 +3185,14 @@
               <a:t>이런 방식을 구조 분해 할당</a:t>
             </a:r>
             <a:r>
-              <a:rPr lang="en-US" altLang="ko-KR" sz="1200" kern="1200">
+              <a:rPr lang="en-US" altLang="ko-KR" sz="1800" kern="1200">
+                <a:ln>
+                  <a:solidFill>
+                    <a:schemeClr val="tx1">
+                      <a:alpha val="30000"/>
+                    </a:schemeClr>
+                  </a:solidFill>
+                </a:ln>
                 <a:solidFill>
                   <a:schemeClr val="tx1"/>
                 </a:solidFill>
@@ -2173,7 +3202,14 @@
               </a:rPr>
               <a:t>)</a:t>
             </a:r>
-            <a:endParaRPr lang="ko-KR" altLang="en-US" sz="1200" kern="1200">
+            <a:endParaRPr lang="ko-KR" altLang="en-US" sz="1800" kern="1200">
+              <a:ln>
+                <a:solidFill>
+                  <a:schemeClr val="tx1">
+                    <a:alpha val="30000"/>
+                  </a:schemeClr>
+                </a:solidFill>
+              </a:ln>
               <a:solidFill>
                 <a:schemeClr val="tx1"/>
               </a:solidFill>
@@ -2183,9 +3219,16 @@
             </a:endParaRPr>
           </a:p>
           <a:p>
-            <a:pPr algn="l"/>
-            <a:r>
-              <a:rPr lang="ko-KR" altLang="en-US" sz="1200" kern="1200">
+            <a:pPr marL="0" algn="l" defTabSz="914400" rtl="0" eaLnBrk="1" latinLnBrk="1" hangingPunct="1"/>
+            <a:r>
+              <a:rPr lang="ko-KR" altLang="en-US" sz="1800" kern="1200">
+                <a:ln>
+                  <a:solidFill>
+                    <a:schemeClr val="tx1">
+                      <a:alpha val="30000"/>
+                    </a:schemeClr>
+                  </a:solidFill>
+                </a:ln>
                 <a:solidFill>
                   <a:schemeClr val="tx1"/>
                 </a:solidFill>
@@ -2196,7 +3239,14 @@
               <a:t>구조분해할당 </a:t>
             </a:r>
             <a:r>
-              <a:rPr lang="en-US" altLang="ko-KR" sz="1200" kern="1200">
+              <a:rPr lang="en-US" altLang="ko-KR" sz="1800" kern="1200">
+                <a:ln>
+                  <a:solidFill>
+                    <a:schemeClr val="tx1">
+                      <a:alpha val="30000"/>
+                    </a:schemeClr>
+                  </a:solidFill>
+                </a:ln>
                 <a:solidFill>
                   <a:schemeClr val="tx1"/>
                 </a:solidFill>
@@ -2207,7 +3257,14 @@
               <a:t>- </a:t>
             </a:r>
             <a:r>
-              <a:rPr lang="ko-KR" altLang="en-US" sz="1200" kern="1200">
+              <a:rPr lang="ko-KR" altLang="en-US" sz="1800" kern="1200">
+                <a:ln>
+                  <a:solidFill>
+                    <a:schemeClr val="tx1">
+                      <a:alpha val="30000"/>
+                    </a:schemeClr>
+                  </a:solidFill>
+                </a:ln>
                 <a:solidFill>
                   <a:schemeClr val="tx1"/>
                 </a:solidFill>
@@ -2218,7 +3275,14 @@
               <a:t>구문은 배열이나 객체의 속성을 해체하여 그 값을 개별 변수에 담을 수 있게 하는 </a:t>
             </a:r>
             <a:r>
-              <a:rPr lang="en-US" altLang="ko-KR" sz="1200" kern="1200">
+              <a:rPr lang="en-US" altLang="ko-KR" sz="1800" kern="1200">
+                <a:ln>
+                  <a:solidFill>
+                    <a:schemeClr val="tx1">
+                      <a:alpha val="30000"/>
+                    </a:schemeClr>
+                  </a:solidFill>
+                </a:ln>
                 <a:solidFill>
                   <a:schemeClr val="tx1"/>
                 </a:solidFill>
@@ -2229,7 +3293,14 @@
               <a:t>JavaScript </a:t>
             </a:r>
             <a:r>
-              <a:rPr lang="ko-KR" altLang="en-US" sz="1200" kern="1200">
+              <a:rPr lang="ko-KR" altLang="en-US" sz="1800" kern="1200">
+                <a:ln>
+                  <a:solidFill>
+                    <a:schemeClr val="tx1">
+                      <a:alpha val="30000"/>
+                    </a:schemeClr>
+                  </a:solidFill>
+                </a:ln>
                 <a:solidFill>
                   <a:schemeClr val="tx1"/>
                 </a:solidFill>
@@ -2239,7 +3310,14 @@
               </a:rPr>
               <a:t>표현식</a:t>
             </a:r>
-            <a:endParaRPr lang="en-US" altLang="ko-KR" sz="1200" kern="1200">
+            <a:endParaRPr lang="en-US" altLang="ko-KR" sz="1800" kern="1200">
+              <a:ln>
+                <a:solidFill>
+                  <a:schemeClr val="tx1">
+                    <a:alpha val="30000"/>
+                  </a:schemeClr>
+                </a:solidFill>
+              </a:ln>
               <a:solidFill>
                 <a:schemeClr val="tx1"/>
               </a:solidFill>
@@ -2249,8 +3327,15 @@
             </a:endParaRPr>
           </a:p>
           <a:p>
-            <a:pPr algn="l"/>
-            <a:endParaRPr lang="en-US" altLang="ko-KR" sz="1200" kern="1200">
+            <a:pPr marL="0" algn="l" defTabSz="914400" rtl="0" eaLnBrk="1" latinLnBrk="1" hangingPunct="1"/>
+            <a:endParaRPr lang="en-US" altLang="ko-KR" sz="1800" kern="1200">
+              <a:ln>
+                <a:solidFill>
+                  <a:schemeClr val="tx1">
+                    <a:alpha val="30000"/>
+                  </a:schemeClr>
+                </a:solidFill>
+              </a:ln>
               <a:solidFill>
                 <a:schemeClr val="tx1"/>
               </a:solidFill>
@@ -2260,9 +3345,16 @@
             </a:endParaRPr>
           </a:p>
           <a:p>
-            <a:pPr algn="l"/>
-            <a:r>
-              <a:rPr lang="en-US" altLang="ko-KR" sz="1200" kern="1200">
+            <a:pPr marL="0" algn="l" defTabSz="914400" rtl="0" eaLnBrk="1" latinLnBrk="1" hangingPunct="1"/>
+            <a:r>
+              <a:rPr lang="en-US" altLang="ko-KR" sz="1800" kern="1200">
+                <a:ln>
+                  <a:solidFill>
+                    <a:schemeClr val="tx1">
+                      <a:alpha val="30000"/>
+                    </a:schemeClr>
+                  </a:solidFill>
+                </a:ln>
                 <a:solidFill>
                   <a:schemeClr val="tx1"/>
                 </a:solidFill>
@@ -2274,9 +3366,16 @@
             </a:r>
           </a:p>
           <a:p>
-            <a:pPr algn="l"/>
-            <a:r>
-              <a:rPr lang="en-US" altLang="ko-KR" sz="1200" kern="1200">
+            <a:pPr marL="0" algn="l" defTabSz="914400" rtl="0" eaLnBrk="1" latinLnBrk="1" hangingPunct="1"/>
+            <a:r>
+              <a:rPr lang="en-US" altLang="ko-KR" sz="1800" kern="1200">
+                <a:ln>
+                  <a:solidFill>
+                    <a:schemeClr val="tx1">
+                      <a:alpha val="30000"/>
+                    </a:schemeClr>
+                  </a:solidFill>
+                </a:ln>
                 <a:solidFill>
                   <a:schemeClr val="tx1"/>
                 </a:solidFill>
@@ -2288,9 +3387,16 @@
             </a:r>
           </a:p>
           <a:p>
-            <a:pPr algn="l"/>
-            <a:r>
-              <a:rPr lang="en-US" altLang="ko-KR" sz="1200" kern="1200">
+            <a:pPr marL="0" algn="l" defTabSz="914400" rtl="0" eaLnBrk="1" latinLnBrk="1" hangingPunct="1"/>
+            <a:r>
+              <a:rPr lang="en-US" altLang="ko-KR" sz="1800" kern="1200">
+                <a:ln>
+                  <a:solidFill>
+                    <a:schemeClr val="tx1">
+                      <a:alpha val="30000"/>
+                    </a:schemeClr>
+                  </a:solidFill>
+                </a:ln>
                 <a:solidFill>
                   <a:schemeClr val="tx1"/>
                 </a:solidFill>
@@ -2302,8 +3408,15 @@
             </a:r>
           </a:p>
           <a:p>
-            <a:pPr algn="l"/>
-            <a:endParaRPr lang="en-US" altLang="ko-KR" sz="1200" kern="1200">
+            <a:pPr marL="0" algn="l" defTabSz="914400" rtl="0" eaLnBrk="1" latinLnBrk="1" hangingPunct="1"/>
+            <a:endParaRPr lang="en-US" altLang="ko-KR" sz="1800" kern="1200">
+              <a:ln>
+                <a:solidFill>
+                  <a:schemeClr val="tx1">
+                    <a:alpha val="30000"/>
+                  </a:schemeClr>
+                </a:solidFill>
+              </a:ln>
               <a:solidFill>
                 <a:schemeClr val="tx1"/>
               </a:solidFill>
@@ -2313,9 +3426,16 @@
             </a:endParaRPr>
           </a:p>
           <a:p>
-            <a:pPr algn="l"/>
-            <a:r>
-              <a:rPr lang="en-US" altLang="ko-KR" sz="1200" kern="1200">
+            <a:pPr marL="0" algn="l" defTabSz="914400" rtl="0" eaLnBrk="1" latinLnBrk="1" hangingPunct="1"/>
+            <a:r>
+              <a:rPr lang="en-US" altLang="ko-KR" sz="1800" kern="1200">
+                <a:ln>
+                  <a:solidFill>
+                    <a:schemeClr val="tx1">
+                      <a:alpha val="30000"/>
+                    </a:schemeClr>
+                  </a:solidFill>
+                </a:ln>
                 <a:solidFill>
                   <a:schemeClr val="tx1"/>
                 </a:solidFill>
@@ -2327,9 +3447,16 @@
             </a:r>
           </a:p>
           <a:p>
-            <a:pPr algn="l"/>
-            <a:r>
-              <a:rPr lang="en-US" altLang="ko-KR" sz="1200" kern="1200">
+            <a:pPr marL="0" algn="l" defTabSz="914400" rtl="0" eaLnBrk="1" latinLnBrk="1" hangingPunct="1"/>
+            <a:r>
+              <a:rPr lang="en-US" altLang="ko-KR" sz="1800" kern="1200">
+                <a:ln>
+                  <a:solidFill>
+                    <a:schemeClr val="tx1">
+                      <a:alpha val="30000"/>
+                    </a:schemeClr>
+                  </a:solidFill>
+                </a:ln>
                 <a:solidFill>
                   <a:schemeClr val="tx1"/>
                 </a:solidFill>
@@ -2341,9 +3468,16 @@
             </a:r>
           </a:p>
           <a:p>
-            <a:pPr algn="l"/>
-            <a:r>
-              <a:rPr lang="en-US" altLang="ko-KR" sz="1200" kern="1200">
+            <a:pPr marL="0" algn="l" defTabSz="914400" rtl="0" eaLnBrk="1" latinLnBrk="1" hangingPunct="1"/>
+            <a:r>
+              <a:rPr lang="en-US" altLang="ko-KR" sz="1800" kern="1200">
+                <a:ln>
+                  <a:solidFill>
+                    <a:schemeClr val="tx1">
+                      <a:alpha val="30000"/>
+                    </a:schemeClr>
+                  </a:solidFill>
+                </a:ln>
                 <a:solidFill>
                   <a:schemeClr val="tx1"/>
                 </a:solidFill>
@@ -2355,9 +3489,16 @@
             </a:r>
           </a:p>
           <a:p>
-            <a:pPr algn="l"/>
-            <a:r>
-              <a:rPr lang="en-US" altLang="ko-KR" sz="1200" kern="1200">
+            <a:pPr marL="0" algn="l" defTabSz="914400" rtl="0" eaLnBrk="1" latinLnBrk="1" hangingPunct="1"/>
+            <a:r>
+              <a:rPr lang="en-US" altLang="ko-KR" sz="1800" kern="1200">
+                <a:ln>
+                  <a:solidFill>
+                    <a:schemeClr val="tx1">
+                      <a:alpha val="30000"/>
+                    </a:schemeClr>
+                  </a:solidFill>
+                </a:ln>
                 <a:solidFill>
                   <a:schemeClr val="tx1"/>
                 </a:solidFill>
@@ -2427,9 +3568,16 @@
           <a:bodyPr/>
           <a:lstStyle/>
           <a:p>
-            <a:pPr algn="l"/>
-            <a:r>
-              <a:rPr lang="ko-KR" altLang="en-US" sz="1200" kern="1200">
+            <a:pPr marL="0" algn="l" defTabSz="914400" rtl="0" eaLnBrk="1" latinLnBrk="1" hangingPunct="1"/>
+            <a:r>
+              <a:rPr lang="ko-KR" altLang="en-US" sz="1800" kern="1200">
+                <a:ln>
+                  <a:solidFill>
+                    <a:schemeClr val="tx1">
+                      <a:alpha val="30000"/>
+                    </a:schemeClr>
+                  </a:solidFill>
+                </a:ln>
                 <a:solidFill>
                   <a:schemeClr val="tx1"/>
                 </a:solidFill>
@@ -2437,10 +3585,17 @@
                 <a:ea typeface="빙그레 메로나체" panose="020B0503000000000000" pitchFamily="50" charset="-127"/>
                 <a:cs typeface="+mn-cs"/>
               </a:rPr>
-              <a:t>특정 </a:t>
-            </a:r>
-            <a:r>
-              <a:rPr lang="en-US" altLang="ko-KR" sz="1200" kern="1200">
+              <a:t>컴포넌트가 렌더링 될 때마다 특정 작업을 실행할 수 있도록 하는 </a:t>
+            </a:r>
+            <a:r>
+              <a:rPr lang="en-US" altLang="ko-KR" sz="1800" kern="1200">
+                <a:ln>
+                  <a:solidFill>
+                    <a:schemeClr val="tx1">
+                      <a:alpha val="30000"/>
+                    </a:schemeClr>
+                  </a:solidFill>
+                </a:ln>
                 <a:solidFill>
                   <a:schemeClr val="tx1"/>
                 </a:solidFill>
@@ -2448,10 +3603,20 @@
                 <a:ea typeface="빙그레 메로나체" panose="020B0503000000000000" pitchFamily="50" charset="-127"/>
                 <a:cs typeface="+mn-cs"/>
               </a:rPr>
-              <a:t>DOM</a:t>
-            </a:r>
-            <a:r>
-              <a:rPr lang="ko-KR" altLang="en-US" sz="1200" kern="1200">
+              <a:t>Hook</a:t>
+            </a:r>
+          </a:p>
+          <a:p>
+            <a:pPr marL="0" algn="l" defTabSz="914400" rtl="0" eaLnBrk="1" latinLnBrk="1" hangingPunct="1"/>
+            <a:r>
+              <a:rPr lang="en-US" altLang="ko-KR" sz="1800" kern="1200">
+                <a:ln>
+                  <a:solidFill>
+                    <a:schemeClr val="tx1">
+                      <a:alpha val="30000"/>
+                    </a:schemeClr>
+                  </a:solidFill>
+                </a:ln>
                 <a:solidFill>
                   <a:schemeClr val="tx1"/>
                 </a:solidFill>
@@ -2459,10 +3624,17 @@
                 <a:ea typeface="빙그레 메로나체" panose="020B0503000000000000" pitchFamily="50" charset="-127"/>
                 <a:cs typeface="+mn-cs"/>
               </a:rPr>
-              <a:t>을 가리킬 때 사용하는 </a:t>
-            </a:r>
-            <a:r>
-              <a:rPr lang="en-US" altLang="ko-KR" sz="1200" kern="1200">
+              <a:t>useEffect </a:t>
+            </a:r>
+            <a:r>
+              <a:rPr lang="ko-KR" altLang="en-US" sz="1800" kern="1200">
+                <a:ln>
+                  <a:solidFill>
+                    <a:schemeClr val="tx1">
+                      <a:alpha val="30000"/>
+                    </a:schemeClr>
+                  </a:solidFill>
+                </a:ln>
                 <a:solidFill>
                   <a:schemeClr val="tx1"/>
                 </a:solidFill>
@@ -2470,10 +3642,17 @@
                 <a:ea typeface="빙그레 메로나체" panose="020B0503000000000000" pitchFamily="50" charset="-127"/>
                 <a:cs typeface="+mn-cs"/>
               </a:rPr>
-              <a:t>Hook </a:t>
-            </a:r>
-            <a:r>
-              <a:rPr lang="ko-KR" altLang="en-US" sz="1200" kern="1200">
+              <a:t>안에서 사용하는 </a:t>
+            </a:r>
+            <a:r>
+              <a:rPr lang="en-US" altLang="ko-KR" sz="1800" kern="1200">
+                <a:ln>
+                  <a:solidFill>
+                    <a:schemeClr val="tx1">
+                      <a:alpha val="30000"/>
+                    </a:schemeClr>
+                  </a:solidFill>
+                </a:ln>
                 <a:solidFill>
                   <a:schemeClr val="tx1"/>
                 </a:solidFill>
@@ -2481,10 +3660,17 @@
                 <a:ea typeface="빙그레 메로나체" panose="020B0503000000000000" pitchFamily="50" charset="-127"/>
                 <a:cs typeface="+mn-cs"/>
               </a:rPr>
-              <a:t>함수</a:t>
-            </a:r>
-            <a:r>
-              <a:rPr lang="en-US" altLang="ko-KR" sz="1200" kern="1200">
+              <a:t>state</a:t>
+            </a:r>
+            <a:r>
+              <a:rPr lang="ko-KR" altLang="en-US" sz="1800" kern="1200">
+                <a:ln>
+                  <a:solidFill>
+                    <a:schemeClr val="tx1">
+                      <a:alpha val="30000"/>
+                    </a:schemeClr>
+                  </a:solidFill>
+                </a:ln>
                 <a:solidFill>
                   <a:schemeClr val="tx1"/>
                 </a:solidFill>
@@ -2492,12 +3678,124 @@
                 <a:ea typeface="빙그레 메로나체" panose="020B0503000000000000" pitchFamily="50" charset="-127"/>
                 <a:cs typeface="+mn-cs"/>
               </a:rPr>
-              <a:t>.</a:t>
-            </a:r>
-          </a:p>
-          <a:p>
-            <a:pPr algn="l"/>
-            <a:endParaRPr lang="en-US" altLang="ko-KR" sz="1200" kern="1200">
+              <a:t>나</a:t>
+            </a:r>
+            <a:r>
+              <a:rPr lang="en-US" altLang="ko-KR" sz="1800" kern="1200">
+                <a:ln>
+                  <a:solidFill>
+                    <a:schemeClr val="tx1">
+                      <a:alpha val="30000"/>
+                    </a:schemeClr>
+                  </a:solidFill>
+                </a:ln>
+                <a:solidFill>
+                  <a:schemeClr val="tx1"/>
+                </a:solidFill>
+                <a:latin typeface="빙그레 메로나체" panose="020B0503000000000000" pitchFamily="50" charset="-127"/>
+                <a:ea typeface="빙그레 메로나체" panose="020B0503000000000000" pitchFamily="50" charset="-127"/>
+                <a:cs typeface="+mn-cs"/>
+              </a:rPr>
+              <a:t>, props </a:t>
+            </a:r>
+            <a:r>
+              <a:rPr lang="ko-KR" altLang="en-US" sz="1800" kern="1200">
+                <a:ln>
+                  <a:solidFill>
+                    <a:schemeClr val="tx1">
+                      <a:alpha val="30000"/>
+                    </a:schemeClr>
+                  </a:solidFill>
+                </a:ln>
+                <a:solidFill>
+                  <a:schemeClr val="tx1"/>
+                </a:solidFill>
+                <a:latin typeface="빙그레 메로나체" panose="020B0503000000000000" pitchFamily="50" charset="-127"/>
+                <a:ea typeface="빙그레 메로나체" panose="020B0503000000000000" pitchFamily="50" charset="-127"/>
+                <a:cs typeface="+mn-cs"/>
+              </a:rPr>
+              <a:t>가 있으면</a:t>
+            </a:r>
+            <a:r>
+              <a:rPr lang="en-US" altLang="ko-KR" sz="1800" kern="1200">
+                <a:ln>
+                  <a:solidFill>
+                    <a:schemeClr val="tx1">
+                      <a:alpha val="30000"/>
+                    </a:schemeClr>
+                  </a:solidFill>
+                </a:ln>
+                <a:solidFill>
+                  <a:schemeClr val="tx1"/>
+                </a:solidFill>
+                <a:latin typeface="빙그레 메로나체" panose="020B0503000000000000" pitchFamily="50" charset="-127"/>
+                <a:ea typeface="빙그레 메로나체" panose="020B0503000000000000" pitchFamily="50" charset="-127"/>
+                <a:cs typeface="+mn-cs"/>
+              </a:rPr>
+              <a:t>, useEffect </a:t>
+            </a:r>
+            <a:r>
+              <a:rPr lang="ko-KR" altLang="en-US" sz="1800" kern="1200">
+                <a:ln>
+                  <a:solidFill>
+                    <a:schemeClr val="tx1">
+                      <a:alpha val="30000"/>
+                    </a:schemeClr>
+                  </a:solidFill>
+                </a:ln>
+                <a:solidFill>
+                  <a:schemeClr val="tx1"/>
+                </a:solidFill>
+                <a:latin typeface="빙그레 메로나체" panose="020B0503000000000000" pitchFamily="50" charset="-127"/>
+                <a:ea typeface="빙그레 메로나체" panose="020B0503000000000000" pitchFamily="50" charset="-127"/>
+                <a:cs typeface="+mn-cs"/>
+              </a:rPr>
+              <a:t>의 </a:t>
+            </a:r>
+            <a:r>
+              <a:rPr lang="en-US" altLang="ko-KR" sz="1800" kern="1200">
+                <a:ln>
+                  <a:solidFill>
+                    <a:schemeClr val="tx1">
+                      <a:alpha val="30000"/>
+                    </a:schemeClr>
+                  </a:solidFill>
+                </a:ln>
+                <a:solidFill>
+                  <a:schemeClr val="tx1"/>
+                </a:solidFill>
+                <a:latin typeface="빙그레 메로나체" panose="020B0503000000000000" pitchFamily="50" charset="-127"/>
+                <a:ea typeface="빙그레 메로나체" panose="020B0503000000000000" pitchFamily="50" charset="-127"/>
+                <a:cs typeface="+mn-cs"/>
+              </a:rPr>
+              <a:t>deps </a:t>
+            </a:r>
+            <a:r>
+              <a:rPr lang="ko-KR" altLang="en-US" sz="1800" kern="1200">
+                <a:ln>
+                  <a:solidFill>
+                    <a:schemeClr val="tx1">
+                      <a:alpha val="30000"/>
+                    </a:schemeClr>
+                  </a:solidFill>
+                </a:ln>
+                <a:solidFill>
+                  <a:schemeClr val="tx1"/>
+                </a:solidFill>
+                <a:latin typeface="빙그레 메로나체" panose="020B0503000000000000" pitchFamily="50" charset="-127"/>
+                <a:ea typeface="빙그레 메로나체" panose="020B0503000000000000" pitchFamily="50" charset="-127"/>
+                <a:cs typeface="+mn-cs"/>
+              </a:rPr>
+              <a:t>에 넣어주어야 하는 것이 규칙</a:t>
+            </a:r>
+            <a:endParaRPr lang="en-US" altLang="ko-KR" sz="1800" kern="1200">
+              <a:ln>
+                <a:solidFill>
+                  <a:schemeClr val="tx1">
+                    <a:alpha val="30000"/>
+                  </a:schemeClr>
+                </a:solidFill>
+              </a:ln>
               <a:solidFill>
                 <a:schemeClr val="tx1"/>
               </a:solidFill>
@@ -2507,9 +3805,16 @@
             </a:endParaRPr>
           </a:p>
           <a:p>
-            <a:pPr algn="l"/>
-            <a:r>
-              <a:rPr lang="en-US" altLang="ko-KR" sz="1200" kern="1200">
+            <a:pPr marL="0" algn="l" defTabSz="914400" rtl="0" eaLnBrk="1" latinLnBrk="1" hangingPunct="1"/>
+            <a:r>
+              <a:rPr lang="en-US" altLang="ko-KR" sz="1800" kern="1200">
+                <a:ln>
+                  <a:solidFill>
+                    <a:schemeClr val="tx1">
+                      <a:alpha val="30000"/>
+                    </a:schemeClr>
+                  </a:solidFill>
+                </a:ln>
                 <a:solidFill>
                   <a:schemeClr val="tx1"/>
                 </a:solidFill>
@@ -2517,7 +3822,790 @@
                 <a:ea typeface="빙그레 메로나체" panose="020B0503000000000000" pitchFamily="50" charset="-127"/>
                 <a:cs typeface="+mn-cs"/>
               </a:rPr>
-              <a:t>getElementById, querySelector</a:t>
+              <a:t>useEffect</a:t>
+            </a:r>
+            <a:r>
+              <a:rPr lang="ko-KR" altLang="en-US" sz="1800" kern="1200">
+                <a:ln>
+                  <a:solidFill>
+                    <a:schemeClr val="tx1">
+                      <a:alpha val="30000"/>
+                    </a:schemeClr>
+                  </a:solidFill>
+                </a:ln>
+                <a:solidFill>
+                  <a:schemeClr val="tx1"/>
+                </a:solidFill>
+                <a:latin typeface="빙그레 메로나체" panose="020B0503000000000000" pitchFamily="50" charset="-127"/>
+                <a:ea typeface="빙그레 메로나체" panose="020B0503000000000000" pitchFamily="50" charset="-127"/>
+                <a:cs typeface="+mn-cs"/>
+              </a:rPr>
+              <a:t>는 </a:t>
+            </a:r>
+            <a:r>
+              <a:rPr lang="en-US" altLang="ko-KR" sz="1800" kern="1200">
+                <a:ln>
+                  <a:solidFill>
+                    <a:schemeClr val="tx1">
+                      <a:alpha val="30000"/>
+                    </a:schemeClr>
+                  </a:solidFill>
+                </a:ln>
+                <a:solidFill>
+                  <a:schemeClr val="tx1"/>
+                </a:solidFill>
+                <a:latin typeface="빙그레 메로나체" panose="020B0503000000000000" pitchFamily="50" charset="-127"/>
+                <a:ea typeface="빙그레 메로나체" panose="020B0503000000000000" pitchFamily="50" charset="-127"/>
+                <a:cs typeface="+mn-cs"/>
+              </a:rPr>
+              <a:t>component</a:t>
+            </a:r>
+            <a:r>
+              <a:rPr lang="ko-KR" altLang="en-US" sz="1800" kern="1200">
+                <a:ln>
+                  <a:solidFill>
+                    <a:schemeClr val="tx1">
+                      <a:alpha val="30000"/>
+                    </a:schemeClr>
+                  </a:solidFill>
+                </a:ln>
+                <a:solidFill>
+                  <a:schemeClr val="tx1"/>
+                </a:solidFill>
+                <a:latin typeface="빙그레 메로나체" panose="020B0503000000000000" pitchFamily="50" charset="-127"/>
+                <a:ea typeface="빙그레 메로나체" panose="020B0503000000000000" pitchFamily="50" charset="-127"/>
+                <a:cs typeface="+mn-cs"/>
+              </a:rPr>
+              <a:t>가 </a:t>
+            </a:r>
+            <a:r>
+              <a:rPr lang="en-US" altLang="ko-KR" sz="1800" kern="1200">
+                <a:ln>
+                  <a:solidFill>
+                    <a:schemeClr val="tx1">
+                      <a:alpha val="30000"/>
+                    </a:schemeClr>
+                  </a:solidFill>
+                </a:ln>
+                <a:solidFill>
+                  <a:schemeClr val="tx1"/>
+                </a:solidFill>
+                <a:latin typeface="빙그레 메로나체" panose="020B0503000000000000" pitchFamily="50" charset="-127"/>
+                <a:ea typeface="빙그레 메로나체" panose="020B0503000000000000" pitchFamily="50" charset="-127"/>
+                <a:cs typeface="+mn-cs"/>
+              </a:rPr>
+              <a:t>mount </a:t>
+            </a:r>
+            <a:r>
+              <a:rPr lang="ko-KR" altLang="en-US" sz="1800" kern="1200">
+                <a:ln>
+                  <a:solidFill>
+                    <a:schemeClr val="tx1">
+                      <a:alpha val="30000"/>
+                    </a:schemeClr>
+                  </a:solidFill>
+                </a:ln>
+                <a:solidFill>
+                  <a:schemeClr val="tx1"/>
+                </a:solidFill>
+                <a:latin typeface="빙그레 메로나체" panose="020B0503000000000000" pitchFamily="50" charset="-127"/>
+                <a:ea typeface="빙그레 메로나체" panose="020B0503000000000000" pitchFamily="50" charset="-127"/>
+                <a:cs typeface="+mn-cs"/>
+              </a:rPr>
+              <a:t>됐을 때</a:t>
+            </a:r>
+            <a:r>
+              <a:rPr lang="en-US" altLang="ko-KR" sz="1800" kern="1200">
+                <a:ln>
+                  <a:solidFill>
+                    <a:schemeClr val="tx1">
+                      <a:alpha val="30000"/>
+                    </a:schemeClr>
+                  </a:solidFill>
+                </a:ln>
+                <a:solidFill>
+                  <a:schemeClr val="tx1"/>
+                </a:solidFill>
+                <a:latin typeface="빙그레 메로나체" panose="020B0503000000000000" pitchFamily="50" charset="-127"/>
+                <a:ea typeface="빙그레 메로나체" panose="020B0503000000000000" pitchFamily="50" charset="-127"/>
+                <a:cs typeface="+mn-cs"/>
+              </a:rPr>
+              <a:t>, component</a:t>
+            </a:r>
+            <a:r>
+              <a:rPr lang="ko-KR" altLang="en-US" sz="1800" kern="1200">
+                <a:ln>
+                  <a:solidFill>
+                    <a:schemeClr val="tx1">
+                      <a:alpha val="30000"/>
+                    </a:schemeClr>
+                  </a:solidFill>
+                </a:ln>
+                <a:solidFill>
+                  <a:schemeClr val="tx1"/>
+                </a:solidFill>
+                <a:latin typeface="빙그레 메로나체" panose="020B0503000000000000" pitchFamily="50" charset="-127"/>
+                <a:ea typeface="빙그레 메로나체" panose="020B0503000000000000" pitchFamily="50" charset="-127"/>
+                <a:cs typeface="+mn-cs"/>
+              </a:rPr>
+              <a:t>가 </a:t>
+            </a:r>
+            <a:r>
+              <a:rPr lang="en-US" altLang="ko-KR" sz="1800" kern="1200">
+                <a:ln>
+                  <a:solidFill>
+                    <a:schemeClr val="tx1">
+                      <a:alpha val="30000"/>
+                    </a:schemeClr>
+                  </a:solidFill>
+                </a:ln>
+                <a:solidFill>
+                  <a:schemeClr val="tx1"/>
+                </a:solidFill>
+                <a:latin typeface="빙그레 메로나체" panose="020B0503000000000000" pitchFamily="50" charset="-127"/>
+                <a:ea typeface="빙그레 메로나체" panose="020B0503000000000000" pitchFamily="50" charset="-127"/>
+                <a:cs typeface="+mn-cs"/>
+              </a:rPr>
+              <a:t>unmount </a:t>
+            </a:r>
+            <a:r>
+              <a:rPr lang="ko-KR" altLang="en-US" sz="1800" kern="1200">
+                <a:ln>
+                  <a:solidFill>
+                    <a:schemeClr val="tx1">
+                      <a:alpha val="30000"/>
+                    </a:schemeClr>
+                  </a:solidFill>
+                </a:ln>
+                <a:solidFill>
+                  <a:schemeClr val="tx1"/>
+                </a:solidFill>
+                <a:latin typeface="빙그레 메로나체" panose="020B0503000000000000" pitchFamily="50" charset="-127"/>
+                <a:ea typeface="빙그레 메로나체" panose="020B0503000000000000" pitchFamily="50" charset="-127"/>
+                <a:cs typeface="+mn-cs"/>
+              </a:rPr>
+              <a:t>됐을 때</a:t>
+            </a:r>
+            <a:r>
+              <a:rPr lang="en-US" altLang="ko-KR" sz="1800" kern="1200">
+                <a:ln>
+                  <a:solidFill>
+                    <a:schemeClr val="tx1">
+                      <a:alpha val="30000"/>
+                    </a:schemeClr>
+                  </a:solidFill>
+                </a:ln>
+                <a:solidFill>
+                  <a:schemeClr val="tx1"/>
+                </a:solidFill>
+                <a:latin typeface="빙그레 메로나체" panose="020B0503000000000000" pitchFamily="50" charset="-127"/>
+                <a:ea typeface="빙그레 메로나체" panose="020B0503000000000000" pitchFamily="50" charset="-127"/>
+                <a:cs typeface="+mn-cs"/>
+              </a:rPr>
+              <a:t>, component</a:t>
+            </a:r>
+            <a:r>
+              <a:rPr lang="ko-KR" altLang="en-US" sz="1800" kern="1200">
+                <a:ln>
+                  <a:solidFill>
+                    <a:schemeClr val="tx1">
+                      <a:alpha val="30000"/>
+                    </a:schemeClr>
+                  </a:solidFill>
+                </a:ln>
+                <a:solidFill>
+                  <a:schemeClr val="tx1"/>
+                </a:solidFill>
+                <a:latin typeface="빙그레 메로나체" panose="020B0503000000000000" pitchFamily="50" charset="-127"/>
+                <a:ea typeface="빙그레 메로나체" panose="020B0503000000000000" pitchFamily="50" charset="-127"/>
+                <a:cs typeface="+mn-cs"/>
+              </a:rPr>
+              <a:t>가 </a:t>
+            </a:r>
+            <a:r>
+              <a:rPr lang="en-US" altLang="ko-KR" sz="1800" kern="1200">
+                <a:ln>
+                  <a:solidFill>
+                    <a:schemeClr val="tx1">
+                      <a:alpha val="30000"/>
+                    </a:schemeClr>
+                  </a:solidFill>
+                </a:ln>
+                <a:solidFill>
+                  <a:schemeClr val="tx1"/>
+                </a:solidFill>
+                <a:latin typeface="빙그레 메로나체" panose="020B0503000000000000" pitchFamily="50" charset="-127"/>
+                <a:ea typeface="빙그레 메로나체" panose="020B0503000000000000" pitchFamily="50" charset="-127"/>
+                <a:cs typeface="+mn-cs"/>
+              </a:rPr>
+              <a:t>update </a:t>
+            </a:r>
+            <a:r>
+              <a:rPr lang="ko-KR" altLang="en-US" sz="1800" kern="1200">
+                <a:ln>
+                  <a:solidFill>
+                    <a:schemeClr val="tx1">
+                      <a:alpha val="30000"/>
+                    </a:schemeClr>
+                  </a:solidFill>
+                </a:ln>
+                <a:solidFill>
+                  <a:schemeClr val="tx1"/>
+                </a:solidFill>
+                <a:latin typeface="빙그레 메로나체" panose="020B0503000000000000" pitchFamily="50" charset="-127"/>
+                <a:ea typeface="빙그레 메로나체" panose="020B0503000000000000" pitchFamily="50" charset="-127"/>
+                <a:cs typeface="+mn-cs"/>
+              </a:rPr>
+              <a:t>됐을 때</a:t>
+            </a:r>
+            <a:r>
+              <a:rPr lang="en-US" altLang="ko-KR" sz="1800" kern="1200">
+                <a:ln>
+                  <a:solidFill>
+                    <a:schemeClr val="tx1">
+                      <a:alpha val="30000"/>
+                    </a:schemeClr>
+                  </a:solidFill>
+                </a:ln>
+                <a:solidFill>
+                  <a:schemeClr val="tx1"/>
+                </a:solidFill>
+                <a:latin typeface="빙그레 메로나체" panose="020B0503000000000000" pitchFamily="50" charset="-127"/>
+                <a:ea typeface="빙그레 메로나체" panose="020B0503000000000000" pitchFamily="50" charset="-127"/>
+                <a:cs typeface="+mn-cs"/>
+              </a:rPr>
+              <a:t>,</a:t>
+            </a:r>
+            <a:r>
+              <a:rPr lang="ko-KR" altLang="en-US" sz="1800" kern="1200">
+                <a:ln>
+                  <a:solidFill>
+                    <a:schemeClr val="tx1">
+                      <a:alpha val="30000"/>
+                    </a:schemeClr>
+                  </a:solidFill>
+                </a:ln>
+                <a:solidFill>
+                  <a:schemeClr val="tx1"/>
+                </a:solidFill>
+                <a:latin typeface="빙그레 메로나체" panose="020B0503000000000000" pitchFamily="50" charset="-127"/>
+                <a:ea typeface="빙그레 메로나체" panose="020B0503000000000000" pitchFamily="50" charset="-127"/>
+                <a:cs typeface="+mn-cs"/>
+              </a:rPr>
+              <a:t> 특정 작업을 처리</a:t>
+            </a:r>
+          </a:p>
+          <a:p>
+            <a:pPr marL="0" algn="l" defTabSz="914400" rtl="0" eaLnBrk="1" latinLnBrk="1" hangingPunct="1"/>
+            <a:endParaRPr lang="en-US" altLang="ko-KR" sz="1800" kern="1200">
+              <a:ln>
+                <a:solidFill>
+                  <a:schemeClr val="tx1">
+                    <a:alpha val="30000"/>
+                  </a:schemeClr>
+                </a:solidFill>
+              </a:ln>
+              <a:solidFill>
+                <a:schemeClr val="tx1"/>
+              </a:solidFill>
+              <a:latin typeface="빙그레 메로나체" panose="020B0503000000000000" pitchFamily="50" charset="-127"/>
+              <a:ea typeface="빙그레 메로나체" panose="020B0503000000000000" pitchFamily="50" charset="-127"/>
+              <a:cs typeface="+mn-cs"/>
+            </a:endParaRPr>
+          </a:p>
+          <a:p>
+            <a:pPr marL="0" algn="l" defTabSz="914400" rtl="0" eaLnBrk="1" latinLnBrk="1" hangingPunct="1"/>
+            <a:r>
+              <a:rPr lang="en-US" altLang="ko-KR" sz="1800" kern="1200">
+                <a:ln>
+                  <a:solidFill>
+                    <a:schemeClr val="tx1">
+                      <a:alpha val="30000"/>
+                    </a:schemeClr>
+                  </a:solidFill>
+                </a:ln>
+                <a:solidFill>
+                  <a:schemeClr val="tx1"/>
+                </a:solidFill>
+                <a:latin typeface="빙그레 메로나체" panose="020B0503000000000000" pitchFamily="50" charset="-127"/>
+                <a:ea typeface="빙그레 메로나체" panose="020B0503000000000000" pitchFamily="50" charset="-127"/>
+                <a:cs typeface="+mn-cs"/>
+              </a:rPr>
+              <a:t>function : </a:t>
+            </a:r>
+            <a:r>
+              <a:rPr lang="ko-KR" altLang="en-US" sz="1800" kern="1200">
+                <a:ln>
+                  <a:solidFill>
+                    <a:schemeClr val="tx1">
+                      <a:alpha val="30000"/>
+                    </a:schemeClr>
+                  </a:solidFill>
+                </a:ln>
+                <a:solidFill>
+                  <a:schemeClr val="tx1"/>
+                </a:solidFill>
+                <a:latin typeface="빙그레 메로나체" panose="020B0503000000000000" pitchFamily="50" charset="-127"/>
+                <a:ea typeface="빙그레 메로나체" panose="020B0503000000000000" pitchFamily="50" charset="-127"/>
+                <a:cs typeface="+mn-cs"/>
+              </a:rPr>
+              <a:t>수행하고자 하는 작업</a:t>
+            </a:r>
+          </a:p>
+          <a:p>
+            <a:pPr marL="0" algn="l" defTabSz="914400" rtl="0" eaLnBrk="1" latinLnBrk="1" hangingPunct="1"/>
+            <a:r>
+              <a:rPr lang="en-US" altLang="ko-KR" sz="1800" kern="1200">
+                <a:ln>
+                  <a:solidFill>
+                    <a:schemeClr val="tx1">
+                      <a:alpha val="30000"/>
+                    </a:schemeClr>
+                  </a:solidFill>
+                </a:ln>
+                <a:solidFill>
+                  <a:schemeClr val="tx1"/>
+                </a:solidFill>
+                <a:latin typeface="빙그레 메로나체" panose="020B0503000000000000" pitchFamily="50" charset="-127"/>
+                <a:ea typeface="빙그레 메로나체" panose="020B0503000000000000" pitchFamily="50" charset="-127"/>
+                <a:cs typeface="+mn-cs"/>
+              </a:rPr>
+              <a:t>deps : </a:t>
+            </a:r>
+            <a:r>
+              <a:rPr lang="ko-KR" altLang="en-US" sz="1800" kern="1200">
+                <a:ln>
+                  <a:solidFill>
+                    <a:schemeClr val="tx1">
+                      <a:alpha val="30000"/>
+                    </a:schemeClr>
+                  </a:solidFill>
+                </a:ln>
+                <a:solidFill>
+                  <a:schemeClr val="tx1"/>
+                </a:solidFill>
+                <a:latin typeface="빙그레 메로나체" panose="020B0503000000000000" pitchFamily="50" charset="-127"/>
+                <a:ea typeface="빙그레 메로나체" panose="020B0503000000000000" pitchFamily="50" charset="-127"/>
+                <a:cs typeface="+mn-cs"/>
+              </a:rPr>
+              <a:t>배열 형태이며</a:t>
+            </a:r>
+            <a:r>
+              <a:rPr lang="en-US" altLang="ko-KR" sz="1800" kern="1200">
+                <a:ln>
+                  <a:solidFill>
+                    <a:schemeClr val="tx1">
+                      <a:alpha val="30000"/>
+                    </a:schemeClr>
+                  </a:solidFill>
+                </a:ln>
+                <a:solidFill>
+                  <a:schemeClr val="tx1"/>
+                </a:solidFill>
+                <a:latin typeface="빙그레 메로나체" panose="020B0503000000000000" pitchFamily="50" charset="-127"/>
+                <a:ea typeface="빙그레 메로나체" panose="020B0503000000000000" pitchFamily="50" charset="-127"/>
+                <a:cs typeface="+mn-cs"/>
+              </a:rPr>
+              <a:t>, </a:t>
+            </a:r>
+            <a:r>
+              <a:rPr lang="ko-KR" altLang="en-US" sz="1800" kern="1200">
+                <a:ln>
+                  <a:solidFill>
+                    <a:schemeClr val="tx1">
+                      <a:alpha val="30000"/>
+                    </a:schemeClr>
+                  </a:solidFill>
+                </a:ln>
+                <a:solidFill>
+                  <a:schemeClr val="tx1"/>
+                </a:solidFill>
+                <a:latin typeface="빙그레 메로나체" panose="020B0503000000000000" pitchFamily="50" charset="-127"/>
+                <a:ea typeface="빙그레 메로나체" panose="020B0503000000000000" pitchFamily="50" charset="-127"/>
+                <a:cs typeface="+mn-cs"/>
+              </a:rPr>
+              <a:t>배열 안에는 검사하고자 하는 특정 값 </a:t>
+            </a:r>
+            <a:r>
+              <a:rPr lang="en-US" altLang="ko-KR" sz="1800" kern="1200">
+                <a:ln>
+                  <a:solidFill>
+                    <a:schemeClr val="tx1">
+                      <a:alpha val="30000"/>
+                    </a:schemeClr>
+                  </a:solidFill>
+                </a:ln>
+                <a:solidFill>
+                  <a:schemeClr val="tx1"/>
+                </a:solidFill>
+                <a:latin typeface="빙그레 메로나체" panose="020B0503000000000000" pitchFamily="50" charset="-127"/>
+                <a:ea typeface="빙그레 메로나체" panose="020B0503000000000000" pitchFamily="50" charset="-127"/>
+                <a:cs typeface="+mn-cs"/>
+              </a:rPr>
+              <a:t>or </a:t>
+            </a:r>
+            <a:r>
+              <a:rPr lang="ko-KR" altLang="en-US" sz="1800" kern="1200">
+                <a:ln>
+                  <a:solidFill>
+                    <a:schemeClr val="tx1">
+                      <a:alpha val="30000"/>
+                    </a:schemeClr>
+                  </a:solidFill>
+                </a:ln>
+                <a:solidFill>
+                  <a:schemeClr val="tx1"/>
+                </a:solidFill>
+                <a:latin typeface="빙그레 메로나체" panose="020B0503000000000000" pitchFamily="50" charset="-127"/>
+                <a:ea typeface="빙그레 메로나체" panose="020B0503000000000000" pitchFamily="50" charset="-127"/>
+                <a:cs typeface="+mn-cs"/>
+              </a:rPr>
+              <a:t>빈 배열</a:t>
+            </a:r>
+            <a:endParaRPr lang="en-US" altLang="ko-KR" sz="1800" kern="1200">
+              <a:ln>
+                <a:solidFill>
+                  <a:schemeClr val="tx1">
+                    <a:alpha val="30000"/>
+                  </a:schemeClr>
+                </a:solidFill>
+              </a:ln>
+              <a:solidFill>
+                <a:schemeClr val="tx1"/>
+              </a:solidFill>
+              <a:latin typeface="빙그레 메로나체" panose="020B0503000000000000" pitchFamily="50" charset="-127"/>
+              <a:ea typeface="빙그레 메로나체" panose="020B0503000000000000" pitchFamily="50" charset="-127"/>
+              <a:cs typeface="+mn-cs"/>
+            </a:endParaRPr>
+          </a:p>
+          <a:p>
+            <a:pPr marL="0" algn="l" defTabSz="914400" rtl="0" eaLnBrk="1" latinLnBrk="1" hangingPunct="1"/>
+            <a:endParaRPr lang="en-US" altLang="ko-KR" sz="1800" kern="1200">
+              <a:ln>
+                <a:solidFill>
+                  <a:schemeClr val="tx1">
+                    <a:alpha val="30000"/>
+                  </a:schemeClr>
+                </a:solidFill>
+              </a:ln>
+              <a:solidFill>
+                <a:schemeClr val="tx1"/>
+              </a:solidFill>
+              <a:latin typeface="빙그레 메로나체" panose="020B0503000000000000" pitchFamily="50" charset="-127"/>
+              <a:ea typeface="빙그레 메로나체" panose="020B0503000000000000" pitchFamily="50" charset="-127"/>
+              <a:cs typeface="+mn-cs"/>
+            </a:endParaRPr>
+          </a:p>
+          <a:p>
+            <a:pPr marL="0" algn="l" defTabSz="914400" rtl="0" eaLnBrk="1" latinLnBrk="1" hangingPunct="1"/>
+            <a:r>
+              <a:rPr lang="en-US" altLang="ko-KR" sz="1800" kern="1200">
+                <a:ln>
+                  <a:solidFill>
+                    <a:schemeClr val="tx1">
+                      <a:alpha val="30000"/>
+                    </a:schemeClr>
+                  </a:solidFill>
+                </a:ln>
+                <a:solidFill>
+                  <a:schemeClr val="tx1"/>
+                </a:solidFill>
+                <a:latin typeface="빙그레 메로나체" panose="020B0503000000000000" pitchFamily="50" charset="-127"/>
+                <a:ea typeface="빙그레 메로나체" panose="020B0503000000000000" pitchFamily="50" charset="-127"/>
+                <a:cs typeface="+mn-cs"/>
+              </a:rPr>
+              <a:t>prop</a:t>
+            </a:r>
+            <a:r>
+              <a:rPr lang="ko-KR" altLang="en-US" sz="1800" kern="1200">
+                <a:ln>
+                  <a:solidFill>
+                    <a:schemeClr val="tx1">
+                      <a:alpha val="30000"/>
+                    </a:schemeClr>
+                  </a:solidFill>
+                </a:ln>
+                <a:solidFill>
+                  <a:schemeClr val="tx1"/>
+                </a:solidFill>
+                <a:latin typeface="빙그레 메로나체" panose="020B0503000000000000" pitchFamily="50" charset="-127"/>
+                <a:ea typeface="빙그레 메로나체" panose="020B0503000000000000" pitchFamily="50" charset="-127"/>
+                <a:cs typeface="+mn-cs"/>
+              </a:rPr>
+              <a:t>이나 </a:t>
+            </a:r>
+            <a:r>
+              <a:rPr lang="en-US" altLang="ko-KR" sz="1800" kern="1200">
+                <a:ln>
+                  <a:solidFill>
+                    <a:schemeClr val="tx1">
+                      <a:alpha val="30000"/>
+                    </a:schemeClr>
+                  </a:solidFill>
+                </a:ln>
+                <a:solidFill>
+                  <a:schemeClr val="tx1"/>
+                </a:solidFill>
+                <a:latin typeface="빙그레 메로나체" panose="020B0503000000000000" pitchFamily="50" charset="-127"/>
+                <a:ea typeface="빙그레 메로나체" panose="020B0503000000000000" pitchFamily="50" charset="-127"/>
+                <a:cs typeface="+mn-cs"/>
+              </a:rPr>
+              <a:t>state</a:t>
+            </a:r>
+            <a:r>
+              <a:rPr lang="ko-KR" altLang="en-US" sz="1800" kern="1200">
+                <a:ln>
+                  <a:solidFill>
+                    <a:schemeClr val="tx1">
+                      <a:alpha val="30000"/>
+                    </a:schemeClr>
+                  </a:solidFill>
+                </a:ln>
+                <a:solidFill>
+                  <a:schemeClr val="tx1"/>
+                </a:solidFill>
+                <a:latin typeface="빙그레 메로나체" panose="020B0503000000000000" pitchFamily="50" charset="-127"/>
+                <a:ea typeface="빙그레 메로나체" panose="020B0503000000000000" pitchFamily="50" charset="-127"/>
+                <a:cs typeface="+mn-cs"/>
+              </a:rPr>
+              <a:t>를 반드시 요구하지 않는 함수는 컴포넌트 바깥에 선언해서 호이스팅하고</a:t>
+            </a:r>
+            <a:r>
+              <a:rPr lang="en-US" altLang="ko-KR" sz="1800" kern="1200">
+                <a:ln>
+                  <a:solidFill>
+                    <a:schemeClr val="tx1">
+                      <a:alpha val="30000"/>
+                    </a:schemeClr>
+                  </a:solidFill>
+                </a:ln>
+                <a:solidFill>
+                  <a:schemeClr val="tx1"/>
+                </a:solidFill>
+                <a:latin typeface="빙그레 메로나체" panose="020B0503000000000000" pitchFamily="50" charset="-127"/>
+                <a:ea typeface="빙그레 메로나체" panose="020B0503000000000000" pitchFamily="50" charset="-127"/>
+                <a:cs typeface="+mn-cs"/>
+              </a:rPr>
+              <a:t>, </a:t>
+            </a:r>
+            <a:r>
+              <a:rPr lang="ko-KR" altLang="en-US" sz="1800" kern="1200">
+                <a:ln>
+                  <a:solidFill>
+                    <a:schemeClr val="tx1">
+                      <a:alpha val="30000"/>
+                    </a:schemeClr>
+                  </a:solidFill>
+                </a:ln>
+                <a:solidFill>
+                  <a:schemeClr val="tx1"/>
+                </a:solidFill>
+                <a:latin typeface="빙그레 메로나체" panose="020B0503000000000000" pitchFamily="50" charset="-127"/>
+                <a:ea typeface="빙그레 메로나체" panose="020B0503000000000000" pitchFamily="50" charset="-127"/>
+                <a:cs typeface="+mn-cs"/>
+              </a:rPr>
+              <a:t>이펙트 안에서만 사용되는 함수는 이펙트 함수 내부에 선언</a:t>
+            </a:r>
+            <a:endParaRPr lang="en-US" altLang="ko-KR" sz="1800" kern="1200">
+              <a:ln>
+                <a:solidFill>
+                  <a:schemeClr val="tx1">
+                    <a:alpha val="30000"/>
+                  </a:schemeClr>
+                </a:solidFill>
+              </a:ln>
+              <a:solidFill>
+                <a:schemeClr val="tx1"/>
+              </a:solidFill>
+              <a:latin typeface="빙그레 메로나체" panose="020B0503000000000000" pitchFamily="50" charset="-127"/>
+              <a:ea typeface="빙그레 메로나체" panose="020B0503000000000000" pitchFamily="50" charset="-127"/>
+              <a:cs typeface="+mn-cs"/>
+            </a:endParaRPr>
+          </a:p>
+          <a:p>
+            <a:pPr marL="0" algn="l" defTabSz="914400" rtl="0" eaLnBrk="1" latinLnBrk="1" hangingPunct="1"/>
+            <a:r>
+              <a:rPr lang="ko-KR" altLang="en-US" sz="1800" kern="1200">
+                <a:ln>
+                  <a:solidFill>
+                    <a:schemeClr val="tx1">
+                      <a:alpha val="30000"/>
+                    </a:schemeClr>
+                  </a:solidFill>
+                </a:ln>
+                <a:solidFill>
+                  <a:schemeClr val="tx1"/>
+                </a:solidFill>
+                <a:latin typeface="빙그레 메로나체" panose="020B0503000000000000" pitchFamily="50" charset="-127"/>
+                <a:ea typeface="빙그레 메로나체" panose="020B0503000000000000" pitchFamily="50" charset="-127"/>
+                <a:cs typeface="+mn-cs"/>
+              </a:rPr>
+              <a:t>렌더 범위안에 있는 함수를 이펙트가 사용하면 구현부를 </a:t>
+            </a:r>
+            <a:r>
+              <a:rPr lang="en-US" altLang="ko-KR" sz="1800" kern="1200">
+                <a:ln>
+                  <a:solidFill>
+                    <a:schemeClr val="tx1">
+                      <a:alpha val="30000"/>
+                    </a:schemeClr>
+                  </a:solidFill>
+                </a:ln>
+                <a:solidFill>
+                  <a:schemeClr val="tx1"/>
+                </a:solidFill>
+                <a:latin typeface="빙그레 메로나체" panose="020B0503000000000000" pitchFamily="50" charset="-127"/>
+                <a:ea typeface="빙그레 메로나체" panose="020B0503000000000000" pitchFamily="50" charset="-127"/>
+                <a:cs typeface="+mn-cs"/>
+              </a:rPr>
+              <a:t>useCallback</a:t>
+            </a:r>
+            <a:r>
+              <a:rPr lang="ko-KR" altLang="en-US" sz="1800" kern="1200">
+                <a:ln>
+                  <a:solidFill>
+                    <a:schemeClr val="tx1">
+                      <a:alpha val="30000"/>
+                    </a:schemeClr>
+                  </a:solidFill>
+                </a:ln>
+                <a:solidFill>
+                  <a:schemeClr val="tx1"/>
+                </a:solidFill>
+                <a:latin typeface="빙그레 메로나체" panose="020B0503000000000000" pitchFamily="50" charset="-127"/>
+                <a:ea typeface="빙그레 메로나체" panose="020B0503000000000000" pitchFamily="50" charset="-127"/>
+                <a:cs typeface="+mn-cs"/>
+              </a:rPr>
+              <a:t>을 사용</a:t>
+            </a:r>
+            <a:endParaRPr lang="en-US" altLang="ko-KR" sz="1800" kern="1200">
+              <a:ln>
+                <a:solidFill>
+                  <a:schemeClr val="tx1">
+                    <a:alpha val="30000"/>
+                  </a:schemeClr>
+                </a:solidFill>
+              </a:ln>
+              <a:solidFill>
+                <a:schemeClr val="tx1"/>
+              </a:solidFill>
+              <a:latin typeface="빙그레 메로나체" panose="020B0503000000000000" pitchFamily="50" charset="-127"/>
+              <a:ea typeface="빙그레 메로나체" panose="020B0503000000000000" pitchFamily="50" charset="-127"/>
+              <a:cs typeface="+mn-cs"/>
+            </a:endParaRPr>
+          </a:p>
+          <a:p>
+            <a:pPr marL="0" algn="l" defTabSz="914400" rtl="0" eaLnBrk="1" latinLnBrk="1" hangingPunct="1"/>
+            <a:endParaRPr lang="en-US" altLang="ko-KR" sz="1800" kern="1200">
+              <a:ln>
+                <a:solidFill>
+                  <a:schemeClr val="tx1">
+                    <a:alpha val="30000"/>
+                  </a:schemeClr>
+                </a:solidFill>
+              </a:ln>
+              <a:solidFill>
+                <a:schemeClr val="tx1"/>
+              </a:solidFill>
+              <a:latin typeface="빙그레 메로나체" panose="020B0503000000000000" pitchFamily="50" charset="-127"/>
+              <a:ea typeface="빙그레 메로나체" panose="020B0503000000000000" pitchFamily="50" charset="-127"/>
+              <a:cs typeface="+mn-cs"/>
+            </a:endParaRPr>
+          </a:p>
+          <a:p>
+            <a:pPr marL="0" algn="l" defTabSz="914400" rtl="0" eaLnBrk="1" latinLnBrk="1" hangingPunct="1"/>
+            <a:r>
+              <a:rPr lang="ko-KR" altLang="en-US" sz="1800" kern="1200">
+                <a:ln>
+                  <a:solidFill>
+                    <a:schemeClr val="tx1">
+                      <a:alpha val="30000"/>
+                    </a:schemeClr>
+                  </a:solidFill>
+                </a:ln>
+                <a:solidFill>
+                  <a:schemeClr val="tx1"/>
+                </a:solidFill>
+                <a:latin typeface="빙그레 메로나체" panose="020B0503000000000000" pitchFamily="50" charset="-127"/>
+                <a:ea typeface="빙그레 메로나체" panose="020B0503000000000000" pitchFamily="50" charset="-127"/>
+                <a:cs typeface="+mn-cs"/>
+              </a:rPr>
+              <a:t>최신에 렌더링된값을 가져오지 못함</a:t>
+            </a:r>
+            <a:r>
+              <a:rPr lang="en-US" altLang="ko-KR" sz="1800" kern="1200">
+                <a:ln>
+                  <a:solidFill>
+                    <a:schemeClr val="tx1">
+                      <a:alpha val="30000"/>
+                    </a:schemeClr>
+                  </a:solidFill>
+                </a:ln>
+                <a:solidFill>
+                  <a:schemeClr val="tx1"/>
+                </a:solidFill>
+                <a:latin typeface="빙그레 메로나체" panose="020B0503000000000000" pitchFamily="50" charset="-127"/>
+                <a:ea typeface="빙그레 메로나체" panose="020B0503000000000000" pitchFamily="50" charset="-127"/>
+                <a:cs typeface="+mn-cs"/>
+              </a:rPr>
+              <a:t>.</a:t>
+            </a:r>
+            <a:endParaRPr lang="ko-KR" altLang="en-US" sz="1800" kern="1200">
+              <a:ln>
+                <a:solidFill>
+                  <a:schemeClr val="tx1">
+                    <a:alpha val="30000"/>
+                  </a:schemeClr>
+                </a:solidFill>
+              </a:ln>
+              <a:solidFill>
+                <a:schemeClr val="tx1"/>
+              </a:solidFill>
+              <a:latin typeface="빙그레 메로나체" panose="020B0503000000000000" pitchFamily="50" charset="-127"/>
+              <a:ea typeface="빙그레 메로나체" panose="020B0503000000000000" pitchFamily="50" charset="-127"/>
+              <a:cs typeface="+mn-cs"/>
+            </a:endParaRPr>
+          </a:p>
+          <a:p>
+            <a:pPr marL="0" algn="l" defTabSz="914400" rtl="0" eaLnBrk="1" latinLnBrk="1" hangingPunct="1"/>
+            <a:r>
+              <a:rPr lang="en-US" altLang="ko-KR" sz="1800" kern="1200">
+                <a:ln>
+                  <a:solidFill>
+                    <a:schemeClr val="tx1">
+                      <a:alpha val="30000"/>
+                    </a:schemeClr>
+                  </a:solidFill>
+                </a:ln>
+                <a:solidFill>
+                  <a:schemeClr val="tx1"/>
+                </a:solidFill>
+                <a:latin typeface="빙그레 메로나체" panose="020B0503000000000000" pitchFamily="50" charset="-127"/>
+                <a:ea typeface="빙그레 메로나체" panose="020B0503000000000000" pitchFamily="50" charset="-127"/>
+                <a:cs typeface="+mn-cs"/>
+              </a:rPr>
+              <a:t>setCount(count + 1) setCount(0 + 1)</a:t>
+            </a:r>
+          </a:p>
+          <a:p>
+            <a:pPr marL="0" algn="l" defTabSz="914400" rtl="0" eaLnBrk="1" latinLnBrk="1" hangingPunct="1"/>
+            <a:r>
+              <a:rPr lang="en-US" altLang="ko-KR" sz="1800" kern="1200">
+                <a:ln>
+                  <a:solidFill>
+                    <a:schemeClr val="tx1">
+                      <a:alpha val="30000"/>
+                    </a:schemeClr>
+                  </a:solidFill>
+                </a:ln>
+                <a:solidFill>
+                  <a:schemeClr val="tx1"/>
+                </a:solidFill>
+                <a:latin typeface="빙그레 메로나체" panose="020B0503000000000000" pitchFamily="50" charset="-127"/>
+                <a:ea typeface="빙그레 메로나체" panose="020B0503000000000000" pitchFamily="50" charset="-127"/>
+                <a:cs typeface="+mn-cs"/>
+              </a:rPr>
+              <a:t>setCount(c =&gt; c + 1) </a:t>
             </a:r>
           </a:p>
         </p:txBody>
@@ -2525,7 +4613,7 @@
     </p:spTree>
     <p:extLst>
       <p:ext uri="{BB962C8B-B14F-4D97-AF65-F5344CB8AC3E}">
-        <p14:creationId xmlns:p14="http://schemas.microsoft.com/office/powerpoint/2010/main" val="1430876415"/>
+        <p14:creationId xmlns:p14="http://schemas.microsoft.com/office/powerpoint/2010/main" val="2036608993"/>
       </p:ext>
     </p:extLst>
   </p:cSld>
@@ -2687,7 +4775,7 @@
           <a:p>
             <a:fld id="{7DC6197A-B81F-4CAF-8F9E-3C147E2873D6}" type="datetime1">
               <a:rPr lang="ko-KR" altLang="en-US" smtClean="0"/>
-              <a:t>21-02-14(Sun)</a:t>
+              <a:t>21-02-15(Mon)</a:t>
             </a:fld>
             <a:endParaRPr lang="ko-KR" altLang="en-US"/>
           </a:p>
@@ -2906,7 +4994,7 @@
           <a:p>
             <a:fld id="{2E9FEE90-94DC-4A70-8DB6-77140FDC4928}" type="datetime1">
               <a:rPr lang="ko-KR" altLang="en-US" smtClean="0"/>
-              <a:t>21-02-14(Sun)</a:t>
+              <a:t>21-02-15(Mon)</a:t>
             </a:fld>
             <a:endParaRPr lang="ko-KR" altLang="en-US"/>
           </a:p>
@@ -3114,7 +5202,7 @@
           <a:p>
             <a:fld id="{35B46D19-C2B4-4F76-8EC4-654FF4D1B867}" type="datetime1">
               <a:rPr lang="ko-KR" altLang="en-US" smtClean="0"/>
-              <a:t>21-02-14(Sun)</a:t>
+              <a:t>21-02-15(Mon)</a:t>
             </a:fld>
             <a:endParaRPr lang="ko-KR" altLang="en-US"/>
           </a:p>
@@ -3312,7 +5400,7 @@
           <a:p>
             <a:fld id="{C373018D-A7B2-4FBD-B6A9-55243D35BED3}" type="datetime1">
               <a:rPr lang="ko-KR" altLang="en-US" smtClean="0"/>
-              <a:t>21-02-14(Sun)</a:t>
+              <a:t>21-02-15(Mon)</a:t>
             </a:fld>
             <a:endParaRPr lang="ko-KR" altLang="en-US"/>
           </a:p>
@@ -3587,7 +5675,7 @@
           <a:p>
             <a:fld id="{4435D3D0-A066-4F71-AFF5-8B496FFE7BCA}" type="datetime1">
               <a:rPr lang="ko-KR" altLang="en-US" smtClean="0"/>
-              <a:t>21-02-14(Sun)</a:t>
+              <a:t>21-02-15(Mon)</a:t>
             </a:fld>
             <a:endParaRPr lang="ko-KR" altLang="en-US"/>
           </a:p>
@@ -3852,7 +5940,7 @@
           <a:p>
             <a:fld id="{365C1C25-AAFE-4B7A-972A-986C48C551DC}" type="datetime1">
               <a:rPr lang="ko-KR" altLang="en-US" smtClean="0"/>
-              <a:t>21-02-14(Sun)</a:t>
+              <a:t>21-02-15(Mon)</a:t>
             </a:fld>
             <a:endParaRPr lang="ko-KR" altLang="en-US"/>
           </a:p>
@@ -4264,7 +6352,7 @@
           <a:p>
             <a:fld id="{81CD69AD-8091-45FF-A7FD-D5E8A83B14A6}" type="datetime1">
               <a:rPr lang="ko-KR" altLang="en-US" smtClean="0"/>
-              <a:t>21-02-14(Sun)</a:t>
+              <a:t>21-02-15(Mon)</a:t>
             </a:fld>
             <a:endParaRPr lang="ko-KR" altLang="en-US"/>
           </a:p>
@@ -4405,7 +6493,7 @@
           <a:p>
             <a:fld id="{16E1BF7E-2A53-4D85-AD06-DBD10CF13045}" type="datetime1">
               <a:rPr lang="ko-KR" altLang="en-US" smtClean="0"/>
-              <a:t>21-02-14(Sun)</a:t>
+              <a:t>21-02-15(Mon)</a:t>
             </a:fld>
             <a:endParaRPr lang="ko-KR" altLang="en-US"/>
           </a:p>
@@ -4518,7 +6606,7 @@
           <a:p>
             <a:fld id="{D7EEE6D7-F07E-4CE2-AFD1-E0ADDB02E34F}" type="datetime1">
               <a:rPr lang="ko-KR" altLang="en-US" smtClean="0"/>
-              <a:t>21-02-14(Sun)</a:t>
+              <a:t>21-02-15(Mon)</a:t>
             </a:fld>
             <a:endParaRPr lang="ko-KR" altLang="en-US"/>
           </a:p>
@@ -4829,7 +6917,7 @@
           <a:p>
             <a:fld id="{022DB226-797E-4714-A363-EB143067361E}" type="datetime1">
               <a:rPr lang="ko-KR" altLang="en-US" smtClean="0"/>
-              <a:t>21-02-14(Sun)</a:t>
+              <a:t>21-02-15(Mon)</a:t>
             </a:fld>
             <a:endParaRPr lang="ko-KR" altLang="en-US"/>
           </a:p>
@@ -5117,7 +7205,7 @@
           <a:p>
             <a:fld id="{2946DBEB-5FFE-47E0-9C69-4E429AFA7594}" type="datetime1">
               <a:rPr lang="ko-KR" altLang="en-US" smtClean="0"/>
-              <a:t>21-02-14(Sun)</a:t>
+              <a:t>21-02-15(Mon)</a:t>
             </a:fld>
             <a:endParaRPr lang="ko-KR" altLang="en-US"/>
           </a:p>
@@ -5364,7 +7452,7 @@
             <a:fld id="{932790BA-7C09-43EA-8E7D-6E5A6153DBF0}" type="datetime1">
               <a:rPr lang="ko-KR" altLang="en-US" smtClean="0"/>
               <a:pPr/>
-              <a:t>21-02-14(Sun)</a:t>
+              <a:t>21-02-15(Mon)</a:t>
             </a:fld>
             <a:endParaRPr lang="ko-KR" altLang="en-US"/>
           </a:p>
@@ -6166,6 +8254,2909 @@
           <a:chExt cx="0" cy="0"/>
         </a:xfrm>
       </p:grpSpPr>
+      <p:grpSp>
+        <p:nvGrpSpPr>
+          <p:cNvPr id="6" name="그룹 5">
+            <a:extLst>
+              <a:ext uri="{FF2B5EF4-FFF2-40B4-BE49-F238E27FC236}">
+                <a16:creationId xmlns:a16="http://schemas.microsoft.com/office/drawing/2014/main" id="{CA7BD838-D4FB-4EA7-B68C-FA7B6D147BA2}"/>
+              </a:ext>
+            </a:extLst>
+          </p:cNvPr>
+          <p:cNvGrpSpPr/>
+          <p:nvPr/>
+        </p:nvGrpSpPr>
+        <p:grpSpPr>
+          <a:xfrm>
+            <a:off x="159192" y="182880"/>
+            <a:ext cx="1852488" cy="854227"/>
+            <a:chOff x="640080" y="-971550"/>
+            <a:chExt cx="1660746" cy="765810"/>
+          </a:xfrm>
+        </p:grpSpPr>
+        <p:sp>
+          <p:nvSpPr>
+            <p:cNvPr id="18" name="TextBox 17">
+              <a:extLst>
+                <a:ext uri="{FF2B5EF4-FFF2-40B4-BE49-F238E27FC236}">
+                  <a16:creationId xmlns:a16="http://schemas.microsoft.com/office/drawing/2014/main" id="{D7B7EE40-BAD9-4569-9BF6-F6E9ACA78A3C}"/>
+                </a:ext>
+              </a:extLst>
+            </p:cNvPr>
+            <p:cNvSpPr txBox="1"/>
+            <p:nvPr/>
+          </p:nvSpPr>
+          <p:spPr>
+            <a:xfrm>
+              <a:off x="683325" y="-770703"/>
+              <a:ext cx="1576513" cy="358697"/>
+            </a:xfrm>
+            <a:prstGeom prst="rect">
+              <a:avLst/>
+            </a:prstGeom>
+            <a:noFill/>
+          </p:spPr>
+          <p:txBody>
+            <a:bodyPr wrap="square" rtlCol="0" anchor="ctr">
+              <a:spAutoFit/>
+            </a:bodyPr>
+            <a:lstStyle/>
+            <a:p>
+              <a:pPr algn="ctr"/>
+              <a:r>
+                <a:rPr lang="en-US" altLang="ko-KR" sz="2000">
+                  <a:ln>
+                    <a:solidFill>
+                      <a:schemeClr val="tx1">
+                        <a:alpha val="30000"/>
+                      </a:schemeClr>
+                    </a:solidFill>
+                  </a:ln>
+                  <a:latin typeface="빙그레 메로나체" panose="020B0503000000000000" pitchFamily="50" charset="-127"/>
+                  <a:ea typeface="빙그레 메로나체" panose="020B0503000000000000" pitchFamily="50" charset="-127"/>
+                </a:rPr>
+                <a:t>React</a:t>
+              </a:r>
+            </a:p>
+          </p:txBody>
+        </p:sp>
+        <p:sp>
+          <p:nvSpPr>
+            <p:cNvPr id="5" name="직사각형 4">
+              <a:extLst>
+                <a:ext uri="{FF2B5EF4-FFF2-40B4-BE49-F238E27FC236}">
+                  <a16:creationId xmlns:a16="http://schemas.microsoft.com/office/drawing/2014/main" id="{AB4C8245-D0E4-4D79-B3E9-2FB89CE6FE84}"/>
+                </a:ext>
+              </a:extLst>
+            </p:cNvPr>
+            <p:cNvSpPr/>
+            <p:nvPr/>
+          </p:nvSpPr>
+          <p:spPr>
+            <a:xfrm>
+              <a:off x="640080" y="-971550"/>
+              <a:ext cx="1660746" cy="765810"/>
+            </a:xfrm>
+            <a:prstGeom prst="rect">
+              <a:avLst/>
+            </a:prstGeom>
+            <a:noFill/>
+            <a:ln w="25400">
+              <a:solidFill>
+                <a:schemeClr val="tx1"/>
+              </a:solidFill>
+            </a:ln>
+          </p:spPr>
+          <p:style>
+            <a:lnRef idx="2">
+              <a:schemeClr val="accent1">
+                <a:shade val="50000"/>
+              </a:schemeClr>
+            </a:lnRef>
+            <a:fillRef idx="1">
+              <a:schemeClr val="accent1"/>
+            </a:fillRef>
+            <a:effectRef idx="0">
+              <a:schemeClr val="accent1"/>
+            </a:effectRef>
+            <a:fontRef idx="minor">
+              <a:schemeClr val="lt1"/>
+            </a:fontRef>
+          </p:style>
+          <p:txBody>
+            <a:bodyPr rtlCol="0" anchor="ctr"/>
+            <a:lstStyle/>
+            <a:p>
+              <a:pPr algn="ctr"/>
+              <a:endParaRPr lang="ko-KR" altLang="en-US">
+                <a:latin typeface="빙그레 메로나체" panose="020B0503000000000000" pitchFamily="50" charset="-127"/>
+                <a:ea typeface="빙그레 메로나체" panose="020B0503000000000000" pitchFamily="50" charset="-127"/>
+              </a:endParaRPr>
+            </a:p>
+          </p:txBody>
+        </p:sp>
+      </p:grpSp>
+      <p:sp>
+        <p:nvSpPr>
+          <p:cNvPr id="30" name="TextBox 29">
+            <a:extLst>
+              <a:ext uri="{FF2B5EF4-FFF2-40B4-BE49-F238E27FC236}">
+                <a16:creationId xmlns:a16="http://schemas.microsoft.com/office/drawing/2014/main" id="{706566D1-60CB-4C10-9859-0656D082B2B7}"/>
+              </a:ext>
+            </a:extLst>
+          </p:cNvPr>
+          <p:cNvSpPr txBox="1"/>
+          <p:nvPr/>
+        </p:nvSpPr>
+        <p:spPr>
+          <a:xfrm>
+            <a:off x="2388870" y="422305"/>
+            <a:ext cx="3326130" cy="369332"/>
+          </a:xfrm>
+          <a:prstGeom prst="rect">
+            <a:avLst/>
+          </a:prstGeom>
+          <a:noFill/>
+          <a:ln>
+            <a:noFill/>
+          </a:ln>
+        </p:spPr>
+        <p:txBody>
+          <a:bodyPr wrap="square" rtlCol="0">
+            <a:spAutoFit/>
+          </a:bodyPr>
+          <a:lstStyle/>
+          <a:p>
+            <a:r>
+              <a:rPr lang="en-US" altLang="ko-KR">
+                <a:ln>
+                  <a:solidFill>
+                    <a:schemeClr val="tx1">
+                      <a:alpha val="30000"/>
+                    </a:schemeClr>
+                  </a:solidFill>
+                </a:ln>
+                <a:latin typeface="빙그레 메로나체" panose="020B0503000000000000" pitchFamily="50" charset="-127"/>
+                <a:ea typeface="빙그레 메로나체" panose="020B0503000000000000" pitchFamily="50" charset="-127"/>
+              </a:rPr>
+              <a:t>Hooks - useEffect</a:t>
+            </a:r>
+          </a:p>
+        </p:txBody>
+      </p:sp>
+      <p:sp>
+        <p:nvSpPr>
+          <p:cNvPr id="10" name="슬라이드 번호 개체 틀 9">
+            <a:extLst>
+              <a:ext uri="{FF2B5EF4-FFF2-40B4-BE49-F238E27FC236}">
+                <a16:creationId xmlns:a16="http://schemas.microsoft.com/office/drawing/2014/main" id="{6F1C1DC9-3B79-47A0-95A5-B5A14A6B4906}"/>
+              </a:ext>
+            </a:extLst>
+          </p:cNvPr>
+          <p:cNvSpPr>
+            <a:spLocks noGrp="1"/>
+          </p:cNvSpPr>
+          <p:nvPr>
+            <p:ph type="sldNum" sz="quarter" idx="12"/>
+          </p:nvPr>
+        </p:nvSpPr>
+        <p:spPr/>
+        <p:txBody>
+          <a:bodyPr/>
+          <a:lstStyle/>
+          <a:p>
+            <a:pPr algn="ctr"/>
+            <a:fld id="{4AE1E1EF-90A0-4171-8CF9-B3BC5042A8FC}" type="slidenum">
+              <a:rPr lang="ko-KR" altLang="en-US" smtClean="0"/>
+              <a:pPr algn="ctr"/>
+              <a:t>10</a:t>
+            </a:fld>
+            <a:endParaRPr lang="ko-KR" altLang="en-US"/>
+          </a:p>
+        </p:txBody>
+      </p:sp>
+      <p:sp>
+        <p:nvSpPr>
+          <p:cNvPr id="22" name="사각형: 둥근 모서리 21">
+            <a:extLst>
+              <a:ext uri="{FF2B5EF4-FFF2-40B4-BE49-F238E27FC236}">
+                <a16:creationId xmlns:a16="http://schemas.microsoft.com/office/drawing/2014/main" id="{AC6A6DCB-56D2-477B-988F-4F30A77DD536}"/>
+              </a:ext>
+            </a:extLst>
+          </p:cNvPr>
+          <p:cNvSpPr/>
+          <p:nvPr/>
+        </p:nvSpPr>
+        <p:spPr>
+          <a:xfrm>
+            <a:off x="955040" y="1375750"/>
+            <a:ext cx="2021840" cy="823335"/>
+          </a:xfrm>
+          <a:prstGeom prst="roundRect">
+            <a:avLst/>
+          </a:prstGeom>
+          <a:solidFill>
+            <a:srgbClr val="DAE3F3">
+              <a:alpha val="60000"/>
+            </a:srgbClr>
+          </a:solidFill>
+          <a:ln>
+            <a:noFill/>
+          </a:ln>
+        </p:spPr>
+        <p:style>
+          <a:lnRef idx="2">
+            <a:schemeClr val="accent1">
+              <a:shade val="50000"/>
+            </a:schemeClr>
+          </a:lnRef>
+          <a:fillRef idx="1">
+            <a:schemeClr val="accent1"/>
+          </a:fillRef>
+          <a:effectRef idx="0">
+            <a:schemeClr val="accent1"/>
+          </a:effectRef>
+          <a:fontRef idx="minor">
+            <a:schemeClr val="lt1"/>
+          </a:fontRef>
+        </p:style>
+        <p:txBody>
+          <a:bodyPr rtlCol="0" anchor="ctr"/>
+          <a:lstStyle/>
+          <a:p>
+            <a:pPr algn="ctr"/>
+            <a:r>
+              <a:rPr lang="en-US" altLang="ko-KR" sz="2400">
+                <a:ln>
+                  <a:solidFill>
+                    <a:schemeClr val="tx1">
+                      <a:alpha val="30000"/>
+                    </a:schemeClr>
+                  </a:solidFill>
+                </a:ln>
+                <a:solidFill>
+                  <a:schemeClr val="tx1"/>
+                </a:solidFill>
+                <a:latin typeface="빙그레 메로나체" panose="020B0503000000000000" pitchFamily="50" charset="-127"/>
+                <a:ea typeface="빙그레 메로나체" panose="020B0503000000000000" pitchFamily="50" charset="-127"/>
+              </a:rPr>
+              <a:t>mount</a:t>
+            </a:r>
+            <a:endParaRPr lang="ko-KR" altLang="en-US" sz="2400">
+              <a:ln>
+                <a:solidFill>
+                  <a:schemeClr val="tx1">
+                    <a:alpha val="30000"/>
+                  </a:schemeClr>
+                </a:solidFill>
+              </a:ln>
+              <a:solidFill>
+                <a:schemeClr val="tx1"/>
+              </a:solidFill>
+              <a:latin typeface="빙그레 메로나체" panose="020B0503000000000000" pitchFamily="50" charset="-127"/>
+              <a:ea typeface="빙그레 메로나체" panose="020B0503000000000000" pitchFamily="50" charset="-127"/>
+            </a:endParaRPr>
+          </a:p>
+        </p:txBody>
+      </p:sp>
+      <p:sp>
+        <p:nvSpPr>
+          <p:cNvPr id="16" name="TextBox 15">
+            <a:extLst>
+              <a:ext uri="{FF2B5EF4-FFF2-40B4-BE49-F238E27FC236}">
+                <a16:creationId xmlns:a16="http://schemas.microsoft.com/office/drawing/2014/main" id="{AF21459A-AF1E-4821-87A3-9B768449E2E0}"/>
+              </a:ext>
+            </a:extLst>
+          </p:cNvPr>
+          <p:cNvSpPr txBox="1"/>
+          <p:nvPr/>
+        </p:nvSpPr>
+        <p:spPr>
+          <a:xfrm>
+            <a:off x="3048000" y="2736677"/>
+            <a:ext cx="6096000" cy="1015663"/>
+          </a:xfrm>
+          <a:prstGeom prst="rect">
+            <a:avLst/>
+          </a:prstGeom>
+          <a:solidFill>
+            <a:schemeClr val="tx1"/>
+          </a:solidFill>
+        </p:spPr>
+        <p:txBody>
+          <a:bodyPr wrap="square">
+            <a:spAutoFit/>
+          </a:bodyPr>
+          <a:lstStyle/>
+          <a:p>
+            <a:r>
+              <a:rPr lang="en-US" altLang="ko-KR" sz="2000" b="0">
+                <a:solidFill>
+                  <a:srgbClr val="82AAFF"/>
+                </a:solidFill>
+                <a:effectLst/>
+                <a:latin typeface="빙그레 메로나체" panose="020B0503000000000000" pitchFamily="50" charset="-127"/>
+                <a:ea typeface="빙그레 메로나체" panose="020B0503000000000000" pitchFamily="50" charset="-127"/>
+              </a:rPr>
+              <a:t>useEffect</a:t>
+            </a:r>
+            <a:r>
+              <a:rPr lang="en-US" altLang="ko-KR" sz="2000" b="0">
+                <a:solidFill>
+                  <a:srgbClr val="F07178"/>
+                </a:solidFill>
+                <a:effectLst/>
+                <a:latin typeface="빙그레 메로나체" panose="020B0503000000000000" pitchFamily="50" charset="-127"/>
+                <a:ea typeface="빙그레 메로나체" panose="020B0503000000000000" pitchFamily="50" charset="-127"/>
+              </a:rPr>
+              <a:t>(</a:t>
+            </a:r>
+            <a:r>
+              <a:rPr lang="en-US" altLang="ko-KR" sz="2000" b="0">
+                <a:solidFill>
+                  <a:srgbClr val="89DDFF"/>
+                </a:solidFill>
+                <a:effectLst/>
+                <a:latin typeface="빙그레 메로나체" panose="020B0503000000000000" pitchFamily="50" charset="-127"/>
+                <a:ea typeface="빙그레 메로나체" panose="020B0503000000000000" pitchFamily="50" charset="-127"/>
+              </a:rPr>
+              <a:t>()</a:t>
+            </a:r>
+            <a:r>
+              <a:rPr lang="en-US" altLang="ko-KR" sz="2000" b="0">
+                <a:solidFill>
+                  <a:srgbClr val="F07178"/>
+                </a:solidFill>
+                <a:effectLst/>
+                <a:latin typeface="빙그레 메로나체" panose="020B0503000000000000" pitchFamily="50" charset="-127"/>
+                <a:ea typeface="빙그레 메로나체" panose="020B0503000000000000" pitchFamily="50" charset="-127"/>
+              </a:rPr>
+              <a:t> </a:t>
+            </a:r>
+            <a:r>
+              <a:rPr lang="en-US" altLang="ko-KR" sz="2000" b="0">
+                <a:solidFill>
+                  <a:srgbClr val="C792EA"/>
+                </a:solidFill>
+                <a:effectLst/>
+                <a:latin typeface="빙그레 메로나체" panose="020B0503000000000000" pitchFamily="50" charset="-127"/>
+                <a:ea typeface="빙그레 메로나체" panose="020B0503000000000000" pitchFamily="50" charset="-127"/>
+              </a:rPr>
+              <a:t>=&gt;</a:t>
+            </a:r>
+            <a:r>
+              <a:rPr lang="en-US" altLang="ko-KR" sz="2000" b="0">
+                <a:solidFill>
+                  <a:srgbClr val="F07178"/>
+                </a:solidFill>
+                <a:effectLst/>
+                <a:latin typeface="빙그레 메로나체" panose="020B0503000000000000" pitchFamily="50" charset="-127"/>
+                <a:ea typeface="빙그레 메로나체" panose="020B0503000000000000" pitchFamily="50" charset="-127"/>
+              </a:rPr>
+              <a:t> </a:t>
+            </a:r>
+            <a:r>
+              <a:rPr lang="en-US" altLang="ko-KR" sz="2000" b="0">
+                <a:solidFill>
+                  <a:srgbClr val="89DDFF"/>
+                </a:solidFill>
+                <a:effectLst/>
+                <a:latin typeface="빙그레 메로나체" panose="020B0503000000000000" pitchFamily="50" charset="-127"/>
+                <a:ea typeface="빙그레 메로나체" panose="020B0503000000000000" pitchFamily="50" charset="-127"/>
+              </a:rPr>
+              <a:t>{</a:t>
+            </a:r>
+            <a:endParaRPr lang="en-US" altLang="ko-KR" sz="2000" b="0">
+              <a:solidFill>
+                <a:srgbClr val="EEFFFF"/>
+              </a:solidFill>
+              <a:effectLst/>
+              <a:latin typeface="빙그레 메로나체" panose="020B0503000000000000" pitchFamily="50" charset="-127"/>
+              <a:ea typeface="빙그레 메로나체" panose="020B0503000000000000" pitchFamily="50" charset="-127"/>
+            </a:endParaRPr>
+          </a:p>
+          <a:p>
+            <a:r>
+              <a:rPr lang="en-US" altLang="ko-KR" sz="2000" b="0">
+                <a:solidFill>
+                  <a:srgbClr val="F07178"/>
+                </a:solidFill>
+                <a:effectLst/>
+                <a:latin typeface="빙그레 메로나체" panose="020B0503000000000000" pitchFamily="50" charset="-127"/>
+                <a:ea typeface="빙그레 메로나체" panose="020B0503000000000000" pitchFamily="50" charset="-127"/>
+              </a:rPr>
+              <a:t>  </a:t>
+            </a:r>
+            <a:r>
+              <a:rPr lang="en-US" altLang="ko-KR" sz="2000" b="0">
+                <a:solidFill>
+                  <a:srgbClr val="EEFFFF"/>
+                </a:solidFill>
+                <a:effectLst/>
+                <a:latin typeface="빙그레 메로나체" panose="020B0503000000000000" pitchFamily="50" charset="-127"/>
+                <a:ea typeface="빙그레 메로나체" panose="020B0503000000000000" pitchFamily="50" charset="-127"/>
+              </a:rPr>
+              <a:t>console</a:t>
+            </a:r>
+            <a:r>
+              <a:rPr lang="en-US" altLang="ko-KR" sz="2000" b="0">
+                <a:solidFill>
+                  <a:srgbClr val="89DDFF"/>
+                </a:solidFill>
+                <a:effectLst/>
+                <a:latin typeface="빙그레 메로나체" panose="020B0503000000000000" pitchFamily="50" charset="-127"/>
+                <a:ea typeface="빙그레 메로나체" panose="020B0503000000000000" pitchFamily="50" charset="-127"/>
+              </a:rPr>
+              <a:t>.</a:t>
+            </a:r>
+            <a:r>
+              <a:rPr lang="en-US" altLang="ko-KR" sz="2000" b="0">
+                <a:solidFill>
+                  <a:srgbClr val="82AAFF"/>
+                </a:solidFill>
+                <a:effectLst/>
+                <a:latin typeface="빙그레 메로나체" panose="020B0503000000000000" pitchFamily="50" charset="-127"/>
+                <a:ea typeface="빙그레 메로나체" panose="020B0503000000000000" pitchFamily="50" charset="-127"/>
+              </a:rPr>
+              <a:t>log</a:t>
+            </a:r>
+            <a:r>
+              <a:rPr lang="en-US" altLang="ko-KR" sz="2000" b="0">
+                <a:solidFill>
+                  <a:srgbClr val="F07178"/>
+                </a:solidFill>
+                <a:effectLst/>
+                <a:latin typeface="빙그레 메로나체" panose="020B0503000000000000" pitchFamily="50" charset="-127"/>
+                <a:ea typeface="빙그레 메로나체" panose="020B0503000000000000" pitchFamily="50" charset="-127"/>
+              </a:rPr>
+              <a:t>(</a:t>
+            </a:r>
+            <a:r>
+              <a:rPr lang="en-US" altLang="ko-KR" sz="2000" b="0">
+                <a:solidFill>
+                  <a:srgbClr val="89DDFF"/>
+                </a:solidFill>
+                <a:effectLst/>
+                <a:latin typeface="빙그레 메로나체" panose="020B0503000000000000" pitchFamily="50" charset="-127"/>
+                <a:ea typeface="빙그레 메로나체" panose="020B0503000000000000" pitchFamily="50" charset="-127"/>
+              </a:rPr>
+              <a:t>'</a:t>
+            </a:r>
+            <a:r>
+              <a:rPr lang="en-US" altLang="ko-KR" sz="2000" b="0">
+                <a:solidFill>
+                  <a:srgbClr val="C3E88D"/>
+                </a:solidFill>
+                <a:effectLst/>
+                <a:latin typeface="빙그레 메로나체" panose="020B0503000000000000" pitchFamily="50" charset="-127"/>
+                <a:ea typeface="빙그레 메로나체" panose="020B0503000000000000" pitchFamily="50" charset="-127"/>
+              </a:rPr>
+              <a:t>mount</a:t>
+            </a:r>
+            <a:r>
+              <a:rPr lang="en-US" altLang="ko-KR" sz="2000" b="0">
+                <a:solidFill>
+                  <a:srgbClr val="89DDFF"/>
+                </a:solidFill>
+                <a:effectLst/>
+                <a:latin typeface="빙그레 메로나체" panose="020B0503000000000000" pitchFamily="50" charset="-127"/>
+                <a:ea typeface="빙그레 메로나체" panose="020B0503000000000000" pitchFamily="50" charset="-127"/>
+              </a:rPr>
+              <a:t>'</a:t>
+            </a:r>
+            <a:r>
+              <a:rPr lang="en-US" altLang="ko-KR" sz="2000" b="0">
+                <a:solidFill>
+                  <a:srgbClr val="F07178"/>
+                </a:solidFill>
+                <a:effectLst/>
+                <a:latin typeface="빙그레 메로나체" panose="020B0503000000000000" pitchFamily="50" charset="-127"/>
+                <a:ea typeface="빙그레 메로나체" panose="020B0503000000000000" pitchFamily="50" charset="-127"/>
+              </a:rPr>
+              <a:t>)</a:t>
+            </a:r>
+            <a:r>
+              <a:rPr lang="en-US" altLang="ko-KR" sz="2000" b="0">
+                <a:solidFill>
+                  <a:srgbClr val="89DDFF"/>
+                </a:solidFill>
+                <a:effectLst/>
+                <a:latin typeface="빙그레 메로나체" panose="020B0503000000000000" pitchFamily="50" charset="-127"/>
+                <a:ea typeface="빙그레 메로나체" panose="020B0503000000000000" pitchFamily="50" charset="-127"/>
+              </a:rPr>
+              <a:t>;</a:t>
+            </a:r>
+            <a:endParaRPr lang="en-US" altLang="ko-KR" sz="2000" b="0">
+              <a:solidFill>
+                <a:srgbClr val="EEFFFF"/>
+              </a:solidFill>
+              <a:effectLst/>
+              <a:latin typeface="빙그레 메로나체" panose="020B0503000000000000" pitchFamily="50" charset="-127"/>
+              <a:ea typeface="빙그레 메로나체" panose="020B0503000000000000" pitchFamily="50" charset="-127"/>
+            </a:endParaRPr>
+          </a:p>
+          <a:p>
+            <a:r>
+              <a:rPr lang="en-US" altLang="ko-KR" sz="2000" b="0">
+                <a:solidFill>
+                  <a:srgbClr val="89DDFF"/>
+                </a:solidFill>
+                <a:effectLst/>
+                <a:latin typeface="빙그레 메로나체" panose="020B0503000000000000" pitchFamily="50" charset="-127"/>
+                <a:ea typeface="빙그레 메로나체" panose="020B0503000000000000" pitchFamily="50" charset="-127"/>
+              </a:rPr>
+              <a:t>},</a:t>
+            </a:r>
+            <a:r>
+              <a:rPr lang="en-US" altLang="ko-KR" sz="2000" b="0">
+                <a:solidFill>
+                  <a:srgbClr val="F07178"/>
+                </a:solidFill>
+                <a:effectLst/>
+                <a:latin typeface="빙그레 메로나체" panose="020B0503000000000000" pitchFamily="50" charset="-127"/>
+                <a:ea typeface="빙그레 메로나체" panose="020B0503000000000000" pitchFamily="50" charset="-127"/>
+              </a:rPr>
+              <a:t> [])</a:t>
+            </a:r>
+            <a:r>
+              <a:rPr lang="en-US" altLang="ko-KR" sz="2000" b="0">
+                <a:solidFill>
+                  <a:srgbClr val="89DDFF"/>
+                </a:solidFill>
+                <a:effectLst/>
+                <a:latin typeface="빙그레 메로나체" panose="020B0503000000000000" pitchFamily="50" charset="-127"/>
+                <a:ea typeface="빙그레 메로나체" panose="020B0503000000000000" pitchFamily="50" charset="-127"/>
+              </a:rPr>
+              <a:t>;</a:t>
+            </a:r>
+            <a:endParaRPr lang="en-US" altLang="ko-KR" sz="2000" b="0">
+              <a:solidFill>
+                <a:srgbClr val="EEFFFF"/>
+              </a:solidFill>
+              <a:effectLst/>
+              <a:latin typeface="빙그레 메로나체" panose="020B0503000000000000" pitchFamily="50" charset="-127"/>
+              <a:ea typeface="빙그레 메로나체" panose="020B0503000000000000" pitchFamily="50" charset="-127"/>
+            </a:endParaRPr>
+          </a:p>
+        </p:txBody>
+      </p:sp>
+      <p:sp>
+        <p:nvSpPr>
+          <p:cNvPr id="19" name="TextBox 18">
+            <a:extLst>
+              <a:ext uri="{FF2B5EF4-FFF2-40B4-BE49-F238E27FC236}">
+                <a16:creationId xmlns:a16="http://schemas.microsoft.com/office/drawing/2014/main" id="{438C54CA-BD85-4734-B8B3-3C608A7F1365}"/>
+              </a:ext>
+            </a:extLst>
+          </p:cNvPr>
+          <p:cNvSpPr txBox="1"/>
+          <p:nvPr/>
+        </p:nvSpPr>
+        <p:spPr>
+          <a:xfrm>
+            <a:off x="1280160" y="4289932"/>
+            <a:ext cx="9631680" cy="707886"/>
+          </a:xfrm>
+          <a:prstGeom prst="rect">
+            <a:avLst/>
+          </a:prstGeom>
+          <a:noFill/>
+          <a:ln>
+            <a:noFill/>
+          </a:ln>
+        </p:spPr>
+        <p:txBody>
+          <a:bodyPr wrap="square" rtlCol="0">
+            <a:spAutoFit/>
+          </a:bodyPr>
+          <a:lstStyle/>
+          <a:p>
+            <a:pPr algn="ctr"/>
+            <a:r>
+              <a:rPr lang="en-US" altLang="ko-KR" sz="2000">
+                <a:ln>
+                  <a:solidFill>
+                    <a:schemeClr val="tx1">
+                      <a:alpha val="30000"/>
+                    </a:schemeClr>
+                  </a:solidFill>
+                </a:ln>
+                <a:latin typeface="빙그레 메로나체" panose="020B0503000000000000" pitchFamily="50" charset="-127"/>
+                <a:ea typeface="빙그레 메로나체" panose="020B0503000000000000" pitchFamily="50" charset="-127"/>
+              </a:rPr>
+              <a:t>When the component is mounted - Put an empty array at the deps location</a:t>
+            </a:r>
+          </a:p>
+          <a:p>
+            <a:pPr algn="ctr"/>
+            <a:endParaRPr lang="en-US" altLang="ko-KR" sz="2000">
+              <a:ln>
+                <a:solidFill>
+                  <a:schemeClr val="tx1">
+                    <a:alpha val="30000"/>
+                  </a:schemeClr>
+                </a:solidFill>
+              </a:ln>
+              <a:latin typeface="빙그레 메로나체" panose="020B0503000000000000" pitchFamily="50" charset="-127"/>
+              <a:ea typeface="빙그레 메로나체" panose="020B0503000000000000" pitchFamily="50" charset="-127"/>
+            </a:endParaRPr>
+          </a:p>
+        </p:txBody>
+      </p:sp>
+    </p:spTree>
+    <p:extLst>
+      <p:ext uri="{BB962C8B-B14F-4D97-AF65-F5344CB8AC3E}">
+        <p14:creationId xmlns:p14="http://schemas.microsoft.com/office/powerpoint/2010/main" val="2738963356"/>
+      </p:ext>
+    </p:extLst>
+  </p:cSld>
+  <p:clrMapOvr>
+    <a:masterClrMapping/>
+  </p:clrMapOvr>
+</p:sld>
+</file>
+
+<file path=ppt/slides/slide11.xml><?xml version="1.0" encoding="utf-8"?>
+<p:sld xmlns:a="http://schemas.openxmlformats.org/drawingml/2006/main" xmlns:r="http://schemas.openxmlformats.org/officeDocument/2006/relationships" xmlns:p="http://schemas.openxmlformats.org/presentationml/2006/main">
+  <p:cSld>
+    <p:spTree>
+      <p:nvGrpSpPr>
+        <p:cNvPr id="1" name=""/>
+        <p:cNvGrpSpPr/>
+        <p:nvPr/>
+      </p:nvGrpSpPr>
+      <p:grpSpPr>
+        <a:xfrm>
+          <a:off x="0" y="0"/>
+          <a:ext cx="0" cy="0"/>
+          <a:chOff x="0" y="0"/>
+          <a:chExt cx="0" cy="0"/>
+        </a:xfrm>
+      </p:grpSpPr>
+      <p:grpSp>
+        <p:nvGrpSpPr>
+          <p:cNvPr id="6" name="그룹 5">
+            <a:extLst>
+              <a:ext uri="{FF2B5EF4-FFF2-40B4-BE49-F238E27FC236}">
+                <a16:creationId xmlns:a16="http://schemas.microsoft.com/office/drawing/2014/main" id="{CA7BD838-D4FB-4EA7-B68C-FA7B6D147BA2}"/>
+              </a:ext>
+            </a:extLst>
+          </p:cNvPr>
+          <p:cNvGrpSpPr/>
+          <p:nvPr/>
+        </p:nvGrpSpPr>
+        <p:grpSpPr>
+          <a:xfrm>
+            <a:off x="159192" y="182880"/>
+            <a:ext cx="1852488" cy="854227"/>
+            <a:chOff x="640080" y="-971550"/>
+            <a:chExt cx="1660746" cy="765810"/>
+          </a:xfrm>
+        </p:grpSpPr>
+        <p:sp>
+          <p:nvSpPr>
+            <p:cNvPr id="18" name="TextBox 17">
+              <a:extLst>
+                <a:ext uri="{FF2B5EF4-FFF2-40B4-BE49-F238E27FC236}">
+                  <a16:creationId xmlns:a16="http://schemas.microsoft.com/office/drawing/2014/main" id="{D7B7EE40-BAD9-4569-9BF6-F6E9ACA78A3C}"/>
+                </a:ext>
+              </a:extLst>
+            </p:cNvPr>
+            <p:cNvSpPr txBox="1"/>
+            <p:nvPr/>
+          </p:nvSpPr>
+          <p:spPr>
+            <a:xfrm>
+              <a:off x="683325" y="-770703"/>
+              <a:ext cx="1576513" cy="358697"/>
+            </a:xfrm>
+            <a:prstGeom prst="rect">
+              <a:avLst/>
+            </a:prstGeom>
+            <a:noFill/>
+          </p:spPr>
+          <p:txBody>
+            <a:bodyPr wrap="square" rtlCol="0" anchor="ctr">
+              <a:spAutoFit/>
+            </a:bodyPr>
+            <a:lstStyle/>
+            <a:p>
+              <a:pPr algn="ctr"/>
+              <a:r>
+                <a:rPr lang="en-US" altLang="ko-KR" sz="2000">
+                  <a:ln>
+                    <a:solidFill>
+                      <a:schemeClr val="tx1">
+                        <a:alpha val="30000"/>
+                      </a:schemeClr>
+                    </a:solidFill>
+                  </a:ln>
+                  <a:latin typeface="빙그레 메로나체" panose="020B0503000000000000" pitchFamily="50" charset="-127"/>
+                  <a:ea typeface="빙그레 메로나체" panose="020B0503000000000000" pitchFamily="50" charset="-127"/>
+                </a:rPr>
+                <a:t>React</a:t>
+              </a:r>
+            </a:p>
+          </p:txBody>
+        </p:sp>
+        <p:sp>
+          <p:nvSpPr>
+            <p:cNvPr id="5" name="직사각형 4">
+              <a:extLst>
+                <a:ext uri="{FF2B5EF4-FFF2-40B4-BE49-F238E27FC236}">
+                  <a16:creationId xmlns:a16="http://schemas.microsoft.com/office/drawing/2014/main" id="{AB4C8245-D0E4-4D79-B3E9-2FB89CE6FE84}"/>
+                </a:ext>
+              </a:extLst>
+            </p:cNvPr>
+            <p:cNvSpPr/>
+            <p:nvPr/>
+          </p:nvSpPr>
+          <p:spPr>
+            <a:xfrm>
+              <a:off x="640080" y="-971550"/>
+              <a:ext cx="1660746" cy="765810"/>
+            </a:xfrm>
+            <a:prstGeom prst="rect">
+              <a:avLst/>
+            </a:prstGeom>
+            <a:noFill/>
+            <a:ln w="25400">
+              <a:solidFill>
+                <a:schemeClr val="tx1"/>
+              </a:solidFill>
+            </a:ln>
+          </p:spPr>
+          <p:style>
+            <a:lnRef idx="2">
+              <a:schemeClr val="accent1">
+                <a:shade val="50000"/>
+              </a:schemeClr>
+            </a:lnRef>
+            <a:fillRef idx="1">
+              <a:schemeClr val="accent1"/>
+            </a:fillRef>
+            <a:effectRef idx="0">
+              <a:schemeClr val="accent1"/>
+            </a:effectRef>
+            <a:fontRef idx="minor">
+              <a:schemeClr val="lt1"/>
+            </a:fontRef>
+          </p:style>
+          <p:txBody>
+            <a:bodyPr rtlCol="0" anchor="ctr"/>
+            <a:lstStyle/>
+            <a:p>
+              <a:pPr algn="ctr"/>
+              <a:endParaRPr lang="ko-KR" altLang="en-US">
+                <a:latin typeface="빙그레 메로나체" panose="020B0503000000000000" pitchFamily="50" charset="-127"/>
+                <a:ea typeface="빙그레 메로나체" panose="020B0503000000000000" pitchFamily="50" charset="-127"/>
+              </a:endParaRPr>
+            </a:p>
+          </p:txBody>
+        </p:sp>
+      </p:grpSp>
+      <p:sp>
+        <p:nvSpPr>
+          <p:cNvPr id="30" name="TextBox 29">
+            <a:extLst>
+              <a:ext uri="{FF2B5EF4-FFF2-40B4-BE49-F238E27FC236}">
+                <a16:creationId xmlns:a16="http://schemas.microsoft.com/office/drawing/2014/main" id="{706566D1-60CB-4C10-9859-0656D082B2B7}"/>
+              </a:ext>
+            </a:extLst>
+          </p:cNvPr>
+          <p:cNvSpPr txBox="1"/>
+          <p:nvPr/>
+        </p:nvSpPr>
+        <p:spPr>
+          <a:xfrm>
+            <a:off x="2388870" y="422305"/>
+            <a:ext cx="3326130" cy="369332"/>
+          </a:xfrm>
+          <a:prstGeom prst="rect">
+            <a:avLst/>
+          </a:prstGeom>
+          <a:noFill/>
+          <a:ln>
+            <a:noFill/>
+          </a:ln>
+        </p:spPr>
+        <p:txBody>
+          <a:bodyPr wrap="square" rtlCol="0">
+            <a:spAutoFit/>
+          </a:bodyPr>
+          <a:lstStyle/>
+          <a:p>
+            <a:r>
+              <a:rPr lang="en-US" altLang="ko-KR">
+                <a:ln>
+                  <a:solidFill>
+                    <a:schemeClr val="tx1">
+                      <a:alpha val="30000"/>
+                    </a:schemeClr>
+                  </a:solidFill>
+                </a:ln>
+                <a:latin typeface="빙그레 메로나체" panose="020B0503000000000000" pitchFamily="50" charset="-127"/>
+                <a:ea typeface="빙그레 메로나체" panose="020B0503000000000000" pitchFamily="50" charset="-127"/>
+              </a:rPr>
+              <a:t>Hooks - useEffect</a:t>
+            </a:r>
+          </a:p>
+        </p:txBody>
+      </p:sp>
+      <p:sp>
+        <p:nvSpPr>
+          <p:cNvPr id="10" name="슬라이드 번호 개체 틀 9">
+            <a:extLst>
+              <a:ext uri="{FF2B5EF4-FFF2-40B4-BE49-F238E27FC236}">
+                <a16:creationId xmlns:a16="http://schemas.microsoft.com/office/drawing/2014/main" id="{6F1C1DC9-3B79-47A0-95A5-B5A14A6B4906}"/>
+              </a:ext>
+            </a:extLst>
+          </p:cNvPr>
+          <p:cNvSpPr>
+            <a:spLocks noGrp="1"/>
+          </p:cNvSpPr>
+          <p:nvPr>
+            <p:ph type="sldNum" sz="quarter" idx="12"/>
+          </p:nvPr>
+        </p:nvSpPr>
+        <p:spPr/>
+        <p:txBody>
+          <a:bodyPr/>
+          <a:lstStyle/>
+          <a:p>
+            <a:pPr algn="ctr"/>
+            <a:fld id="{4AE1E1EF-90A0-4171-8CF9-B3BC5042A8FC}" type="slidenum">
+              <a:rPr lang="ko-KR" altLang="en-US" smtClean="0"/>
+              <a:pPr algn="ctr"/>
+              <a:t>11</a:t>
+            </a:fld>
+            <a:endParaRPr lang="ko-KR" altLang="en-US"/>
+          </a:p>
+        </p:txBody>
+      </p:sp>
+      <p:sp>
+        <p:nvSpPr>
+          <p:cNvPr id="22" name="사각형: 둥근 모서리 21">
+            <a:extLst>
+              <a:ext uri="{FF2B5EF4-FFF2-40B4-BE49-F238E27FC236}">
+                <a16:creationId xmlns:a16="http://schemas.microsoft.com/office/drawing/2014/main" id="{AC6A6DCB-56D2-477B-988F-4F30A77DD536}"/>
+              </a:ext>
+            </a:extLst>
+          </p:cNvPr>
+          <p:cNvSpPr/>
+          <p:nvPr/>
+        </p:nvSpPr>
+        <p:spPr>
+          <a:xfrm>
+            <a:off x="955040" y="1375750"/>
+            <a:ext cx="2021840" cy="823335"/>
+          </a:xfrm>
+          <a:prstGeom prst="roundRect">
+            <a:avLst/>
+          </a:prstGeom>
+          <a:solidFill>
+            <a:srgbClr val="DAE3F3">
+              <a:alpha val="60000"/>
+            </a:srgbClr>
+          </a:solidFill>
+          <a:ln>
+            <a:noFill/>
+          </a:ln>
+        </p:spPr>
+        <p:style>
+          <a:lnRef idx="2">
+            <a:schemeClr val="accent1">
+              <a:shade val="50000"/>
+            </a:schemeClr>
+          </a:lnRef>
+          <a:fillRef idx="1">
+            <a:schemeClr val="accent1"/>
+          </a:fillRef>
+          <a:effectRef idx="0">
+            <a:schemeClr val="accent1"/>
+          </a:effectRef>
+          <a:fontRef idx="minor">
+            <a:schemeClr val="lt1"/>
+          </a:fontRef>
+        </p:style>
+        <p:txBody>
+          <a:bodyPr rtlCol="0" anchor="ctr"/>
+          <a:lstStyle/>
+          <a:p>
+            <a:pPr algn="ctr"/>
+            <a:r>
+              <a:rPr lang="en-US" altLang="ko-KR" sz="2400">
+                <a:ln>
+                  <a:solidFill>
+                    <a:schemeClr val="tx1">
+                      <a:alpha val="30000"/>
+                    </a:schemeClr>
+                  </a:solidFill>
+                </a:ln>
+                <a:solidFill>
+                  <a:schemeClr val="tx1"/>
+                </a:solidFill>
+                <a:latin typeface="빙그레 메로나체" panose="020B0503000000000000" pitchFamily="50" charset="-127"/>
+                <a:ea typeface="빙그레 메로나체" panose="020B0503000000000000" pitchFamily="50" charset="-127"/>
+              </a:rPr>
+              <a:t>update</a:t>
+            </a:r>
+            <a:endParaRPr lang="ko-KR" altLang="en-US" sz="2400">
+              <a:ln>
+                <a:solidFill>
+                  <a:schemeClr val="tx1">
+                    <a:alpha val="30000"/>
+                  </a:schemeClr>
+                </a:solidFill>
+              </a:ln>
+              <a:solidFill>
+                <a:schemeClr val="tx1"/>
+              </a:solidFill>
+              <a:latin typeface="빙그레 메로나체" panose="020B0503000000000000" pitchFamily="50" charset="-127"/>
+              <a:ea typeface="빙그레 메로나체" panose="020B0503000000000000" pitchFamily="50" charset="-127"/>
+            </a:endParaRPr>
+          </a:p>
+        </p:txBody>
+      </p:sp>
+      <p:sp>
+        <p:nvSpPr>
+          <p:cNvPr id="16" name="TextBox 15">
+            <a:extLst>
+              <a:ext uri="{FF2B5EF4-FFF2-40B4-BE49-F238E27FC236}">
+                <a16:creationId xmlns:a16="http://schemas.microsoft.com/office/drawing/2014/main" id="{AF21459A-AF1E-4821-87A3-9B768449E2E0}"/>
+              </a:ext>
+            </a:extLst>
+          </p:cNvPr>
+          <p:cNvSpPr txBox="1"/>
+          <p:nvPr/>
+        </p:nvSpPr>
+        <p:spPr>
+          <a:xfrm>
+            <a:off x="1706880" y="2685877"/>
+            <a:ext cx="3860800" cy="1015663"/>
+          </a:xfrm>
+          <a:prstGeom prst="rect">
+            <a:avLst/>
+          </a:prstGeom>
+          <a:solidFill>
+            <a:schemeClr val="tx1"/>
+          </a:solidFill>
+        </p:spPr>
+        <p:txBody>
+          <a:bodyPr wrap="square">
+            <a:spAutoFit/>
+          </a:bodyPr>
+          <a:lstStyle/>
+          <a:p>
+            <a:r>
+              <a:rPr lang="en-US" altLang="ko-KR" sz="2000" b="0">
+                <a:solidFill>
+                  <a:srgbClr val="82AAFF"/>
+                </a:solidFill>
+                <a:effectLst/>
+                <a:latin typeface="빙그레 메로나체" panose="020B0503000000000000" pitchFamily="50" charset="-127"/>
+                <a:ea typeface="빙그레 메로나체" panose="020B0503000000000000" pitchFamily="50" charset="-127"/>
+              </a:rPr>
+              <a:t>useEffect</a:t>
+            </a:r>
+            <a:r>
+              <a:rPr lang="en-US" altLang="ko-KR" sz="2000" b="0">
+                <a:solidFill>
+                  <a:srgbClr val="F07178"/>
+                </a:solidFill>
+                <a:effectLst/>
+                <a:latin typeface="빙그레 메로나체" panose="020B0503000000000000" pitchFamily="50" charset="-127"/>
+                <a:ea typeface="빙그레 메로나체" panose="020B0503000000000000" pitchFamily="50" charset="-127"/>
+              </a:rPr>
+              <a:t>(</a:t>
+            </a:r>
+            <a:r>
+              <a:rPr lang="en-US" altLang="ko-KR" sz="2000" b="0">
+                <a:solidFill>
+                  <a:srgbClr val="89DDFF"/>
+                </a:solidFill>
+                <a:effectLst/>
+                <a:latin typeface="빙그레 메로나체" panose="020B0503000000000000" pitchFamily="50" charset="-127"/>
+                <a:ea typeface="빙그레 메로나체" panose="020B0503000000000000" pitchFamily="50" charset="-127"/>
+              </a:rPr>
+              <a:t>()</a:t>
+            </a:r>
+            <a:r>
+              <a:rPr lang="en-US" altLang="ko-KR" sz="2000" b="0">
+                <a:solidFill>
+                  <a:srgbClr val="F07178"/>
+                </a:solidFill>
+                <a:effectLst/>
+                <a:latin typeface="빙그레 메로나체" panose="020B0503000000000000" pitchFamily="50" charset="-127"/>
+                <a:ea typeface="빙그레 메로나체" panose="020B0503000000000000" pitchFamily="50" charset="-127"/>
+              </a:rPr>
+              <a:t> </a:t>
+            </a:r>
+            <a:r>
+              <a:rPr lang="en-US" altLang="ko-KR" sz="2000" b="0">
+                <a:solidFill>
+                  <a:srgbClr val="C792EA"/>
+                </a:solidFill>
+                <a:effectLst/>
+                <a:latin typeface="빙그레 메로나체" panose="020B0503000000000000" pitchFamily="50" charset="-127"/>
+                <a:ea typeface="빙그레 메로나체" panose="020B0503000000000000" pitchFamily="50" charset="-127"/>
+              </a:rPr>
+              <a:t>=&gt;</a:t>
+            </a:r>
+            <a:r>
+              <a:rPr lang="en-US" altLang="ko-KR" sz="2000" b="0">
+                <a:solidFill>
+                  <a:srgbClr val="F07178"/>
+                </a:solidFill>
+                <a:effectLst/>
+                <a:latin typeface="빙그레 메로나체" panose="020B0503000000000000" pitchFamily="50" charset="-127"/>
+                <a:ea typeface="빙그레 메로나체" panose="020B0503000000000000" pitchFamily="50" charset="-127"/>
+              </a:rPr>
+              <a:t> </a:t>
+            </a:r>
+            <a:r>
+              <a:rPr lang="en-US" altLang="ko-KR" sz="2000" b="0">
+                <a:solidFill>
+                  <a:srgbClr val="89DDFF"/>
+                </a:solidFill>
+                <a:effectLst/>
+                <a:latin typeface="빙그레 메로나체" panose="020B0503000000000000" pitchFamily="50" charset="-127"/>
+                <a:ea typeface="빙그레 메로나체" panose="020B0503000000000000" pitchFamily="50" charset="-127"/>
+              </a:rPr>
+              <a:t>{</a:t>
+            </a:r>
+            <a:endParaRPr lang="en-US" altLang="ko-KR" sz="2000" b="0">
+              <a:solidFill>
+                <a:srgbClr val="EEFFFF"/>
+              </a:solidFill>
+              <a:effectLst/>
+              <a:latin typeface="빙그레 메로나체" panose="020B0503000000000000" pitchFamily="50" charset="-127"/>
+              <a:ea typeface="빙그레 메로나체" panose="020B0503000000000000" pitchFamily="50" charset="-127"/>
+            </a:endParaRPr>
+          </a:p>
+          <a:p>
+            <a:r>
+              <a:rPr lang="en-US" altLang="ko-KR" sz="2000" b="0">
+                <a:solidFill>
+                  <a:srgbClr val="F07178"/>
+                </a:solidFill>
+                <a:effectLst/>
+                <a:latin typeface="빙그레 메로나체" panose="020B0503000000000000" pitchFamily="50" charset="-127"/>
+                <a:ea typeface="빙그레 메로나체" panose="020B0503000000000000" pitchFamily="50" charset="-127"/>
+              </a:rPr>
+              <a:t>  </a:t>
+            </a:r>
+            <a:r>
+              <a:rPr lang="en-US" altLang="ko-KR" sz="2000" b="0">
+                <a:solidFill>
+                  <a:srgbClr val="EEFFFF"/>
+                </a:solidFill>
+                <a:effectLst/>
+                <a:latin typeface="빙그레 메로나체" panose="020B0503000000000000" pitchFamily="50" charset="-127"/>
+                <a:ea typeface="빙그레 메로나체" panose="020B0503000000000000" pitchFamily="50" charset="-127"/>
+              </a:rPr>
+              <a:t>console</a:t>
+            </a:r>
+            <a:r>
+              <a:rPr lang="en-US" altLang="ko-KR" sz="2000" b="0">
+                <a:solidFill>
+                  <a:srgbClr val="89DDFF"/>
+                </a:solidFill>
+                <a:effectLst/>
+                <a:latin typeface="빙그레 메로나체" panose="020B0503000000000000" pitchFamily="50" charset="-127"/>
+                <a:ea typeface="빙그레 메로나체" panose="020B0503000000000000" pitchFamily="50" charset="-127"/>
+              </a:rPr>
+              <a:t>.</a:t>
+            </a:r>
+            <a:r>
+              <a:rPr lang="en-US" altLang="ko-KR" sz="2000" b="0">
+                <a:solidFill>
+                  <a:srgbClr val="82AAFF"/>
+                </a:solidFill>
+                <a:effectLst/>
+                <a:latin typeface="빙그레 메로나체" panose="020B0503000000000000" pitchFamily="50" charset="-127"/>
+                <a:ea typeface="빙그레 메로나체" panose="020B0503000000000000" pitchFamily="50" charset="-127"/>
+              </a:rPr>
+              <a:t>log</a:t>
+            </a:r>
+            <a:r>
+              <a:rPr lang="en-US" altLang="ko-KR" sz="2000" b="0">
+                <a:solidFill>
+                  <a:srgbClr val="F07178"/>
+                </a:solidFill>
+                <a:effectLst/>
+                <a:latin typeface="빙그레 메로나체" panose="020B0503000000000000" pitchFamily="50" charset="-127"/>
+                <a:ea typeface="빙그레 메로나체" panose="020B0503000000000000" pitchFamily="50" charset="-127"/>
+              </a:rPr>
+              <a:t>(</a:t>
+            </a:r>
+            <a:r>
+              <a:rPr lang="en-US" altLang="ko-KR" sz="2000" b="0">
+                <a:solidFill>
+                  <a:srgbClr val="89DDFF"/>
+                </a:solidFill>
+                <a:effectLst/>
+                <a:latin typeface="빙그레 메로나체" panose="020B0503000000000000" pitchFamily="50" charset="-127"/>
+                <a:ea typeface="빙그레 메로나체" panose="020B0503000000000000" pitchFamily="50" charset="-127"/>
+              </a:rPr>
+              <a:t>'</a:t>
+            </a:r>
+            <a:r>
+              <a:rPr lang="en-US" altLang="ko-KR" sz="2000" b="0">
+                <a:solidFill>
+                  <a:srgbClr val="C3E88D"/>
+                </a:solidFill>
+                <a:effectLst/>
+                <a:latin typeface="빙그레 메로나체" panose="020B0503000000000000" pitchFamily="50" charset="-127"/>
+                <a:ea typeface="빙그레 메로나체" panose="020B0503000000000000" pitchFamily="50" charset="-127"/>
+              </a:rPr>
+              <a:t>update</a:t>
+            </a:r>
+            <a:r>
+              <a:rPr lang="en-US" altLang="ko-KR" sz="2000" b="0">
+                <a:solidFill>
+                  <a:srgbClr val="89DDFF"/>
+                </a:solidFill>
+                <a:effectLst/>
+                <a:latin typeface="빙그레 메로나체" panose="020B0503000000000000" pitchFamily="50" charset="-127"/>
+                <a:ea typeface="빙그레 메로나체" panose="020B0503000000000000" pitchFamily="50" charset="-127"/>
+              </a:rPr>
+              <a:t>'</a:t>
+            </a:r>
+            <a:r>
+              <a:rPr lang="en-US" altLang="ko-KR" sz="2000" b="0">
+                <a:solidFill>
+                  <a:srgbClr val="F07178"/>
+                </a:solidFill>
+                <a:effectLst/>
+                <a:latin typeface="빙그레 메로나체" panose="020B0503000000000000" pitchFamily="50" charset="-127"/>
+                <a:ea typeface="빙그레 메로나체" panose="020B0503000000000000" pitchFamily="50" charset="-127"/>
+              </a:rPr>
+              <a:t>)</a:t>
+            </a:r>
+            <a:r>
+              <a:rPr lang="en-US" altLang="ko-KR" sz="2000" b="0">
+                <a:solidFill>
+                  <a:srgbClr val="89DDFF"/>
+                </a:solidFill>
+                <a:effectLst/>
+                <a:latin typeface="빙그레 메로나체" panose="020B0503000000000000" pitchFamily="50" charset="-127"/>
+                <a:ea typeface="빙그레 메로나체" panose="020B0503000000000000" pitchFamily="50" charset="-127"/>
+              </a:rPr>
+              <a:t>;</a:t>
+            </a:r>
+            <a:endParaRPr lang="en-US" altLang="ko-KR" sz="2000" b="0">
+              <a:solidFill>
+                <a:srgbClr val="EEFFFF"/>
+              </a:solidFill>
+              <a:effectLst/>
+              <a:latin typeface="빙그레 메로나체" panose="020B0503000000000000" pitchFamily="50" charset="-127"/>
+              <a:ea typeface="빙그레 메로나체" panose="020B0503000000000000" pitchFamily="50" charset="-127"/>
+            </a:endParaRPr>
+          </a:p>
+          <a:p>
+            <a:r>
+              <a:rPr lang="en-US" altLang="ko-KR" sz="2000" b="0">
+                <a:solidFill>
+                  <a:srgbClr val="89DDFF"/>
+                </a:solidFill>
+                <a:effectLst/>
+                <a:latin typeface="빙그레 메로나체" panose="020B0503000000000000" pitchFamily="50" charset="-127"/>
+                <a:ea typeface="빙그레 메로나체" panose="020B0503000000000000" pitchFamily="50" charset="-127"/>
+              </a:rPr>
+              <a:t>}</a:t>
+            </a:r>
+            <a:r>
+              <a:rPr lang="en-US" altLang="ko-KR" sz="2000" b="0">
+                <a:solidFill>
+                  <a:srgbClr val="F07178"/>
+                </a:solidFill>
+                <a:effectLst/>
+                <a:latin typeface="빙그레 메로나체" panose="020B0503000000000000" pitchFamily="50" charset="-127"/>
+                <a:ea typeface="빙그레 메로나체" panose="020B0503000000000000" pitchFamily="50" charset="-127"/>
+              </a:rPr>
+              <a:t>)</a:t>
+            </a:r>
+            <a:r>
+              <a:rPr lang="en-US" altLang="ko-KR" sz="2000" b="0">
+                <a:solidFill>
+                  <a:srgbClr val="89DDFF"/>
+                </a:solidFill>
+                <a:effectLst/>
+                <a:latin typeface="빙그레 메로나체" panose="020B0503000000000000" pitchFamily="50" charset="-127"/>
+                <a:ea typeface="빙그레 메로나체" panose="020B0503000000000000" pitchFamily="50" charset="-127"/>
+              </a:rPr>
+              <a:t>;</a:t>
+            </a:r>
+            <a:endParaRPr lang="en-US" altLang="ko-KR" sz="2000" b="0">
+              <a:solidFill>
+                <a:srgbClr val="EEFFFF"/>
+              </a:solidFill>
+              <a:effectLst/>
+              <a:latin typeface="빙그레 메로나체" panose="020B0503000000000000" pitchFamily="50" charset="-127"/>
+              <a:ea typeface="빙그레 메로나체" panose="020B0503000000000000" pitchFamily="50" charset="-127"/>
+            </a:endParaRPr>
+          </a:p>
+        </p:txBody>
+      </p:sp>
+      <p:sp>
+        <p:nvSpPr>
+          <p:cNvPr id="19" name="TextBox 18">
+            <a:extLst>
+              <a:ext uri="{FF2B5EF4-FFF2-40B4-BE49-F238E27FC236}">
+                <a16:creationId xmlns:a16="http://schemas.microsoft.com/office/drawing/2014/main" id="{438C54CA-BD85-4734-B8B3-3C608A7F1365}"/>
+              </a:ext>
+            </a:extLst>
+          </p:cNvPr>
+          <p:cNvSpPr txBox="1"/>
+          <p:nvPr/>
+        </p:nvSpPr>
+        <p:spPr>
+          <a:xfrm>
+            <a:off x="3017520" y="4178172"/>
+            <a:ext cx="6156960" cy="1323439"/>
+          </a:xfrm>
+          <a:prstGeom prst="rect">
+            <a:avLst/>
+          </a:prstGeom>
+          <a:noFill/>
+          <a:ln>
+            <a:noFill/>
+          </a:ln>
+        </p:spPr>
+        <p:txBody>
+          <a:bodyPr wrap="square" rtlCol="0">
+            <a:spAutoFit/>
+          </a:bodyPr>
+          <a:lstStyle/>
+          <a:p>
+            <a:pPr algn="ctr"/>
+            <a:r>
+              <a:rPr lang="en-US" altLang="ko-KR" sz="2000">
+                <a:ln>
+                  <a:solidFill>
+                    <a:schemeClr val="tx1">
+                      <a:alpha val="30000"/>
+                    </a:schemeClr>
+                  </a:solidFill>
+                </a:ln>
+                <a:latin typeface="빙그레 메로나체" panose="020B0503000000000000" pitchFamily="50" charset="-127"/>
+                <a:ea typeface="빙그레 메로나체" panose="020B0503000000000000" pitchFamily="50" charset="-127"/>
+              </a:rPr>
+              <a:t>When the component is updated</a:t>
+            </a:r>
+          </a:p>
+          <a:p>
+            <a:br>
+              <a:rPr lang="en-US" altLang="ko-KR" sz="2000">
+                <a:ln>
+                  <a:solidFill>
+                    <a:schemeClr val="tx1">
+                      <a:alpha val="30000"/>
+                    </a:schemeClr>
+                  </a:solidFill>
+                </a:ln>
+                <a:latin typeface="빙그레 메로나체" panose="020B0503000000000000" pitchFamily="50" charset="-127"/>
+                <a:ea typeface="빙그레 메로나체" panose="020B0503000000000000" pitchFamily="50" charset="-127"/>
+              </a:rPr>
+            </a:br>
+            <a:r>
+              <a:rPr lang="en-US" altLang="ko-KR" sz="2000">
+                <a:ln>
+                  <a:solidFill>
+                    <a:schemeClr val="tx1">
+                      <a:alpha val="30000"/>
+                    </a:schemeClr>
+                  </a:solidFill>
+                </a:ln>
+                <a:latin typeface="빙그레 메로나체" panose="020B0503000000000000" pitchFamily="50" charset="-127"/>
+                <a:ea typeface="빙그레 메로나체" panose="020B0503000000000000" pitchFamily="50" charset="-127"/>
+              </a:rPr>
+              <a:t>left) Executed whenever the update</a:t>
+            </a:r>
+          </a:p>
+          <a:p>
+            <a:r>
+              <a:rPr lang="en-US" altLang="ko-KR" sz="2000">
+                <a:ln>
+                  <a:solidFill>
+                    <a:schemeClr val="tx1">
+                      <a:alpha val="30000"/>
+                    </a:schemeClr>
+                  </a:solidFill>
+                </a:ln>
+                <a:latin typeface="빙그레 메로나체" panose="020B0503000000000000" pitchFamily="50" charset="-127"/>
+                <a:ea typeface="빙그레 메로나체" panose="020B0503000000000000" pitchFamily="50" charset="-127"/>
+              </a:rPr>
+              <a:t>right) Executed whenever a specific value is updated</a:t>
+            </a:r>
+          </a:p>
+        </p:txBody>
+      </p:sp>
+      <p:sp>
+        <p:nvSpPr>
+          <p:cNvPr id="11" name="TextBox 10">
+            <a:extLst>
+              <a:ext uri="{FF2B5EF4-FFF2-40B4-BE49-F238E27FC236}">
+                <a16:creationId xmlns:a16="http://schemas.microsoft.com/office/drawing/2014/main" id="{E3E52131-55F5-4A57-9FC2-9F945BE93AA2}"/>
+              </a:ext>
+            </a:extLst>
+          </p:cNvPr>
+          <p:cNvSpPr txBox="1"/>
+          <p:nvPr/>
+        </p:nvSpPr>
+        <p:spPr>
+          <a:xfrm>
+            <a:off x="6624322" y="2685877"/>
+            <a:ext cx="3860800" cy="1015663"/>
+          </a:xfrm>
+          <a:prstGeom prst="rect">
+            <a:avLst/>
+          </a:prstGeom>
+          <a:solidFill>
+            <a:schemeClr val="tx1"/>
+          </a:solidFill>
+        </p:spPr>
+        <p:txBody>
+          <a:bodyPr wrap="square">
+            <a:spAutoFit/>
+          </a:bodyPr>
+          <a:lstStyle/>
+          <a:p>
+            <a:r>
+              <a:rPr lang="en-US" altLang="ko-KR" sz="2000" b="0">
+                <a:solidFill>
+                  <a:srgbClr val="82AAFF"/>
+                </a:solidFill>
+                <a:effectLst/>
+                <a:latin typeface="빙그레 메로나체" panose="020B0503000000000000" pitchFamily="50" charset="-127"/>
+                <a:ea typeface="빙그레 메로나체" panose="020B0503000000000000" pitchFamily="50" charset="-127"/>
+              </a:rPr>
+              <a:t>useEffect</a:t>
+            </a:r>
+            <a:r>
+              <a:rPr lang="en-US" altLang="ko-KR" sz="2000" b="0">
+                <a:solidFill>
+                  <a:srgbClr val="F07178"/>
+                </a:solidFill>
+                <a:effectLst/>
+                <a:latin typeface="빙그레 메로나체" panose="020B0503000000000000" pitchFamily="50" charset="-127"/>
+                <a:ea typeface="빙그레 메로나체" panose="020B0503000000000000" pitchFamily="50" charset="-127"/>
+              </a:rPr>
+              <a:t>(</a:t>
+            </a:r>
+            <a:r>
+              <a:rPr lang="en-US" altLang="ko-KR" sz="2000" b="0">
+                <a:solidFill>
+                  <a:srgbClr val="89DDFF"/>
+                </a:solidFill>
+                <a:effectLst/>
+                <a:latin typeface="빙그레 메로나체" panose="020B0503000000000000" pitchFamily="50" charset="-127"/>
+                <a:ea typeface="빙그레 메로나체" panose="020B0503000000000000" pitchFamily="50" charset="-127"/>
+              </a:rPr>
+              <a:t>()</a:t>
+            </a:r>
+            <a:r>
+              <a:rPr lang="en-US" altLang="ko-KR" sz="2000" b="0">
+                <a:solidFill>
+                  <a:srgbClr val="F07178"/>
+                </a:solidFill>
+                <a:effectLst/>
+                <a:latin typeface="빙그레 메로나체" panose="020B0503000000000000" pitchFamily="50" charset="-127"/>
+                <a:ea typeface="빙그레 메로나체" panose="020B0503000000000000" pitchFamily="50" charset="-127"/>
+              </a:rPr>
+              <a:t> </a:t>
+            </a:r>
+            <a:r>
+              <a:rPr lang="en-US" altLang="ko-KR" sz="2000" b="0">
+                <a:solidFill>
+                  <a:srgbClr val="C792EA"/>
+                </a:solidFill>
+                <a:effectLst/>
+                <a:latin typeface="빙그레 메로나체" panose="020B0503000000000000" pitchFamily="50" charset="-127"/>
+                <a:ea typeface="빙그레 메로나체" panose="020B0503000000000000" pitchFamily="50" charset="-127"/>
+              </a:rPr>
+              <a:t>=&gt;</a:t>
+            </a:r>
+            <a:r>
+              <a:rPr lang="en-US" altLang="ko-KR" sz="2000" b="0">
+                <a:solidFill>
+                  <a:srgbClr val="F07178"/>
+                </a:solidFill>
+                <a:effectLst/>
+                <a:latin typeface="빙그레 메로나체" panose="020B0503000000000000" pitchFamily="50" charset="-127"/>
+                <a:ea typeface="빙그레 메로나체" panose="020B0503000000000000" pitchFamily="50" charset="-127"/>
+              </a:rPr>
+              <a:t> </a:t>
+            </a:r>
+            <a:r>
+              <a:rPr lang="en-US" altLang="ko-KR" sz="2000" b="0">
+                <a:solidFill>
+                  <a:srgbClr val="89DDFF"/>
+                </a:solidFill>
+                <a:effectLst/>
+                <a:latin typeface="빙그레 메로나체" panose="020B0503000000000000" pitchFamily="50" charset="-127"/>
+                <a:ea typeface="빙그레 메로나체" panose="020B0503000000000000" pitchFamily="50" charset="-127"/>
+              </a:rPr>
+              <a:t>{</a:t>
+            </a:r>
+            <a:endParaRPr lang="en-US" altLang="ko-KR" sz="2000" b="0">
+              <a:solidFill>
+                <a:srgbClr val="EEFFFF"/>
+              </a:solidFill>
+              <a:effectLst/>
+              <a:latin typeface="빙그레 메로나체" panose="020B0503000000000000" pitchFamily="50" charset="-127"/>
+              <a:ea typeface="빙그레 메로나체" panose="020B0503000000000000" pitchFamily="50" charset="-127"/>
+            </a:endParaRPr>
+          </a:p>
+          <a:p>
+            <a:r>
+              <a:rPr lang="en-US" altLang="ko-KR" sz="2000" b="0">
+                <a:solidFill>
+                  <a:srgbClr val="F07178"/>
+                </a:solidFill>
+                <a:effectLst/>
+                <a:latin typeface="빙그레 메로나체" panose="020B0503000000000000" pitchFamily="50" charset="-127"/>
+                <a:ea typeface="빙그레 메로나체" panose="020B0503000000000000" pitchFamily="50" charset="-127"/>
+              </a:rPr>
+              <a:t>  </a:t>
+            </a:r>
+            <a:r>
+              <a:rPr lang="en-US" altLang="ko-KR" sz="2000" b="0">
+                <a:solidFill>
+                  <a:srgbClr val="EEFFFF"/>
+                </a:solidFill>
+                <a:effectLst/>
+                <a:latin typeface="빙그레 메로나체" panose="020B0503000000000000" pitchFamily="50" charset="-127"/>
+                <a:ea typeface="빙그레 메로나체" panose="020B0503000000000000" pitchFamily="50" charset="-127"/>
+              </a:rPr>
+              <a:t>console</a:t>
+            </a:r>
+            <a:r>
+              <a:rPr lang="en-US" altLang="ko-KR" sz="2000" b="0">
+                <a:solidFill>
+                  <a:srgbClr val="89DDFF"/>
+                </a:solidFill>
+                <a:effectLst/>
+                <a:latin typeface="빙그레 메로나체" panose="020B0503000000000000" pitchFamily="50" charset="-127"/>
+                <a:ea typeface="빙그레 메로나체" panose="020B0503000000000000" pitchFamily="50" charset="-127"/>
+              </a:rPr>
+              <a:t>.</a:t>
+            </a:r>
+            <a:r>
+              <a:rPr lang="en-US" altLang="ko-KR" sz="2000" b="0">
+                <a:solidFill>
+                  <a:srgbClr val="82AAFF"/>
+                </a:solidFill>
+                <a:effectLst/>
+                <a:latin typeface="빙그레 메로나체" panose="020B0503000000000000" pitchFamily="50" charset="-127"/>
+                <a:ea typeface="빙그레 메로나체" panose="020B0503000000000000" pitchFamily="50" charset="-127"/>
+              </a:rPr>
+              <a:t>log</a:t>
+            </a:r>
+            <a:r>
+              <a:rPr lang="en-US" altLang="ko-KR" sz="2000" b="0">
+                <a:solidFill>
+                  <a:srgbClr val="F07178"/>
+                </a:solidFill>
+                <a:effectLst/>
+                <a:latin typeface="빙그레 메로나체" panose="020B0503000000000000" pitchFamily="50" charset="-127"/>
+                <a:ea typeface="빙그레 메로나체" panose="020B0503000000000000" pitchFamily="50" charset="-127"/>
+              </a:rPr>
+              <a:t>(</a:t>
+            </a:r>
+            <a:r>
+              <a:rPr lang="en-US" altLang="ko-KR" sz="2000" b="0">
+                <a:solidFill>
+                  <a:srgbClr val="89DDFF"/>
+                </a:solidFill>
+                <a:effectLst/>
+                <a:latin typeface="빙그레 메로나체" panose="020B0503000000000000" pitchFamily="50" charset="-127"/>
+                <a:ea typeface="빙그레 메로나체" panose="020B0503000000000000" pitchFamily="50" charset="-127"/>
+              </a:rPr>
+              <a:t>'</a:t>
+            </a:r>
+            <a:r>
+              <a:rPr lang="en-US" altLang="ko-KR" sz="2000" b="0">
+                <a:solidFill>
+                  <a:srgbClr val="C3E88D"/>
+                </a:solidFill>
+                <a:effectLst/>
+                <a:latin typeface="빙그레 메로나체" panose="020B0503000000000000" pitchFamily="50" charset="-127"/>
+                <a:ea typeface="빙그레 메로나체" panose="020B0503000000000000" pitchFamily="50" charset="-127"/>
+              </a:rPr>
+              <a:t>update</a:t>
+            </a:r>
+            <a:r>
+              <a:rPr lang="en-US" altLang="ko-KR" sz="2000" b="0">
+                <a:solidFill>
+                  <a:srgbClr val="89DDFF"/>
+                </a:solidFill>
+                <a:effectLst/>
+                <a:latin typeface="빙그레 메로나체" panose="020B0503000000000000" pitchFamily="50" charset="-127"/>
+                <a:ea typeface="빙그레 메로나체" panose="020B0503000000000000" pitchFamily="50" charset="-127"/>
+              </a:rPr>
+              <a:t>'</a:t>
+            </a:r>
+            <a:r>
+              <a:rPr lang="en-US" altLang="ko-KR" sz="2000" b="0">
+                <a:solidFill>
+                  <a:srgbClr val="F07178"/>
+                </a:solidFill>
+                <a:effectLst/>
+                <a:latin typeface="빙그레 메로나체" panose="020B0503000000000000" pitchFamily="50" charset="-127"/>
+                <a:ea typeface="빙그레 메로나체" panose="020B0503000000000000" pitchFamily="50" charset="-127"/>
+              </a:rPr>
+              <a:t>)</a:t>
+            </a:r>
+            <a:r>
+              <a:rPr lang="en-US" altLang="ko-KR" sz="2000" b="0">
+                <a:solidFill>
+                  <a:srgbClr val="89DDFF"/>
+                </a:solidFill>
+                <a:effectLst/>
+                <a:latin typeface="빙그레 메로나체" panose="020B0503000000000000" pitchFamily="50" charset="-127"/>
+                <a:ea typeface="빙그레 메로나체" panose="020B0503000000000000" pitchFamily="50" charset="-127"/>
+              </a:rPr>
+              <a:t>;</a:t>
+            </a:r>
+            <a:endParaRPr lang="en-US" altLang="ko-KR" sz="2000" b="0">
+              <a:solidFill>
+                <a:srgbClr val="EEFFFF"/>
+              </a:solidFill>
+              <a:effectLst/>
+              <a:latin typeface="빙그레 메로나체" panose="020B0503000000000000" pitchFamily="50" charset="-127"/>
+              <a:ea typeface="빙그레 메로나체" panose="020B0503000000000000" pitchFamily="50" charset="-127"/>
+            </a:endParaRPr>
+          </a:p>
+          <a:p>
+            <a:r>
+              <a:rPr lang="en-US" altLang="ko-KR" sz="2000" b="0">
+                <a:solidFill>
+                  <a:srgbClr val="89DDFF"/>
+                </a:solidFill>
+                <a:effectLst/>
+                <a:latin typeface="빙그레 메로나체" panose="020B0503000000000000" pitchFamily="50" charset="-127"/>
+                <a:ea typeface="빙그레 메로나체" panose="020B0503000000000000" pitchFamily="50" charset="-127"/>
+              </a:rPr>
+              <a:t>},</a:t>
+            </a:r>
+            <a:r>
+              <a:rPr lang="en-US" altLang="ko-KR" sz="2000" b="0">
+                <a:solidFill>
+                  <a:srgbClr val="F07178"/>
+                </a:solidFill>
+                <a:effectLst/>
+                <a:latin typeface="빙그레 메로나체" panose="020B0503000000000000" pitchFamily="50" charset="-127"/>
+                <a:ea typeface="빙그레 메로나체" panose="020B0503000000000000" pitchFamily="50" charset="-127"/>
+              </a:rPr>
+              <a:t> [</a:t>
+            </a:r>
+            <a:r>
+              <a:rPr lang="en-US" altLang="ko-KR" sz="2000" b="0">
+                <a:solidFill>
+                  <a:schemeClr val="bg1"/>
+                </a:solidFill>
+                <a:effectLst/>
+                <a:latin typeface="빙그레 메로나체" panose="020B0503000000000000" pitchFamily="50" charset="-127"/>
+                <a:ea typeface="빙그레 메로나체" panose="020B0503000000000000" pitchFamily="50" charset="-127"/>
+              </a:rPr>
+              <a:t>a, b</a:t>
+            </a:r>
+            <a:r>
+              <a:rPr lang="en-US" altLang="ko-KR" sz="2000" b="0">
+                <a:solidFill>
+                  <a:srgbClr val="F07178"/>
+                </a:solidFill>
+                <a:effectLst/>
+                <a:latin typeface="빙그레 메로나체" panose="020B0503000000000000" pitchFamily="50" charset="-127"/>
+                <a:ea typeface="빙그레 메로나체" panose="020B0503000000000000" pitchFamily="50" charset="-127"/>
+              </a:rPr>
+              <a:t>])</a:t>
+            </a:r>
+            <a:r>
+              <a:rPr lang="en-US" altLang="ko-KR" sz="2000" b="0">
+                <a:solidFill>
+                  <a:srgbClr val="89DDFF"/>
+                </a:solidFill>
+                <a:effectLst/>
+                <a:latin typeface="빙그레 메로나체" panose="020B0503000000000000" pitchFamily="50" charset="-127"/>
+                <a:ea typeface="빙그레 메로나체" panose="020B0503000000000000" pitchFamily="50" charset="-127"/>
+              </a:rPr>
+              <a:t>;</a:t>
+            </a:r>
+            <a:endParaRPr lang="en-US" altLang="ko-KR" sz="2000" b="0">
+              <a:solidFill>
+                <a:srgbClr val="EEFFFF"/>
+              </a:solidFill>
+              <a:effectLst/>
+              <a:latin typeface="빙그레 메로나체" panose="020B0503000000000000" pitchFamily="50" charset="-127"/>
+              <a:ea typeface="빙그레 메로나체" panose="020B0503000000000000" pitchFamily="50" charset="-127"/>
+            </a:endParaRPr>
+          </a:p>
+        </p:txBody>
+      </p:sp>
+    </p:spTree>
+    <p:extLst>
+      <p:ext uri="{BB962C8B-B14F-4D97-AF65-F5344CB8AC3E}">
+        <p14:creationId xmlns:p14="http://schemas.microsoft.com/office/powerpoint/2010/main" val="4146507402"/>
+      </p:ext>
+    </p:extLst>
+  </p:cSld>
+  <p:clrMapOvr>
+    <a:masterClrMapping/>
+  </p:clrMapOvr>
+</p:sld>
+</file>
+
+<file path=ppt/slides/slide12.xml><?xml version="1.0" encoding="utf-8"?>
+<p:sld xmlns:a="http://schemas.openxmlformats.org/drawingml/2006/main" xmlns:r="http://schemas.openxmlformats.org/officeDocument/2006/relationships" xmlns:p="http://schemas.openxmlformats.org/presentationml/2006/main">
+  <p:cSld>
+    <p:spTree>
+      <p:nvGrpSpPr>
+        <p:cNvPr id="1" name=""/>
+        <p:cNvGrpSpPr/>
+        <p:nvPr/>
+      </p:nvGrpSpPr>
+      <p:grpSpPr>
+        <a:xfrm>
+          <a:off x="0" y="0"/>
+          <a:ext cx="0" cy="0"/>
+          <a:chOff x="0" y="0"/>
+          <a:chExt cx="0" cy="0"/>
+        </a:xfrm>
+      </p:grpSpPr>
+      <p:grpSp>
+        <p:nvGrpSpPr>
+          <p:cNvPr id="6" name="그룹 5">
+            <a:extLst>
+              <a:ext uri="{FF2B5EF4-FFF2-40B4-BE49-F238E27FC236}">
+                <a16:creationId xmlns:a16="http://schemas.microsoft.com/office/drawing/2014/main" id="{CA7BD838-D4FB-4EA7-B68C-FA7B6D147BA2}"/>
+              </a:ext>
+            </a:extLst>
+          </p:cNvPr>
+          <p:cNvGrpSpPr/>
+          <p:nvPr/>
+        </p:nvGrpSpPr>
+        <p:grpSpPr>
+          <a:xfrm>
+            <a:off x="159192" y="182880"/>
+            <a:ext cx="1852488" cy="854227"/>
+            <a:chOff x="640080" y="-971550"/>
+            <a:chExt cx="1660746" cy="765810"/>
+          </a:xfrm>
+        </p:grpSpPr>
+        <p:sp>
+          <p:nvSpPr>
+            <p:cNvPr id="18" name="TextBox 17">
+              <a:extLst>
+                <a:ext uri="{FF2B5EF4-FFF2-40B4-BE49-F238E27FC236}">
+                  <a16:creationId xmlns:a16="http://schemas.microsoft.com/office/drawing/2014/main" id="{D7B7EE40-BAD9-4569-9BF6-F6E9ACA78A3C}"/>
+                </a:ext>
+              </a:extLst>
+            </p:cNvPr>
+            <p:cNvSpPr txBox="1"/>
+            <p:nvPr/>
+          </p:nvSpPr>
+          <p:spPr>
+            <a:xfrm>
+              <a:off x="683325" y="-770703"/>
+              <a:ext cx="1576513" cy="358697"/>
+            </a:xfrm>
+            <a:prstGeom prst="rect">
+              <a:avLst/>
+            </a:prstGeom>
+            <a:noFill/>
+          </p:spPr>
+          <p:txBody>
+            <a:bodyPr wrap="square" rtlCol="0" anchor="ctr">
+              <a:spAutoFit/>
+            </a:bodyPr>
+            <a:lstStyle/>
+            <a:p>
+              <a:pPr algn="ctr"/>
+              <a:r>
+                <a:rPr lang="en-US" altLang="ko-KR" sz="2000">
+                  <a:ln>
+                    <a:solidFill>
+                      <a:schemeClr val="tx1">
+                        <a:alpha val="30000"/>
+                      </a:schemeClr>
+                    </a:solidFill>
+                  </a:ln>
+                  <a:latin typeface="빙그레 메로나체" panose="020B0503000000000000" pitchFamily="50" charset="-127"/>
+                  <a:ea typeface="빙그레 메로나체" panose="020B0503000000000000" pitchFamily="50" charset="-127"/>
+                </a:rPr>
+                <a:t>React</a:t>
+              </a:r>
+            </a:p>
+          </p:txBody>
+        </p:sp>
+        <p:sp>
+          <p:nvSpPr>
+            <p:cNvPr id="5" name="직사각형 4">
+              <a:extLst>
+                <a:ext uri="{FF2B5EF4-FFF2-40B4-BE49-F238E27FC236}">
+                  <a16:creationId xmlns:a16="http://schemas.microsoft.com/office/drawing/2014/main" id="{AB4C8245-D0E4-4D79-B3E9-2FB89CE6FE84}"/>
+                </a:ext>
+              </a:extLst>
+            </p:cNvPr>
+            <p:cNvSpPr/>
+            <p:nvPr/>
+          </p:nvSpPr>
+          <p:spPr>
+            <a:xfrm>
+              <a:off x="640080" y="-971550"/>
+              <a:ext cx="1660746" cy="765810"/>
+            </a:xfrm>
+            <a:prstGeom prst="rect">
+              <a:avLst/>
+            </a:prstGeom>
+            <a:noFill/>
+            <a:ln w="25400">
+              <a:solidFill>
+                <a:schemeClr val="tx1"/>
+              </a:solidFill>
+            </a:ln>
+          </p:spPr>
+          <p:style>
+            <a:lnRef idx="2">
+              <a:schemeClr val="accent1">
+                <a:shade val="50000"/>
+              </a:schemeClr>
+            </a:lnRef>
+            <a:fillRef idx="1">
+              <a:schemeClr val="accent1"/>
+            </a:fillRef>
+            <a:effectRef idx="0">
+              <a:schemeClr val="accent1"/>
+            </a:effectRef>
+            <a:fontRef idx="minor">
+              <a:schemeClr val="lt1"/>
+            </a:fontRef>
+          </p:style>
+          <p:txBody>
+            <a:bodyPr rtlCol="0" anchor="ctr"/>
+            <a:lstStyle/>
+            <a:p>
+              <a:pPr algn="ctr"/>
+              <a:endParaRPr lang="ko-KR" altLang="en-US">
+                <a:latin typeface="빙그레 메로나체" panose="020B0503000000000000" pitchFamily="50" charset="-127"/>
+                <a:ea typeface="빙그레 메로나체" panose="020B0503000000000000" pitchFamily="50" charset="-127"/>
+              </a:endParaRPr>
+            </a:p>
+          </p:txBody>
+        </p:sp>
+      </p:grpSp>
+      <p:sp>
+        <p:nvSpPr>
+          <p:cNvPr id="30" name="TextBox 29">
+            <a:extLst>
+              <a:ext uri="{FF2B5EF4-FFF2-40B4-BE49-F238E27FC236}">
+                <a16:creationId xmlns:a16="http://schemas.microsoft.com/office/drawing/2014/main" id="{706566D1-60CB-4C10-9859-0656D082B2B7}"/>
+              </a:ext>
+            </a:extLst>
+          </p:cNvPr>
+          <p:cNvSpPr txBox="1"/>
+          <p:nvPr/>
+        </p:nvSpPr>
+        <p:spPr>
+          <a:xfrm>
+            <a:off x="2388870" y="422305"/>
+            <a:ext cx="3326130" cy="369332"/>
+          </a:xfrm>
+          <a:prstGeom prst="rect">
+            <a:avLst/>
+          </a:prstGeom>
+          <a:noFill/>
+          <a:ln>
+            <a:noFill/>
+          </a:ln>
+        </p:spPr>
+        <p:txBody>
+          <a:bodyPr wrap="square" rtlCol="0">
+            <a:spAutoFit/>
+          </a:bodyPr>
+          <a:lstStyle/>
+          <a:p>
+            <a:r>
+              <a:rPr lang="en-US" altLang="ko-KR">
+                <a:ln>
+                  <a:solidFill>
+                    <a:schemeClr val="tx1">
+                      <a:alpha val="30000"/>
+                    </a:schemeClr>
+                  </a:solidFill>
+                </a:ln>
+                <a:latin typeface="빙그레 메로나체" panose="020B0503000000000000" pitchFamily="50" charset="-127"/>
+                <a:ea typeface="빙그레 메로나체" panose="020B0503000000000000" pitchFamily="50" charset="-127"/>
+              </a:rPr>
+              <a:t>Hooks - useEffect</a:t>
+            </a:r>
+          </a:p>
+        </p:txBody>
+      </p:sp>
+      <p:sp>
+        <p:nvSpPr>
+          <p:cNvPr id="10" name="슬라이드 번호 개체 틀 9">
+            <a:extLst>
+              <a:ext uri="{FF2B5EF4-FFF2-40B4-BE49-F238E27FC236}">
+                <a16:creationId xmlns:a16="http://schemas.microsoft.com/office/drawing/2014/main" id="{6F1C1DC9-3B79-47A0-95A5-B5A14A6B4906}"/>
+              </a:ext>
+            </a:extLst>
+          </p:cNvPr>
+          <p:cNvSpPr>
+            <a:spLocks noGrp="1"/>
+          </p:cNvSpPr>
+          <p:nvPr>
+            <p:ph type="sldNum" sz="quarter" idx="12"/>
+          </p:nvPr>
+        </p:nvSpPr>
+        <p:spPr/>
+        <p:txBody>
+          <a:bodyPr/>
+          <a:lstStyle/>
+          <a:p>
+            <a:pPr algn="ctr"/>
+            <a:fld id="{4AE1E1EF-90A0-4171-8CF9-B3BC5042A8FC}" type="slidenum">
+              <a:rPr lang="ko-KR" altLang="en-US" smtClean="0"/>
+              <a:pPr algn="ctr"/>
+              <a:t>12</a:t>
+            </a:fld>
+            <a:endParaRPr lang="ko-KR" altLang="en-US"/>
+          </a:p>
+        </p:txBody>
+      </p:sp>
+      <p:sp>
+        <p:nvSpPr>
+          <p:cNvPr id="22" name="사각형: 둥근 모서리 21">
+            <a:extLst>
+              <a:ext uri="{FF2B5EF4-FFF2-40B4-BE49-F238E27FC236}">
+                <a16:creationId xmlns:a16="http://schemas.microsoft.com/office/drawing/2014/main" id="{AC6A6DCB-56D2-477B-988F-4F30A77DD536}"/>
+              </a:ext>
+            </a:extLst>
+          </p:cNvPr>
+          <p:cNvSpPr/>
+          <p:nvPr/>
+        </p:nvSpPr>
+        <p:spPr>
+          <a:xfrm>
+            <a:off x="955040" y="1375750"/>
+            <a:ext cx="2021840" cy="823335"/>
+          </a:xfrm>
+          <a:prstGeom prst="roundRect">
+            <a:avLst/>
+          </a:prstGeom>
+          <a:solidFill>
+            <a:srgbClr val="DAE3F3">
+              <a:alpha val="60000"/>
+            </a:srgbClr>
+          </a:solidFill>
+          <a:ln>
+            <a:noFill/>
+          </a:ln>
+        </p:spPr>
+        <p:style>
+          <a:lnRef idx="2">
+            <a:schemeClr val="accent1">
+              <a:shade val="50000"/>
+            </a:schemeClr>
+          </a:lnRef>
+          <a:fillRef idx="1">
+            <a:schemeClr val="accent1"/>
+          </a:fillRef>
+          <a:effectRef idx="0">
+            <a:schemeClr val="accent1"/>
+          </a:effectRef>
+          <a:fontRef idx="minor">
+            <a:schemeClr val="lt1"/>
+          </a:fontRef>
+        </p:style>
+        <p:txBody>
+          <a:bodyPr rtlCol="0" anchor="ctr"/>
+          <a:lstStyle/>
+          <a:p>
+            <a:pPr algn="ctr"/>
+            <a:r>
+              <a:rPr lang="en-US" altLang="ko-KR" sz="2400">
+                <a:ln>
+                  <a:solidFill>
+                    <a:schemeClr val="tx1">
+                      <a:alpha val="30000"/>
+                    </a:schemeClr>
+                  </a:solidFill>
+                </a:ln>
+                <a:solidFill>
+                  <a:schemeClr val="tx1"/>
+                </a:solidFill>
+                <a:latin typeface="빙그레 메로나체" panose="020B0503000000000000" pitchFamily="50" charset="-127"/>
+                <a:ea typeface="빙그레 메로나체" panose="020B0503000000000000" pitchFamily="50" charset="-127"/>
+              </a:rPr>
+              <a:t>unmount</a:t>
+            </a:r>
+            <a:endParaRPr lang="ko-KR" altLang="en-US" sz="2400">
+              <a:ln>
+                <a:solidFill>
+                  <a:schemeClr val="tx1">
+                    <a:alpha val="30000"/>
+                  </a:schemeClr>
+                </a:solidFill>
+              </a:ln>
+              <a:solidFill>
+                <a:schemeClr val="tx1"/>
+              </a:solidFill>
+              <a:latin typeface="빙그레 메로나체" panose="020B0503000000000000" pitchFamily="50" charset="-127"/>
+              <a:ea typeface="빙그레 메로나체" panose="020B0503000000000000" pitchFamily="50" charset="-127"/>
+            </a:endParaRPr>
+          </a:p>
+        </p:txBody>
+      </p:sp>
+      <p:sp>
+        <p:nvSpPr>
+          <p:cNvPr id="16" name="TextBox 15">
+            <a:extLst>
+              <a:ext uri="{FF2B5EF4-FFF2-40B4-BE49-F238E27FC236}">
+                <a16:creationId xmlns:a16="http://schemas.microsoft.com/office/drawing/2014/main" id="{AF21459A-AF1E-4821-87A3-9B768449E2E0}"/>
+              </a:ext>
+            </a:extLst>
+          </p:cNvPr>
+          <p:cNvSpPr txBox="1"/>
+          <p:nvPr/>
+        </p:nvSpPr>
+        <p:spPr>
+          <a:xfrm>
+            <a:off x="3937000" y="2370917"/>
+            <a:ext cx="4318000" cy="1938992"/>
+          </a:xfrm>
+          <a:prstGeom prst="rect">
+            <a:avLst/>
+          </a:prstGeom>
+          <a:solidFill>
+            <a:schemeClr val="tx1"/>
+          </a:solidFill>
+        </p:spPr>
+        <p:txBody>
+          <a:bodyPr wrap="square">
+            <a:spAutoFit/>
+          </a:bodyPr>
+          <a:lstStyle/>
+          <a:p>
+            <a:r>
+              <a:rPr lang="en-US" altLang="ko-KR" sz="2000" b="0">
+                <a:solidFill>
+                  <a:srgbClr val="82AAFF"/>
+                </a:solidFill>
+                <a:effectLst/>
+                <a:latin typeface="빙그레 메로나체" panose="020B0503000000000000" pitchFamily="50" charset="-127"/>
+                <a:ea typeface="빙그레 메로나체" panose="020B0503000000000000" pitchFamily="50" charset="-127"/>
+              </a:rPr>
+              <a:t>useEffect</a:t>
+            </a:r>
+            <a:r>
+              <a:rPr lang="en-US" altLang="ko-KR" sz="2000" b="0">
+                <a:solidFill>
+                  <a:srgbClr val="F07178"/>
+                </a:solidFill>
+                <a:effectLst/>
+                <a:latin typeface="빙그레 메로나체" panose="020B0503000000000000" pitchFamily="50" charset="-127"/>
+                <a:ea typeface="빙그레 메로나체" panose="020B0503000000000000" pitchFamily="50" charset="-127"/>
+              </a:rPr>
+              <a:t>(</a:t>
+            </a:r>
+            <a:r>
+              <a:rPr lang="en-US" altLang="ko-KR" sz="2000" b="0">
+                <a:solidFill>
+                  <a:srgbClr val="89DDFF"/>
+                </a:solidFill>
+                <a:effectLst/>
+                <a:latin typeface="빙그레 메로나체" panose="020B0503000000000000" pitchFamily="50" charset="-127"/>
+                <a:ea typeface="빙그레 메로나체" panose="020B0503000000000000" pitchFamily="50" charset="-127"/>
+              </a:rPr>
+              <a:t>()</a:t>
+            </a:r>
+            <a:r>
+              <a:rPr lang="en-US" altLang="ko-KR" sz="2000" b="0">
+                <a:solidFill>
+                  <a:srgbClr val="F07178"/>
+                </a:solidFill>
+                <a:effectLst/>
+                <a:latin typeface="빙그레 메로나체" panose="020B0503000000000000" pitchFamily="50" charset="-127"/>
+                <a:ea typeface="빙그레 메로나체" panose="020B0503000000000000" pitchFamily="50" charset="-127"/>
+              </a:rPr>
+              <a:t> </a:t>
+            </a:r>
+            <a:r>
+              <a:rPr lang="en-US" altLang="ko-KR" sz="2000" b="0">
+                <a:solidFill>
+                  <a:srgbClr val="C792EA"/>
+                </a:solidFill>
+                <a:effectLst/>
+                <a:latin typeface="빙그레 메로나체" panose="020B0503000000000000" pitchFamily="50" charset="-127"/>
+                <a:ea typeface="빙그레 메로나체" panose="020B0503000000000000" pitchFamily="50" charset="-127"/>
+              </a:rPr>
+              <a:t>=&gt;</a:t>
+            </a:r>
+            <a:r>
+              <a:rPr lang="en-US" altLang="ko-KR" sz="2000" b="0">
+                <a:solidFill>
+                  <a:srgbClr val="F07178"/>
+                </a:solidFill>
+                <a:effectLst/>
+                <a:latin typeface="빙그레 메로나체" panose="020B0503000000000000" pitchFamily="50" charset="-127"/>
+                <a:ea typeface="빙그레 메로나체" panose="020B0503000000000000" pitchFamily="50" charset="-127"/>
+              </a:rPr>
+              <a:t> </a:t>
+            </a:r>
+            <a:r>
+              <a:rPr lang="en-US" altLang="ko-KR" sz="2000" b="0">
+                <a:solidFill>
+                  <a:srgbClr val="89DDFF"/>
+                </a:solidFill>
+                <a:effectLst/>
+                <a:latin typeface="빙그레 메로나체" panose="020B0503000000000000" pitchFamily="50" charset="-127"/>
+                <a:ea typeface="빙그레 메로나체" panose="020B0503000000000000" pitchFamily="50" charset="-127"/>
+              </a:rPr>
+              <a:t>{</a:t>
+            </a:r>
+          </a:p>
+          <a:p>
+            <a:r>
+              <a:rPr lang="en-US" altLang="ko-KR" sz="2000" b="0">
+                <a:solidFill>
+                  <a:srgbClr val="F07178"/>
+                </a:solidFill>
+                <a:effectLst/>
+                <a:latin typeface="빙그레 메로나체" panose="020B0503000000000000" pitchFamily="50" charset="-127"/>
+                <a:ea typeface="빙그레 메로나체" panose="020B0503000000000000" pitchFamily="50" charset="-127"/>
+              </a:rPr>
+              <a:t>  </a:t>
+            </a:r>
+            <a:r>
+              <a:rPr lang="en-US" altLang="ko-KR" sz="2000" b="0">
+                <a:solidFill>
+                  <a:srgbClr val="EEFFFF"/>
+                </a:solidFill>
+                <a:effectLst/>
+                <a:latin typeface="빙그레 메로나체" panose="020B0503000000000000" pitchFamily="50" charset="-127"/>
+                <a:ea typeface="빙그레 메로나체" panose="020B0503000000000000" pitchFamily="50" charset="-127"/>
+              </a:rPr>
+              <a:t>console</a:t>
+            </a:r>
+            <a:r>
+              <a:rPr lang="en-US" altLang="ko-KR" sz="2000" b="0">
+                <a:solidFill>
+                  <a:srgbClr val="89DDFF"/>
+                </a:solidFill>
+                <a:effectLst/>
+                <a:latin typeface="빙그레 메로나체" panose="020B0503000000000000" pitchFamily="50" charset="-127"/>
+                <a:ea typeface="빙그레 메로나체" panose="020B0503000000000000" pitchFamily="50" charset="-127"/>
+              </a:rPr>
+              <a:t>.</a:t>
+            </a:r>
+            <a:r>
+              <a:rPr lang="en-US" altLang="ko-KR" sz="2000" b="0">
+                <a:solidFill>
+                  <a:srgbClr val="82AAFF"/>
+                </a:solidFill>
+                <a:effectLst/>
+                <a:latin typeface="빙그레 메로나체" panose="020B0503000000000000" pitchFamily="50" charset="-127"/>
+                <a:ea typeface="빙그레 메로나체" panose="020B0503000000000000" pitchFamily="50" charset="-127"/>
+              </a:rPr>
+              <a:t>log</a:t>
+            </a:r>
+            <a:r>
+              <a:rPr lang="en-US" altLang="ko-KR" sz="2000" b="0">
+                <a:solidFill>
+                  <a:srgbClr val="F07178"/>
+                </a:solidFill>
+                <a:effectLst/>
+                <a:latin typeface="빙그레 메로나체" panose="020B0503000000000000" pitchFamily="50" charset="-127"/>
+                <a:ea typeface="빙그레 메로나체" panose="020B0503000000000000" pitchFamily="50" charset="-127"/>
+              </a:rPr>
+              <a:t>(</a:t>
+            </a:r>
+            <a:r>
+              <a:rPr lang="en-US" altLang="ko-KR" sz="2000" b="0">
+                <a:solidFill>
+                  <a:srgbClr val="89DDFF"/>
+                </a:solidFill>
+                <a:effectLst/>
+                <a:latin typeface="빙그레 메로나체" panose="020B0503000000000000" pitchFamily="50" charset="-127"/>
+                <a:ea typeface="빙그레 메로나체" panose="020B0503000000000000" pitchFamily="50" charset="-127"/>
+              </a:rPr>
+              <a:t>"</a:t>
+            </a:r>
+            <a:r>
+              <a:rPr lang="en-US" altLang="ko-KR" sz="2000" b="0">
+                <a:solidFill>
+                  <a:srgbClr val="C3E88D"/>
+                </a:solidFill>
+                <a:effectLst/>
+                <a:latin typeface="빙그레 메로나체" panose="020B0503000000000000" pitchFamily="50" charset="-127"/>
+                <a:ea typeface="빙그레 메로나체" panose="020B0503000000000000" pitchFamily="50" charset="-127"/>
+              </a:rPr>
+              <a:t>mount</a:t>
+            </a:r>
+            <a:r>
+              <a:rPr lang="en-US" altLang="ko-KR" sz="2000" b="0">
+                <a:solidFill>
+                  <a:srgbClr val="89DDFF"/>
+                </a:solidFill>
+                <a:effectLst/>
+                <a:latin typeface="빙그레 메로나체" panose="020B0503000000000000" pitchFamily="50" charset="-127"/>
+                <a:ea typeface="빙그레 메로나체" panose="020B0503000000000000" pitchFamily="50" charset="-127"/>
+              </a:rPr>
+              <a:t>"</a:t>
+            </a:r>
+            <a:r>
+              <a:rPr lang="en-US" altLang="ko-KR" sz="2000" b="0">
+                <a:solidFill>
+                  <a:srgbClr val="F07178"/>
+                </a:solidFill>
+                <a:effectLst/>
+                <a:latin typeface="빙그레 메로나체" panose="020B0503000000000000" pitchFamily="50" charset="-127"/>
+                <a:ea typeface="빙그레 메로나체" panose="020B0503000000000000" pitchFamily="50" charset="-127"/>
+              </a:rPr>
+              <a:t>)</a:t>
+            </a:r>
+            <a:r>
+              <a:rPr lang="en-US" altLang="ko-KR" sz="2000" b="0">
+                <a:solidFill>
+                  <a:srgbClr val="89DDFF"/>
+                </a:solidFill>
+                <a:effectLst/>
+                <a:latin typeface="빙그레 메로나체" panose="020B0503000000000000" pitchFamily="50" charset="-127"/>
+                <a:ea typeface="빙그레 메로나체" panose="020B0503000000000000" pitchFamily="50" charset="-127"/>
+              </a:rPr>
+              <a:t>;</a:t>
+            </a:r>
+            <a:endParaRPr lang="en-US" altLang="ko-KR" sz="2000" b="0">
+              <a:solidFill>
+                <a:srgbClr val="EEFFFF"/>
+              </a:solidFill>
+              <a:effectLst/>
+              <a:latin typeface="빙그레 메로나체" panose="020B0503000000000000" pitchFamily="50" charset="-127"/>
+              <a:ea typeface="빙그레 메로나체" panose="020B0503000000000000" pitchFamily="50" charset="-127"/>
+            </a:endParaRPr>
+          </a:p>
+          <a:p>
+            <a:r>
+              <a:rPr lang="en-US" altLang="ko-KR" sz="2000" b="0">
+                <a:solidFill>
+                  <a:srgbClr val="F07178"/>
+                </a:solidFill>
+                <a:effectLst/>
+                <a:latin typeface="빙그레 메로나체" panose="020B0503000000000000" pitchFamily="50" charset="-127"/>
+                <a:ea typeface="빙그레 메로나체" panose="020B0503000000000000" pitchFamily="50" charset="-127"/>
+              </a:rPr>
+              <a:t>  </a:t>
+            </a:r>
+            <a:r>
+              <a:rPr lang="en-US" altLang="ko-KR" sz="2000" b="0" i="1">
+                <a:solidFill>
+                  <a:srgbClr val="89DDFF"/>
+                </a:solidFill>
+                <a:effectLst/>
+                <a:latin typeface="빙그레 메로나체" panose="020B0503000000000000" pitchFamily="50" charset="-127"/>
+                <a:ea typeface="빙그레 메로나체" panose="020B0503000000000000" pitchFamily="50" charset="-127"/>
+              </a:rPr>
+              <a:t>return</a:t>
+            </a:r>
+            <a:r>
+              <a:rPr lang="en-US" altLang="ko-KR" sz="2000" b="0">
+                <a:solidFill>
+                  <a:srgbClr val="F07178"/>
+                </a:solidFill>
+                <a:effectLst/>
+                <a:latin typeface="빙그레 메로나체" panose="020B0503000000000000" pitchFamily="50" charset="-127"/>
+                <a:ea typeface="빙그레 메로나체" panose="020B0503000000000000" pitchFamily="50" charset="-127"/>
+              </a:rPr>
+              <a:t> </a:t>
+            </a:r>
+            <a:r>
+              <a:rPr lang="en-US" altLang="ko-KR" sz="2000" b="0">
+                <a:solidFill>
+                  <a:srgbClr val="89DDFF"/>
+                </a:solidFill>
+                <a:effectLst/>
+                <a:latin typeface="빙그레 메로나체" panose="020B0503000000000000" pitchFamily="50" charset="-127"/>
+                <a:ea typeface="빙그레 메로나체" panose="020B0503000000000000" pitchFamily="50" charset="-127"/>
+              </a:rPr>
+              <a:t>()</a:t>
+            </a:r>
+            <a:r>
+              <a:rPr lang="en-US" altLang="ko-KR" sz="2000" b="0">
+                <a:solidFill>
+                  <a:srgbClr val="F07178"/>
+                </a:solidFill>
+                <a:effectLst/>
+                <a:latin typeface="빙그레 메로나체" panose="020B0503000000000000" pitchFamily="50" charset="-127"/>
+                <a:ea typeface="빙그레 메로나체" panose="020B0503000000000000" pitchFamily="50" charset="-127"/>
+              </a:rPr>
+              <a:t> </a:t>
+            </a:r>
+            <a:r>
+              <a:rPr lang="en-US" altLang="ko-KR" sz="2000" b="0">
+                <a:solidFill>
+                  <a:srgbClr val="C792EA"/>
+                </a:solidFill>
+                <a:effectLst/>
+                <a:latin typeface="빙그레 메로나체" panose="020B0503000000000000" pitchFamily="50" charset="-127"/>
+                <a:ea typeface="빙그레 메로나체" panose="020B0503000000000000" pitchFamily="50" charset="-127"/>
+              </a:rPr>
+              <a:t>=&gt;</a:t>
+            </a:r>
+            <a:r>
+              <a:rPr lang="en-US" altLang="ko-KR" sz="2000" b="0">
+                <a:solidFill>
+                  <a:srgbClr val="F07178"/>
+                </a:solidFill>
+                <a:effectLst/>
+                <a:latin typeface="빙그레 메로나체" panose="020B0503000000000000" pitchFamily="50" charset="-127"/>
+                <a:ea typeface="빙그레 메로나체" panose="020B0503000000000000" pitchFamily="50" charset="-127"/>
+              </a:rPr>
+              <a:t> </a:t>
+            </a:r>
+            <a:r>
+              <a:rPr lang="en-US" altLang="ko-KR" sz="2000" b="0">
+                <a:solidFill>
+                  <a:srgbClr val="89DDFF"/>
+                </a:solidFill>
+                <a:effectLst/>
+                <a:latin typeface="빙그레 메로나체" panose="020B0503000000000000" pitchFamily="50" charset="-127"/>
+                <a:ea typeface="빙그레 메로나체" panose="020B0503000000000000" pitchFamily="50" charset="-127"/>
+              </a:rPr>
+              <a:t>{</a:t>
+            </a:r>
+            <a:endParaRPr lang="en-US" altLang="ko-KR" sz="2000" b="0">
+              <a:solidFill>
+                <a:srgbClr val="EEFFFF"/>
+              </a:solidFill>
+              <a:effectLst/>
+              <a:latin typeface="빙그레 메로나체" panose="020B0503000000000000" pitchFamily="50" charset="-127"/>
+              <a:ea typeface="빙그레 메로나체" panose="020B0503000000000000" pitchFamily="50" charset="-127"/>
+            </a:endParaRPr>
+          </a:p>
+          <a:p>
+            <a:r>
+              <a:rPr lang="en-US" altLang="ko-KR" sz="2000" b="0">
+                <a:solidFill>
+                  <a:srgbClr val="F07178"/>
+                </a:solidFill>
+                <a:effectLst/>
+                <a:latin typeface="빙그레 메로나체" panose="020B0503000000000000" pitchFamily="50" charset="-127"/>
+                <a:ea typeface="빙그레 메로나체" panose="020B0503000000000000" pitchFamily="50" charset="-127"/>
+              </a:rPr>
+              <a:t>    </a:t>
+            </a:r>
+            <a:r>
+              <a:rPr lang="en-US" altLang="ko-KR" sz="2000" b="0">
+                <a:solidFill>
+                  <a:srgbClr val="EEFFFF"/>
+                </a:solidFill>
+                <a:effectLst/>
+                <a:latin typeface="빙그레 메로나체" panose="020B0503000000000000" pitchFamily="50" charset="-127"/>
+                <a:ea typeface="빙그레 메로나체" panose="020B0503000000000000" pitchFamily="50" charset="-127"/>
+              </a:rPr>
+              <a:t>console</a:t>
+            </a:r>
+            <a:r>
+              <a:rPr lang="en-US" altLang="ko-KR" sz="2000" b="0">
+                <a:solidFill>
+                  <a:srgbClr val="89DDFF"/>
+                </a:solidFill>
+                <a:effectLst/>
+                <a:latin typeface="빙그레 메로나체" panose="020B0503000000000000" pitchFamily="50" charset="-127"/>
+                <a:ea typeface="빙그레 메로나체" panose="020B0503000000000000" pitchFamily="50" charset="-127"/>
+              </a:rPr>
+              <a:t>.</a:t>
+            </a:r>
+            <a:r>
+              <a:rPr lang="en-US" altLang="ko-KR" sz="2000" b="0">
+                <a:solidFill>
+                  <a:srgbClr val="82AAFF"/>
+                </a:solidFill>
+                <a:effectLst/>
+                <a:latin typeface="빙그레 메로나체" panose="020B0503000000000000" pitchFamily="50" charset="-127"/>
+                <a:ea typeface="빙그레 메로나체" panose="020B0503000000000000" pitchFamily="50" charset="-127"/>
+              </a:rPr>
+              <a:t>log</a:t>
+            </a:r>
+            <a:r>
+              <a:rPr lang="en-US" altLang="ko-KR" sz="2000" b="0">
+                <a:solidFill>
+                  <a:srgbClr val="F07178"/>
+                </a:solidFill>
+                <a:effectLst/>
+                <a:latin typeface="빙그레 메로나체" panose="020B0503000000000000" pitchFamily="50" charset="-127"/>
+                <a:ea typeface="빙그레 메로나체" panose="020B0503000000000000" pitchFamily="50" charset="-127"/>
+              </a:rPr>
+              <a:t>(</a:t>
+            </a:r>
+            <a:r>
+              <a:rPr lang="en-US" altLang="ko-KR" sz="2000" b="0">
+                <a:solidFill>
+                  <a:srgbClr val="89DDFF"/>
+                </a:solidFill>
+                <a:effectLst/>
+                <a:latin typeface="빙그레 메로나체" panose="020B0503000000000000" pitchFamily="50" charset="-127"/>
+                <a:ea typeface="빙그레 메로나체" panose="020B0503000000000000" pitchFamily="50" charset="-127"/>
+              </a:rPr>
+              <a:t>"</a:t>
+            </a:r>
+            <a:r>
+              <a:rPr lang="en-US" altLang="ko-KR" sz="2000" b="0">
+                <a:solidFill>
+                  <a:srgbClr val="C3E88D"/>
+                </a:solidFill>
+                <a:effectLst/>
+                <a:latin typeface="빙그레 메로나체" panose="020B0503000000000000" pitchFamily="50" charset="-127"/>
+                <a:ea typeface="빙그레 메로나체" panose="020B0503000000000000" pitchFamily="50" charset="-127"/>
+              </a:rPr>
+              <a:t>unmount</a:t>
+            </a:r>
+            <a:r>
+              <a:rPr lang="en-US" altLang="ko-KR" sz="2000" b="0">
+                <a:solidFill>
+                  <a:srgbClr val="89DDFF"/>
+                </a:solidFill>
+                <a:effectLst/>
+                <a:latin typeface="빙그레 메로나체" panose="020B0503000000000000" pitchFamily="50" charset="-127"/>
+                <a:ea typeface="빙그레 메로나체" panose="020B0503000000000000" pitchFamily="50" charset="-127"/>
+              </a:rPr>
+              <a:t>"</a:t>
+            </a:r>
+            <a:r>
+              <a:rPr lang="en-US" altLang="ko-KR" sz="2000" b="0">
+                <a:solidFill>
+                  <a:srgbClr val="F07178"/>
+                </a:solidFill>
+                <a:effectLst/>
+                <a:latin typeface="빙그레 메로나체" panose="020B0503000000000000" pitchFamily="50" charset="-127"/>
+                <a:ea typeface="빙그레 메로나체" panose="020B0503000000000000" pitchFamily="50" charset="-127"/>
+              </a:rPr>
+              <a:t>)</a:t>
+            </a:r>
+            <a:r>
+              <a:rPr lang="en-US" altLang="ko-KR" sz="2000" b="0">
+                <a:solidFill>
+                  <a:srgbClr val="89DDFF"/>
+                </a:solidFill>
+                <a:effectLst/>
+                <a:latin typeface="빙그레 메로나체" panose="020B0503000000000000" pitchFamily="50" charset="-127"/>
+                <a:ea typeface="빙그레 메로나체" panose="020B0503000000000000" pitchFamily="50" charset="-127"/>
+              </a:rPr>
+              <a:t>;</a:t>
+            </a:r>
+            <a:endParaRPr lang="en-US" altLang="ko-KR" sz="2000" b="0">
+              <a:solidFill>
+                <a:srgbClr val="EEFFFF"/>
+              </a:solidFill>
+              <a:effectLst/>
+              <a:latin typeface="빙그레 메로나체" panose="020B0503000000000000" pitchFamily="50" charset="-127"/>
+              <a:ea typeface="빙그레 메로나체" panose="020B0503000000000000" pitchFamily="50" charset="-127"/>
+            </a:endParaRPr>
+          </a:p>
+          <a:p>
+            <a:r>
+              <a:rPr lang="en-US" altLang="ko-KR" sz="2000" b="0">
+                <a:solidFill>
+                  <a:srgbClr val="F07178"/>
+                </a:solidFill>
+                <a:effectLst/>
+                <a:latin typeface="빙그레 메로나체" panose="020B0503000000000000" pitchFamily="50" charset="-127"/>
+                <a:ea typeface="빙그레 메로나체" panose="020B0503000000000000" pitchFamily="50" charset="-127"/>
+              </a:rPr>
+              <a:t>  </a:t>
+            </a:r>
+            <a:r>
+              <a:rPr lang="en-US" altLang="ko-KR" sz="2000" b="0">
+                <a:solidFill>
+                  <a:srgbClr val="89DDFF"/>
+                </a:solidFill>
+                <a:effectLst/>
+                <a:latin typeface="빙그레 메로나체" panose="020B0503000000000000" pitchFamily="50" charset="-127"/>
+                <a:ea typeface="빙그레 메로나체" panose="020B0503000000000000" pitchFamily="50" charset="-127"/>
+              </a:rPr>
+              <a:t>};</a:t>
+            </a:r>
+            <a:endParaRPr lang="en-US" altLang="ko-KR" sz="2000" b="0">
+              <a:solidFill>
+                <a:srgbClr val="EEFFFF"/>
+              </a:solidFill>
+              <a:effectLst/>
+              <a:latin typeface="빙그레 메로나체" panose="020B0503000000000000" pitchFamily="50" charset="-127"/>
+              <a:ea typeface="빙그레 메로나체" panose="020B0503000000000000" pitchFamily="50" charset="-127"/>
+            </a:endParaRPr>
+          </a:p>
+          <a:p>
+            <a:r>
+              <a:rPr lang="en-US" altLang="ko-KR" sz="2000" b="0">
+                <a:solidFill>
+                  <a:srgbClr val="89DDFF"/>
+                </a:solidFill>
+                <a:effectLst/>
+                <a:latin typeface="빙그레 메로나체" panose="020B0503000000000000" pitchFamily="50" charset="-127"/>
+                <a:ea typeface="빙그레 메로나체" panose="020B0503000000000000" pitchFamily="50" charset="-127"/>
+              </a:rPr>
+              <a:t>},</a:t>
+            </a:r>
+            <a:r>
+              <a:rPr lang="en-US" altLang="ko-KR" sz="2000" b="0">
+                <a:solidFill>
+                  <a:srgbClr val="F07178"/>
+                </a:solidFill>
+                <a:effectLst/>
+                <a:latin typeface="빙그레 메로나체" panose="020B0503000000000000" pitchFamily="50" charset="-127"/>
+                <a:ea typeface="빙그레 메로나체" panose="020B0503000000000000" pitchFamily="50" charset="-127"/>
+              </a:rPr>
+              <a:t> [])</a:t>
+            </a:r>
+            <a:r>
+              <a:rPr lang="en-US" altLang="ko-KR" sz="2000" b="0">
+                <a:solidFill>
+                  <a:srgbClr val="89DDFF"/>
+                </a:solidFill>
+                <a:effectLst/>
+                <a:latin typeface="빙그레 메로나체" panose="020B0503000000000000" pitchFamily="50" charset="-127"/>
+                <a:ea typeface="빙그레 메로나체" panose="020B0503000000000000" pitchFamily="50" charset="-127"/>
+              </a:rPr>
+              <a:t>;</a:t>
+            </a:r>
+            <a:endParaRPr lang="en-US" altLang="ko-KR" sz="2000" b="0">
+              <a:solidFill>
+                <a:srgbClr val="EEFFFF"/>
+              </a:solidFill>
+              <a:effectLst/>
+              <a:latin typeface="빙그레 메로나체" panose="020B0503000000000000" pitchFamily="50" charset="-127"/>
+              <a:ea typeface="빙그레 메로나체" panose="020B0503000000000000" pitchFamily="50" charset="-127"/>
+            </a:endParaRPr>
+          </a:p>
+        </p:txBody>
+      </p:sp>
+      <p:sp>
+        <p:nvSpPr>
+          <p:cNvPr id="19" name="TextBox 18">
+            <a:extLst>
+              <a:ext uri="{FF2B5EF4-FFF2-40B4-BE49-F238E27FC236}">
+                <a16:creationId xmlns:a16="http://schemas.microsoft.com/office/drawing/2014/main" id="{438C54CA-BD85-4734-B8B3-3C608A7F1365}"/>
+              </a:ext>
+            </a:extLst>
+          </p:cNvPr>
+          <p:cNvSpPr txBox="1"/>
+          <p:nvPr/>
+        </p:nvSpPr>
+        <p:spPr>
+          <a:xfrm>
+            <a:off x="1036320" y="4895008"/>
+            <a:ext cx="10119360" cy="400110"/>
+          </a:xfrm>
+          <a:prstGeom prst="rect">
+            <a:avLst/>
+          </a:prstGeom>
+          <a:noFill/>
+          <a:ln>
+            <a:noFill/>
+          </a:ln>
+        </p:spPr>
+        <p:txBody>
+          <a:bodyPr wrap="square" rtlCol="0">
+            <a:spAutoFit/>
+          </a:bodyPr>
+          <a:lstStyle/>
+          <a:p>
+            <a:pPr algn="ctr"/>
+            <a:r>
+              <a:rPr lang="en-US" altLang="ko-KR" sz="2000">
+                <a:ln>
+                  <a:solidFill>
+                    <a:schemeClr val="tx1">
+                      <a:alpha val="30000"/>
+                    </a:schemeClr>
+                  </a:solidFill>
+                </a:ln>
+                <a:latin typeface="빙그레 메로나체" panose="020B0503000000000000" pitchFamily="50" charset="-127"/>
+                <a:ea typeface="빙그레 메로나체" panose="020B0503000000000000" pitchFamily="50" charset="-127"/>
+              </a:rPr>
+              <a:t>When the component is unmounted - The code in return runs when the unmount</a:t>
+            </a:r>
+          </a:p>
+        </p:txBody>
+      </p:sp>
+    </p:spTree>
+    <p:extLst>
+      <p:ext uri="{BB962C8B-B14F-4D97-AF65-F5344CB8AC3E}">
+        <p14:creationId xmlns:p14="http://schemas.microsoft.com/office/powerpoint/2010/main" val="1396188995"/>
+      </p:ext>
+    </p:extLst>
+  </p:cSld>
+  <p:clrMapOvr>
+    <a:masterClrMapping/>
+  </p:clrMapOvr>
+</p:sld>
+</file>
+
+<file path=ppt/slides/slide13.xml><?xml version="1.0" encoding="utf-8"?>
+<p:sld xmlns:a="http://schemas.openxmlformats.org/drawingml/2006/main" xmlns:r="http://schemas.openxmlformats.org/officeDocument/2006/relationships" xmlns:p="http://schemas.openxmlformats.org/presentationml/2006/main">
+  <p:cSld>
+    <p:spTree>
+      <p:nvGrpSpPr>
+        <p:cNvPr id="1" name=""/>
+        <p:cNvGrpSpPr/>
+        <p:nvPr/>
+      </p:nvGrpSpPr>
+      <p:grpSpPr>
+        <a:xfrm>
+          <a:off x="0" y="0"/>
+          <a:ext cx="0" cy="0"/>
+          <a:chOff x="0" y="0"/>
+          <a:chExt cx="0" cy="0"/>
+        </a:xfrm>
+      </p:grpSpPr>
+      <p:grpSp>
+        <p:nvGrpSpPr>
+          <p:cNvPr id="6" name="그룹 5">
+            <a:extLst>
+              <a:ext uri="{FF2B5EF4-FFF2-40B4-BE49-F238E27FC236}">
+                <a16:creationId xmlns:a16="http://schemas.microsoft.com/office/drawing/2014/main" id="{CA7BD838-D4FB-4EA7-B68C-FA7B6D147BA2}"/>
+              </a:ext>
+            </a:extLst>
+          </p:cNvPr>
+          <p:cNvGrpSpPr/>
+          <p:nvPr/>
+        </p:nvGrpSpPr>
+        <p:grpSpPr>
+          <a:xfrm>
+            <a:off x="159192" y="182880"/>
+            <a:ext cx="1852488" cy="854227"/>
+            <a:chOff x="640080" y="-971550"/>
+            <a:chExt cx="1660746" cy="765810"/>
+          </a:xfrm>
+        </p:grpSpPr>
+        <p:sp>
+          <p:nvSpPr>
+            <p:cNvPr id="18" name="TextBox 17">
+              <a:extLst>
+                <a:ext uri="{FF2B5EF4-FFF2-40B4-BE49-F238E27FC236}">
+                  <a16:creationId xmlns:a16="http://schemas.microsoft.com/office/drawing/2014/main" id="{D7B7EE40-BAD9-4569-9BF6-F6E9ACA78A3C}"/>
+                </a:ext>
+              </a:extLst>
+            </p:cNvPr>
+            <p:cNvSpPr txBox="1"/>
+            <p:nvPr/>
+          </p:nvSpPr>
+          <p:spPr>
+            <a:xfrm>
+              <a:off x="683325" y="-770703"/>
+              <a:ext cx="1576513" cy="358697"/>
+            </a:xfrm>
+            <a:prstGeom prst="rect">
+              <a:avLst/>
+            </a:prstGeom>
+            <a:noFill/>
+          </p:spPr>
+          <p:txBody>
+            <a:bodyPr wrap="square" rtlCol="0" anchor="ctr">
+              <a:spAutoFit/>
+            </a:bodyPr>
+            <a:lstStyle/>
+            <a:p>
+              <a:pPr algn="ctr"/>
+              <a:r>
+                <a:rPr lang="en-US" altLang="ko-KR" sz="2000">
+                  <a:ln>
+                    <a:solidFill>
+                      <a:schemeClr val="tx1">
+                        <a:alpha val="30000"/>
+                      </a:schemeClr>
+                    </a:solidFill>
+                  </a:ln>
+                  <a:latin typeface="빙그레 메로나체" panose="020B0503000000000000" pitchFamily="50" charset="-127"/>
+                  <a:ea typeface="빙그레 메로나체" panose="020B0503000000000000" pitchFamily="50" charset="-127"/>
+                </a:rPr>
+                <a:t>React</a:t>
+              </a:r>
+            </a:p>
+          </p:txBody>
+        </p:sp>
+        <p:sp>
+          <p:nvSpPr>
+            <p:cNvPr id="5" name="직사각형 4">
+              <a:extLst>
+                <a:ext uri="{FF2B5EF4-FFF2-40B4-BE49-F238E27FC236}">
+                  <a16:creationId xmlns:a16="http://schemas.microsoft.com/office/drawing/2014/main" id="{AB4C8245-D0E4-4D79-B3E9-2FB89CE6FE84}"/>
+                </a:ext>
+              </a:extLst>
+            </p:cNvPr>
+            <p:cNvSpPr/>
+            <p:nvPr/>
+          </p:nvSpPr>
+          <p:spPr>
+            <a:xfrm>
+              <a:off x="640080" y="-971550"/>
+              <a:ext cx="1660746" cy="765810"/>
+            </a:xfrm>
+            <a:prstGeom prst="rect">
+              <a:avLst/>
+            </a:prstGeom>
+            <a:noFill/>
+            <a:ln w="25400">
+              <a:solidFill>
+                <a:schemeClr val="tx1"/>
+              </a:solidFill>
+            </a:ln>
+          </p:spPr>
+          <p:style>
+            <a:lnRef idx="2">
+              <a:schemeClr val="accent1">
+                <a:shade val="50000"/>
+              </a:schemeClr>
+            </a:lnRef>
+            <a:fillRef idx="1">
+              <a:schemeClr val="accent1"/>
+            </a:fillRef>
+            <a:effectRef idx="0">
+              <a:schemeClr val="accent1"/>
+            </a:effectRef>
+            <a:fontRef idx="minor">
+              <a:schemeClr val="lt1"/>
+            </a:fontRef>
+          </p:style>
+          <p:txBody>
+            <a:bodyPr rtlCol="0" anchor="ctr"/>
+            <a:lstStyle/>
+            <a:p>
+              <a:pPr algn="ctr"/>
+              <a:endParaRPr lang="ko-KR" altLang="en-US">
+                <a:latin typeface="빙그레 메로나체" panose="020B0503000000000000" pitchFamily="50" charset="-127"/>
+                <a:ea typeface="빙그레 메로나체" panose="020B0503000000000000" pitchFamily="50" charset="-127"/>
+              </a:endParaRPr>
+            </a:p>
+          </p:txBody>
+        </p:sp>
+      </p:grpSp>
+      <p:sp>
+        <p:nvSpPr>
+          <p:cNvPr id="30" name="TextBox 29">
+            <a:extLst>
+              <a:ext uri="{FF2B5EF4-FFF2-40B4-BE49-F238E27FC236}">
+                <a16:creationId xmlns:a16="http://schemas.microsoft.com/office/drawing/2014/main" id="{706566D1-60CB-4C10-9859-0656D082B2B7}"/>
+              </a:ext>
+            </a:extLst>
+          </p:cNvPr>
+          <p:cNvSpPr txBox="1"/>
+          <p:nvPr/>
+        </p:nvSpPr>
+        <p:spPr>
+          <a:xfrm>
+            <a:off x="2388870" y="422305"/>
+            <a:ext cx="3326130" cy="369332"/>
+          </a:xfrm>
+          <a:prstGeom prst="rect">
+            <a:avLst/>
+          </a:prstGeom>
+          <a:noFill/>
+          <a:ln>
+            <a:noFill/>
+          </a:ln>
+        </p:spPr>
+        <p:txBody>
+          <a:bodyPr wrap="square" rtlCol="0">
+            <a:spAutoFit/>
+          </a:bodyPr>
+          <a:lstStyle/>
+          <a:p>
+            <a:r>
+              <a:rPr lang="en-US" altLang="ko-KR">
+                <a:ln>
+                  <a:solidFill>
+                    <a:schemeClr val="tx1">
+                      <a:alpha val="30000"/>
+                    </a:schemeClr>
+                  </a:solidFill>
+                </a:ln>
+                <a:latin typeface="빙그레 메로나체" panose="020B0503000000000000" pitchFamily="50" charset="-127"/>
+                <a:ea typeface="빙그레 메로나체" panose="020B0503000000000000" pitchFamily="50" charset="-127"/>
+              </a:rPr>
+              <a:t>Hooks - useRef</a:t>
+            </a:r>
+          </a:p>
+        </p:txBody>
+      </p:sp>
+      <p:sp>
+        <p:nvSpPr>
+          <p:cNvPr id="10" name="슬라이드 번호 개체 틀 9">
+            <a:extLst>
+              <a:ext uri="{FF2B5EF4-FFF2-40B4-BE49-F238E27FC236}">
+                <a16:creationId xmlns:a16="http://schemas.microsoft.com/office/drawing/2014/main" id="{6F1C1DC9-3B79-47A0-95A5-B5A14A6B4906}"/>
+              </a:ext>
+            </a:extLst>
+          </p:cNvPr>
+          <p:cNvSpPr>
+            <a:spLocks noGrp="1"/>
+          </p:cNvSpPr>
+          <p:nvPr>
+            <p:ph type="sldNum" sz="quarter" idx="12"/>
+          </p:nvPr>
+        </p:nvSpPr>
+        <p:spPr/>
+        <p:txBody>
+          <a:bodyPr/>
+          <a:lstStyle/>
+          <a:p>
+            <a:pPr algn="ctr"/>
+            <a:fld id="{4AE1E1EF-90A0-4171-8CF9-B3BC5042A8FC}" type="slidenum">
+              <a:rPr lang="ko-KR" altLang="en-US" smtClean="0"/>
+              <a:pPr algn="ctr"/>
+              <a:t>13</a:t>
+            </a:fld>
+            <a:endParaRPr lang="ko-KR" altLang="en-US"/>
+          </a:p>
+        </p:txBody>
+      </p:sp>
+      <p:sp>
+        <p:nvSpPr>
+          <p:cNvPr id="2" name="사각형: 둥근 모서리 1">
+            <a:extLst>
+              <a:ext uri="{FF2B5EF4-FFF2-40B4-BE49-F238E27FC236}">
+                <a16:creationId xmlns:a16="http://schemas.microsoft.com/office/drawing/2014/main" id="{303B1F6A-95BE-428B-B3B0-6BD7C8DA5D6E}"/>
+              </a:ext>
+            </a:extLst>
+          </p:cNvPr>
+          <p:cNvSpPr/>
+          <p:nvPr/>
+        </p:nvSpPr>
+        <p:spPr>
+          <a:xfrm>
+            <a:off x="721360" y="1269625"/>
+            <a:ext cx="2021840" cy="529293"/>
+          </a:xfrm>
+          <a:prstGeom prst="roundRect">
+            <a:avLst/>
+          </a:prstGeom>
+          <a:solidFill>
+            <a:schemeClr val="accent1">
+              <a:lumMod val="20000"/>
+              <a:lumOff val="80000"/>
+            </a:schemeClr>
+          </a:solidFill>
+          <a:ln>
+            <a:noFill/>
+          </a:ln>
+        </p:spPr>
+        <p:style>
+          <a:lnRef idx="2">
+            <a:schemeClr val="accent1">
+              <a:shade val="50000"/>
+            </a:schemeClr>
+          </a:lnRef>
+          <a:fillRef idx="1">
+            <a:schemeClr val="accent1"/>
+          </a:fillRef>
+          <a:effectRef idx="0">
+            <a:schemeClr val="accent1"/>
+          </a:effectRef>
+          <a:fontRef idx="minor">
+            <a:schemeClr val="lt1"/>
+          </a:fontRef>
+        </p:style>
+        <p:txBody>
+          <a:bodyPr rtlCol="0" anchor="ctr"/>
+          <a:lstStyle/>
+          <a:p>
+            <a:pPr algn="ctr"/>
+            <a:r>
+              <a:rPr lang="en-US" altLang="ko-KR" sz="2400">
+                <a:ln>
+                  <a:solidFill>
+                    <a:schemeClr val="tx1">
+                      <a:alpha val="30000"/>
+                    </a:schemeClr>
+                  </a:solidFill>
+                </a:ln>
+                <a:solidFill>
+                  <a:schemeClr val="tx1"/>
+                </a:solidFill>
+                <a:latin typeface="빙그레 메로나체" panose="020B0503000000000000" pitchFamily="50" charset="-127"/>
+                <a:ea typeface="빙그레 메로나체" panose="020B0503000000000000" pitchFamily="50" charset="-127"/>
+              </a:rPr>
+              <a:t>useRef</a:t>
+            </a:r>
+            <a:endParaRPr lang="ko-KR" altLang="en-US" sz="2400">
+              <a:ln>
+                <a:solidFill>
+                  <a:schemeClr val="tx1">
+                    <a:alpha val="30000"/>
+                  </a:schemeClr>
+                </a:solidFill>
+              </a:ln>
+              <a:solidFill>
+                <a:schemeClr val="tx1"/>
+              </a:solidFill>
+              <a:latin typeface="빙그레 메로나체" panose="020B0503000000000000" pitchFamily="50" charset="-127"/>
+              <a:ea typeface="빙그레 메로나체" panose="020B0503000000000000" pitchFamily="50" charset="-127"/>
+            </a:endParaRPr>
+          </a:p>
+        </p:txBody>
+      </p:sp>
+      <p:sp>
+        <p:nvSpPr>
+          <p:cNvPr id="13" name="TextBox 12">
+            <a:extLst>
+              <a:ext uri="{FF2B5EF4-FFF2-40B4-BE49-F238E27FC236}">
+                <a16:creationId xmlns:a16="http://schemas.microsoft.com/office/drawing/2014/main" id="{653CCFD5-D4D8-4872-9AB8-908ABA30F244}"/>
+              </a:ext>
+            </a:extLst>
+          </p:cNvPr>
+          <p:cNvSpPr txBox="1"/>
+          <p:nvPr/>
+        </p:nvSpPr>
+        <p:spPr>
+          <a:xfrm>
+            <a:off x="3074670" y="1349605"/>
+            <a:ext cx="7064412" cy="369332"/>
+          </a:xfrm>
+          <a:prstGeom prst="rect">
+            <a:avLst/>
+          </a:prstGeom>
+          <a:noFill/>
+          <a:ln>
+            <a:noFill/>
+          </a:ln>
+        </p:spPr>
+        <p:txBody>
+          <a:bodyPr wrap="square" rtlCol="0">
+            <a:spAutoFit/>
+          </a:bodyPr>
+          <a:lstStyle/>
+          <a:p>
+            <a:r>
+              <a:rPr lang="en-US" altLang="ko-KR">
+                <a:ln>
+                  <a:solidFill>
+                    <a:schemeClr val="tx1">
+                      <a:alpha val="30000"/>
+                    </a:schemeClr>
+                  </a:solidFill>
+                </a:ln>
+                <a:latin typeface="빙그레 메로나체" panose="020B0503000000000000" pitchFamily="50" charset="-127"/>
+                <a:ea typeface="빙그레 메로나체" panose="020B0503000000000000" pitchFamily="50" charset="-127"/>
+              </a:rPr>
+              <a:t>Hook function used when pointing to a specific DOM</a:t>
+            </a:r>
+          </a:p>
+        </p:txBody>
+      </p:sp>
+    </p:spTree>
+    <p:extLst>
+      <p:ext uri="{BB962C8B-B14F-4D97-AF65-F5344CB8AC3E}">
+        <p14:creationId xmlns:p14="http://schemas.microsoft.com/office/powerpoint/2010/main" val="3660324520"/>
+      </p:ext>
+    </p:extLst>
+  </p:cSld>
+  <p:clrMapOvr>
+    <a:masterClrMapping/>
+  </p:clrMapOvr>
+</p:sld>
+</file>
+
+<file path=ppt/slides/slide14.xml><?xml version="1.0" encoding="utf-8"?>
+<p:sld xmlns:a="http://schemas.openxmlformats.org/drawingml/2006/main" xmlns:r="http://schemas.openxmlformats.org/officeDocument/2006/relationships" xmlns:p="http://schemas.openxmlformats.org/presentationml/2006/main">
+  <p:cSld>
+    <p:spTree>
+      <p:nvGrpSpPr>
+        <p:cNvPr id="1" name=""/>
+        <p:cNvGrpSpPr/>
+        <p:nvPr/>
+      </p:nvGrpSpPr>
+      <p:grpSpPr>
+        <a:xfrm>
+          <a:off x="0" y="0"/>
+          <a:ext cx="0" cy="0"/>
+          <a:chOff x="0" y="0"/>
+          <a:chExt cx="0" cy="0"/>
+        </a:xfrm>
+      </p:grpSpPr>
       <p:sp>
         <p:nvSpPr>
           <p:cNvPr id="2" name="TextBox 1">
@@ -9643,7 +14634,7 @@
         </p:nvSpPr>
         <p:spPr>
           <a:xfrm>
-            <a:off x="721360" y="1269625"/>
+            <a:off x="721360" y="1151641"/>
             <a:ext cx="2021840" cy="529293"/>
           </a:xfrm>
           <a:prstGeom prst="roundRect">
@@ -9728,7 +14719,7 @@
         </p:nvSpPr>
         <p:spPr>
           <a:xfrm>
-            <a:off x="3074670" y="1349605"/>
+            <a:off x="3074670" y="1231621"/>
             <a:ext cx="7064412" cy="369332"/>
           </a:xfrm>
           <a:prstGeom prst="rect">
@@ -9776,7 +14767,7 @@
         </p:nvSpPr>
         <p:spPr>
           <a:xfrm>
-            <a:off x="249083" y="5883134"/>
+            <a:off x="42608" y="6133852"/>
             <a:ext cx="11868422" cy="369332"/>
           </a:xfrm>
           <a:prstGeom prst="rect">
@@ -9852,8 +14843,8 @@
         </p:nvSpPr>
         <p:spPr>
           <a:xfrm>
-            <a:off x="1535654" y="1963474"/>
-            <a:ext cx="6094878" cy="3847207"/>
+            <a:off x="1665764" y="2258435"/>
+            <a:ext cx="4857774" cy="3785652"/>
           </a:xfrm>
           <a:prstGeom prst="rect">
             <a:avLst/>
@@ -9874,7 +14865,8 @@
                   <a:srgbClr val="89DDFF"/>
                 </a:solidFill>
                 <a:effectLst/>
-                <a:latin typeface="Consolas" panose="020B0609020204030204" pitchFamily="49" charset="0"/>
+                <a:latin typeface="빙그레 메로나체" panose="020B0503000000000000" pitchFamily="50" charset="-127"/>
+                <a:ea typeface="빙그레 메로나체" panose="020B0503000000000000" pitchFamily="50" charset="-127"/>
               </a:rPr>
               <a:t>import</a:t>
             </a:r>
@@ -9884,7 +14876,8 @@
                   <a:srgbClr val="EEFFFF"/>
                 </a:solidFill>
                 <a:effectLst/>
-                <a:latin typeface="Consolas" panose="020B0609020204030204" pitchFamily="49" charset="0"/>
+                <a:latin typeface="빙그레 메로나체" panose="020B0503000000000000" pitchFamily="50" charset="-127"/>
+                <a:ea typeface="빙그레 메로나체" panose="020B0503000000000000" pitchFamily="50" charset="-127"/>
               </a:rPr>
               <a:t> React</a:t>
             </a:r>
@@ -9894,7 +14887,8 @@
                   <a:srgbClr val="89DDFF"/>
                 </a:solidFill>
                 <a:effectLst/>
-                <a:latin typeface="Consolas" panose="020B0609020204030204" pitchFamily="49" charset="0"/>
+                <a:latin typeface="빙그레 메로나체" panose="020B0503000000000000" pitchFamily="50" charset="-127"/>
+                <a:ea typeface="빙그레 메로나체" panose="020B0503000000000000" pitchFamily="50" charset="-127"/>
               </a:rPr>
               <a:t>,</a:t>
             </a:r>
@@ -9904,7 +14898,8 @@
                   <a:srgbClr val="EEFFFF"/>
                 </a:solidFill>
                 <a:effectLst/>
-                <a:latin typeface="Consolas" panose="020B0609020204030204" pitchFamily="49" charset="0"/>
+                <a:latin typeface="빙그레 메로나체" panose="020B0503000000000000" pitchFamily="50" charset="-127"/>
+                <a:ea typeface="빙그레 메로나체" panose="020B0503000000000000" pitchFamily="50" charset="-127"/>
               </a:rPr>
               <a:t> </a:t>
             </a:r>
@@ -9914,7 +14909,8 @@
                   <a:srgbClr val="89DDFF"/>
                 </a:solidFill>
                 <a:effectLst/>
-                <a:latin typeface="Consolas" panose="020B0609020204030204" pitchFamily="49" charset="0"/>
+                <a:latin typeface="빙그레 메로나체" panose="020B0503000000000000" pitchFamily="50" charset="-127"/>
+                <a:ea typeface="빙그레 메로나체" panose="020B0503000000000000" pitchFamily="50" charset="-127"/>
               </a:rPr>
               <a:t>{</a:t>
             </a:r>
@@ -9924,7 +14920,8 @@
                   <a:srgbClr val="F07178"/>
                 </a:solidFill>
                 <a:effectLst/>
-                <a:latin typeface="Consolas" panose="020B0609020204030204" pitchFamily="49" charset="0"/>
+                <a:latin typeface="빙그레 메로나체" panose="020B0503000000000000" pitchFamily="50" charset="-127"/>
+                <a:ea typeface="빙그레 메로나체" panose="020B0503000000000000" pitchFamily="50" charset="-127"/>
               </a:rPr>
               <a:t> </a:t>
             </a:r>
@@ -9934,7 +14931,8 @@
                   <a:srgbClr val="EEFFFF"/>
                 </a:solidFill>
                 <a:effectLst/>
-                <a:latin typeface="Consolas" panose="020B0609020204030204" pitchFamily="49" charset="0"/>
+                <a:latin typeface="빙그레 메로나체" panose="020B0503000000000000" pitchFamily="50" charset="-127"/>
+                <a:ea typeface="빙그레 메로나체" panose="020B0503000000000000" pitchFamily="50" charset="-127"/>
               </a:rPr>
               <a:t>useState</a:t>
             </a:r>
@@ -9944,7 +14942,8 @@
                   <a:srgbClr val="F07178"/>
                 </a:solidFill>
                 <a:effectLst/>
-                <a:latin typeface="Consolas" panose="020B0609020204030204" pitchFamily="49" charset="0"/>
+                <a:latin typeface="빙그레 메로나체" panose="020B0503000000000000" pitchFamily="50" charset="-127"/>
+                <a:ea typeface="빙그레 메로나체" panose="020B0503000000000000" pitchFamily="50" charset="-127"/>
               </a:rPr>
               <a:t> </a:t>
             </a:r>
@@ -9954,7 +14953,8 @@
                   <a:srgbClr val="89DDFF"/>
                 </a:solidFill>
                 <a:effectLst/>
-                <a:latin typeface="Consolas" panose="020B0609020204030204" pitchFamily="49" charset="0"/>
+                <a:latin typeface="빙그레 메로나체" panose="020B0503000000000000" pitchFamily="50" charset="-127"/>
+                <a:ea typeface="빙그레 메로나체" panose="020B0503000000000000" pitchFamily="50" charset="-127"/>
               </a:rPr>
               <a:t>}</a:t>
             </a:r>
@@ -9964,7 +14964,8 @@
                   <a:srgbClr val="EEFFFF"/>
                 </a:solidFill>
                 <a:effectLst/>
-                <a:latin typeface="Consolas" panose="020B0609020204030204" pitchFamily="49" charset="0"/>
+                <a:latin typeface="빙그레 메로나체" panose="020B0503000000000000" pitchFamily="50" charset="-127"/>
+                <a:ea typeface="빙그레 메로나체" panose="020B0503000000000000" pitchFamily="50" charset="-127"/>
               </a:rPr>
               <a:t> </a:t>
             </a:r>
@@ -9974,7 +14975,8 @@
                   <a:srgbClr val="89DDFF"/>
                 </a:solidFill>
                 <a:effectLst/>
-                <a:latin typeface="Consolas" panose="020B0609020204030204" pitchFamily="49" charset="0"/>
+                <a:latin typeface="빙그레 메로나체" panose="020B0503000000000000" pitchFamily="50" charset="-127"/>
+                <a:ea typeface="빙그레 메로나체" panose="020B0503000000000000" pitchFamily="50" charset="-127"/>
               </a:rPr>
               <a:t>from</a:t>
             </a:r>
@@ -9984,7 +14986,8 @@
                   <a:srgbClr val="EEFFFF"/>
                 </a:solidFill>
                 <a:effectLst/>
-                <a:latin typeface="Consolas" panose="020B0609020204030204" pitchFamily="49" charset="0"/>
+                <a:latin typeface="빙그레 메로나체" panose="020B0503000000000000" pitchFamily="50" charset="-127"/>
+                <a:ea typeface="빙그레 메로나체" panose="020B0503000000000000" pitchFamily="50" charset="-127"/>
               </a:rPr>
               <a:t> </a:t>
             </a:r>
@@ -9994,7 +14997,8 @@
                   <a:srgbClr val="89DDFF"/>
                 </a:solidFill>
                 <a:effectLst/>
-                <a:latin typeface="Consolas" panose="020B0609020204030204" pitchFamily="49" charset="0"/>
+                <a:latin typeface="빙그레 메로나체" panose="020B0503000000000000" pitchFamily="50" charset="-127"/>
+                <a:ea typeface="빙그레 메로나체" panose="020B0503000000000000" pitchFamily="50" charset="-127"/>
               </a:rPr>
               <a:t>"</a:t>
             </a:r>
@@ -10004,7 +15008,8 @@
                   <a:srgbClr val="C3E88D"/>
                 </a:solidFill>
                 <a:effectLst/>
-                <a:latin typeface="Consolas" panose="020B0609020204030204" pitchFamily="49" charset="0"/>
+                <a:latin typeface="빙그레 메로나체" panose="020B0503000000000000" pitchFamily="50" charset="-127"/>
+                <a:ea typeface="빙그레 메로나체" panose="020B0503000000000000" pitchFamily="50" charset="-127"/>
               </a:rPr>
               <a:t>react</a:t>
             </a:r>
@@ -10014,7 +15019,8 @@
                   <a:srgbClr val="89DDFF"/>
                 </a:solidFill>
                 <a:effectLst/>
-                <a:latin typeface="Consolas" panose="020B0609020204030204" pitchFamily="49" charset="0"/>
+                <a:latin typeface="빙그레 메로나체" panose="020B0503000000000000" pitchFamily="50" charset="-127"/>
+                <a:ea typeface="빙그레 메로나체" panose="020B0503000000000000" pitchFamily="50" charset="-127"/>
               </a:rPr>
               <a:t>";</a:t>
             </a:r>
@@ -10023,7 +15029,8 @@
                 <a:srgbClr val="EEFFFF"/>
               </a:solidFill>
               <a:effectLst/>
-              <a:latin typeface="Consolas" panose="020B0609020204030204" pitchFamily="49" charset="0"/>
+              <a:latin typeface="빙그레 메로나체" panose="020B0503000000000000" pitchFamily="50" charset="-127"/>
+              <a:ea typeface="빙그레 메로나체" panose="020B0503000000000000" pitchFamily="50" charset="-127"/>
             </a:endParaRPr>
           </a:p>
           <a:p>
@@ -10033,7 +15040,8 @@
                   <a:srgbClr val="EEFFFF"/>
                 </a:solidFill>
                 <a:effectLst/>
-                <a:latin typeface="Consolas" panose="020B0609020204030204" pitchFamily="49" charset="0"/>
+                <a:latin typeface="빙그레 메로나체" panose="020B0503000000000000" pitchFamily="50" charset="-127"/>
+                <a:ea typeface="빙그레 메로나체" panose="020B0503000000000000" pitchFamily="50" charset="-127"/>
               </a:rPr>
             </a:br>
             <a:r>
@@ -10042,7 +15050,8 @@
                   <a:srgbClr val="C792EA"/>
                 </a:solidFill>
                 <a:effectLst/>
-                <a:latin typeface="Consolas" panose="020B0609020204030204" pitchFamily="49" charset="0"/>
+                <a:latin typeface="빙그레 메로나체" panose="020B0503000000000000" pitchFamily="50" charset="-127"/>
+                <a:ea typeface="빙그레 메로나체" panose="020B0503000000000000" pitchFamily="50" charset="-127"/>
               </a:rPr>
               <a:t>const</a:t>
             </a:r>
@@ -10052,7 +15061,8 @@
                   <a:srgbClr val="EEFFFF"/>
                 </a:solidFill>
                 <a:effectLst/>
-                <a:latin typeface="Consolas" panose="020B0609020204030204" pitchFamily="49" charset="0"/>
+                <a:latin typeface="빙그레 메로나체" panose="020B0503000000000000" pitchFamily="50" charset="-127"/>
+                <a:ea typeface="빙그레 메로나체" panose="020B0503000000000000" pitchFamily="50" charset="-127"/>
               </a:rPr>
               <a:t> </a:t>
             </a:r>
@@ -10062,7 +15072,8 @@
                   <a:srgbClr val="82AAFF"/>
                 </a:solidFill>
                 <a:effectLst/>
-                <a:latin typeface="Consolas" panose="020B0609020204030204" pitchFamily="49" charset="0"/>
+                <a:latin typeface="빙그레 메로나체" panose="020B0503000000000000" pitchFamily="50" charset="-127"/>
+                <a:ea typeface="빙그레 메로나체" panose="020B0503000000000000" pitchFamily="50" charset="-127"/>
               </a:rPr>
               <a:t>App</a:t>
             </a:r>
@@ -10072,7 +15083,8 @@
                   <a:srgbClr val="EEFFFF"/>
                 </a:solidFill>
                 <a:effectLst/>
-                <a:latin typeface="Consolas" panose="020B0609020204030204" pitchFamily="49" charset="0"/>
+                <a:latin typeface="빙그레 메로나체" panose="020B0503000000000000" pitchFamily="50" charset="-127"/>
+                <a:ea typeface="빙그레 메로나체" panose="020B0503000000000000" pitchFamily="50" charset="-127"/>
               </a:rPr>
               <a:t> </a:t>
             </a:r>
@@ -10082,7 +15094,8 @@
                   <a:srgbClr val="89DDFF"/>
                 </a:solidFill>
                 <a:effectLst/>
-                <a:latin typeface="Consolas" panose="020B0609020204030204" pitchFamily="49" charset="0"/>
+                <a:latin typeface="빙그레 메로나체" panose="020B0503000000000000" pitchFamily="50" charset="-127"/>
+                <a:ea typeface="빙그레 메로나체" panose="020B0503000000000000" pitchFamily="50" charset="-127"/>
               </a:rPr>
               <a:t>=</a:t>
             </a:r>
@@ -10092,7 +15105,8 @@
                   <a:srgbClr val="EEFFFF"/>
                 </a:solidFill>
                 <a:effectLst/>
-                <a:latin typeface="Consolas" panose="020B0609020204030204" pitchFamily="49" charset="0"/>
+                <a:latin typeface="빙그레 메로나체" panose="020B0503000000000000" pitchFamily="50" charset="-127"/>
+                <a:ea typeface="빙그레 메로나체" panose="020B0503000000000000" pitchFamily="50" charset="-127"/>
               </a:rPr>
               <a:t> </a:t>
             </a:r>
@@ -10102,7 +15116,8 @@
                   <a:srgbClr val="89DDFF"/>
                 </a:solidFill>
                 <a:effectLst/>
-                <a:latin typeface="Consolas" panose="020B0609020204030204" pitchFamily="49" charset="0"/>
+                <a:latin typeface="빙그레 메로나체" panose="020B0503000000000000" pitchFamily="50" charset="-127"/>
+                <a:ea typeface="빙그레 메로나체" panose="020B0503000000000000" pitchFamily="50" charset="-127"/>
               </a:rPr>
               <a:t>()</a:t>
             </a:r>
@@ -10112,7 +15127,8 @@
                   <a:srgbClr val="EEFFFF"/>
                 </a:solidFill>
                 <a:effectLst/>
-                <a:latin typeface="Consolas" panose="020B0609020204030204" pitchFamily="49" charset="0"/>
+                <a:latin typeface="빙그레 메로나체" panose="020B0503000000000000" pitchFamily="50" charset="-127"/>
+                <a:ea typeface="빙그레 메로나체" panose="020B0503000000000000" pitchFamily="50" charset="-127"/>
               </a:rPr>
               <a:t> </a:t>
             </a:r>
@@ -10122,7 +15138,8 @@
                   <a:srgbClr val="C792EA"/>
                 </a:solidFill>
                 <a:effectLst/>
-                <a:latin typeface="Consolas" panose="020B0609020204030204" pitchFamily="49" charset="0"/>
+                <a:latin typeface="빙그레 메로나체" panose="020B0503000000000000" pitchFamily="50" charset="-127"/>
+                <a:ea typeface="빙그레 메로나체" panose="020B0503000000000000" pitchFamily="50" charset="-127"/>
               </a:rPr>
               <a:t>=&gt;</a:t>
             </a:r>
@@ -10132,7 +15149,8 @@
                   <a:srgbClr val="EEFFFF"/>
                 </a:solidFill>
                 <a:effectLst/>
-                <a:latin typeface="Consolas" panose="020B0609020204030204" pitchFamily="49" charset="0"/>
+                <a:latin typeface="빙그레 메로나체" panose="020B0503000000000000" pitchFamily="50" charset="-127"/>
+                <a:ea typeface="빙그레 메로나체" panose="020B0503000000000000" pitchFamily="50" charset="-127"/>
               </a:rPr>
               <a:t> </a:t>
             </a:r>
@@ -10142,7 +15160,8 @@
                   <a:srgbClr val="89DDFF"/>
                 </a:solidFill>
                 <a:effectLst/>
-                <a:latin typeface="Consolas" panose="020B0609020204030204" pitchFamily="49" charset="0"/>
+                <a:latin typeface="빙그레 메로나체" panose="020B0503000000000000" pitchFamily="50" charset="-127"/>
+                <a:ea typeface="빙그레 메로나체" panose="020B0503000000000000" pitchFamily="50" charset="-127"/>
               </a:rPr>
               <a:t>{</a:t>
             </a:r>
@@ -10151,7 +15170,8 @@
                 <a:srgbClr val="EEFFFF"/>
               </a:solidFill>
               <a:effectLst/>
-              <a:latin typeface="Consolas" panose="020B0609020204030204" pitchFamily="49" charset="0"/>
+              <a:latin typeface="빙그레 메로나체" panose="020B0503000000000000" pitchFamily="50" charset="-127"/>
+              <a:ea typeface="빙그레 메로나체" panose="020B0503000000000000" pitchFamily="50" charset="-127"/>
             </a:endParaRPr>
           </a:p>
           <a:p>
@@ -10161,7 +15181,8 @@
                   <a:srgbClr val="F07178"/>
                 </a:solidFill>
                 <a:effectLst/>
-                <a:latin typeface="Consolas" panose="020B0609020204030204" pitchFamily="49" charset="0"/>
+                <a:latin typeface="빙그레 메로나체" panose="020B0503000000000000" pitchFamily="50" charset="-127"/>
+                <a:ea typeface="빙그레 메로나체" panose="020B0503000000000000" pitchFamily="50" charset="-127"/>
               </a:rPr>
               <a:t>  </a:t>
             </a:r>
@@ -10171,7 +15192,8 @@
                   <a:srgbClr val="C792EA"/>
                 </a:solidFill>
                 <a:effectLst/>
-                <a:latin typeface="Consolas" panose="020B0609020204030204" pitchFamily="49" charset="0"/>
+                <a:latin typeface="빙그레 메로나체" panose="020B0503000000000000" pitchFamily="50" charset="-127"/>
+                <a:ea typeface="빙그레 메로나체" panose="020B0503000000000000" pitchFamily="50" charset="-127"/>
               </a:rPr>
               <a:t>const</a:t>
             </a:r>
@@ -10181,7 +15203,8 @@
                   <a:srgbClr val="F07178"/>
                 </a:solidFill>
                 <a:effectLst/>
-                <a:latin typeface="Consolas" panose="020B0609020204030204" pitchFamily="49" charset="0"/>
+                <a:latin typeface="빙그레 메로나체" panose="020B0503000000000000" pitchFamily="50" charset="-127"/>
+                <a:ea typeface="빙그레 메로나체" panose="020B0503000000000000" pitchFamily="50" charset="-127"/>
               </a:rPr>
               <a:t> </a:t>
             </a:r>
@@ -10191,7 +15214,8 @@
                   <a:srgbClr val="89DDFF"/>
                 </a:solidFill>
                 <a:effectLst/>
-                <a:latin typeface="Consolas" panose="020B0609020204030204" pitchFamily="49" charset="0"/>
+                <a:latin typeface="빙그레 메로나체" panose="020B0503000000000000" pitchFamily="50" charset="-127"/>
+                <a:ea typeface="빙그레 메로나체" panose="020B0503000000000000" pitchFamily="50" charset="-127"/>
               </a:rPr>
               <a:t>[</a:t>
             </a:r>
@@ -10201,7 +15225,8 @@
                   <a:srgbClr val="EEFFFF"/>
                 </a:solidFill>
                 <a:effectLst/>
-                <a:latin typeface="Consolas" panose="020B0609020204030204" pitchFamily="49" charset="0"/>
+                <a:latin typeface="빙그레 메로나체" panose="020B0503000000000000" pitchFamily="50" charset="-127"/>
+                <a:ea typeface="빙그레 메로나체" panose="020B0503000000000000" pitchFamily="50" charset="-127"/>
               </a:rPr>
               <a:t>count</a:t>
             </a:r>
@@ -10211,7 +15236,8 @@
                   <a:srgbClr val="89DDFF"/>
                 </a:solidFill>
                 <a:effectLst/>
-                <a:latin typeface="Consolas" panose="020B0609020204030204" pitchFamily="49" charset="0"/>
+                <a:latin typeface="빙그레 메로나체" panose="020B0503000000000000" pitchFamily="50" charset="-127"/>
+                <a:ea typeface="빙그레 메로나체" panose="020B0503000000000000" pitchFamily="50" charset="-127"/>
               </a:rPr>
               <a:t>,</a:t>
             </a:r>
@@ -10221,7 +15247,8 @@
                   <a:srgbClr val="F07178"/>
                 </a:solidFill>
                 <a:effectLst/>
-                <a:latin typeface="Consolas" panose="020B0609020204030204" pitchFamily="49" charset="0"/>
+                <a:latin typeface="빙그레 메로나체" panose="020B0503000000000000" pitchFamily="50" charset="-127"/>
+                <a:ea typeface="빙그레 메로나체" panose="020B0503000000000000" pitchFamily="50" charset="-127"/>
               </a:rPr>
               <a:t> </a:t>
             </a:r>
@@ -10231,7 +15258,8 @@
                   <a:srgbClr val="82AAFF"/>
                 </a:solidFill>
                 <a:effectLst/>
-                <a:latin typeface="Consolas" panose="020B0609020204030204" pitchFamily="49" charset="0"/>
+                <a:latin typeface="빙그레 메로나체" panose="020B0503000000000000" pitchFamily="50" charset="-127"/>
+                <a:ea typeface="빙그레 메로나체" panose="020B0503000000000000" pitchFamily="50" charset="-127"/>
               </a:rPr>
               <a:t>setCount</a:t>
             </a:r>
@@ -10241,7 +15269,8 @@
                   <a:srgbClr val="89DDFF"/>
                 </a:solidFill>
                 <a:effectLst/>
-                <a:latin typeface="Consolas" panose="020B0609020204030204" pitchFamily="49" charset="0"/>
+                <a:latin typeface="빙그레 메로나체" panose="020B0503000000000000" pitchFamily="50" charset="-127"/>
+                <a:ea typeface="빙그레 메로나체" panose="020B0503000000000000" pitchFamily="50" charset="-127"/>
               </a:rPr>
               <a:t>]</a:t>
             </a:r>
@@ -10251,7 +15280,8 @@
                   <a:srgbClr val="F07178"/>
                 </a:solidFill>
                 <a:effectLst/>
-                <a:latin typeface="Consolas" panose="020B0609020204030204" pitchFamily="49" charset="0"/>
+                <a:latin typeface="빙그레 메로나체" panose="020B0503000000000000" pitchFamily="50" charset="-127"/>
+                <a:ea typeface="빙그레 메로나체" panose="020B0503000000000000" pitchFamily="50" charset="-127"/>
               </a:rPr>
               <a:t> </a:t>
             </a:r>
@@ -10261,7 +15291,8 @@
                   <a:srgbClr val="89DDFF"/>
                 </a:solidFill>
                 <a:effectLst/>
-                <a:latin typeface="Consolas" panose="020B0609020204030204" pitchFamily="49" charset="0"/>
+                <a:latin typeface="빙그레 메로나체" panose="020B0503000000000000" pitchFamily="50" charset="-127"/>
+                <a:ea typeface="빙그레 메로나체" panose="020B0503000000000000" pitchFamily="50" charset="-127"/>
               </a:rPr>
               <a:t>=</a:t>
             </a:r>
@@ -10271,7 +15302,8 @@
                   <a:srgbClr val="F07178"/>
                 </a:solidFill>
                 <a:effectLst/>
-                <a:latin typeface="Consolas" panose="020B0609020204030204" pitchFamily="49" charset="0"/>
+                <a:latin typeface="빙그레 메로나체" panose="020B0503000000000000" pitchFamily="50" charset="-127"/>
+                <a:ea typeface="빙그레 메로나체" panose="020B0503000000000000" pitchFamily="50" charset="-127"/>
               </a:rPr>
               <a:t> </a:t>
             </a:r>
@@ -10281,7 +15313,8 @@
                   <a:srgbClr val="82AAFF"/>
                 </a:solidFill>
                 <a:effectLst/>
-                <a:latin typeface="Consolas" panose="020B0609020204030204" pitchFamily="49" charset="0"/>
+                <a:latin typeface="빙그레 메로나체" panose="020B0503000000000000" pitchFamily="50" charset="-127"/>
+                <a:ea typeface="빙그레 메로나체" panose="020B0503000000000000" pitchFamily="50" charset="-127"/>
               </a:rPr>
               <a:t>useState</a:t>
             </a:r>
@@ -10291,7 +15324,8 @@
                   <a:srgbClr val="F07178"/>
                 </a:solidFill>
                 <a:effectLst/>
-                <a:latin typeface="Consolas" panose="020B0609020204030204" pitchFamily="49" charset="0"/>
+                <a:latin typeface="빙그레 메로나체" panose="020B0503000000000000" pitchFamily="50" charset="-127"/>
+                <a:ea typeface="빙그레 메로나체" panose="020B0503000000000000" pitchFamily="50" charset="-127"/>
               </a:rPr>
               <a:t>(</a:t>
             </a:r>
@@ -10301,7 +15335,8 @@
                   <a:srgbClr val="F78C6C"/>
                 </a:solidFill>
                 <a:effectLst/>
-                <a:latin typeface="Consolas" panose="020B0609020204030204" pitchFamily="49" charset="0"/>
+                <a:latin typeface="빙그레 메로나체" panose="020B0503000000000000" pitchFamily="50" charset="-127"/>
+                <a:ea typeface="빙그레 메로나체" panose="020B0503000000000000" pitchFamily="50" charset="-127"/>
               </a:rPr>
               <a:t>0</a:t>
             </a:r>
@@ -10311,7 +15346,8 @@
                   <a:srgbClr val="F07178"/>
                 </a:solidFill>
                 <a:effectLst/>
-                <a:latin typeface="Consolas" panose="020B0609020204030204" pitchFamily="49" charset="0"/>
+                <a:latin typeface="빙그레 메로나체" panose="020B0503000000000000" pitchFamily="50" charset="-127"/>
+                <a:ea typeface="빙그레 메로나체" panose="020B0503000000000000" pitchFamily="50" charset="-127"/>
               </a:rPr>
               <a:t>)</a:t>
             </a:r>
@@ -10321,7 +15357,8 @@
                   <a:srgbClr val="89DDFF"/>
                 </a:solidFill>
                 <a:effectLst/>
-                <a:latin typeface="Consolas" panose="020B0609020204030204" pitchFamily="49" charset="0"/>
+                <a:latin typeface="빙그레 메로나체" panose="020B0503000000000000" pitchFamily="50" charset="-127"/>
+                <a:ea typeface="빙그레 메로나체" panose="020B0503000000000000" pitchFamily="50" charset="-127"/>
               </a:rPr>
               <a:t>;</a:t>
             </a:r>
@@ -10330,7 +15367,8 @@
                 <a:srgbClr val="EEFFFF"/>
               </a:solidFill>
               <a:effectLst/>
-              <a:latin typeface="Consolas" panose="020B0609020204030204" pitchFamily="49" charset="0"/>
+              <a:latin typeface="빙그레 메로나체" panose="020B0503000000000000" pitchFamily="50" charset="-127"/>
+              <a:ea typeface="빙그레 메로나체" panose="020B0503000000000000" pitchFamily="50" charset="-127"/>
             </a:endParaRPr>
           </a:p>
           <a:p>
@@ -10340,7 +15378,8 @@
                   <a:srgbClr val="F07178"/>
                 </a:solidFill>
                 <a:effectLst/>
-                <a:latin typeface="Consolas" panose="020B0609020204030204" pitchFamily="49" charset="0"/>
+                <a:latin typeface="빙그레 메로나체" panose="020B0503000000000000" pitchFamily="50" charset="-127"/>
+                <a:ea typeface="빙그레 메로나체" panose="020B0503000000000000" pitchFamily="50" charset="-127"/>
               </a:rPr>
               <a:t>  </a:t>
             </a:r>
@@ -10350,7 +15389,8 @@
                   <a:srgbClr val="C792EA"/>
                 </a:solidFill>
                 <a:effectLst/>
-                <a:latin typeface="Consolas" panose="020B0609020204030204" pitchFamily="49" charset="0"/>
+                <a:latin typeface="빙그레 메로나체" panose="020B0503000000000000" pitchFamily="50" charset="-127"/>
+                <a:ea typeface="빙그레 메로나체" panose="020B0503000000000000" pitchFamily="50" charset="-127"/>
               </a:rPr>
               <a:t>const</a:t>
             </a:r>
@@ -10360,7 +15400,8 @@
                   <a:srgbClr val="F07178"/>
                 </a:solidFill>
                 <a:effectLst/>
-                <a:latin typeface="Consolas" panose="020B0609020204030204" pitchFamily="49" charset="0"/>
+                <a:latin typeface="빙그레 메로나체" panose="020B0503000000000000" pitchFamily="50" charset="-127"/>
+                <a:ea typeface="빙그레 메로나체" panose="020B0503000000000000" pitchFamily="50" charset="-127"/>
               </a:rPr>
               <a:t> </a:t>
             </a:r>
@@ -10370,7 +15411,8 @@
                   <a:srgbClr val="82AAFF"/>
                 </a:solidFill>
                 <a:effectLst/>
-                <a:latin typeface="Consolas" panose="020B0609020204030204" pitchFamily="49" charset="0"/>
+                <a:latin typeface="빙그레 메로나체" panose="020B0503000000000000" pitchFamily="50" charset="-127"/>
+                <a:ea typeface="빙그레 메로나체" panose="020B0503000000000000" pitchFamily="50" charset="-127"/>
               </a:rPr>
               <a:t>counter</a:t>
             </a:r>
@@ -10380,7 +15422,8 @@
                   <a:srgbClr val="F07178"/>
                 </a:solidFill>
                 <a:effectLst/>
-                <a:latin typeface="Consolas" panose="020B0609020204030204" pitchFamily="49" charset="0"/>
+                <a:latin typeface="빙그레 메로나체" panose="020B0503000000000000" pitchFamily="50" charset="-127"/>
+                <a:ea typeface="빙그레 메로나체" panose="020B0503000000000000" pitchFamily="50" charset="-127"/>
               </a:rPr>
               <a:t> </a:t>
             </a:r>
@@ -10390,7 +15433,8 @@
                   <a:srgbClr val="89DDFF"/>
                 </a:solidFill>
                 <a:effectLst/>
-                <a:latin typeface="Consolas" panose="020B0609020204030204" pitchFamily="49" charset="0"/>
+                <a:latin typeface="빙그레 메로나체" panose="020B0503000000000000" pitchFamily="50" charset="-127"/>
+                <a:ea typeface="빙그레 메로나체" panose="020B0503000000000000" pitchFamily="50" charset="-127"/>
               </a:rPr>
               <a:t>=</a:t>
             </a:r>
@@ -10400,7 +15444,8 @@
                   <a:srgbClr val="F07178"/>
                 </a:solidFill>
                 <a:effectLst/>
-                <a:latin typeface="Consolas" panose="020B0609020204030204" pitchFamily="49" charset="0"/>
+                <a:latin typeface="빙그레 메로나체" panose="020B0503000000000000" pitchFamily="50" charset="-127"/>
+                <a:ea typeface="빙그레 메로나체" panose="020B0503000000000000" pitchFamily="50" charset="-127"/>
               </a:rPr>
               <a:t> </a:t>
             </a:r>
@@ -10410,7 +15455,8 @@
                   <a:srgbClr val="89DDFF"/>
                 </a:solidFill>
                 <a:effectLst/>
-                <a:latin typeface="Consolas" panose="020B0609020204030204" pitchFamily="49" charset="0"/>
+                <a:latin typeface="빙그레 메로나체" panose="020B0503000000000000" pitchFamily="50" charset="-127"/>
+                <a:ea typeface="빙그레 메로나체" panose="020B0503000000000000" pitchFamily="50" charset="-127"/>
               </a:rPr>
               <a:t>()</a:t>
             </a:r>
@@ -10420,7 +15466,8 @@
                   <a:srgbClr val="F07178"/>
                 </a:solidFill>
                 <a:effectLst/>
-                <a:latin typeface="Consolas" panose="020B0609020204030204" pitchFamily="49" charset="0"/>
+                <a:latin typeface="빙그레 메로나체" panose="020B0503000000000000" pitchFamily="50" charset="-127"/>
+                <a:ea typeface="빙그레 메로나체" panose="020B0503000000000000" pitchFamily="50" charset="-127"/>
               </a:rPr>
               <a:t> </a:t>
             </a:r>
@@ -10430,7 +15477,8 @@
                   <a:srgbClr val="C792EA"/>
                 </a:solidFill>
                 <a:effectLst/>
-                <a:latin typeface="Consolas" panose="020B0609020204030204" pitchFamily="49" charset="0"/>
+                <a:latin typeface="빙그레 메로나체" panose="020B0503000000000000" pitchFamily="50" charset="-127"/>
+                <a:ea typeface="빙그레 메로나체" panose="020B0503000000000000" pitchFamily="50" charset="-127"/>
               </a:rPr>
               <a:t>=&gt;</a:t>
             </a:r>
@@ -10440,7 +15488,8 @@
                   <a:srgbClr val="F07178"/>
                 </a:solidFill>
                 <a:effectLst/>
-                <a:latin typeface="Consolas" panose="020B0609020204030204" pitchFamily="49" charset="0"/>
+                <a:latin typeface="빙그레 메로나체" panose="020B0503000000000000" pitchFamily="50" charset="-127"/>
+                <a:ea typeface="빙그레 메로나체" panose="020B0503000000000000" pitchFamily="50" charset="-127"/>
               </a:rPr>
               <a:t> </a:t>
             </a:r>
@@ -10450,7 +15499,8 @@
                   <a:srgbClr val="82AAFF"/>
                 </a:solidFill>
                 <a:effectLst/>
-                <a:latin typeface="Consolas" panose="020B0609020204030204" pitchFamily="49" charset="0"/>
+                <a:latin typeface="빙그레 메로나체" panose="020B0503000000000000" pitchFamily="50" charset="-127"/>
+                <a:ea typeface="빙그레 메로나체" panose="020B0503000000000000" pitchFamily="50" charset="-127"/>
               </a:rPr>
               <a:t>setCount</a:t>
             </a:r>
@@ -10460,7 +15510,8 @@
                   <a:srgbClr val="F07178"/>
                 </a:solidFill>
                 <a:effectLst/>
-                <a:latin typeface="Consolas" panose="020B0609020204030204" pitchFamily="49" charset="0"/>
+                <a:latin typeface="빙그레 메로나체" panose="020B0503000000000000" pitchFamily="50" charset="-127"/>
+                <a:ea typeface="빙그레 메로나체" panose="020B0503000000000000" pitchFamily="50" charset="-127"/>
               </a:rPr>
               <a:t>(</a:t>
             </a:r>
@@ -10470,7 +15521,8 @@
                   <a:srgbClr val="EEFFFF"/>
                 </a:solidFill>
                 <a:effectLst/>
-                <a:latin typeface="Consolas" panose="020B0609020204030204" pitchFamily="49" charset="0"/>
+                <a:latin typeface="빙그레 메로나체" panose="020B0503000000000000" pitchFamily="50" charset="-127"/>
+                <a:ea typeface="빙그레 메로나체" panose="020B0503000000000000" pitchFamily="50" charset="-127"/>
               </a:rPr>
               <a:t>count</a:t>
             </a:r>
@@ -10480,7 +15532,8 @@
                   <a:srgbClr val="F07178"/>
                 </a:solidFill>
                 <a:effectLst/>
-                <a:latin typeface="Consolas" panose="020B0609020204030204" pitchFamily="49" charset="0"/>
+                <a:latin typeface="빙그레 메로나체" panose="020B0503000000000000" pitchFamily="50" charset="-127"/>
+                <a:ea typeface="빙그레 메로나체" panose="020B0503000000000000" pitchFamily="50" charset="-127"/>
               </a:rPr>
               <a:t> </a:t>
             </a:r>
@@ -10490,7 +15543,8 @@
                   <a:srgbClr val="89DDFF"/>
                 </a:solidFill>
                 <a:effectLst/>
-                <a:latin typeface="Consolas" panose="020B0609020204030204" pitchFamily="49" charset="0"/>
+                <a:latin typeface="빙그레 메로나체" panose="020B0503000000000000" pitchFamily="50" charset="-127"/>
+                <a:ea typeface="빙그레 메로나체" panose="020B0503000000000000" pitchFamily="50" charset="-127"/>
               </a:rPr>
               <a:t>+</a:t>
             </a:r>
@@ -10500,7 +15554,8 @@
                   <a:srgbClr val="F07178"/>
                 </a:solidFill>
                 <a:effectLst/>
-                <a:latin typeface="Consolas" panose="020B0609020204030204" pitchFamily="49" charset="0"/>
+                <a:latin typeface="빙그레 메로나체" panose="020B0503000000000000" pitchFamily="50" charset="-127"/>
+                <a:ea typeface="빙그레 메로나체" panose="020B0503000000000000" pitchFamily="50" charset="-127"/>
               </a:rPr>
               <a:t> </a:t>
             </a:r>
@@ -10510,7 +15565,8 @@
                   <a:srgbClr val="F78C6C"/>
                 </a:solidFill>
                 <a:effectLst/>
-                <a:latin typeface="Consolas" panose="020B0609020204030204" pitchFamily="49" charset="0"/>
+                <a:latin typeface="빙그레 메로나체" panose="020B0503000000000000" pitchFamily="50" charset="-127"/>
+                <a:ea typeface="빙그레 메로나체" panose="020B0503000000000000" pitchFamily="50" charset="-127"/>
               </a:rPr>
               <a:t>1</a:t>
             </a:r>
@@ -10520,7 +15576,8 @@
                   <a:srgbClr val="F07178"/>
                 </a:solidFill>
                 <a:effectLst/>
-                <a:latin typeface="Consolas" panose="020B0609020204030204" pitchFamily="49" charset="0"/>
+                <a:latin typeface="빙그레 메로나체" panose="020B0503000000000000" pitchFamily="50" charset="-127"/>
+                <a:ea typeface="빙그레 메로나체" panose="020B0503000000000000" pitchFamily="50" charset="-127"/>
               </a:rPr>
               <a:t>)</a:t>
             </a:r>
@@ -10530,7 +15587,8 @@
                   <a:srgbClr val="89DDFF"/>
                 </a:solidFill>
                 <a:effectLst/>
-                <a:latin typeface="Consolas" panose="020B0609020204030204" pitchFamily="49" charset="0"/>
+                <a:latin typeface="빙그레 메로나체" panose="020B0503000000000000" pitchFamily="50" charset="-127"/>
+                <a:ea typeface="빙그레 메로나체" panose="020B0503000000000000" pitchFamily="50" charset="-127"/>
               </a:rPr>
               <a:t>;</a:t>
             </a:r>
@@ -10539,7 +15597,8 @@
                 <a:srgbClr val="EEFFFF"/>
               </a:solidFill>
               <a:effectLst/>
-              <a:latin typeface="Consolas" panose="020B0609020204030204" pitchFamily="49" charset="0"/>
+              <a:latin typeface="빙그레 메로나체" panose="020B0503000000000000" pitchFamily="50" charset="-127"/>
+              <a:ea typeface="빙그레 메로나체" panose="020B0503000000000000" pitchFamily="50" charset="-127"/>
             </a:endParaRPr>
           </a:p>
           <a:p>
@@ -10549,7 +15608,8 @@
                   <a:srgbClr val="EEFFFF"/>
                 </a:solidFill>
                 <a:effectLst/>
-                <a:latin typeface="Consolas" panose="020B0609020204030204" pitchFamily="49" charset="0"/>
+                <a:latin typeface="빙그레 메로나체" panose="020B0503000000000000" pitchFamily="50" charset="-127"/>
+                <a:ea typeface="빙그레 메로나체" panose="020B0503000000000000" pitchFamily="50" charset="-127"/>
               </a:rPr>
             </a:br>
             <a:r>
@@ -10558,7 +15618,8 @@
                   <a:srgbClr val="F07178"/>
                 </a:solidFill>
                 <a:effectLst/>
-                <a:latin typeface="Consolas" panose="020B0609020204030204" pitchFamily="49" charset="0"/>
+                <a:latin typeface="빙그레 메로나체" panose="020B0503000000000000" pitchFamily="50" charset="-127"/>
+                <a:ea typeface="빙그레 메로나체" panose="020B0503000000000000" pitchFamily="50" charset="-127"/>
               </a:rPr>
               <a:t>  </a:t>
             </a:r>
@@ -10568,7 +15629,8 @@
                   <a:srgbClr val="89DDFF"/>
                 </a:solidFill>
                 <a:effectLst/>
-                <a:latin typeface="Consolas" panose="020B0609020204030204" pitchFamily="49" charset="0"/>
+                <a:latin typeface="빙그레 메로나체" panose="020B0503000000000000" pitchFamily="50" charset="-127"/>
+                <a:ea typeface="빙그레 메로나체" panose="020B0503000000000000" pitchFamily="50" charset="-127"/>
               </a:rPr>
               <a:t>return</a:t>
             </a:r>
@@ -10578,7 +15640,8 @@
                   <a:srgbClr val="F07178"/>
                 </a:solidFill>
                 <a:effectLst/>
-                <a:latin typeface="Consolas" panose="020B0609020204030204" pitchFamily="49" charset="0"/>
+                <a:latin typeface="빙그레 메로나체" panose="020B0503000000000000" pitchFamily="50" charset="-127"/>
+                <a:ea typeface="빙그레 메로나체" panose="020B0503000000000000" pitchFamily="50" charset="-127"/>
               </a:rPr>
               <a:t> (</a:t>
             </a:r>
@@ -10587,7 +15650,8 @@
                 <a:srgbClr val="EEFFFF"/>
               </a:solidFill>
               <a:effectLst/>
-              <a:latin typeface="Consolas" panose="020B0609020204030204" pitchFamily="49" charset="0"/>
+              <a:latin typeface="빙그레 메로나체" panose="020B0503000000000000" pitchFamily="50" charset="-127"/>
+              <a:ea typeface="빙그레 메로나체" panose="020B0503000000000000" pitchFamily="50" charset="-127"/>
             </a:endParaRPr>
           </a:p>
           <a:p>
@@ -10597,7 +15661,8 @@
                   <a:srgbClr val="F07178"/>
                 </a:solidFill>
                 <a:effectLst/>
-                <a:latin typeface="Consolas" panose="020B0609020204030204" pitchFamily="49" charset="0"/>
+                <a:latin typeface="빙그레 메로나체" panose="020B0503000000000000" pitchFamily="50" charset="-127"/>
+                <a:ea typeface="빙그레 메로나체" panose="020B0503000000000000" pitchFamily="50" charset="-127"/>
               </a:rPr>
               <a:t>    </a:t>
             </a:r>
@@ -10607,7 +15672,8 @@
                   <a:srgbClr val="89DDFF"/>
                 </a:solidFill>
                 <a:effectLst/>
-                <a:latin typeface="Consolas" panose="020B0609020204030204" pitchFamily="49" charset="0"/>
+                <a:latin typeface="빙그레 메로나체" panose="020B0503000000000000" pitchFamily="50" charset="-127"/>
+                <a:ea typeface="빙그레 메로나체" panose="020B0503000000000000" pitchFamily="50" charset="-127"/>
               </a:rPr>
               <a:t>&lt;</a:t>
             </a:r>
@@ -10617,7 +15683,8 @@
                   <a:srgbClr val="F07178"/>
                 </a:solidFill>
                 <a:effectLst/>
-                <a:latin typeface="Consolas" panose="020B0609020204030204" pitchFamily="49" charset="0"/>
+                <a:latin typeface="빙그레 메로나체" panose="020B0503000000000000" pitchFamily="50" charset="-127"/>
+                <a:ea typeface="빙그레 메로나체" panose="020B0503000000000000" pitchFamily="50" charset="-127"/>
               </a:rPr>
               <a:t>div</a:t>
             </a:r>
@@ -10627,7 +15694,8 @@
                   <a:srgbClr val="89DDFF"/>
                 </a:solidFill>
                 <a:effectLst/>
-                <a:latin typeface="Consolas" panose="020B0609020204030204" pitchFamily="49" charset="0"/>
+                <a:latin typeface="빙그레 메로나체" panose="020B0503000000000000" pitchFamily="50" charset="-127"/>
+                <a:ea typeface="빙그레 메로나체" panose="020B0503000000000000" pitchFamily="50" charset="-127"/>
               </a:rPr>
               <a:t>&gt;</a:t>
             </a:r>
@@ -10636,7 +15704,8 @@
                 <a:srgbClr val="EEFFFF"/>
               </a:solidFill>
               <a:effectLst/>
-              <a:latin typeface="Consolas" panose="020B0609020204030204" pitchFamily="49" charset="0"/>
+              <a:latin typeface="빙그레 메로나체" panose="020B0503000000000000" pitchFamily="50" charset="-127"/>
+              <a:ea typeface="빙그레 메로나체" panose="020B0503000000000000" pitchFamily="50" charset="-127"/>
             </a:endParaRPr>
           </a:p>
           <a:p>
@@ -10646,7 +15715,8 @@
                   <a:srgbClr val="EEFFFF"/>
                 </a:solidFill>
                 <a:effectLst/>
-                <a:latin typeface="Consolas" panose="020B0609020204030204" pitchFamily="49" charset="0"/>
+                <a:latin typeface="빙그레 메로나체" panose="020B0503000000000000" pitchFamily="50" charset="-127"/>
+                <a:ea typeface="빙그레 메로나체" panose="020B0503000000000000" pitchFamily="50" charset="-127"/>
               </a:rPr>
               <a:t>      </a:t>
             </a:r>
@@ -10656,7 +15726,8 @@
                   <a:srgbClr val="89DDFF"/>
                 </a:solidFill>
                 <a:effectLst/>
-                <a:latin typeface="Consolas" panose="020B0609020204030204" pitchFamily="49" charset="0"/>
+                <a:latin typeface="빙그레 메로나체" panose="020B0503000000000000" pitchFamily="50" charset="-127"/>
+                <a:ea typeface="빙그레 메로나체" panose="020B0503000000000000" pitchFamily="50" charset="-127"/>
               </a:rPr>
               <a:t>&lt;</a:t>
             </a:r>
@@ -10666,7 +15737,8 @@
                   <a:srgbClr val="F07178"/>
                 </a:solidFill>
                 <a:effectLst/>
-                <a:latin typeface="Consolas" panose="020B0609020204030204" pitchFamily="49" charset="0"/>
+                <a:latin typeface="빙그레 메로나체" panose="020B0503000000000000" pitchFamily="50" charset="-127"/>
+                <a:ea typeface="빙그레 메로나체" panose="020B0503000000000000" pitchFamily="50" charset="-127"/>
               </a:rPr>
               <a:t>div</a:t>
             </a:r>
@@ -10676,7 +15748,8 @@
                   <a:srgbClr val="89DDFF"/>
                 </a:solidFill>
                 <a:effectLst/>
-                <a:latin typeface="Consolas" panose="020B0609020204030204" pitchFamily="49" charset="0"/>
+                <a:latin typeface="빙그레 메로나체" panose="020B0503000000000000" pitchFamily="50" charset="-127"/>
+                <a:ea typeface="빙그레 메로나체" panose="020B0503000000000000" pitchFamily="50" charset="-127"/>
               </a:rPr>
               <a:t>&gt;{</a:t>
             </a:r>
@@ -10686,7 +15759,8 @@
                   <a:srgbClr val="EEFFFF"/>
                 </a:solidFill>
                 <a:effectLst/>
-                <a:latin typeface="Consolas" panose="020B0609020204030204" pitchFamily="49" charset="0"/>
+                <a:latin typeface="빙그레 메로나체" panose="020B0503000000000000" pitchFamily="50" charset="-127"/>
+                <a:ea typeface="빙그레 메로나체" panose="020B0503000000000000" pitchFamily="50" charset="-127"/>
               </a:rPr>
               <a:t>count</a:t>
             </a:r>
@@ -10696,7 +15770,8 @@
                   <a:srgbClr val="89DDFF"/>
                 </a:solidFill>
                 <a:effectLst/>
-                <a:latin typeface="Consolas" panose="020B0609020204030204" pitchFamily="49" charset="0"/>
+                <a:latin typeface="빙그레 메로나체" panose="020B0503000000000000" pitchFamily="50" charset="-127"/>
+                <a:ea typeface="빙그레 메로나체" panose="020B0503000000000000" pitchFamily="50" charset="-127"/>
               </a:rPr>
               <a:t>}&lt;/</a:t>
             </a:r>
@@ -10706,7 +15781,8 @@
                   <a:srgbClr val="F07178"/>
                 </a:solidFill>
                 <a:effectLst/>
-                <a:latin typeface="Consolas" panose="020B0609020204030204" pitchFamily="49" charset="0"/>
+                <a:latin typeface="빙그레 메로나체" panose="020B0503000000000000" pitchFamily="50" charset="-127"/>
+                <a:ea typeface="빙그레 메로나체" panose="020B0503000000000000" pitchFamily="50" charset="-127"/>
               </a:rPr>
               <a:t>div</a:t>
             </a:r>
@@ -10716,7 +15792,8 @@
                   <a:srgbClr val="89DDFF"/>
                 </a:solidFill>
                 <a:effectLst/>
-                <a:latin typeface="Consolas" panose="020B0609020204030204" pitchFamily="49" charset="0"/>
+                <a:latin typeface="빙그레 메로나체" panose="020B0503000000000000" pitchFamily="50" charset="-127"/>
+                <a:ea typeface="빙그레 메로나체" panose="020B0503000000000000" pitchFamily="50" charset="-127"/>
               </a:rPr>
               <a:t>&gt;</a:t>
             </a:r>
@@ -10725,7 +15802,8 @@
                 <a:srgbClr val="EEFFFF"/>
               </a:solidFill>
               <a:effectLst/>
-              <a:latin typeface="Consolas" panose="020B0609020204030204" pitchFamily="49" charset="0"/>
+              <a:latin typeface="빙그레 메로나체" panose="020B0503000000000000" pitchFamily="50" charset="-127"/>
+              <a:ea typeface="빙그레 메로나체" panose="020B0503000000000000" pitchFamily="50" charset="-127"/>
             </a:endParaRPr>
           </a:p>
           <a:p>
@@ -10735,7 +15813,8 @@
                   <a:srgbClr val="EEFFFF"/>
                 </a:solidFill>
                 <a:effectLst/>
-                <a:latin typeface="Consolas" panose="020B0609020204030204" pitchFamily="49" charset="0"/>
+                <a:latin typeface="빙그레 메로나체" panose="020B0503000000000000" pitchFamily="50" charset="-127"/>
+                <a:ea typeface="빙그레 메로나체" panose="020B0503000000000000" pitchFamily="50" charset="-127"/>
               </a:rPr>
               <a:t>      </a:t>
             </a:r>
@@ -10745,7 +15824,8 @@
                   <a:srgbClr val="89DDFF"/>
                 </a:solidFill>
                 <a:effectLst/>
-                <a:latin typeface="Consolas" panose="020B0609020204030204" pitchFamily="49" charset="0"/>
+                <a:latin typeface="빙그레 메로나체" panose="020B0503000000000000" pitchFamily="50" charset="-127"/>
+                <a:ea typeface="빙그레 메로나체" panose="020B0503000000000000" pitchFamily="50" charset="-127"/>
               </a:rPr>
               <a:t>&lt;</a:t>
             </a:r>
@@ -10755,7 +15835,8 @@
                   <a:srgbClr val="F07178"/>
                 </a:solidFill>
                 <a:effectLst/>
-                <a:latin typeface="Consolas" panose="020B0609020204030204" pitchFamily="49" charset="0"/>
+                <a:latin typeface="빙그레 메로나체" panose="020B0503000000000000" pitchFamily="50" charset="-127"/>
+                <a:ea typeface="빙그레 메로나체" panose="020B0503000000000000" pitchFamily="50" charset="-127"/>
               </a:rPr>
               <a:t>button</a:t>
             </a:r>
@@ -10765,7 +15846,8 @@
                   <a:srgbClr val="89DDFF"/>
                 </a:solidFill>
                 <a:effectLst/>
-                <a:latin typeface="Consolas" panose="020B0609020204030204" pitchFamily="49" charset="0"/>
+                <a:latin typeface="빙그레 메로나체" panose="020B0503000000000000" pitchFamily="50" charset="-127"/>
+                <a:ea typeface="빙그레 메로나체" panose="020B0503000000000000" pitchFamily="50" charset="-127"/>
               </a:rPr>
               <a:t> </a:t>
             </a:r>
@@ -10775,7 +15857,8 @@
                   <a:srgbClr val="C792EA"/>
                 </a:solidFill>
                 <a:effectLst/>
-                <a:latin typeface="Consolas" panose="020B0609020204030204" pitchFamily="49" charset="0"/>
+                <a:latin typeface="빙그레 메로나체" panose="020B0503000000000000" pitchFamily="50" charset="-127"/>
+                <a:ea typeface="빙그레 메로나체" panose="020B0503000000000000" pitchFamily="50" charset="-127"/>
               </a:rPr>
               <a:t>onClick</a:t>
             </a:r>
@@ -10785,7 +15868,8 @@
                   <a:srgbClr val="89DDFF"/>
                 </a:solidFill>
                 <a:effectLst/>
-                <a:latin typeface="Consolas" panose="020B0609020204030204" pitchFamily="49" charset="0"/>
+                <a:latin typeface="빙그레 메로나체" panose="020B0503000000000000" pitchFamily="50" charset="-127"/>
+                <a:ea typeface="빙그레 메로나체" panose="020B0503000000000000" pitchFamily="50" charset="-127"/>
               </a:rPr>
               <a:t>={</a:t>
             </a:r>
@@ -10795,7 +15879,8 @@
                   <a:srgbClr val="82AAFF"/>
                 </a:solidFill>
                 <a:effectLst/>
-                <a:latin typeface="Consolas" panose="020B0609020204030204" pitchFamily="49" charset="0"/>
+                <a:latin typeface="빙그레 메로나체" panose="020B0503000000000000" pitchFamily="50" charset="-127"/>
+                <a:ea typeface="빙그레 메로나체" panose="020B0503000000000000" pitchFamily="50" charset="-127"/>
               </a:rPr>
               <a:t>counter</a:t>
             </a:r>
@@ -10805,7 +15890,8 @@
                   <a:srgbClr val="89DDFF"/>
                 </a:solidFill>
                 <a:effectLst/>
-                <a:latin typeface="Consolas" panose="020B0609020204030204" pitchFamily="49" charset="0"/>
+                <a:latin typeface="빙그레 메로나체" panose="020B0503000000000000" pitchFamily="50" charset="-127"/>
+                <a:ea typeface="빙그레 메로나체" panose="020B0503000000000000" pitchFamily="50" charset="-127"/>
               </a:rPr>
               <a:t>}&gt;</a:t>
             </a:r>
@@ -10815,7 +15901,8 @@
                   <a:srgbClr val="EEFFFF"/>
                 </a:solidFill>
                 <a:effectLst/>
-                <a:latin typeface="Consolas" panose="020B0609020204030204" pitchFamily="49" charset="0"/>
+                <a:latin typeface="빙그레 메로나체" panose="020B0503000000000000" pitchFamily="50" charset="-127"/>
+                <a:ea typeface="빙그레 메로나체" panose="020B0503000000000000" pitchFamily="50" charset="-127"/>
               </a:rPr>
               <a:t> Click </a:t>
             </a:r>
@@ -10825,7 +15912,8 @@
                   <a:srgbClr val="89DDFF"/>
                 </a:solidFill>
                 <a:effectLst/>
-                <a:latin typeface="Consolas" panose="020B0609020204030204" pitchFamily="49" charset="0"/>
+                <a:latin typeface="빙그레 메로나체" panose="020B0503000000000000" pitchFamily="50" charset="-127"/>
+                <a:ea typeface="빙그레 메로나체" panose="020B0503000000000000" pitchFamily="50" charset="-127"/>
               </a:rPr>
               <a:t>&lt;/</a:t>
             </a:r>
@@ -10835,7 +15923,8 @@
                   <a:srgbClr val="F07178"/>
                 </a:solidFill>
                 <a:effectLst/>
-                <a:latin typeface="Consolas" panose="020B0609020204030204" pitchFamily="49" charset="0"/>
+                <a:latin typeface="빙그레 메로나체" panose="020B0503000000000000" pitchFamily="50" charset="-127"/>
+                <a:ea typeface="빙그레 메로나체" panose="020B0503000000000000" pitchFamily="50" charset="-127"/>
               </a:rPr>
               <a:t>button</a:t>
             </a:r>
@@ -10845,7 +15934,8 @@
                   <a:srgbClr val="89DDFF"/>
                 </a:solidFill>
                 <a:effectLst/>
-                <a:latin typeface="Consolas" panose="020B0609020204030204" pitchFamily="49" charset="0"/>
+                <a:latin typeface="빙그레 메로나체" panose="020B0503000000000000" pitchFamily="50" charset="-127"/>
+                <a:ea typeface="빙그레 메로나체" panose="020B0503000000000000" pitchFamily="50" charset="-127"/>
               </a:rPr>
               <a:t>&gt;</a:t>
             </a:r>
@@ -10854,7 +15944,8 @@
                 <a:srgbClr val="EEFFFF"/>
               </a:solidFill>
               <a:effectLst/>
-              <a:latin typeface="Consolas" panose="020B0609020204030204" pitchFamily="49" charset="0"/>
+              <a:latin typeface="빙그레 메로나체" panose="020B0503000000000000" pitchFamily="50" charset="-127"/>
+              <a:ea typeface="빙그레 메로나체" panose="020B0503000000000000" pitchFamily="50" charset="-127"/>
             </a:endParaRPr>
           </a:p>
           <a:p>
@@ -10864,7 +15955,8 @@
                   <a:srgbClr val="EEFFFF"/>
                 </a:solidFill>
                 <a:effectLst/>
-                <a:latin typeface="Consolas" panose="020B0609020204030204" pitchFamily="49" charset="0"/>
+                <a:latin typeface="빙그레 메로나체" panose="020B0503000000000000" pitchFamily="50" charset="-127"/>
+                <a:ea typeface="빙그레 메로나체" panose="020B0503000000000000" pitchFamily="50" charset="-127"/>
               </a:rPr>
               <a:t>    </a:t>
             </a:r>
@@ -10874,7 +15966,8 @@
                   <a:srgbClr val="89DDFF"/>
                 </a:solidFill>
                 <a:effectLst/>
-                <a:latin typeface="Consolas" panose="020B0609020204030204" pitchFamily="49" charset="0"/>
+                <a:latin typeface="빙그레 메로나체" panose="020B0503000000000000" pitchFamily="50" charset="-127"/>
+                <a:ea typeface="빙그레 메로나체" panose="020B0503000000000000" pitchFamily="50" charset="-127"/>
               </a:rPr>
               <a:t>&lt;/</a:t>
             </a:r>
@@ -10884,7 +15977,8 @@
                   <a:srgbClr val="F07178"/>
                 </a:solidFill>
                 <a:effectLst/>
-                <a:latin typeface="Consolas" panose="020B0609020204030204" pitchFamily="49" charset="0"/>
+                <a:latin typeface="빙그레 메로나체" panose="020B0503000000000000" pitchFamily="50" charset="-127"/>
+                <a:ea typeface="빙그레 메로나체" panose="020B0503000000000000" pitchFamily="50" charset="-127"/>
               </a:rPr>
               <a:t>div</a:t>
             </a:r>
@@ -10894,7 +15988,8 @@
                   <a:srgbClr val="89DDFF"/>
                 </a:solidFill>
                 <a:effectLst/>
-                <a:latin typeface="Consolas" panose="020B0609020204030204" pitchFamily="49" charset="0"/>
+                <a:latin typeface="빙그레 메로나체" panose="020B0503000000000000" pitchFamily="50" charset="-127"/>
+                <a:ea typeface="빙그레 메로나체" panose="020B0503000000000000" pitchFamily="50" charset="-127"/>
               </a:rPr>
               <a:t>&gt;</a:t>
             </a:r>
@@ -10903,7 +15998,8 @@
                 <a:srgbClr val="EEFFFF"/>
               </a:solidFill>
               <a:effectLst/>
-              <a:latin typeface="Consolas" panose="020B0609020204030204" pitchFamily="49" charset="0"/>
+              <a:latin typeface="빙그레 메로나체" panose="020B0503000000000000" pitchFamily="50" charset="-127"/>
+              <a:ea typeface="빙그레 메로나체" panose="020B0503000000000000" pitchFamily="50" charset="-127"/>
             </a:endParaRPr>
           </a:p>
           <a:p>
@@ -10913,7 +16009,8 @@
                   <a:srgbClr val="F07178"/>
                 </a:solidFill>
                 <a:effectLst/>
-                <a:latin typeface="Consolas" panose="020B0609020204030204" pitchFamily="49" charset="0"/>
+                <a:latin typeface="빙그레 메로나체" panose="020B0503000000000000" pitchFamily="50" charset="-127"/>
+                <a:ea typeface="빙그레 메로나체" panose="020B0503000000000000" pitchFamily="50" charset="-127"/>
               </a:rPr>
               <a:t>  )</a:t>
             </a:r>
@@ -10923,7 +16020,8 @@
                   <a:srgbClr val="89DDFF"/>
                 </a:solidFill>
                 <a:effectLst/>
-                <a:latin typeface="Consolas" panose="020B0609020204030204" pitchFamily="49" charset="0"/>
+                <a:latin typeface="빙그레 메로나체" panose="020B0503000000000000" pitchFamily="50" charset="-127"/>
+                <a:ea typeface="빙그레 메로나체" panose="020B0503000000000000" pitchFamily="50" charset="-127"/>
               </a:rPr>
               <a:t>;</a:t>
             </a:r>
@@ -10932,7 +16030,8 @@
                 <a:srgbClr val="EEFFFF"/>
               </a:solidFill>
               <a:effectLst/>
-              <a:latin typeface="Consolas" panose="020B0609020204030204" pitchFamily="49" charset="0"/>
+              <a:latin typeface="빙그레 메로나체" panose="020B0503000000000000" pitchFamily="50" charset="-127"/>
+              <a:ea typeface="빙그레 메로나체" panose="020B0503000000000000" pitchFamily="50" charset="-127"/>
             </a:endParaRPr>
           </a:p>
           <a:p>
@@ -10942,7 +16041,8 @@
                   <a:srgbClr val="89DDFF"/>
                 </a:solidFill>
                 <a:effectLst/>
-                <a:latin typeface="Consolas" panose="020B0609020204030204" pitchFamily="49" charset="0"/>
+                <a:latin typeface="빙그레 메로나체" panose="020B0503000000000000" pitchFamily="50" charset="-127"/>
+                <a:ea typeface="빙그레 메로나체" panose="020B0503000000000000" pitchFamily="50" charset="-127"/>
               </a:rPr>
               <a:t>};</a:t>
             </a:r>
@@ -10951,7 +16051,8 @@
                 <a:srgbClr val="EEFFFF"/>
               </a:solidFill>
               <a:effectLst/>
-              <a:latin typeface="Consolas" panose="020B0609020204030204" pitchFamily="49" charset="0"/>
+              <a:latin typeface="빙그레 메로나체" panose="020B0503000000000000" pitchFamily="50" charset="-127"/>
+              <a:ea typeface="빙그레 메로나체" panose="020B0503000000000000" pitchFamily="50" charset="-127"/>
             </a:endParaRPr>
           </a:p>
           <a:p>
@@ -10961,7 +16062,8 @@
                   <a:srgbClr val="EEFFFF"/>
                 </a:solidFill>
                 <a:effectLst/>
-                <a:latin typeface="Consolas" panose="020B0609020204030204" pitchFamily="49" charset="0"/>
+                <a:latin typeface="빙그레 메로나체" panose="020B0503000000000000" pitchFamily="50" charset="-127"/>
+                <a:ea typeface="빙그레 메로나체" panose="020B0503000000000000" pitchFamily="50" charset="-127"/>
               </a:rPr>
             </a:br>
             <a:r>
@@ -10970,7 +16072,8 @@
                   <a:srgbClr val="89DDFF"/>
                 </a:solidFill>
                 <a:effectLst/>
-                <a:latin typeface="Consolas" panose="020B0609020204030204" pitchFamily="49" charset="0"/>
+                <a:latin typeface="빙그레 메로나체" panose="020B0503000000000000" pitchFamily="50" charset="-127"/>
+                <a:ea typeface="빙그레 메로나체" panose="020B0503000000000000" pitchFamily="50" charset="-127"/>
               </a:rPr>
               <a:t>export</a:t>
             </a:r>
@@ -10980,7 +16083,8 @@
                   <a:srgbClr val="EEFFFF"/>
                 </a:solidFill>
                 <a:effectLst/>
-                <a:latin typeface="Consolas" panose="020B0609020204030204" pitchFamily="49" charset="0"/>
+                <a:latin typeface="빙그레 메로나체" panose="020B0503000000000000" pitchFamily="50" charset="-127"/>
+                <a:ea typeface="빙그레 메로나체" panose="020B0503000000000000" pitchFamily="50" charset="-127"/>
               </a:rPr>
               <a:t> </a:t>
             </a:r>
@@ -10990,7 +16094,8 @@
                   <a:srgbClr val="89DDFF"/>
                 </a:solidFill>
                 <a:effectLst/>
-                <a:latin typeface="Consolas" panose="020B0609020204030204" pitchFamily="49" charset="0"/>
+                <a:latin typeface="빙그레 메로나체" panose="020B0503000000000000" pitchFamily="50" charset="-127"/>
+                <a:ea typeface="빙그레 메로나체" panose="020B0503000000000000" pitchFamily="50" charset="-127"/>
               </a:rPr>
               <a:t>default</a:t>
             </a:r>
@@ -11000,7 +16105,8 @@
                   <a:srgbClr val="EEFFFF"/>
                 </a:solidFill>
                 <a:effectLst/>
-                <a:latin typeface="Consolas" panose="020B0609020204030204" pitchFamily="49" charset="0"/>
+                <a:latin typeface="빙그레 메로나체" panose="020B0503000000000000" pitchFamily="50" charset="-127"/>
+                <a:ea typeface="빙그레 메로나체" panose="020B0503000000000000" pitchFamily="50" charset="-127"/>
               </a:rPr>
               <a:t> </a:t>
             </a:r>
@@ -11010,7 +16116,8 @@
                   <a:srgbClr val="82AAFF"/>
                 </a:solidFill>
                 <a:effectLst/>
-                <a:latin typeface="Consolas" panose="020B0609020204030204" pitchFamily="49" charset="0"/>
+                <a:latin typeface="빙그레 메로나체" panose="020B0503000000000000" pitchFamily="50" charset="-127"/>
+                <a:ea typeface="빙그레 메로나체" panose="020B0503000000000000" pitchFamily="50" charset="-127"/>
               </a:rPr>
               <a:t>App</a:t>
             </a:r>
@@ -11020,7 +16127,8 @@
                   <a:srgbClr val="89DDFF"/>
                 </a:solidFill>
                 <a:effectLst/>
-                <a:latin typeface="Consolas" panose="020B0609020204030204" pitchFamily="49" charset="0"/>
+                <a:latin typeface="빙그레 메로나체" panose="020B0503000000000000" pitchFamily="50" charset="-127"/>
+                <a:ea typeface="빙그레 메로나체" panose="020B0503000000000000" pitchFamily="50" charset="-127"/>
               </a:rPr>
               <a:t>;</a:t>
             </a:r>
@@ -11029,7 +16137,8 @@
                 <a:srgbClr val="EEFFFF"/>
               </a:solidFill>
               <a:effectLst/>
-              <a:latin typeface="Consolas" panose="020B0609020204030204" pitchFamily="49" charset="0"/>
+              <a:latin typeface="빙그레 메로나체" panose="020B0503000000000000" pitchFamily="50" charset="-127"/>
+              <a:ea typeface="빙그레 메로나체" panose="020B0503000000000000" pitchFamily="50" charset="-127"/>
             </a:endParaRPr>
           </a:p>
         </p:txBody>
@@ -11056,8 +16165,8 @@
         </p:blipFill>
         <p:spPr>
           <a:xfrm>
-            <a:off x="8412480" y="2715483"/>
-            <a:ext cx="2391109" cy="2210108"/>
+            <a:off x="7918599" y="3368707"/>
+            <a:ext cx="1581002" cy="1461324"/>
           </a:xfrm>
           <a:prstGeom prst="rect">
             <a:avLst/>
@@ -11083,7 +16192,7 @@
         </p:nvSpPr>
         <p:spPr>
           <a:xfrm>
-            <a:off x="605118" y="6339819"/>
+            <a:off x="383894" y="6516795"/>
             <a:ext cx="10636623" cy="276999"/>
           </a:xfrm>
           <a:prstGeom prst="rect">
@@ -11110,6 +16219,274 @@
                 <a:ea typeface="빙그레 메로나체" panose="020B0503000000000000" pitchFamily="50" charset="-127"/>
               </a:rPr>
               <a:t>* destructuring assignment : JavaScript expressions that allow you to decompose an array or object's properties and hold their values in individual variables.</a:t>
+            </a:r>
+          </a:p>
+        </p:txBody>
+      </p:sp>
+      <p:sp>
+        <p:nvSpPr>
+          <p:cNvPr id="7" name="Rectangle 2">
+            <a:extLst>
+              <a:ext uri="{FF2B5EF4-FFF2-40B4-BE49-F238E27FC236}">
+                <a16:creationId xmlns:a16="http://schemas.microsoft.com/office/drawing/2014/main" id="{F933EFC1-89A3-4FEB-A2EE-0BB91A372E49}"/>
+              </a:ext>
+            </a:extLst>
+          </p:cNvPr>
+          <p:cNvSpPr>
+            <a:spLocks noChangeArrowheads="1"/>
+          </p:cNvSpPr>
+          <p:nvPr/>
+        </p:nvSpPr>
+        <p:spPr bwMode="auto">
+          <a:xfrm>
+            <a:off x="3665987" y="1775531"/>
+            <a:ext cx="4860025" cy="276999"/>
+          </a:xfrm>
+          <a:prstGeom prst="rect">
+            <a:avLst/>
+          </a:prstGeom>
+          <a:solidFill>
+            <a:schemeClr val="tx1"/>
+          </a:solidFill>
+          <a:ln>
+            <a:noFill/>
+          </a:ln>
+          <a:effectLst/>
+        </p:spPr>
+        <p:txBody>
+          <a:bodyPr vert="horz" wrap="square" lIns="0" tIns="0" rIns="0" bIns="0" numCol="1" anchor="ctr" anchorCtr="0" compatLnSpc="1">
+            <a:prstTxWarp prst="textNoShape">
+              <a:avLst/>
+            </a:prstTxWarp>
+            <a:spAutoFit/>
+          </a:bodyPr>
+          <a:lstStyle/>
+          <a:p>
+            <a:pPr marL="0" marR="0" lvl="0" indent="0" algn="ctr" defTabSz="914400" rtl="0" eaLnBrk="0" fontAlgn="base" latinLnBrk="0" hangingPunct="0">
+              <a:lnSpc>
+                <a:spcPct val="100000"/>
+              </a:lnSpc>
+              <a:spcBef>
+                <a:spcPct val="0"/>
+              </a:spcBef>
+              <a:spcAft>
+                <a:spcPct val="0"/>
+              </a:spcAft>
+              <a:buClrTx/>
+              <a:buSzTx/>
+              <a:buFontTx/>
+              <a:buNone/>
+              <a:tabLst/>
+            </a:pPr>
+            <a:r>
+              <a:rPr kumimoji="0" lang="ko-KR" altLang="ko-KR" b="0" i="0" u="none" strike="noStrike" cap="none" normalizeH="0" baseline="0">
+                <a:ln>
+                  <a:noFill/>
+                </a:ln>
+                <a:solidFill>
+                  <a:srgbClr val="C5A5C5"/>
+                </a:solidFill>
+                <a:effectLst/>
+                <a:latin typeface="빙그레 메로나체" panose="020B0503000000000000" pitchFamily="50" charset="-127"/>
+                <a:ea typeface="source-code-pro"/>
+              </a:rPr>
+              <a:t>const</a:t>
+            </a:r>
+            <a:r>
+              <a:rPr kumimoji="0" lang="ko-KR" altLang="ko-KR" b="0" i="0" u="none" strike="noStrike" cap="none" normalizeH="0" baseline="0">
+                <a:ln>
+                  <a:noFill/>
+                </a:ln>
+                <a:solidFill>
+                  <a:srgbClr val="FFFFFF"/>
+                </a:solidFill>
+                <a:effectLst/>
+                <a:latin typeface="빙그레 메로나체" panose="020B0503000000000000" pitchFamily="50" charset="-127"/>
+                <a:ea typeface="source-code-pro"/>
+              </a:rPr>
+              <a:t> </a:t>
+            </a:r>
+            <a:r>
+              <a:rPr kumimoji="0" lang="ko-KR" altLang="ko-KR" b="0" i="0" u="none" strike="noStrike" cap="none" normalizeH="0" baseline="0">
+                <a:ln>
+                  <a:noFill/>
+                </a:ln>
+                <a:solidFill>
+                  <a:srgbClr val="88C6BE"/>
+                </a:solidFill>
+                <a:effectLst/>
+                <a:latin typeface="빙그레 메로나체" panose="020B0503000000000000" pitchFamily="50" charset="-127"/>
+                <a:ea typeface="source-code-pro"/>
+              </a:rPr>
+              <a:t>[</a:t>
+            </a:r>
+            <a:r>
+              <a:rPr kumimoji="0" lang="ko-KR" altLang="ko-KR" b="0" i="0" u="none" strike="noStrike" cap="none" normalizeH="0" baseline="0">
+                <a:ln>
+                  <a:noFill/>
+                </a:ln>
+                <a:solidFill>
+                  <a:srgbClr val="FFFFFF"/>
+                </a:solidFill>
+                <a:effectLst/>
+                <a:latin typeface="빙그레 메로나체" panose="020B0503000000000000" pitchFamily="50" charset="-127"/>
+                <a:ea typeface="source-code-pro"/>
+              </a:rPr>
+              <a:t>state</a:t>
+            </a:r>
+            <a:r>
+              <a:rPr kumimoji="0" lang="ko-KR" altLang="ko-KR" b="0" i="0" u="none" strike="noStrike" cap="none" normalizeH="0" baseline="0">
+                <a:ln>
+                  <a:noFill/>
+                </a:ln>
+                <a:solidFill>
+                  <a:srgbClr val="88C6BE"/>
+                </a:solidFill>
+                <a:effectLst/>
+                <a:latin typeface="빙그레 메로나체" panose="020B0503000000000000" pitchFamily="50" charset="-127"/>
+                <a:ea typeface="source-code-pro"/>
+              </a:rPr>
+              <a:t>,</a:t>
+            </a:r>
+            <a:r>
+              <a:rPr kumimoji="0" lang="ko-KR" altLang="ko-KR" b="0" i="0" u="none" strike="noStrike" cap="none" normalizeH="0" baseline="0">
+                <a:ln>
+                  <a:noFill/>
+                </a:ln>
+                <a:solidFill>
+                  <a:srgbClr val="FFFFFF"/>
+                </a:solidFill>
+                <a:effectLst/>
+                <a:latin typeface="빙그레 메로나체" panose="020B0503000000000000" pitchFamily="50" charset="-127"/>
+                <a:ea typeface="source-code-pro"/>
+              </a:rPr>
+              <a:t> setState</a:t>
+            </a:r>
+            <a:r>
+              <a:rPr kumimoji="0" lang="ko-KR" altLang="ko-KR" b="0" i="0" u="none" strike="noStrike" cap="none" normalizeH="0" baseline="0">
+                <a:ln>
+                  <a:noFill/>
+                </a:ln>
+                <a:solidFill>
+                  <a:srgbClr val="88C6BE"/>
+                </a:solidFill>
+                <a:effectLst/>
+                <a:latin typeface="빙그레 메로나체" panose="020B0503000000000000" pitchFamily="50" charset="-127"/>
+                <a:ea typeface="source-code-pro"/>
+              </a:rPr>
+              <a:t>]</a:t>
+            </a:r>
+            <a:r>
+              <a:rPr kumimoji="0" lang="ko-KR" altLang="ko-KR" b="0" i="0" u="none" strike="noStrike" cap="none" normalizeH="0" baseline="0">
+                <a:ln>
+                  <a:noFill/>
+                </a:ln>
+                <a:solidFill>
+                  <a:srgbClr val="FFFFFF"/>
+                </a:solidFill>
+                <a:effectLst/>
+                <a:latin typeface="빙그레 메로나체" panose="020B0503000000000000" pitchFamily="50" charset="-127"/>
+                <a:ea typeface="source-code-pro"/>
+              </a:rPr>
+              <a:t> </a:t>
+            </a:r>
+            <a:r>
+              <a:rPr kumimoji="0" lang="ko-KR" altLang="ko-KR" b="0" i="0" u="none" strike="noStrike" cap="none" normalizeH="0" baseline="0">
+                <a:ln>
+                  <a:noFill/>
+                </a:ln>
+                <a:solidFill>
+                  <a:srgbClr val="D7DEEA"/>
+                </a:solidFill>
+                <a:effectLst/>
+                <a:latin typeface="빙그레 메로나체" panose="020B0503000000000000" pitchFamily="50" charset="-127"/>
+                <a:ea typeface="source-code-pro"/>
+              </a:rPr>
+              <a:t>=</a:t>
+            </a:r>
+            <a:r>
+              <a:rPr kumimoji="0" lang="ko-KR" altLang="ko-KR" b="0" i="0" u="none" strike="noStrike" cap="none" normalizeH="0" baseline="0">
+                <a:ln>
+                  <a:noFill/>
+                </a:ln>
+                <a:solidFill>
+                  <a:srgbClr val="FFFFFF"/>
+                </a:solidFill>
+                <a:effectLst/>
+                <a:latin typeface="빙그레 메로나체" panose="020B0503000000000000" pitchFamily="50" charset="-127"/>
+                <a:ea typeface="source-code-pro"/>
+              </a:rPr>
+              <a:t> </a:t>
+            </a:r>
+            <a:r>
+              <a:rPr kumimoji="0" lang="ko-KR" altLang="ko-KR" b="0" i="0" u="none" strike="noStrike" cap="none" normalizeH="0" baseline="0">
+                <a:ln>
+                  <a:noFill/>
+                </a:ln>
+                <a:solidFill>
+                  <a:srgbClr val="79B6F2"/>
+                </a:solidFill>
+                <a:effectLst/>
+                <a:latin typeface="빙그레 메로나체" panose="020B0503000000000000" pitchFamily="50" charset="-127"/>
+                <a:ea typeface="source-code-pro"/>
+              </a:rPr>
+              <a:t>useState</a:t>
+            </a:r>
+            <a:r>
+              <a:rPr kumimoji="0" lang="ko-KR" altLang="ko-KR" b="0" i="0" u="none" strike="noStrike" cap="none" normalizeH="0" baseline="0">
+                <a:ln>
+                  <a:noFill/>
+                </a:ln>
+                <a:solidFill>
+                  <a:srgbClr val="88C6BE"/>
+                </a:solidFill>
+                <a:effectLst/>
+                <a:latin typeface="빙그레 메로나체" panose="020B0503000000000000" pitchFamily="50" charset="-127"/>
+                <a:ea typeface="source-code-pro"/>
+              </a:rPr>
+              <a:t>(</a:t>
+            </a:r>
+            <a:r>
+              <a:rPr kumimoji="0" lang="ko-KR" altLang="ko-KR" b="0" i="0" u="none" strike="noStrike" cap="none" normalizeH="0" baseline="0">
+                <a:ln>
+                  <a:noFill/>
+                </a:ln>
+                <a:solidFill>
+                  <a:srgbClr val="FFFFFF"/>
+                </a:solidFill>
+                <a:effectLst/>
+                <a:latin typeface="빙그레 메로나체" panose="020B0503000000000000" pitchFamily="50" charset="-127"/>
+                <a:ea typeface="source-code-pro"/>
+              </a:rPr>
+              <a:t>initialState</a:t>
+            </a:r>
+            <a:r>
+              <a:rPr kumimoji="0" lang="ko-KR" altLang="ko-KR" b="0" i="0" u="none" strike="noStrike" cap="none" normalizeH="0" baseline="0">
+                <a:ln>
+                  <a:noFill/>
+                </a:ln>
+                <a:solidFill>
+                  <a:srgbClr val="88C6BE"/>
+                </a:solidFill>
+                <a:effectLst/>
+                <a:latin typeface="빙그레 메로나체" panose="020B0503000000000000" pitchFamily="50" charset="-127"/>
+                <a:ea typeface="source-code-pro"/>
+              </a:rPr>
+              <a:t>);</a:t>
+            </a:r>
+            <a:r>
+              <a:rPr kumimoji="0" lang="ko-KR" altLang="ko-KR" b="0" i="0" u="none" strike="noStrike" cap="none" normalizeH="0" baseline="0">
+                <a:ln>
+                  <a:noFill/>
+                </a:ln>
+                <a:solidFill>
+                  <a:schemeClr val="tx1"/>
+                </a:solidFill>
+                <a:effectLst/>
+                <a:latin typeface="빙그레 메로나체" panose="020B0503000000000000" pitchFamily="50" charset="-127"/>
+                <a:ea typeface="빙그레 메로나체" panose="020B0503000000000000" pitchFamily="50" charset="-127"/>
+              </a:rPr>
+              <a:t> </a:t>
             </a:r>
           </a:p>
         </p:txBody>
@@ -11309,7 +16686,7 @@
                 <a:latin typeface="빙그레 메로나체" panose="020B0503000000000000" pitchFamily="50" charset="-127"/>
                 <a:ea typeface="빙그레 메로나체" panose="020B0503000000000000" pitchFamily="50" charset="-127"/>
               </a:rPr>
-              <a:t>Hooks - useState</a:t>
+              <a:t>Hooks - useEffect</a:t>
             </a:r>
           </a:p>
         </p:txBody>
@@ -11347,10 +16724,10 @@
       </p:sp>
       <p:sp>
         <p:nvSpPr>
-          <p:cNvPr id="2" name="사각형: 둥근 모서리 1">
+          <p:cNvPr id="14" name="사각형: 둥근 모서리 13">
             <a:extLst>
               <a:ext uri="{FF2B5EF4-FFF2-40B4-BE49-F238E27FC236}">
-                <a16:creationId xmlns:a16="http://schemas.microsoft.com/office/drawing/2014/main" id="{303B1F6A-95BE-428B-B3B0-6BD7C8DA5D6E}"/>
+                <a16:creationId xmlns:a16="http://schemas.microsoft.com/office/drawing/2014/main" id="{B1EB39EA-9BD1-49B7-A4F0-0661AE6E94F9}"/>
               </a:ext>
             </a:extLst>
           </p:cNvPr>
@@ -11359,7 +16736,7 @@
         </p:nvSpPr>
         <p:spPr>
           <a:xfrm>
-            <a:off x="721360" y="1269625"/>
+            <a:off x="640080" y="1269625"/>
             <a:ext cx="2021840" cy="529293"/>
           </a:xfrm>
           <a:prstGeom prst="roundRect">
@@ -11411,7 +16788,7 @@
                 <a:latin typeface="빙그레 메로나체" panose="020B0503000000000000" pitchFamily="50" charset="-127"/>
                 <a:ea typeface="빙그레 메로나체" panose="020B0503000000000000" pitchFamily="50" charset="-127"/>
               </a:rPr>
-              <a:t>useRef</a:t>
+              <a:t>useEffect</a:t>
             </a:r>
             <a:endParaRPr lang="ko-KR" altLang="en-US" sz="2400">
               <a:ln>
@@ -11432,10 +16809,10 @@
       </p:sp>
       <p:sp>
         <p:nvSpPr>
-          <p:cNvPr id="13" name="TextBox 12">
+          <p:cNvPr id="15" name="TextBox 14">
             <a:extLst>
               <a:ext uri="{FF2B5EF4-FFF2-40B4-BE49-F238E27FC236}">
-                <a16:creationId xmlns:a16="http://schemas.microsoft.com/office/drawing/2014/main" id="{653CCFD5-D4D8-4872-9AB8-908ABA30F244}"/>
+                <a16:creationId xmlns:a16="http://schemas.microsoft.com/office/drawing/2014/main" id="{03A6F7B5-ED82-4AAC-B1D2-371FD3E78F06}"/>
               </a:ext>
             </a:extLst>
           </p:cNvPr>
@@ -11444,8 +16821,8 @@
         </p:nvSpPr>
         <p:spPr>
           <a:xfrm>
-            <a:off x="3074670" y="1349605"/>
-            <a:ext cx="7064412" cy="369332"/>
+            <a:off x="2790190" y="1211105"/>
+            <a:ext cx="9401810" cy="646331"/>
           </a:xfrm>
           <a:prstGeom prst="rect">
             <a:avLst/>
@@ -11473,17 +16850,33 @@
                 <a:latin typeface="빙그레 메로나체" panose="020B0503000000000000" pitchFamily="50" charset="-127"/>
                 <a:ea typeface="빙그레 메로나체" panose="020B0503000000000000" pitchFamily="50" charset="-127"/>
               </a:rPr>
-              <a:t>Hook function used when pointing to a specific DOM</a:t>
+              <a:t>allows a specific task to be executed whenever a component is rendered</a:t>
+            </a:r>
+          </a:p>
+          <a:p>
+            <a:r>
+              <a:rPr lang="en-US" altLang="ko-KR">
+                <a:ln>
+                  <a:solidFill>
+                    <a:schemeClr val="tx1">
+                      <a:alpha val="30000"/>
+                    </a:schemeClr>
+                  </a:solidFill>
+                </a:ln>
+                <a:latin typeface="빙그레 메로나체" panose="020B0503000000000000" pitchFamily="50" charset="-127"/>
+                <a:ea typeface="빙그레 메로나체" panose="020B0503000000000000" pitchFamily="50" charset="-127"/>
+              </a:rPr>
+              <a:t>there is a state or props to be used in useEffect, and should be put in the deps of useEffect</a:t>
             </a:r>
           </a:p>
         </p:txBody>
       </p:sp>
       <p:sp>
         <p:nvSpPr>
-          <p:cNvPr id="19" name="TextBox 18">
+          <p:cNvPr id="17" name="TextBox 16">
             <a:extLst>
               <a:ext uri="{FF2B5EF4-FFF2-40B4-BE49-F238E27FC236}">
-                <a16:creationId xmlns:a16="http://schemas.microsoft.com/office/drawing/2014/main" id="{A721310C-2840-423C-ABF9-891D3C4D0D2D}"/>
+                <a16:creationId xmlns:a16="http://schemas.microsoft.com/office/drawing/2014/main" id="{6A48B9A4-075E-42D4-9F2D-0E1E2D7A5CFF}"/>
               </a:ext>
             </a:extLst>
           </p:cNvPr>
@@ -11492,84 +16885,8 @@
         </p:nvSpPr>
         <p:spPr>
           <a:xfrm>
-            <a:off x="249083" y="5883134"/>
-            <a:ext cx="11868422" cy="369332"/>
-          </a:xfrm>
-          <a:prstGeom prst="rect">
-            <a:avLst/>
-          </a:prstGeom>
-          <a:noFill/>
-          <a:ln>
-            <a:noFill/>
-          </a:ln>
-        </p:spPr>
-        <p:txBody>
-          <a:bodyPr wrap="square" rtlCol="0">
-            <a:spAutoFit/>
-          </a:bodyPr>
-          <a:lstStyle/>
-          <a:p>
-            <a:pPr marL="0" marR="0" lvl="0" indent="0" algn="ctr" defTabSz="914400" rtl="0" eaLnBrk="1" fontAlgn="auto" latinLnBrk="1" hangingPunct="1">
-              <a:lnSpc>
-                <a:spcPct val="100000"/>
-              </a:lnSpc>
-              <a:spcBef>
-                <a:spcPts val="0"/>
-              </a:spcBef>
-              <a:spcAft>
-                <a:spcPts val="0"/>
-              </a:spcAft>
-              <a:buClrTx/>
-              <a:buSzTx/>
-              <a:buFontTx/>
-              <a:buNone/>
-              <a:tabLst/>
-              <a:defRPr/>
-            </a:pPr>
-            <a:r>
-              <a:rPr lang="en-US" altLang="ko-KR" sz="1800">
-                <a:ln>
-                  <a:solidFill>
-                    <a:schemeClr val="tx1">
-                      <a:alpha val="30000"/>
-                    </a:schemeClr>
-                  </a:solidFill>
-                </a:ln>
-                <a:latin typeface="빙그레 메로나체" panose="020B0503000000000000" pitchFamily="50" charset="-127"/>
-                <a:ea typeface="빙그레 메로나체" panose="020B0503000000000000" pitchFamily="50" charset="-127"/>
-              </a:rPr>
-              <a:t>useState returns two pairs of a state variable and a function that updates the state (destructuring assignment)</a:t>
-            </a:r>
-            <a:endParaRPr lang="ko-KR" altLang="en-US" sz="1800">
-              <a:ln>
-                <a:solidFill>
-                  <a:schemeClr val="tx1">
-                    <a:alpha val="30000"/>
-                  </a:schemeClr>
-                </a:solidFill>
-              </a:ln>
-              <a:latin typeface="빙그레 메로나체" panose="020B0503000000000000" pitchFamily="50" charset="-127"/>
-              <a:ea typeface="빙그레 메로나체" panose="020B0503000000000000" pitchFamily="50" charset="-127"/>
-            </a:endParaRPr>
-          </a:p>
-        </p:txBody>
-      </p:sp>
-      <p:sp>
-        <p:nvSpPr>
-          <p:cNvPr id="20" name="TextBox 19">
-            <a:extLst>
-              <a:ext uri="{FF2B5EF4-FFF2-40B4-BE49-F238E27FC236}">
-                <a16:creationId xmlns:a16="http://schemas.microsoft.com/office/drawing/2014/main" id="{6C4E17E1-1953-4FD7-883C-A92EEDF6A817}"/>
-              </a:ext>
-            </a:extLst>
-          </p:cNvPr>
-          <p:cNvSpPr txBox="1"/>
-          <p:nvPr/>
-        </p:nvSpPr>
-        <p:spPr>
-          <a:xfrm>
-            <a:off x="1535654" y="1963474"/>
-            <a:ext cx="6094878" cy="3847207"/>
+            <a:off x="4454836" y="2231590"/>
+            <a:ext cx="3282327" cy="1754326"/>
           </a:xfrm>
           <a:prstGeom prst="rect">
             <a:avLst/>
@@ -11585,1236 +16902,377 @@
           <a:lstStyle/>
           <a:p>
             <a:r>
-              <a:rPr lang="en-US" altLang="ko-KR" sz="1600" b="0" i="1">
+              <a:rPr lang="en-US" altLang="ko-KR" b="0">
+                <a:solidFill>
+                  <a:srgbClr val="82AAFF"/>
+                </a:solidFill>
+                <a:effectLst/>
+                <a:latin typeface="빙그레 메로나체" panose="020B0503000000000000" pitchFamily="50" charset="-127"/>
+                <a:ea typeface="빙그레 메로나체" panose="020B0503000000000000" pitchFamily="50" charset="-127"/>
+              </a:rPr>
+              <a:t>  useEffect</a:t>
+            </a:r>
+            <a:r>
+              <a:rPr lang="en-US" altLang="ko-KR" b="0">
+                <a:solidFill>
+                  <a:srgbClr val="F07178"/>
+                </a:solidFill>
+                <a:effectLst/>
+                <a:latin typeface="빙그레 메로나체" panose="020B0503000000000000" pitchFamily="50" charset="-127"/>
+                <a:ea typeface="빙그레 메로나체" panose="020B0503000000000000" pitchFamily="50" charset="-127"/>
+              </a:rPr>
+              <a:t>(</a:t>
+            </a:r>
+            <a:r>
+              <a:rPr lang="en-US" altLang="ko-KR" b="0">
                 <a:solidFill>
                   <a:srgbClr val="89DDFF"/>
                 </a:solidFill>
                 <a:effectLst/>
-                <a:latin typeface="Consolas" panose="020B0609020204030204" pitchFamily="49" charset="0"/>
-              </a:rPr>
-              <a:t>import</a:t>
-            </a:r>
-            <a:r>
-              <a:rPr lang="en-US" altLang="ko-KR" sz="1600" b="0">
-                <a:solidFill>
-                  <a:srgbClr val="EEFFFF"/>
-                </a:solidFill>
-                <a:effectLst/>
-                <a:latin typeface="Consolas" panose="020B0609020204030204" pitchFamily="49" charset="0"/>
-              </a:rPr>
-              <a:t> React</a:t>
-            </a:r>
-            <a:r>
-              <a:rPr lang="en-US" altLang="ko-KR" sz="1600" b="0">
+                <a:latin typeface="빙그레 메로나체" panose="020B0503000000000000" pitchFamily="50" charset="-127"/>
+                <a:ea typeface="빙그레 메로나체" panose="020B0503000000000000" pitchFamily="50" charset="-127"/>
+              </a:rPr>
+              <a:t>()</a:t>
+            </a:r>
+            <a:r>
+              <a:rPr lang="en-US" altLang="ko-KR" b="0">
+                <a:solidFill>
+                  <a:srgbClr val="F07178"/>
+                </a:solidFill>
+                <a:effectLst/>
+                <a:latin typeface="빙그레 메로나체" panose="020B0503000000000000" pitchFamily="50" charset="-127"/>
+                <a:ea typeface="빙그레 메로나체" panose="020B0503000000000000" pitchFamily="50" charset="-127"/>
+              </a:rPr>
+              <a:t> </a:t>
+            </a:r>
+            <a:r>
+              <a:rPr lang="en-US" altLang="ko-KR" b="0">
+                <a:solidFill>
+                  <a:srgbClr val="C792EA"/>
+                </a:solidFill>
+                <a:effectLst/>
+                <a:latin typeface="빙그레 메로나체" panose="020B0503000000000000" pitchFamily="50" charset="-127"/>
+                <a:ea typeface="빙그레 메로나체" panose="020B0503000000000000" pitchFamily="50" charset="-127"/>
+              </a:rPr>
+              <a:t>=&gt;</a:t>
+            </a:r>
+            <a:r>
+              <a:rPr lang="en-US" altLang="ko-KR" b="0">
+                <a:solidFill>
+                  <a:srgbClr val="F07178"/>
+                </a:solidFill>
+                <a:effectLst/>
+                <a:latin typeface="빙그레 메로나체" panose="020B0503000000000000" pitchFamily="50" charset="-127"/>
+                <a:ea typeface="빙그레 메로나체" panose="020B0503000000000000" pitchFamily="50" charset="-127"/>
+              </a:rPr>
+              <a:t> </a:t>
+            </a:r>
+            <a:r>
+              <a:rPr lang="en-US" altLang="ko-KR" b="0">
                 <a:solidFill>
                   <a:srgbClr val="89DDFF"/>
                 </a:solidFill>
                 <a:effectLst/>
-                <a:latin typeface="Consolas" panose="020B0609020204030204" pitchFamily="49" charset="0"/>
-              </a:rPr>
-              <a:t>,</a:t>
-            </a:r>
-            <a:r>
-              <a:rPr lang="en-US" altLang="ko-KR" sz="1600" b="0">
-                <a:solidFill>
-                  <a:srgbClr val="EEFFFF"/>
-                </a:solidFill>
-                <a:effectLst/>
-                <a:latin typeface="Consolas" panose="020B0609020204030204" pitchFamily="49" charset="0"/>
-              </a:rPr>
-              <a:t> </a:t>
-            </a:r>
-            <a:r>
-              <a:rPr lang="en-US" altLang="ko-KR" sz="1600" b="0">
-                <a:solidFill>
-                  <a:srgbClr val="89DDFF"/>
-                </a:solidFill>
-                <a:effectLst/>
-                <a:latin typeface="Consolas" panose="020B0609020204030204" pitchFamily="49" charset="0"/>
+                <a:latin typeface="빙그레 메로나체" panose="020B0503000000000000" pitchFamily="50" charset="-127"/>
+                <a:ea typeface="빙그레 메로나체" panose="020B0503000000000000" pitchFamily="50" charset="-127"/>
               </a:rPr>
               <a:t>{</a:t>
             </a:r>
-            <a:r>
-              <a:rPr lang="en-US" altLang="ko-KR" sz="1600" b="0">
-                <a:solidFill>
-                  <a:srgbClr val="F07178"/>
-                </a:solidFill>
-                <a:effectLst/>
-                <a:latin typeface="Consolas" panose="020B0609020204030204" pitchFamily="49" charset="0"/>
-              </a:rPr>
-              <a:t> </a:t>
-            </a:r>
-            <a:r>
-              <a:rPr lang="en-US" altLang="ko-KR" sz="1600" b="0">
-                <a:solidFill>
-                  <a:srgbClr val="EEFFFF"/>
-                </a:solidFill>
-                <a:effectLst/>
-                <a:latin typeface="Consolas" panose="020B0609020204030204" pitchFamily="49" charset="0"/>
-              </a:rPr>
-              <a:t>useState</a:t>
-            </a:r>
-            <a:r>
-              <a:rPr lang="en-US" altLang="ko-KR" sz="1600" b="0">
-                <a:solidFill>
-                  <a:srgbClr val="F07178"/>
-                </a:solidFill>
-                <a:effectLst/>
-                <a:latin typeface="Consolas" panose="020B0609020204030204" pitchFamily="49" charset="0"/>
-              </a:rPr>
-              <a:t> </a:t>
-            </a:r>
-            <a:r>
-              <a:rPr lang="en-US" altLang="ko-KR" sz="1600" b="0">
-                <a:solidFill>
-                  <a:srgbClr val="89DDFF"/>
-                </a:solidFill>
-                <a:effectLst/>
-                <a:latin typeface="Consolas" panose="020B0609020204030204" pitchFamily="49" charset="0"/>
-              </a:rPr>
-              <a:t>}</a:t>
-            </a:r>
-            <a:r>
-              <a:rPr lang="en-US" altLang="ko-KR" sz="1600" b="0">
-                <a:solidFill>
-                  <a:srgbClr val="EEFFFF"/>
-                </a:solidFill>
-                <a:effectLst/>
-                <a:latin typeface="Consolas" panose="020B0609020204030204" pitchFamily="49" charset="0"/>
-              </a:rPr>
-              <a:t> </a:t>
-            </a:r>
-            <a:r>
-              <a:rPr lang="en-US" altLang="ko-KR" sz="1600" b="0" i="1">
-                <a:solidFill>
-                  <a:srgbClr val="89DDFF"/>
-                </a:solidFill>
-                <a:effectLst/>
-                <a:latin typeface="Consolas" panose="020B0609020204030204" pitchFamily="49" charset="0"/>
-              </a:rPr>
-              <a:t>from</a:t>
-            </a:r>
-            <a:r>
-              <a:rPr lang="en-US" altLang="ko-KR" sz="1600" b="0">
-                <a:solidFill>
-                  <a:srgbClr val="EEFFFF"/>
-                </a:solidFill>
-                <a:effectLst/>
-                <a:latin typeface="Consolas" panose="020B0609020204030204" pitchFamily="49" charset="0"/>
-              </a:rPr>
-              <a:t> </a:t>
-            </a:r>
-            <a:r>
-              <a:rPr lang="en-US" altLang="ko-KR" sz="1600" b="0">
-                <a:solidFill>
-                  <a:srgbClr val="89DDFF"/>
-                </a:solidFill>
-                <a:effectLst/>
-                <a:latin typeface="Consolas" panose="020B0609020204030204" pitchFamily="49" charset="0"/>
-              </a:rPr>
-              <a:t>"</a:t>
-            </a:r>
-            <a:r>
-              <a:rPr lang="en-US" altLang="ko-KR" sz="1600" b="0">
-                <a:solidFill>
-                  <a:srgbClr val="C3E88D"/>
-                </a:solidFill>
-                <a:effectLst/>
-                <a:latin typeface="Consolas" panose="020B0609020204030204" pitchFamily="49" charset="0"/>
-              </a:rPr>
-              <a:t>react</a:t>
-            </a:r>
-            <a:r>
-              <a:rPr lang="en-US" altLang="ko-KR" sz="1600" b="0">
-                <a:solidFill>
-                  <a:srgbClr val="89DDFF"/>
-                </a:solidFill>
-                <a:effectLst/>
-                <a:latin typeface="Consolas" panose="020B0609020204030204" pitchFamily="49" charset="0"/>
-              </a:rPr>
-              <a:t>";</a:t>
-            </a:r>
-            <a:endParaRPr lang="en-US" altLang="ko-KR" sz="1600" b="0">
+            <a:endParaRPr lang="en-US" altLang="ko-KR" b="0">
               <a:solidFill>
                 <a:srgbClr val="EEFFFF"/>
               </a:solidFill>
               <a:effectLst/>
-              <a:latin typeface="Consolas" panose="020B0609020204030204" pitchFamily="49" charset="0"/>
+              <a:latin typeface="빙그레 메로나체" panose="020B0503000000000000" pitchFamily="50" charset="-127"/>
+              <a:ea typeface="빙그레 메로나체" panose="020B0503000000000000" pitchFamily="50" charset="-127"/>
             </a:endParaRPr>
           </a:p>
           <a:p>
-            <a:br>
-              <a:rPr lang="en-US" altLang="ko-KR" sz="1600" b="0">
+            <a:r>
+              <a:rPr lang="en-US" altLang="ko-KR" b="0">
+                <a:solidFill>
+                  <a:srgbClr val="F07178"/>
+                </a:solidFill>
+                <a:effectLst/>
+                <a:latin typeface="빙그레 메로나체" panose="020B0503000000000000" pitchFamily="50" charset="-127"/>
+                <a:ea typeface="빙그레 메로나체" panose="020B0503000000000000" pitchFamily="50" charset="-127"/>
+              </a:rPr>
+              <a:t>    </a:t>
+            </a:r>
+            <a:r>
+              <a:rPr lang="en-US" altLang="ko-KR" b="0">
                 <a:solidFill>
                   <a:srgbClr val="EEFFFF"/>
                 </a:solidFill>
                 <a:effectLst/>
-                <a:latin typeface="Consolas" panose="020B0609020204030204" pitchFamily="49" charset="0"/>
-              </a:rPr>
-            </a:br>
-            <a:r>
-              <a:rPr lang="en-US" altLang="ko-KR" sz="1600" b="0">
+                <a:latin typeface="빙그레 메로나체" panose="020B0503000000000000" pitchFamily="50" charset="-127"/>
+                <a:ea typeface="빙그레 메로나체" panose="020B0503000000000000" pitchFamily="50" charset="-127"/>
+              </a:rPr>
+              <a:t>effect</a:t>
+            </a:r>
+          </a:p>
+          <a:p>
+            <a:r>
+              <a:rPr lang="en-US" altLang="ko-KR" b="0">
+                <a:solidFill>
+                  <a:srgbClr val="F07178"/>
+                </a:solidFill>
+                <a:effectLst/>
+                <a:latin typeface="빙그레 메로나체" panose="020B0503000000000000" pitchFamily="50" charset="-127"/>
+                <a:ea typeface="빙그레 메로나체" panose="020B0503000000000000" pitchFamily="50" charset="-127"/>
+              </a:rPr>
+              <a:t>    </a:t>
+            </a:r>
+            <a:r>
+              <a:rPr lang="en-US" altLang="ko-KR" b="0" i="1">
+                <a:solidFill>
+                  <a:srgbClr val="89DDFF"/>
+                </a:solidFill>
+                <a:effectLst/>
+                <a:latin typeface="빙그레 메로나체" panose="020B0503000000000000" pitchFamily="50" charset="-127"/>
+                <a:ea typeface="빙그레 메로나체" panose="020B0503000000000000" pitchFamily="50" charset="-127"/>
+              </a:rPr>
+              <a:t>return</a:t>
+            </a:r>
+            <a:r>
+              <a:rPr lang="en-US" altLang="ko-KR" b="0">
+                <a:solidFill>
+                  <a:srgbClr val="F07178"/>
+                </a:solidFill>
+                <a:effectLst/>
+                <a:latin typeface="빙그레 메로나체" panose="020B0503000000000000" pitchFamily="50" charset="-127"/>
+                <a:ea typeface="빙그레 메로나체" panose="020B0503000000000000" pitchFamily="50" charset="-127"/>
+              </a:rPr>
+              <a:t> </a:t>
+            </a:r>
+            <a:r>
+              <a:rPr lang="en-US" altLang="ko-KR" b="0">
+                <a:solidFill>
+                  <a:srgbClr val="89DDFF"/>
+                </a:solidFill>
+                <a:effectLst/>
+                <a:latin typeface="빙그레 메로나체" panose="020B0503000000000000" pitchFamily="50" charset="-127"/>
+                <a:ea typeface="빙그레 메로나체" panose="020B0503000000000000" pitchFamily="50" charset="-127"/>
+              </a:rPr>
+              <a:t>()</a:t>
+            </a:r>
+            <a:r>
+              <a:rPr lang="en-US" altLang="ko-KR" b="0">
+                <a:solidFill>
+                  <a:srgbClr val="F07178"/>
+                </a:solidFill>
+                <a:effectLst/>
+                <a:latin typeface="빙그레 메로나체" panose="020B0503000000000000" pitchFamily="50" charset="-127"/>
+                <a:ea typeface="빙그레 메로나체" panose="020B0503000000000000" pitchFamily="50" charset="-127"/>
+              </a:rPr>
+              <a:t> </a:t>
+            </a:r>
+            <a:r>
+              <a:rPr lang="en-US" altLang="ko-KR" b="0">
                 <a:solidFill>
                   <a:srgbClr val="C792EA"/>
                 </a:solidFill>
                 <a:effectLst/>
-                <a:latin typeface="Consolas" panose="020B0609020204030204" pitchFamily="49" charset="0"/>
-              </a:rPr>
-              <a:t>const</a:t>
-            </a:r>
-            <a:r>
-              <a:rPr lang="en-US" altLang="ko-KR" sz="1600" b="0">
-                <a:solidFill>
-                  <a:srgbClr val="EEFFFF"/>
-                </a:solidFill>
-                <a:effectLst/>
-                <a:latin typeface="Consolas" panose="020B0609020204030204" pitchFamily="49" charset="0"/>
+                <a:latin typeface="빙그레 메로나체" panose="020B0503000000000000" pitchFamily="50" charset="-127"/>
+                <a:ea typeface="빙그레 메로나체" panose="020B0503000000000000" pitchFamily="50" charset="-127"/>
+              </a:rPr>
+              <a:t>=&gt;</a:t>
+            </a:r>
+            <a:r>
+              <a:rPr lang="en-US" altLang="ko-KR" b="0">
+                <a:solidFill>
+                  <a:srgbClr val="F07178"/>
+                </a:solidFill>
+                <a:effectLst/>
+                <a:latin typeface="빙그레 메로나체" panose="020B0503000000000000" pitchFamily="50" charset="-127"/>
+                <a:ea typeface="빙그레 메로나체" panose="020B0503000000000000" pitchFamily="50" charset="-127"/>
               </a:rPr>
               <a:t> </a:t>
             </a:r>
             <a:r>
-              <a:rPr lang="en-US" altLang="ko-KR" sz="1600" b="0">
-                <a:solidFill>
-                  <a:srgbClr val="82AAFF"/>
-                </a:solidFill>
-                <a:effectLst/>
-                <a:latin typeface="Consolas" panose="020B0609020204030204" pitchFamily="49" charset="0"/>
-              </a:rPr>
-              <a:t>App</a:t>
-            </a:r>
-            <a:r>
-              <a:rPr lang="en-US" altLang="ko-KR" sz="1600" b="0">
-                <a:solidFill>
-                  <a:srgbClr val="EEFFFF"/>
-                </a:solidFill>
-                <a:effectLst/>
-                <a:latin typeface="Consolas" panose="020B0609020204030204" pitchFamily="49" charset="0"/>
-              </a:rPr>
-              <a:t> </a:t>
-            </a:r>
-            <a:r>
-              <a:rPr lang="en-US" altLang="ko-KR" sz="1600" b="0">
+              <a:rPr lang="en-US" altLang="ko-KR" b="0">
                 <a:solidFill>
                   <a:srgbClr val="89DDFF"/>
                 </a:solidFill>
                 <a:effectLst/>
-                <a:latin typeface="Consolas" panose="020B0609020204030204" pitchFamily="49" charset="0"/>
-              </a:rPr>
-              <a:t>=</a:t>
-            </a:r>
-            <a:r>
-              <a:rPr lang="en-US" altLang="ko-KR" sz="1600" b="0">
-                <a:solidFill>
-                  <a:srgbClr val="EEFFFF"/>
-                </a:solidFill>
-                <a:effectLst/>
-                <a:latin typeface="Consolas" panose="020B0609020204030204" pitchFamily="49" charset="0"/>
-              </a:rPr>
-              <a:t> </a:t>
-            </a:r>
-            <a:r>
-              <a:rPr lang="en-US" altLang="ko-KR" sz="1600" b="0">
-                <a:solidFill>
-                  <a:srgbClr val="89DDFF"/>
-                </a:solidFill>
-                <a:effectLst/>
-                <a:latin typeface="Consolas" panose="020B0609020204030204" pitchFamily="49" charset="0"/>
-              </a:rPr>
-              <a:t>()</a:t>
-            </a:r>
-            <a:r>
-              <a:rPr lang="en-US" altLang="ko-KR" sz="1600" b="0">
-                <a:solidFill>
-                  <a:srgbClr val="EEFFFF"/>
-                </a:solidFill>
-                <a:effectLst/>
-                <a:latin typeface="Consolas" panose="020B0609020204030204" pitchFamily="49" charset="0"/>
-              </a:rPr>
-              <a:t> </a:t>
-            </a:r>
-            <a:r>
-              <a:rPr lang="en-US" altLang="ko-KR" sz="1600" b="0">
-                <a:solidFill>
-                  <a:srgbClr val="C792EA"/>
-                </a:solidFill>
-                <a:effectLst/>
-                <a:latin typeface="Consolas" panose="020B0609020204030204" pitchFamily="49" charset="0"/>
-              </a:rPr>
-              <a:t>=&gt;</a:t>
-            </a:r>
-            <a:r>
-              <a:rPr lang="en-US" altLang="ko-KR" sz="1600" b="0">
-                <a:solidFill>
-                  <a:srgbClr val="EEFFFF"/>
-                </a:solidFill>
-                <a:effectLst/>
-                <a:latin typeface="Consolas" panose="020B0609020204030204" pitchFamily="49" charset="0"/>
-              </a:rPr>
-              <a:t> </a:t>
-            </a:r>
-            <a:r>
-              <a:rPr lang="en-US" altLang="ko-KR" sz="1600" b="0">
-                <a:solidFill>
-                  <a:srgbClr val="89DDFF"/>
-                </a:solidFill>
-                <a:effectLst/>
-                <a:latin typeface="Consolas" panose="020B0609020204030204" pitchFamily="49" charset="0"/>
+                <a:latin typeface="빙그레 메로나체" panose="020B0503000000000000" pitchFamily="50" charset="-127"/>
+                <a:ea typeface="빙그레 메로나체" panose="020B0503000000000000" pitchFamily="50" charset="-127"/>
               </a:rPr>
               <a:t>{</a:t>
             </a:r>
-            <a:endParaRPr lang="en-US" altLang="ko-KR" sz="1600" b="0">
+            <a:endParaRPr lang="en-US" altLang="ko-KR" b="0">
               <a:solidFill>
                 <a:srgbClr val="EEFFFF"/>
               </a:solidFill>
               <a:effectLst/>
-              <a:latin typeface="Consolas" panose="020B0609020204030204" pitchFamily="49" charset="0"/>
+              <a:latin typeface="빙그레 메로나체" panose="020B0503000000000000" pitchFamily="50" charset="-127"/>
+              <a:ea typeface="빙그레 메로나체" panose="020B0503000000000000" pitchFamily="50" charset="-127"/>
             </a:endParaRPr>
           </a:p>
           <a:p>
             <a:r>
-              <a:rPr lang="en-US" altLang="ko-KR" sz="1600" b="0">
+              <a:rPr lang="en-US" altLang="ko-KR" b="0">
                 <a:solidFill>
                   <a:srgbClr val="F07178"/>
                 </a:solidFill>
                 <a:effectLst/>
-                <a:latin typeface="Consolas" panose="020B0609020204030204" pitchFamily="49" charset="0"/>
-              </a:rPr>
-              <a:t>  </a:t>
-            </a:r>
-            <a:r>
-              <a:rPr lang="en-US" altLang="ko-KR" sz="1600" b="0">
-                <a:solidFill>
-                  <a:srgbClr val="C792EA"/>
-                </a:solidFill>
-                <a:effectLst/>
-                <a:latin typeface="Consolas" panose="020B0609020204030204" pitchFamily="49" charset="0"/>
-              </a:rPr>
-              <a:t>const</a:t>
-            </a:r>
-            <a:r>
-              <a:rPr lang="en-US" altLang="ko-KR" sz="1600" b="0">
+                <a:latin typeface="빙그레 메로나체" panose="020B0503000000000000" pitchFamily="50" charset="-127"/>
+                <a:ea typeface="빙그레 메로나체" panose="020B0503000000000000" pitchFamily="50" charset="-127"/>
+              </a:rPr>
+              <a:t>      </a:t>
+            </a:r>
+            <a:r>
+              <a:rPr lang="en-US" altLang="ko-KR" b="0">
+                <a:solidFill>
+                  <a:srgbClr val="EEFFFF"/>
+                </a:solidFill>
+                <a:effectLst/>
+                <a:latin typeface="빙그레 메로나체" panose="020B0503000000000000" pitchFamily="50" charset="-127"/>
+                <a:ea typeface="빙그레 메로나체" panose="020B0503000000000000" pitchFamily="50" charset="-127"/>
+              </a:rPr>
+              <a:t>cleanup</a:t>
+            </a:r>
+          </a:p>
+          <a:p>
+            <a:r>
+              <a:rPr lang="en-US" altLang="ko-KR" b="0">
                 <a:solidFill>
                   <a:srgbClr val="F07178"/>
                 </a:solidFill>
                 <a:effectLst/>
-                <a:latin typeface="Consolas" panose="020B0609020204030204" pitchFamily="49" charset="0"/>
-              </a:rPr>
-              <a:t> </a:t>
-            </a:r>
-            <a:r>
-              <a:rPr lang="en-US" altLang="ko-KR" sz="1600" b="0">
+                <a:latin typeface="빙그레 메로나체" panose="020B0503000000000000" pitchFamily="50" charset="-127"/>
+                <a:ea typeface="빙그레 메로나체" panose="020B0503000000000000" pitchFamily="50" charset="-127"/>
+              </a:rPr>
+              <a:t>    </a:t>
+            </a:r>
+            <a:r>
+              <a:rPr lang="en-US" altLang="ko-KR" b="0">
                 <a:solidFill>
                   <a:srgbClr val="89DDFF"/>
                 </a:solidFill>
                 <a:effectLst/>
-                <a:latin typeface="Consolas" panose="020B0609020204030204" pitchFamily="49" charset="0"/>
-              </a:rPr>
-              <a:t>[</a:t>
-            </a:r>
-            <a:r>
-              <a:rPr lang="en-US" altLang="ko-KR" sz="1600" b="0">
-                <a:solidFill>
-                  <a:srgbClr val="EEFFFF"/>
-                </a:solidFill>
-                <a:effectLst/>
-                <a:latin typeface="Consolas" panose="020B0609020204030204" pitchFamily="49" charset="0"/>
-              </a:rPr>
-              <a:t>count</a:t>
-            </a:r>
-            <a:r>
-              <a:rPr lang="en-US" altLang="ko-KR" sz="1600" b="0">
-                <a:solidFill>
-                  <a:srgbClr val="89DDFF"/>
-                </a:solidFill>
-                <a:effectLst/>
-                <a:latin typeface="Consolas" panose="020B0609020204030204" pitchFamily="49" charset="0"/>
-              </a:rPr>
-              <a:t>,</a:t>
-            </a:r>
-            <a:r>
-              <a:rPr lang="en-US" altLang="ko-KR" sz="1600" b="0">
-                <a:solidFill>
-                  <a:srgbClr val="F07178"/>
-                </a:solidFill>
-                <a:effectLst/>
-                <a:latin typeface="Consolas" panose="020B0609020204030204" pitchFamily="49" charset="0"/>
-              </a:rPr>
-              <a:t> </a:t>
-            </a:r>
-            <a:r>
-              <a:rPr lang="en-US" altLang="ko-KR" sz="1600" b="0">
-                <a:solidFill>
-                  <a:srgbClr val="82AAFF"/>
-                </a:solidFill>
-                <a:effectLst/>
-                <a:latin typeface="Consolas" panose="020B0609020204030204" pitchFamily="49" charset="0"/>
-              </a:rPr>
-              <a:t>setCount</a:t>
-            </a:r>
-            <a:r>
-              <a:rPr lang="en-US" altLang="ko-KR" sz="1600" b="0">
-                <a:solidFill>
-                  <a:srgbClr val="89DDFF"/>
-                </a:solidFill>
-                <a:effectLst/>
-                <a:latin typeface="Consolas" panose="020B0609020204030204" pitchFamily="49" charset="0"/>
-              </a:rPr>
-              <a:t>]</a:t>
-            </a:r>
-            <a:r>
-              <a:rPr lang="en-US" altLang="ko-KR" sz="1600" b="0">
-                <a:solidFill>
-                  <a:srgbClr val="F07178"/>
-                </a:solidFill>
-                <a:effectLst/>
-                <a:latin typeface="Consolas" panose="020B0609020204030204" pitchFamily="49" charset="0"/>
-              </a:rPr>
-              <a:t> </a:t>
-            </a:r>
-            <a:r>
-              <a:rPr lang="en-US" altLang="ko-KR" sz="1600" b="0">
-                <a:solidFill>
-                  <a:srgbClr val="89DDFF"/>
-                </a:solidFill>
-                <a:effectLst/>
-                <a:latin typeface="Consolas" panose="020B0609020204030204" pitchFamily="49" charset="0"/>
-              </a:rPr>
-              <a:t>=</a:t>
-            </a:r>
-            <a:r>
-              <a:rPr lang="en-US" altLang="ko-KR" sz="1600" b="0">
-                <a:solidFill>
-                  <a:srgbClr val="F07178"/>
-                </a:solidFill>
-                <a:effectLst/>
-                <a:latin typeface="Consolas" panose="020B0609020204030204" pitchFamily="49" charset="0"/>
-              </a:rPr>
-              <a:t> </a:t>
-            </a:r>
-            <a:r>
-              <a:rPr lang="en-US" altLang="ko-KR" sz="1600" b="0">
-                <a:solidFill>
-                  <a:srgbClr val="82AAFF"/>
-                </a:solidFill>
-                <a:effectLst/>
-                <a:latin typeface="Consolas" panose="020B0609020204030204" pitchFamily="49" charset="0"/>
-              </a:rPr>
-              <a:t>useState</a:t>
-            </a:r>
-            <a:r>
-              <a:rPr lang="en-US" altLang="ko-KR" sz="1600" b="0">
-                <a:solidFill>
-                  <a:srgbClr val="F07178"/>
-                </a:solidFill>
-                <a:effectLst/>
-                <a:latin typeface="Consolas" panose="020B0609020204030204" pitchFamily="49" charset="0"/>
-              </a:rPr>
-              <a:t>(</a:t>
-            </a:r>
-            <a:r>
-              <a:rPr lang="en-US" altLang="ko-KR" sz="1600" b="0">
-                <a:solidFill>
-                  <a:srgbClr val="F78C6C"/>
-                </a:solidFill>
-                <a:effectLst/>
-                <a:latin typeface="Consolas" panose="020B0609020204030204" pitchFamily="49" charset="0"/>
-              </a:rPr>
-              <a:t>0</a:t>
-            </a:r>
-            <a:r>
-              <a:rPr lang="en-US" altLang="ko-KR" sz="1600" b="0">
-                <a:solidFill>
-                  <a:srgbClr val="F07178"/>
-                </a:solidFill>
-                <a:effectLst/>
-                <a:latin typeface="Consolas" panose="020B0609020204030204" pitchFamily="49" charset="0"/>
-              </a:rPr>
-              <a:t>)</a:t>
-            </a:r>
-            <a:r>
-              <a:rPr lang="en-US" altLang="ko-KR" sz="1600" b="0">
-                <a:solidFill>
-                  <a:srgbClr val="89DDFF"/>
-                </a:solidFill>
-                <a:effectLst/>
-                <a:latin typeface="Consolas" panose="020B0609020204030204" pitchFamily="49" charset="0"/>
-              </a:rPr>
-              <a:t>;</a:t>
-            </a:r>
-            <a:endParaRPr lang="en-US" altLang="ko-KR" sz="1600" b="0">
+                <a:latin typeface="빙그레 메로나체" panose="020B0503000000000000" pitchFamily="50" charset="-127"/>
+                <a:ea typeface="빙그레 메로나체" panose="020B0503000000000000" pitchFamily="50" charset="-127"/>
+              </a:rPr>
+              <a:t>}</a:t>
+            </a:r>
+            <a:endParaRPr lang="en-US" altLang="ko-KR" b="0">
               <a:solidFill>
                 <a:srgbClr val="EEFFFF"/>
               </a:solidFill>
               <a:effectLst/>
-              <a:latin typeface="Consolas" panose="020B0609020204030204" pitchFamily="49" charset="0"/>
+              <a:latin typeface="빙그레 메로나체" panose="020B0503000000000000" pitchFamily="50" charset="-127"/>
+              <a:ea typeface="빙그레 메로나체" panose="020B0503000000000000" pitchFamily="50" charset="-127"/>
             </a:endParaRPr>
           </a:p>
           <a:p>
             <a:r>
-              <a:rPr lang="en-US" altLang="ko-KR" sz="1600" b="0">
+              <a:rPr lang="en-US" altLang="ko-KR" b="0">
+                <a:solidFill>
+                  <a:srgbClr val="89DDFF"/>
+                </a:solidFill>
+                <a:effectLst/>
+                <a:latin typeface="빙그레 메로나체" panose="020B0503000000000000" pitchFamily="50" charset="-127"/>
+                <a:ea typeface="빙그레 메로나체" panose="020B0503000000000000" pitchFamily="50" charset="-127"/>
+              </a:rPr>
+              <a:t>  },</a:t>
+            </a:r>
+            <a:r>
+              <a:rPr lang="en-US" altLang="ko-KR" b="0">
                 <a:solidFill>
                   <a:srgbClr val="F07178"/>
                 </a:solidFill>
                 <a:effectLst/>
-                <a:latin typeface="Consolas" panose="020B0609020204030204" pitchFamily="49" charset="0"/>
-              </a:rPr>
-              <a:t>  </a:t>
-            </a:r>
-            <a:r>
-              <a:rPr lang="en-US" altLang="ko-KR" sz="1600" b="0">
-                <a:solidFill>
-                  <a:srgbClr val="C792EA"/>
-                </a:solidFill>
-                <a:effectLst/>
-                <a:latin typeface="Consolas" panose="020B0609020204030204" pitchFamily="49" charset="0"/>
-              </a:rPr>
-              <a:t>const</a:t>
-            </a:r>
-            <a:r>
-              <a:rPr lang="en-US" altLang="ko-KR" sz="1600" b="0">
+                <a:latin typeface="빙그레 메로나체" panose="020B0503000000000000" pitchFamily="50" charset="-127"/>
+                <a:ea typeface="빙그레 메로나체" panose="020B0503000000000000" pitchFamily="50" charset="-127"/>
+              </a:rPr>
+              <a:t> [</a:t>
+            </a:r>
+            <a:r>
+              <a:rPr lang="en-US" altLang="ko-KR" b="0">
+                <a:solidFill>
+                  <a:srgbClr val="EEFFFF"/>
+                </a:solidFill>
+                <a:effectLst/>
+                <a:latin typeface="빙그레 메로나체" panose="020B0503000000000000" pitchFamily="50" charset="-127"/>
+                <a:ea typeface="빙그레 메로나체" panose="020B0503000000000000" pitchFamily="50" charset="-127"/>
+              </a:rPr>
+              <a:t>input</a:t>
+            </a:r>
+            <a:r>
+              <a:rPr lang="en-US" altLang="ko-KR" b="0">
                 <a:solidFill>
                   <a:srgbClr val="F07178"/>
                 </a:solidFill>
                 <a:effectLst/>
-                <a:latin typeface="Consolas" panose="020B0609020204030204" pitchFamily="49" charset="0"/>
-              </a:rPr>
-              <a:t> </a:t>
-            </a:r>
-            <a:r>
-              <a:rPr lang="en-US" altLang="ko-KR" sz="1600" b="0">
-                <a:solidFill>
-                  <a:srgbClr val="82AAFF"/>
-                </a:solidFill>
-                <a:effectLst/>
-                <a:latin typeface="Consolas" panose="020B0609020204030204" pitchFamily="49" charset="0"/>
-              </a:rPr>
-              <a:t>counter</a:t>
-            </a:r>
-            <a:r>
-              <a:rPr lang="en-US" altLang="ko-KR" sz="1600" b="0">
-                <a:solidFill>
-                  <a:srgbClr val="F07178"/>
-                </a:solidFill>
-                <a:effectLst/>
-                <a:latin typeface="Consolas" panose="020B0609020204030204" pitchFamily="49" charset="0"/>
-              </a:rPr>
-              <a:t> </a:t>
-            </a:r>
-            <a:r>
-              <a:rPr lang="en-US" altLang="ko-KR" sz="1600" b="0">
-                <a:solidFill>
-                  <a:srgbClr val="89DDFF"/>
-                </a:solidFill>
-                <a:effectLst/>
-                <a:latin typeface="Consolas" panose="020B0609020204030204" pitchFamily="49" charset="0"/>
-              </a:rPr>
-              <a:t>=</a:t>
-            </a:r>
-            <a:r>
-              <a:rPr lang="en-US" altLang="ko-KR" sz="1600" b="0">
-                <a:solidFill>
-                  <a:srgbClr val="F07178"/>
-                </a:solidFill>
-                <a:effectLst/>
-                <a:latin typeface="Consolas" panose="020B0609020204030204" pitchFamily="49" charset="0"/>
-              </a:rPr>
-              <a:t> </a:t>
-            </a:r>
-            <a:r>
-              <a:rPr lang="en-US" altLang="ko-KR" sz="1600" b="0">
-                <a:solidFill>
-                  <a:srgbClr val="89DDFF"/>
-                </a:solidFill>
-                <a:effectLst/>
-                <a:latin typeface="Consolas" panose="020B0609020204030204" pitchFamily="49" charset="0"/>
-              </a:rPr>
-              <a:t>()</a:t>
-            </a:r>
-            <a:r>
-              <a:rPr lang="en-US" altLang="ko-KR" sz="1600" b="0">
-                <a:solidFill>
-                  <a:srgbClr val="F07178"/>
-                </a:solidFill>
-                <a:effectLst/>
-                <a:latin typeface="Consolas" panose="020B0609020204030204" pitchFamily="49" charset="0"/>
-              </a:rPr>
-              <a:t> </a:t>
-            </a:r>
-            <a:r>
-              <a:rPr lang="en-US" altLang="ko-KR" sz="1600" b="0">
-                <a:solidFill>
-                  <a:srgbClr val="C792EA"/>
-                </a:solidFill>
-                <a:effectLst/>
-                <a:latin typeface="Consolas" panose="020B0609020204030204" pitchFamily="49" charset="0"/>
-              </a:rPr>
-              <a:t>=&gt;</a:t>
-            </a:r>
-            <a:r>
-              <a:rPr lang="en-US" altLang="ko-KR" sz="1600" b="0">
-                <a:solidFill>
-                  <a:srgbClr val="F07178"/>
-                </a:solidFill>
-                <a:effectLst/>
-                <a:latin typeface="Consolas" panose="020B0609020204030204" pitchFamily="49" charset="0"/>
-              </a:rPr>
-              <a:t> </a:t>
-            </a:r>
-            <a:r>
-              <a:rPr lang="en-US" altLang="ko-KR" sz="1600" b="0">
-                <a:solidFill>
-                  <a:srgbClr val="82AAFF"/>
-                </a:solidFill>
-                <a:effectLst/>
-                <a:latin typeface="Consolas" panose="020B0609020204030204" pitchFamily="49" charset="0"/>
-              </a:rPr>
-              <a:t>setCount</a:t>
-            </a:r>
-            <a:r>
-              <a:rPr lang="en-US" altLang="ko-KR" sz="1600" b="0">
-                <a:solidFill>
-                  <a:srgbClr val="F07178"/>
-                </a:solidFill>
-                <a:effectLst/>
-                <a:latin typeface="Consolas" panose="020B0609020204030204" pitchFamily="49" charset="0"/>
-              </a:rPr>
-              <a:t>(</a:t>
-            </a:r>
-            <a:r>
-              <a:rPr lang="en-US" altLang="ko-KR" sz="1600" b="0">
-                <a:solidFill>
-                  <a:srgbClr val="EEFFFF"/>
-                </a:solidFill>
-                <a:effectLst/>
-                <a:latin typeface="Consolas" panose="020B0609020204030204" pitchFamily="49" charset="0"/>
-              </a:rPr>
-              <a:t>count</a:t>
-            </a:r>
-            <a:r>
-              <a:rPr lang="en-US" altLang="ko-KR" sz="1600" b="0">
-                <a:solidFill>
-                  <a:srgbClr val="F07178"/>
-                </a:solidFill>
-                <a:effectLst/>
-                <a:latin typeface="Consolas" panose="020B0609020204030204" pitchFamily="49" charset="0"/>
-              </a:rPr>
-              <a:t> </a:t>
-            </a:r>
-            <a:r>
-              <a:rPr lang="en-US" altLang="ko-KR" sz="1600" b="0">
-                <a:solidFill>
-                  <a:srgbClr val="89DDFF"/>
-                </a:solidFill>
-                <a:effectLst/>
-                <a:latin typeface="Consolas" panose="020B0609020204030204" pitchFamily="49" charset="0"/>
-              </a:rPr>
-              <a:t>+</a:t>
-            </a:r>
-            <a:r>
-              <a:rPr lang="en-US" altLang="ko-KR" sz="1600" b="0">
-                <a:solidFill>
-                  <a:srgbClr val="F07178"/>
-                </a:solidFill>
-                <a:effectLst/>
-                <a:latin typeface="Consolas" panose="020B0609020204030204" pitchFamily="49" charset="0"/>
-              </a:rPr>
-              <a:t> </a:t>
-            </a:r>
-            <a:r>
-              <a:rPr lang="en-US" altLang="ko-KR" sz="1600" b="0">
-                <a:solidFill>
-                  <a:srgbClr val="F78C6C"/>
-                </a:solidFill>
-                <a:effectLst/>
-                <a:latin typeface="Consolas" panose="020B0609020204030204" pitchFamily="49" charset="0"/>
-              </a:rPr>
-              <a:t>1</a:t>
-            </a:r>
-            <a:r>
-              <a:rPr lang="en-US" altLang="ko-KR" sz="1600" b="0">
-                <a:solidFill>
-                  <a:srgbClr val="F07178"/>
-                </a:solidFill>
-                <a:effectLst/>
-                <a:latin typeface="Consolas" panose="020B0609020204030204" pitchFamily="49" charset="0"/>
-              </a:rPr>
-              <a:t>)</a:t>
-            </a:r>
-            <a:r>
-              <a:rPr lang="en-US" altLang="ko-KR" sz="1600" b="0">
-                <a:solidFill>
-                  <a:srgbClr val="89DDFF"/>
-                </a:solidFill>
-                <a:effectLst/>
-                <a:latin typeface="Consolas" panose="020B0609020204030204" pitchFamily="49" charset="0"/>
-              </a:rPr>
-              <a:t>;</a:t>
-            </a:r>
-            <a:endParaRPr lang="en-US" altLang="ko-KR" sz="1600" b="0">
+                <a:latin typeface="빙그레 메로나체" panose="020B0503000000000000" pitchFamily="50" charset="-127"/>
+                <a:ea typeface="빙그레 메로나체" panose="020B0503000000000000" pitchFamily="50" charset="-127"/>
+              </a:rPr>
+              <a:t>])</a:t>
+            </a:r>
+            <a:endParaRPr lang="en-US" altLang="ko-KR" b="0">
               <a:solidFill>
                 <a:srgbClr val="EEFFFF"/>
               </a:solidFill>
               <a:effectLst/>
-              <a:latin typeface="Consolas" panose="020B0609020204030204" pitchFamily="49" charset="0"/>
-            </a:endParaRPr>
-          </a:p>
-          <a:p>
-            <a:br>
-              <a:rPr lang="en-US" altLang="ko-KR" sz="1600" b="0">
-                <a:solidFill>
-                  <a:srgbClr val="EEFFFF"/>
-                </a:solidFill>
-                <a:effectLst/>
-                <a:latin typeface="Consolas" panose="020B0609020204030204" pitchFamily="49" charset="0"/>
-              </a:rPr>
-            </a:br>
-            <a:r>
-              <a:rPr lang="en-US" altLang="ko-KR" sz="1600" b="0">
-                <a:solidFill>
-                  <a:srgbClr val="F07178"/>
-                </a:solidFill>
-                <a:effectLst/>
-                <a:latin typeface="Consolas" panose="020B0609020204030204" pitchFamily="49" charset="0"/>
-              </a:rPr>
-              <a:t>  </a:t>
-            </a:r>
-            <a:r>
-              <a:rPr lang="en-US" altLang="ko-KR" sz="1600" b="0" i="1">
-                <a:solidFill>
-                  <a:srgbClr val="89DDFF"/>
-                </a:solidFill>
-                <a:effectLst/>
-                <a:latin typeface="Consolas" panose="020B0609020204030204" pitchFamily="49" charset="0"/>
-              </a:rPr>
-              <a:t>return</a:t>
-            </a:r>
-            <a:r>
-              <a:rPr lang="en-US" altLang="ko-KR" sz="1600" b="0">
-                <a:solidFill>
-                  <a:srgbClr val="F07178"/>
-                </a:solidFill>
-                <a:effectLst/>
-                <a:latin typeface="Consolas" panose="020B0609020204030204" pitchFamily="49" charset="0"/>
-              </a:rPr>
-              <a:t> (</a:t>
-            </a:r>
-            <a:endParaRPr lang="en-US" altLang="ko-KR" sz="1600" b="0">
-              <a:solidFill>
-                <a:srgbClr val="EEFFFF"/>
-              </a:solidFill>
-              <a:effectLst/>
-              <a:latin typeface="Consolas" panose="020B0609020204030204" pitchFamily="49" charset="0"/>
-            </a:endParaRPr>
-          </a:p>
-          <a:p>
-            <a:r>
-              <a:rPr lang="en-US" altLang="ko-KR" sz="1600" b="0">
-                <a:solidFill>
-                  <a:srgbClr val="F07178"/>
-                </a:solidFill>
-                <a:effectLst/>
-                <a:latin typeface="Consolas" panose="020B0609020204030204" pitchFamily="49" charset="0"/>
-              </a:rPr>
-              <a:t>    </a:t>
-            </a:r>
-            <a:r>
-              <a:rPr lang="en-US" altLang="ko-KR" sz="1600" b="0">
-                <a:solidFill>
-                  <a:srgbClr val="89DDFF"/>
-                </a:solidFill>
-                <a:effectLst/>
-                <a:latin typeface="Consolas" panose="020B0609020204030204" pitchFamily="49" charset="0"/>
-              </a:rPr>
-              <a:t>&lt;</a:t>
-            </a:r>
-            <a:r>
-              <a:rPr lang="en-US" altLang="ko-KR" sz="1600" b="0">
-                <a:solidFill>
-                  <a:srgbClr val="F07178"/>
-                </a:solidFill>
-                <a:effectLst/>
-                <a:latin typeface="Consolas" panose="020B0609020204030204" pitchFamily="49" charset="0"/>
-              </a:rPr>
-              <a:t>div</a:t>
-            </a:r>
-            <a:r>
-              <a:rPr lang="en-US" altLang="ko-KR" sz="1600" b="0">
-                <a:solidFill>
-                  <a:srgbClr val="89DDFF"/>
-                </a:solidFill>
-                <a:effectLst/>
-                <a:latin typeface="Consolas" panose="020B0609020204030204" pitchFamily="49" charset="0"/>
-              </a:rPr>
-              <a:t>&gt;</a:t>
-            </a:r>
-            <a:endParaRPr lang="en-US" altLang="ko-KR" sz="1600" b="0">
-              <a:solidFill>
-                <a:srgbClr val="EEFFFF"/>
-              </a:solidFill>
-              <a:effectLst/>
-              <a:latin typeface="Consolas" panose="020B0609020204030204" pitchFamily="49" charset="0"/>
-            </a:endParaRPr>
-          </a:p>
-          <a:p>
-            <a:r>
-              <a:rPr lang="en-US" altLang="ko-KR" sz="1600" b="0">
-                <a:solidFill>
-                  <a:srgbClr val="EEFFFF"/>
-                </a:solidFill>
-                <a:effectLst/>
-                <a:latin typeface="Consolas" panose="020B0609020204030204" pitchFamily="49" charset="0"/>
-              </a:rPr>
-              <a:t>      </a:t>
-            </a:r>
-            <a:r>
-              <a:rPr lang="en-US" altLang="ko-KR" sz="1600" b="0">
-                <a:solidFill>
-                  <a:srgbClr val="89DDFF"/>
-                </a:solidFill>
-                <a:effectLst/>
-                <a:latin typeface="Consolas" panose="020B0609020204030204" pitchFamily="49" charset="0"/>
-              </a:rPr>
-              <a:t>&lt;</a:t>
-            </a:r>
-            <a:r>
-              <a:rPr lang="en-US" altLang="ko-KR" sz="1600" b="0">
-                <a:solidFill>
-                  <a:srgbClr val="F07178"/>
-                </a:solidFill>
-                <a:effectLst/>
-                <a:latin typeface="Consolas" panose="020B0609020204030204" pitchFamily="49" charset="0"/>
-              </a:rPr>
-              <a:t>div</a:t>
-            </a:r>
-            <a:r>
-              <a:rPr lang="en-US" altLang="ko-KR" sz="1600" b="0">
-                <a:solidFill>
-                  <a:srgbClr val="89DDFF"/>
-                </a:solidFill>
-                <a:effectLst/>
-                <a:latin typeface="Consolas" panose="020B0609020204030204" pitchFamily="49" charset="0"/>
-              </a:rPr>
-              <a:t>&gt;{</a:t>
-            </a:r>
-            <a:r>
-              <a:rPr lang="en-US" altLang="ko-KR" sz="1600" b="0">
-                <a:solidFill>
-                  <a:srgbClr val="EEFFFF"/>
-                </a:solidFill>
-                <a:effectLst/>
-                <a:latin typeface="Consolas" panose="020B0609020204030204" pitchFamily="49" charset="0"/>
-              </a:rPr>
-              <a:t>count</a:t>
-            </a:r>
-            <a:r>
-              <a:rPr lang="en-US" altLang="ko-KR" sz="1600" b="0">
-                <a:solidFill>
-                  <a:srgbClr val="89DDFF"/>
-                </a:solidFill>
-                <a:effectLst/>
-                <a:latin typeface="Consolas" panose="020B0609020204030204" pitchFamily="49" charset="0"/>
-              </a:rPr>
-              <a:t>}&lt;/</a:t>
-            </a:r>
-            <a:r>
-              <a:rPr lang="en-US" altLang="ko-KR" sz="1600" b="0">
-                <a:solidFill>
-                  <a:srgbClr val="F07178"/>
-                </a:solidFill>
-                <a:effectLst/>
-                <a:latin typeface="Consolas" panose="020B0609020204030204" pitchFamily="49" charset="0"/>
-              </a:rPr>
-              <a:t>div</a:t>
-            </a:r>
-            <a:r>
-              <a:rPr lang="en-US" altLang="ko-KR" sz="1600" b="0">
-                <a:solidFill>
-                  <a:srgbClr val="89DDFF"/>
-                </a:solidFill>
-                <a:effectLst/>
-                <a:latin typeface="Consolas" panose="020B0609020204030204" pitchFamily="49" charset="0"/>
-              </a:rPr>
-              <a:t>&gt;</a:t>
-            </a:r>
-            <a:endParaRPr lang="en-US" altLang="ko-KR" sz="1600" b="0">
-              <a:solidFill>
-                <a:srgbClr val="EEFFFF"/>
-              </a:solidFill>
-              <a:effectLst/>
-              <a:latin typeface="Consolas" panose="020B0609020204030204" pitchFamily="49" charset="0"/>
-            </a:endParaRPr>
-          </a:p>
-          <a:p>
-            <a:r>
-              <a:rPr lang="en-US" altLang="ko-KR" sz="1600" b="0">
-                <a:solidFill>
-                  <a:srgbClr val="EEFFFF"/>
-                </a:solidFill>
-                <a:effectLst/>
-                <a:latin typeface="Consolas" panose="020B0609020204030204" pitchFamily="49" charset="0"/>
-              </a:rPr>
-              <a:t>      </a:t>
-            </a:r>
-            <a:r>
-              <a:rPr lang="en-US" altLang="ko-KR" sz="1600" b="0">
-                <a:solidFill>
-                  <a:srgbClr val="89DDFF"/>
-                </a:solidFill>
-                <a:effectLst/>
-                <a:latin typeface="Consolas" panose="020B0609020204030204" pitchFamily="49" charset="0"/>
-              </a:rPr>
-              <a:t>&lt;</a:t>
-            </a:r>
-            <a:r>
-              <a:rPr lang="en-US" altLang="ko-KR" sz="1600" b="0">
-                <a:solidFill>
-                  <a:srgbClr val="F07178"/>
-                </a:solidFill>
-                <a:effectLst/>
-                <a:latin typeface="Consolas" panose="020B0609020204030204" pitchFamily="49" charset="0"/>
-              </a:rPr>
-              <a:t>button</a:t>
-            </a:r>
-            <a:r>
-              <a:rPr lang="en-US" altLang="ko-KR" sz="1600" b="0">
-                <a:solidFill>
-                  <a:srgbClr val="89DDFF"/>
-                </a:solidFill>
-                <a:effectLst/>
-                <a:latin typeface="Consolas" panose="020B0609020204030204" pitchFamily="49" charset="0"/>
-              </a:rPr>
-              <a:t> </a:t>
-            </a:r>
-            <a:r>
-              <a:rPr lang="en-US" altLang="ko-KR" sz="1600" b="0">
-                <a:solidFill>
-                  <a:srgbClr val="C792EA"/>
-                </a:solidFill>
-                <a:effectLst/>
-                <a:latin typeface="Consolas" panose="020B0609020204030204" pitchFamily="49" charset="0"/>
-              </a:rPr>
-              <a:t>onClick</a:t>
-            </a:r>
-            <a:r>
-              <a:rPr lang="en-US" altLang="ko-KR" sz="1600" b="0">
-                <a:solidFill>
-                  <a:srgbClr val="89DDFF"/>
-                </a:solidFill>
-                <a:effectLst/>
-                <a:latin typeface="Consolas" panose="020B0609020204030204" pitchFamily="49" charset="0"/>
-              </a:rPr>
-              <a:t>={</a:t>
-            </a:r>
-            <a:r>
-              <a:rPr lang="en-US" altLang="ko-KR" sz="1600" b="0">
-                <a:solidFill>
-                  <a:srgbClr val="82AAFF"/>
-                </a:solidFill>
-                <a:effectLst/>
-                <a:latin typeface="Consolas" panose="020B0609020204030204" pitchFamily="49" charset="0"/>
-              </a:rPr>
-              <a:t>counter</a:t>
-            </a:r>
-            <a:r>
-              <a:rPr lang="en-US" altLang="ko-KR" sz="1600" b="0">
-                <a:solidFill>
-                  <a:srgbClr val="89DDFF"/>
-                </a:solidFill>
-                <a:effectLst/>
-                <a:latin typeface="Consolas" panose="020B0609020204030204" pitchFamily="49" charset="0"/>
-              </a:rPr>
-              <a:t>}&gt;</a:t>
-            </a:r>
-            <a:r>
-              <a:rPr lang="en-US" altLang="ko-KR" sz="1600" b="0">
-                <a:solidFill>
-                  <a:srgbClr val="EEFFFF"/>
-                </a:solidFill>
-                <a:effectLst/>
-                <a:latin typeface="Consolas" panose="020B0609020204030204" pitchFamily="49" charset="0"/>
-              </a:rPr>
-              <a:t> Click </a:t>
-            </a:r>
-            <a:r>
-              <a:rPr lang="en-US" altLang="ko-KR" sz="1600" b="0">
-                <a:solidFill>
-                  <a:srgbClr val="89DDFF"/>
-                </a:solidFill>
-                <a:effectLst/>
-                <a:latin typeface="Consolas" panose="020B0609020204030204" pitchFamily="49" charset="0"/>
-              </a:rPr>
-              <a:t>&lt;/</a:t>
-            </a:r>
-            <a:r>
-              <a:rPr lang="en-US" altLang="ko-KR" sz="1600" b="0">
-                <a:solidFill>
-                  <a:srgbClr val="F07178"/>
-                </a:solidFill>
-                <a:effectLst/>
-                <a:latin typeface="Consolas" panose="020B0609020204030204" pitchFamily="49" charset="0"/>
-              </a:rPr>
-              <a:t>button</a:t>
-            </a:r>
-            <a:r>
-              <a:rPr lang="en-US" altLang="ko-KR" sz="1600" b="0">
-                <a:solidFill>
-                  <a:srgbClr val="89DDFF"/>
-                </a:solidFill>
-                <a:effectLst/>
-                <a:latin typeface="Consolas" panose="020B0609020204030204" pitchFamily="49" charset="0"/>
-              </a:rPr>
-              <a:t>&gt;</a:t>
-            </a:r>
-            <a:endParaRPr lang="en-US" altLang="ko-KR" sz="1600" b="0">
-              <a:solidFill>
-                <a:srgbClr val="EEFFFF"/>
-              </a:solidFill>
-              <a:effectLst/>
-              <a:latin typeface="Consolas" panose="020B0609020204030204" pitchFamily="49" charset="0"/>
-            </a:endParaRPr>
-          </a:p>
-          <a:p>
-            <a:r>
-              <a:rPr lang="en-US" altLang="ko-KR" sz="1600" b="0">
-                <a:solidFill>
-                  <a:srgbClr val="EEFFFF"/>
-                </a:solidFill>
-                <a:effectLst/>
-                <a:latin typeface="Consolas" panose="020B0609020204030204" pitchFamily="49" charset="0"/>
-              </a:rPr>
-              <a:t>    </a:t>
-            </a:r>
-            <a:r>
-              <a:rPr lang="en-US" altLang="ko-KR" sz="1600" b="0">
-                <a:solidFill>
-                  <a:srgbClr val="89DDFF"/>
-                </a:solidFill>
-                <a:effectLst/>
-                <a:latin typeface="Consolas" panose="020B0609020204030204" pitchFamily="49" charset="0"/>
-              </a:rPr>
-              <a:t>&lt;/</a:t>
-            </a:r>
-            <a:r>
-              <a:rPr lang="en-US" altLang="ko-KR" sz="1600" b="0">
-                <a:solidFill>
-                  <a:srgbClr val="F07178"/>
-                </a:solidFill>
-                <a:effectLst/>
-                <a:latin typeface="Consolas" panose="020B0609020204030204" pitchFamily="49" charset="0"/>
-              </a:rPr>
-              <a:t>div</a:t>
-            </a:r>
-            <a:r>
-              <a:rPr lang="en-US" altLang="ko-KR" sz="1600" b="0">
-                <a:solidFill>
-                  <a:srgbClr val="89DDFF"/>
-                </a:solidFill>
-                <a:effectLst/>
-                <a:latin typeface="Consolas" panose="020B0609020204030204" pitchFamily="49" charset="0"/>
-              </a:rPr>
-              <a:t>&gt;</a:t>
-            </a:r>
-            <a:endParaRPr lang="en-US" altLang="ko-KR" sz="1600" b="0">
-              <a:solidFill>
-                <a:srgbClr val="EEFFFF"/>
-              </a:solidFill>
-              <a:effectLst/>
-              <a:latin typeface="Consolas" panose="020B0609020204030204" pitchFamily="49" charset="0"/>
-            </a:endParaRPr>
-          </a:p>
-          <a:p>
-            <a:r>
-              <a:rPr lang="en-US" altLang="ko-KR" sz="1600" b="0">
-                <a:solidFill>
-                  <a:srgbClr val="F07178"/>
-                </a:solidFill>
-                <a:effectLst/>
-                <a:latin typeface="Consolas" panose="020B0609020204030204" pitchFamily="49" charset="0"/>
-              </a:rPr>
-              <a:t>  )</a:t>
-            </a:r>
-            <a:r>
-              <a:rPr lang="en-US" altLang="ko-KR" sz="1600" b="0">
-                <a:solidFill>
-                  <a:srgbClr val="89DDFF"/>
-                </a:solidFill>
-                <a:effectLst/>
-                <a:latin typeface="Consolas" panose="020B0609020204030204" pitchFamily="49" charset="0"/>
-              </a:rPr>
-              <a:t>;</a:t>
-            </a:r>
-            <a:endParaRPr lang="en-US" altLang="ko-KR" sz="1600" b="0">
-              <a:solidFill>
-                <a:srgbClr val="EEFFFF"/>
-              </a:solidFill>
-              <a:effectLst/>
-              <a:latin typeface="Consolas" panose="020B0609020204030204" pitchFamily="49" charset="0"/>
-            </a:endParaRPr>
-          </a:p>
-          <a:p>
-            <a:r>
-              <a:rPr lang="en-US" altLang="ko-KR" sz="1600" b="0">
-                <a:solidFill>
-                  <a:srgbClr val="89DDFF"/>
-                </a:solidFill>
-                <a:effectLst/>
-                <a:latin typeface="Consolas" panose="020B0609020204030204" pitchFamily="49" charset="0"/>
-              </a:rPr>
-              <a:t>};</a:t>
-            </a:r>
-            <a:endParaRPr lang="en-US" altLang="ko-KR" sz="1600" b="0">
-              <a:solidFill>
-                <a:srgbClr val="EEFFFF"/>
-              </a:solidFill>
-              <a:effectLst/>
-              <a:latin typeface="Consolas" panose="020B0609020204030204" pitchFamily="49" charset="0"/>
-            </a:endParaRPr>
-          </a:p>
-          <a:p>
-            <a:br>
-              <a:rPr lang="en-US" altLang="ko-KR" sz="1600" b="0">
-                <a:solidFill>
-                  <a:srgbClr val="EEFFFF"/>
-                </a:solidFill>
-                <a:effectLst/>
-                <a:latin typeface="Consolas" panose="020B0609020204030204" pitchFamily="49" charset="0"/>
-              </a:rPr>
-            </a:br>
-            <a:r>
-              <a:rPr lang="en-US" altLang="ko-KR" sz="1600" b="0" i="1">
-                <a:solidFill>
-                  <a:srgbClr val="89DDFF"/>
-                </a:solidFill>
-                <a:effectLst/>
-                <a:latin typeface="Consolas" panose="020B0609020204030204" pitchFamily="49" charset="0"/>
-              </a:rPr>
-              <a:t>export</a:t>
-            </a:r>
-            <a:r>
-              <a:rPr lang="en-US" altLang="ko-KR" sz="1600" b="0">
-                <a:solidFill>
-                  <a:srgbClr val="EEFFFF"/>
-                </a:solidFill>
-                <a:effectLst/>
-                <a:latin typeface="Consolas" panose="020B0609020204030204" pitchFamily="49" charset="0"/>
-              </a:rPr>
-              <a:t> </a:t>
-            </a:r>
-            <a:r>
-              <a:rPr lang="en-US" altLang="ko-KR" sz="1600" b="0" i="1">
-                <a:solidFill>
-                  <a:srgbClr val="89DDFF"/>
-                </a:solidFill>
-                <a:effectLst/>
-                <a:latin typeface="Consolas" panose="020B0609020204030204" pitchFamily="49" charset="0"/>
-              </a:rPr>
-              <a:t>default</a:t>
-            </a:r>
-            <a:r>
-              <a:rPr lang="en-US" altLang="ko-KR" sz="1600" b="0">
-                <a:solidFill>
-                  <a:srgbClr val="EEFFFF"/>
-                </a:solidFill>
-                <a:effectLst/>
-                <a:latin typeface="Consolas" panose="020B0609020204030204" pitchFamily="49" charset="0"/>
-              </a:rPr>
-              <a:t> </a:t>
-            </a:r>
-            <a:r>
-              <a:rPr lang="en-US" altLang="ko-KR" sz="1600" b="0">
-                <a:solidFill>
-                  <a:srgbClr val="82AAFF"/>
-                </a:solidFill>
-                <a:effectLst/>
-                <a:latin typeface="Consolas" panose="020B0609020204030204" pitchFamily="49" charset="0"/>
-              </a:rPr>
-              <a:t>App</a:t>
-            </a:r>
-            <a:r>
-              <a:rPr lang="en-US" altLang="ko-KR" sz="1600" b="0">
-                <a:solidFill>
-                  <a:srgbClr val="89DDFF"/>
-                </a:solidFill>
-                <a:effectLst/>
-                <a:latin typeface="Consolas" panose="020B0609020204030204" pitchFamily="49" charset="0"/>
-              </a:rPr>
-              <a:t>;</a:t>
-            </a:r>
-            <a:endParaRPr lang="en-US" altLang="ko-KR" sz="1600" b="0">
-              <a:solidFill>
-                <a:srgbClr val="EEFFFF"/>
-              </a:solidFill>
-              <a:effectLst/>
-              <a:latin typeface="Consolas" panose="020B0609020204030204" pitchFamily="49" charset="0"/>
+              <a:latin typeface="빙그레 메로나체" panose="020B0503000000000000" pitchFamily="50" charset="-127"/>
+              <a:ea typeface="빙그레 메로나체" panose="020B0503000000000000" pitchFamily="50" charset="-127"/>
             </a:endParaRPr>
           </a:p>
         </p:txBody>
       </p:sp>
-      <p:pic>
-        <p:nvPicPr>
-          <p:cNvPr id="21" name="그림 20">
+      <p:sp>
+        <p:nvSpPr>
+          <p:cNvPr id="22" name="사각형: 둥근 모서리 21">
             <a:extLst>
               <a:ext uri="{FF2B5EF4-FFF2-40B4-BE49-F238E27FC236}">
-                <a16:creationId xmlns:a16="http://schemas.microsoft.com/office/drawing/2014/main" id="{4A71AA98-19E7-4074-B222-20CAB0646E5E}"/>
+                <a16:creationId xmlns:a16="http://schemas.microsoft.com/office/drawing/2014/main" id="{AC6A6DCB-56D2-477B-988F-4F30A77DD536}"/>
               </a:ext>
             </a:extLst>
           </p:cNvPr>
-          <p:cNvPicPr>
-            <a:picLocks noChangeAspect="1"/>
-          </p:cNvPicPr>
-          <p:nvPr/>
-        </p:nvPicPr>
-        <p:blipFill>
-          <a:blip r:embed="rId3"/>
-          <a:stretch>
-            <a:fillRect/>
-          </a:stretch>
-        </p:blipFill>
-        <p:spPr>
-          <a:xfrm>
-            <a:off x="8412480" y="2715483"/>
-            <a:ext cx="2391109" cy="2210108"/>
-          </a:xfrm>
-          <a:prstGeom prst="rect">
-            <a:avLst/>
-          </a:prstGeom>
-          <a:ln>
-            <a:solidFill>
-              <a:schemeClr val="tx1"/>
-            </a:solidFill>
-          </a:ln>
-        </p:spPr>
-      </p:pic>
-      <p:sp>
-        <p:nvSpPr>
-          <p:cNvPr id="23" name="TextBox 22">
-            <a:extLst>
-              <a:ext uri="{FF2B5EF4-FFF2-40B4-BE49-F238E27FC236}">
-                <a16:creationId xmlns:a16="http://schemas.microsoft.com/office/drawing/2014/main" id="{CF71C1DE-8A46-4518-8C46-05B887222511}"/>
-              </a:ext>
-            </a:extLst>
-          </p:cNvPr>
-          <p:cNvSpPr txBox="1"/>
+          <p:cNvSpPr/>
           <p:nvPr/>
         </p:nvSpPr>
         <p:spPr>
           <a:xfrm>
-            <a:off x="605118" y="6339819"/>
-            <a:ext cx="10636623" cy="276999"/>
+            <a:off x="2113280" y="4576150"/>
+            <a:ext cx="2021840" cy="823335"/>
           </a:xfrm>
-          <a:prstGeom prst="rect">
+          <a:prstGeom prst="roundRect">
             <a:avLst/>
           </a:prstGeom>
-          <a:noFill/>
+          <a:solidFill>
+            <a:srgbClr val="DAE3F3">
+              <a:alpha val="60000"/>
+            </a:srgbClr>
+          </a:solidFill>
+          <a:ln>
+            <a:noFill/>
+          </a:ln>
         </p:spPr>
+        <p:style>
+          <a:lnRef idx="2">
+            <a:schemeClr val="accent1">
+              <a:shade val="50000"/>
+            </a:schemeClr>
+          </a:lnRef>
+          <a:fillRef idx="1">
+            <a:schemeClr val="accent1"/>
+          </a:fillRef>
+          <a:effectRef idx="0">
+            <a:schemeClr val="accent1"/>
+          </a:effectRef>
+          <a:fontRef idx="minor">
+            <a:schemeClr val="lt1"/>
+          </a:fontRef>
+        </p:style>
         <p:txBody>
-          <a:bodyPr wrap="square">
-            <a:spAutoFit/>
-          </a:bodyPr>
+          <a:bodyPr rtlCol="0" anchor="ctr"/>
           <a:lstStyle/>
           <a:p>
-            <a:r>
-              <a:rPr lang="en-US" altLang="ko-KR" sz="1200">
+            <a:pPr algn="ctr"/>
+            <a:r>
+              <a:rPr lang="en-US" altLang="ko-KR" sz="2400">
                 <a:ln>
                   <a:solidFill>
                     <a:schemeClr val="tx1">
@@ -12822,18 +17280,203 @@
                     </a:schemeClr>
                   </a:solidFill>
                 </a:ln>
-                <a:latin typeface="빙그레 메로나체" panose="020B0503000000000000" pitchFamily="50" charset="-127"/>
-                <a:ea typeface="빙그레 메로나체" panose="020B0503000000000000" pitchFamily="50" charset="-127"/>
-              </a:rPr>
-              <a:t>* destructuring assignment : JavaScript expressions that allow you to decompose an array or object's properties and hold their values in individual variables.</a:t>
-            </a:r>
+                <a:solidFill>
+                  <a:schemeClr val="tx1"/>
+                </a:solidFill>
+                <a:latin typeface="빙그레 메로나체" panose="020B0503000000000000" pitchFamily="50" charset="-127"/>
+                <a:ea typeface="빙그레 메로나체" panose="020B0503000000000000" pitchFamily="50" charset="-127"/>
+              </a:rPr>
+              <a:t>mount</a:t>
+            </a:r>
+            <a:endParaRPr lang="ko-KR" altLang="en-US" sz="2400">
+              <a:ln>
+                <a:solidFill>
+                  <a:schemeClr val="tx1">
+                    <a:alpha val="30000"/>
+                  </a:schemeClr>
+                </a:solidFill>
+              </a:ln>
+              <a:solidFill>
+                <a:schemeClr val="tx1"/>
+              </a:solidFill>
+              <a:latin typeface="빙그레 메로나체" panose="020B0503000000000000" pitchFamily="50" charset="-127"/>
+              <a:ea typeface="빙그레 메로나체" panose="020B0503000000000000" pitchFamily="50" charset="-127"/>
+            </a:endParaRPr>
+          </a:p>
+        </p:txBody>
+      </p:sp>
+      <p:sp>
+        <p:nvSpPr>
+          <p:cNvPr id="24" name="사각형: 둥근 모서리 23">
+            <a:extLst>
+              <a:ext uri="{FF2B5EF4-FFF2-40B4-BE49-F238E27FC236}">
+                <a16:creationId xmlns:a16="http://schemas.microsoft.com/office/drawing/2014/main" id="{E3D958B5-174F-4C0E-B348-FCB0C9ECE4A0}"/>
+              </a:ext>
+            </a:extLst>
+          </p:cNvPr>
+          <p:cNvSpPr/>
+          <p:nvPr/>
+        </p:nvSpPr>
+        <p:spPr>
+          <a:xfrm>
+            <a:off x="5046345" y="4576150"/>
+            <a:ext cx="2021840" cy="823335"/>
+          </a:xfrm>
+          <a:prstGeom prst="roundRect">
+            <a:avLst/>
+          </a:prstGeom>
+          <a:solidFill>
+            <a:srgbClr val="DAE3F3">
+              <a:alpha val="60000"/>
+            </a:srgbClr>
+          </a:solidFill>
+          <a:ln>
+            <a:noFill/>
+          </a:ln>
+        </p:spPr>
+        <p:style>
+          <a:lnRef idx="2">
+            <a:schemeClr val="accent1">
+              <a:shade val="50000"/>
+            </a:schemeClr>
+          </a:lnRef>
+          <a:fillRef idx="1">
+            <a:schemeClr val="accent1"/>
+          </a:fillRef>
+          <a:effectRef idx="0">
+            <a:schemeClr val="accent1"/>
+          </a:effectRef>
+          <a:fontRef idx="minor">
+            <a:schemeClr val="lt1"/>
+          </a:fontRef>
+        </p:style>
+        <p:txBody>
+          <a:bodyPr rtlCol="0" anchor="ctr"/>
+          <a:lstStyle/>
+          <a:p>
+            <a:pPr algn="ctr"/>
+            <a:r>
+              <a:rPr lang="en-US" altLang="ko-KR" sz="2400">
+                <a:ln>
+                  <a:solidFill>
+                    <a:schemeClr val="tx1">
+                      <a:alpha val="30000"/>
+                    </a:schemeClr>
+                  </a:solidFill>
+                </a:ln>
+                <a:solidFill>
+                  <a:schemeClr val="tx1"/>
+                </a:solidFill>
+                <a:latin typeface="빙그레 메로나체" panose="020B0503000000000000" pitchFamily="50" charset="-127"/>
+                <a:ea typeface="빙그레 메로나체" panose="020B0503000000000000" pitchFamily="50" charset="-127"/>
+              </a:rPr>
+              <a:t>unmount</a:t>
+            </a:r>
+            <a:endParaRPr lang="ko-KR" altLang="en-US" sz="2400">
+              <a:ln>
+                <a:solidFill>
+                  <a:schemeClr val="tx1">
+                    <a:alpha val="30000"/>
+                  </a:schemeClr>
+                </a:solidFill>
+              </a:ln>
+              <a:solidFill>
+                <a:schemeClr val="tx1"/>
+              </a:solidFill>
+              <a:latin typeface="빙그레 메로나체" panose="020B0503000000000000" pitchFamily="50" charset="-127"/>
+              <a:ea typeface="빙그레 메로나체" panose="020B0503000000000000" pitchFamily="50" charset="-127"/>
+            </a:endParaRPr>
+          </a:p>
+        </p:txBody>
+      </p:sp>
+      <p:sp>
+        <p:nvSpPr>
+          <p:cNvPr id="25" name="사각형: 둥근 모서리 24">
+            <a:extLst>
+              <a:ext uri="{FF2B5EF4-FFF2-40B4-BE49-F238E27FC236}">
+                <a16:creationId xmlns:a16="http://schemas.microsoft.com/office/drawing/2014/main" id="{ED825666-66CA-40A8-8339-48DE73CB3261}"/>
+              </a:ext>
+            </a:extLst>
+          </p:cNvPr>
+          <p:cNvSpPr/>
+          <p:nvPr/>
+        </p:nvSpPr>
+        <p:spPr>
+          <a:xfrm>
+            <a:off x="7979410" y="4576150"/>
+            <a:ext cx="2021840" cy="823335"/>
+          </a:xfrm>
+          <a:prstGeom prst="roundRect">
+            <a:avLst/>
+          </a:prstGeom>
+          <a:solidFill>
+            <a:srgbClr val="DAE3F3">
+              <a:alpha val="60000"/>
+            </a:srgbClr>
+          </a:solidFill>
+          <a:ln>
+            <a:noFill/>
+          </a:ln>
+        </p:spPr>
+        <p:style>
+          <a:lnRef idx="2">
+            <a:schemeClr val="accent1">
+              <a:shade val="50000"/>
+            </a:schemeClr>
+          </a:lnRef>
+          <a:fillRef idx="1">
+            <a:schemeClr val="accent1"/>
+          </a:fillRef>
+          <a:effectRef idx="0">
+            <a:schemeClr val="accent1"/>
+          </a:effectRef>
+          <a:fontRef idx="minor">
+            <a:schemeClr val="lt1"/>
+          </a:fontRef>
+        </p:style>
+        <p:txBody>
+          <a:bodyPr rtlCol="0" anchor="ctr"/>
+          <a:lstStyle/>
+          <a:p>
+            <a:pPr algn="ctr"/>
+            <a:r>
+              <a:rPr lang="en-US" altLang="ko-KR" sz="2400">
+                <a:ln>
+                  <a:solidFill>
+                    <a:schemeClr val="tx1">
+                      <a:alpha val="30000"/>
+                    </a:schemeClr>
+                  </a:solidFill>
+                </a:ln>
+                <a:solidFill>
+                  <a:schemeClr val="tx1"/>
+                </a:solidFill>
+                <a:latin typeface="빙그레 메로나체" panose="020B0503000000000000" pitchFamily="50" charset="-127"/>
+                <a:ea typeface="빙그레 메로나체" panose="020B0503000000000000" pitchFamily="50" charset="-127"/>
+              </a:rPr>
+              <a:t>update</a:t>
+            </a:r>
+            <a:endParaRPr lang="ko-KR" altLang="en-US" sz="2400">
+              <a:ln>
+                <a:solidFill>
+                  <a:schemeClr val="tx1">
+                    <a:alpha val="30000"/>
+                  </a:schemeClr>
+                </a:solidFill>
+              </a:ln>
+              <a:solidFill>
+                <a:schemeClr val="tx1"/>
+              </a:solidFill>
+              <a:latin typeface="빙그레 메로나체" panose="020B0503000000000000" pitchFamily="50" charset="-127"/>
+              <a:ea typeface="빙그레 메로나체" panose="020B0503000000000000" pitchFamily="50" charset="-127"/>
+            </a:endParaRPr>
           </a:p>
         </p:txBody>
       </p:sp>
     </p:spTree>
     <p:extLst>
       <p:ext uri="{BB962C8B-B14F-4D97-AF65-F5344CB8AC3E}">
-        <p14:creationId xmlns:p14="http://schemas.microsoft.com/office/powerpoint/2010/main" val="3660324520"/>
+        <p14:creationId xmlns:p14="http://schemas.microsoft.com/office/powerpoint/2010/main" val="1728300318"/>
       </p:ext>
     </p:extLst>
   </p:cSld>
